--- a/条件分岐入門.pptx
+++ b/条件分岐入門.pptx
@@ -8,10 +8,12 @@
     <p:sldId id="256" r:id="rId2"/>
     <p:sldId id="257" r:id="rId3"/>
     <p:sldId id="258" r:id="rId4"/>
-    <p:sldId id="259" r:id="rId5"/>
+    <p:sldId id="267" r:id="rId5"/>
     <p:sldId id="260" r:id="rId6"/>
     <p:sldId id="261" r:id="rId7"/>
     <p:sldId id="262" r:id="rId8"/>
+    <p:sldId id="263" r:id="rId9"/>
+    <p:sldId id="264" r:id="rId10"/>
   </p:sldIdLst>
   <p:sldSz cx="12192000" cy="6858000"/>
   <p:notesSz cx="6858000" cy="9144000"/>
@@ -1648,6 +1650,753 @@
 </file>
 
 <file path=ppt/diagrams/colors3.xml><?xml version="1.0" encoding="utf-8"?>
+<dgm:colorsDef xmlns:dgm="http://schemas.openxmlformats.org/drawingml/2006/diagram" xmlns:a="http://schemas.openxmlformats.org/drawingml/2006/main" uniqueId="urn:microsoft.com/office/officeart/2005/8/colors/accent5_2">
+  <dgm:title val=""/>
+  <dgm:desc val=""/>
+  <dgm:catLst>
+    <dgm:cat type="accent5" pri="11200"/>
+  </dgm:catLst>
+  <dgm:styleLbl name="node0">
+    <dgm:fillClrLst meth="repeat">
+      <a:schemeClr val="accent5"/>
+    </dgm:fillClrLst>
+    <dgm:linClrLst meth="repeat">
+      <a:schemeClr val="lt1"/>
+    </dgm:linClrLst>
+    <dgm:effectClrLst/>
+    <dgm:txLinClrLst/>
+    <dgm:txFillClrLst/>
+    <dgm:txEffectClrLst/>
+  </dgm:styleLbl>
+  <dgm:styleLbl name="node1">
+    <dgm:fillClrLst meth="repeat">
+      <a:schemeClr val="accent5"/>
+    </dgm:fillClrLst>
+    <dgm:linClrLst meth="repeat">
+      <a:schemeClr val="lt1"/>
+    </dgm:linClrLst>
+    <dgm:effectClrLst/>
+    <dgm:txLinClrLst/>
+    <dgm:txFillClrLst/>
+    <dgm:txEffectClrLst/>
+  </dgm:styleLbl>
+  <dgm:styleLbl name="alignNode1">
+    <dgm:fillClrLst meth="repeat">
+      <a:schemeClr val="accent5"/>
+    </dgm:fillClrLst>
+    <dgm:linClrLst meth="repeat">
+      <a:schemeClr val="accent5"/>
+    </dgm:linClrLst>
+    <dgm:effectClrLst/>
+    <dgm:txLinClrLst/>
+    <dgm:txFillClrLst/>
+    <dgm:txEffectClrLst/>
+  </dgm:styleLbl>
+  <dgm:styleLbl name="lnNode1">
+    <dgm:fillClrLst meth="repeat">
+      <a:schemeClr val="accent5"/>
+    </dgm:fillClrLst>
+    <dgm:linClrLst meth="repeat">
+      <a:schemeClr val="lt1"/>
+    </dgm:linClrLst>
+    <dgm:effectClrLst/>
+    <dgm:txLinClrLst/>
+    <dgm:txFillClrLst/>
+    <dgm:txEffectClrLst/>
+  </dgm:styleLbl>
+  <dgm:styleLbl name="vennNode1">
+    <dgm:fillClrLst meth="repeat">
+      <a:schemeClr val="accent5">
+        <a:alpha val="50000"/>
+      </a:schemeClr>
+    </dgm:fillClrLst>
+    <dgm:linClrLst meth="repeat">
+      <a:schemeClr val="lt1"/>
+    </dgm:linClrLst>
+    <dgm:effectClrLst/>
+    <dgm:txLinClrLst/>
+    <dgm:txFillClrLst/>
+    <dgm:txEffectClrLst/>
+  </dgm:styleLbl>
+  <dgm:styleLbl name="node2">
+    <dgm:fillClrLst meth="repeat">
+      <a:schemeClr val="accent5"/>
+    </dgm:fillClrLst>
+    <dgm:linClrLst meth="repeat">
+      <a:schemeClr val="lt1"/>
+    </dgm:linClrLst>
+    <dgm:effectClrLst/>
+    <dgm:txLinClrLst/>
+    <dgm:txFillClrLst/>
+    <dgm:txEffectClrLst/>
+  </dgm:styleLbl>
+  <dgm:styleLbl name="node3">
+    <dgm:fillClrLst meth="repeat">
+      <a:schemeClr val="accent5"/>
+    </dgm:fillClrLst>
+    <dgm:linClrLst meth="repeat">
+      <a:schemeClr val="lt1"/>
+    </dgm:linClrLst>
+    <dgm:effectClrLst/>
+    <dgm:txLinClrLst/>
+    <dgm:txFillClrLst/>
+    <dgm:txEffectClrLst/>
+  </dgm:styleLbl>
+  <dgm:styleLbl name="node4">
+    <dgm:fillClrLst meth="repeat">
+      <a:schemeClr val="accent5"/>
+    </dgm:fillClrLst>
+    <dgm:linClrLst meth="repeat">
+      <a:schemeClr val="lt1"/>
+    </dgm:linClrLst>
+    <dgm:effectClrLst/>
+    <dgm:txLinClrLst/>
+    <dgm:txFillClrLst/>
+    <dgm:txEffectClrLst/>
+  </dgm:styleLbl>
+  <dgm:styleLbl name="fgImgPlace1">
+    <dgm:fillClrLst meth="repeat">
+      <a:schemeClr val="accent5">
+        <a:tint val="50000"/>
+      </a:schemeClr>
+    </dgm:fillClrLst>
+    <dgm:linClrLst meth="repeat">
+      <a:schemeClr val="lt1"/>
+    </dgm:linClrLst>
+    <dgm:effectClrLst/>
+    <dgm:txLinClrLst/>
+    <dgm:txFillClrLst meth="repeat">
+      <a:schemeClr val="lt1"/>
+    </dgm:txFillClrLst>
+    <dgm:txEffectClrLst/>
+  </dgm:styleLbl>
+  <dgm:styleLbl name="alignImgPlace1">
+    <dgm:fillClrLst meth="repeat">
+      <a:schemeClr val="accent5">
+        <a:tint val="50000"/>
+      </a:schemeClr>
+    </dgm:fillClrLst>
+    <dgm:linClrLst meth="repeat">
+      <a:schemeClr val="lt1"/>
+    </dgm:linClrLst>
+    <dgm:effectClrLst/>
+    <dgm:txLinClrLst/>
+    <dgm:txFillClrLst meth="repeat">
+      <a:schemeClr val="lt1"/>
+    </dgm:txFillClrLst>
+    <dgm:txEffectClrLst/>
+  </dgm:styleLbl>
+  <dgm:styleLbl name="bgImgPlace1">
+    <dgm:fillClrLst meth="repeat">
+      <a:schemeClr val="accent5">
+        <a:tint val="50000"/>
+      </a:schemeClr>
+    </dgm:fillClrLst>
+    <dgm:linClrLst meth="repeat">
+      <a:schemeClr val="lt1"/>
+    </dgm:linClrLst>
+    <dgm:effectClrLst/>
+    <dgm:txLinClrLst/>
+    <dgm:txFillClrLst meth="repeat">
+      <a:schemeClr val="lt1"/>
+    </dgm:txFillClrLst>
+    <dgm:txEffectClrLst/>
+  </dgm:styleLbl>
+  <dgm:styleLbl name="sibTrans2D1">
+    <dgm:fillClrLst meth="repeat">
+      <a:schemeClr val="accent5">
+        <a:tint val="60000"/>
+      </a:schemeClr>
+    </dgm:fillClrLst>
+    <dgm:linClrLst meth="repeat">
+      <a:schemeClr val="accent5">
+        <a:tint val="60000"/>
+      </a:schemeClr>
+    </dgm:linClrLst>
+    <dgm:effectClrLst/>
+    <dgm:txLinClrLst/>
+    <dgm:txFillClrLst/>
+    <dgm:txEffectClrLst/>
+  </dgm:styleLbl>
+  <dgm:styleLbl name="fgSibTrans2D1">
+    <dgm:fillClrLst meth="repeat">
+      <a:schemeClr val="accent5">
+        <a:tint val="60000"/>
+      </a:schemeClr>
+    </dgm:fillClrLst>
+    <dgm:linClrLst meth="repeat">
+      <a:schemeClr val="accent5">
+        <a:tint val="60000"/>
+      </a:schemeClr>
+    </dgm:linClrLst>
+    <dgm:effectClrLst/>
+    <dgm:txLinClrLst/>
+    <dgm:txFillClrLst/>
+    <dgm:txEffectClrLst/>
+  </dgm:styleLbl>
+  <dgm:styleLbl name="bgSibTrans2D1">
+    <dgm:fillClrLst meth="repeat">
+      <a:schemeClr val="accent5">
+        <a:tint val="60000"/>
+      </a:schemeClr>
+    </dgm:fillClrLst>
+    <dgm:linClrLst meth="repeat">
+      <a:schemeClr val="accent5">
+        <a:tint val="60000"/>
+      </a:schemeClr>
+    </dgm:linClrLst>
+    <dgm:effectClrLst/>
+    <dgm:txLinClrLst/>
+    <dgm:txFillClrLst/>
+    <dgm:txEffectClrLst/>
+  </dgm:styleLbl>
+  <dgm:styleLbl name="sibTrans1D1">
+    <dgm:fillClrLst meth="repeat">
+      <a:schemeClr val="accent5"/>
+    </dgm:fillClrLst>
+    <dgm:linClrLst meth="repeat">
+      <a:schemeClr val="accent5"/>
+    </dgm:linClrLst>
+    <dgm:effectClrLst/>
+    <dgm:txLinClrLst/>
+    <dgm:txFillClrLst meth="repeat">
+      <a:schemeClr val="tx1"/>
+    </dgm:txFillClrLst>
+    <dgm:txEffectClrLst/>
+  </dgm:styleLbl>
+  <dgm:styleLbl name="callout">
+    <dgm:fillClrLst meth="repeat">
+      <a:schemeClr val="accent5"/>
+    </dgm:fillClrLst>
+    <dgm:linClrLst meth="repeat">
+      <a:schemeClr val="accent5">
+        <a:tint val="50000"/>
+      </a:schemeClr>
+    </dgm:linClrLst>
+    <dgm:effectClrLst/>
+    <dgm:txLinClrLst/>
+    <dgm:txFillClrLst meth="repeat">
+      <a:schemeClr val="tx1"/>
+    </dgm:txFillClrLst>
+    <dgm:txEffectClrLst/>
+  </dgm:styleLbl>
+  <dgm:styleLbl name="asst0">
+    <dgm:fillClrLst meth="repeat">
+      <a:schemeClr val="accent5"/>
+    </dgm:fillClrLst>
+    <dgm:linClrLst meth="repeat">
+      <a:schemeClr val="lt1"/>
+    </dgm:linClrLst>
+    <dgm:effectClrLst/>
+    <dgm:txLinClrLst/>
+    <dgm:txFillClrLst/>
+    <dgm:txEffectClrLst/>
+  </dgm:styleLbl>
+  <dgm:styleLbl name="asst1">
+    <dgm:fillClrLst meth="repeat">
+      <a:schemeClr val="accent5"/>
+    </dgm:fillClrLst>
+    <dgm:linClrLst meth="repeat">
+      <a:schemeClr val="lt1"/>
+    </dgm:linClrLst>
+    <dgm:effectClrLst/>
+    <dgm:txLinClrLst/>
+    <dgm:txFillClrLst/>
+    <dgm:txEffectClrLst/>
+  </dgm:styleLbl>
+  <dgm:styleLbl name="asst2">
+    <dgm:fillClrLst meth="repeat">
+      <a:schemeClr val="accent5"/>
+    </dgm:fillClrLst>
+    <dgm:linClrLst meth="repeat">
+      <a:schemeClr val="lt1"/>
+    </dgm:linClrLst>
+    <dgm:effectClrLst/>
+    <dgm:txLinClrLst/>
+    <dgm:txFillClrLst/>
+    <dgm:txEffectClrLst/>
+  </dgm:styleLbl>
+  <dgm:styleLbl name="asst3">
+    <dgm:fillClrLst meth="repeat">
+      <a:schemeClr val="accent5"/>
+    </dgm:fillClrLst>
+    <dgm:linClrLst meth="repeat">
+      <a:schemeClr val="lt1"/>
+    </dgm:linClrLst>
+    <dgm:effectClrLst/>
+    <dgm:txLinClrLst/>
+    <dgm:txFillClrLst/>
+    <dgm:txEffectClrLst/>
+  </dgm:styleLbl>
+  <dgm:styleLbl name="asst4">
+    <dgm:fillClrLst meth="repeat">
+      <a:schemeClr val="accent5"/>
+    </dgm:fillClrLst>
+    <dgm:linClrLst meth="repeat">
+      <a:schemeClr val="lt1"/>
+    </dgm:linClrLst>
+    <dgm:effectClrLst/>
+    <dgm:txLinClrLst/>
+    <dgm:txFillClrLst/>
+    <dgm:txEffectClrLst/>
+  </dgm:styleLbl>
+  <dgm:styleLbl name="parChTrans2D1">
+    <dgm:fillClrLst meth="repeat">
+      <a:schemeClr val="accent5">
+        <a:tint val="60000"/>
+      </a:schemeClr>
+    </dgm:fillClrLst>
+    <dgm:linClrLst meth="repeat">
+      <a:schemeClr val="accent5">
+        <a:tint val="60000"/>
+      </a:schemeClr>
+    </dgm:linClrLst>
+    <dgm:effectClrLst/>
+    <dgm:txLinClrLst/>
+    <dgm:txFillClrLst meth="repeat">
+      <a:schemeClr val="lt1"/>
+    </dgm:txFillClrLst>
+    <dgm:txEffectClrLst/>
+  </dgm:styleLbl>
+  <dgm:styleLbl name="parChTrans2D2">
+    <dgm:fillClrLst meth="repeat">
+      <a:schemeClr val="accent5"/>
+    </dgm:fillClrLst>
+    <dgm:linClrLst meth="repeat">
+      <a:schemeClr val="accent5"/>
+    </dgm:linClrLst>
+    <dgm:effectClrLst/>
+    <dgm:txLinClrLst/>
+    <dgm:txFillClrLst meth="repeat">
+      <a:schemeClr val="lt1"/>
+    </dgm:txFillClrLst>
+    <dgm:txEffectClrLst/>
+  </dgm:styleLbl>
+  <dgm:styleLbl name="parChTrans2D3">
+    <dgm:fillClrLst meth="repeat">
+      <a:schemeClr val="accent5"/>
+    </dgm:fillClrLst>
+    <dgm:linClrLst meth="repeat">
+      <a:schemeClr val="accent5"/>
+    </dgm:linClrLst>
+    <dgm:effectClrLst/>
+    <dgm:txLinClrLst/>
+    <dgm:txFillClrLst meth="repeat">
+      <a:schemeClr val="lt1"/>
+    </dgm:txFillClrLst>
+    <dgm:txEffectClrLst/>
+  </dgm:styleLbl>
+  <dgm:styleLbl name="parChTrans2D4">
+    <dgm:fillClrLst meth="repeat">
+      <a:schemeClr val="accent5"/>
+    </dgm:fillClrLst>
+    <dgm:linClrLst meth="repeat">
+      <a:schemeClr val="accent5"/>
+    </dgm:linClrLst>
+    <dgm:effectClrLst/>
+    <dgm:txLinClrLst/>
+    <dgm:txFillClrLst meth="repeat">
+      <a:schemeClr val="lt1"/>
+    </dgm:txFillClrLst>
+    <dgm:txEffectClrLst/>
+  </dgm:styleLbl>
+  <dgm:styleLbl name="parChTrans1D1">
+    <dgm:fillClrLst meth="repeat">
+      <a:schemeClr val="accent5"/>
+    </dgm:fillClrLst>
+    <dgm:linClrLst meth="repeat">
+      <a:schemeClr val="accent5">
+        <a:shade val="60000"/>
+      </a:schemeClr>
+    </dgm:linClrLst>
+    <dgm:effectClrLst/>
+    <dgm:txLinClrLst/>
+    <dgm:txFillClrLst meth="repeat">
+      <a:schemeClr val="tx1"/>
+    </dgm:txFillClrLst>
+    <dgm:txEffectClrLst/>
+  </dgm:styleLbl>
+  <dgm:styleLbl name="parChTrans1D2">
+    <dgm:fillClrLst meth="repeat">
+      <a:schemeClr val="accent5"/>
+    </dgm:fillClrLst>
+    <dgm:linClrLst meth="repeat">
+      <a:schemeClr val="accent5">
+        <a:shade val="60000"/>
+      </a:schemeClr>
+    </dgm:linClrLst>
+    <dgm:effectClrLst/>
+    <dgm:txLinClrLst/>
+    <dgm:txFillClrLst meth="repeat">
+      <a:schemeClr val="tx1"/>
+    </dgm:txFillClrLst>
+    <dgm:txEffectClrLst/>
+  </dgm:styleLbl>
+  <dgm:styleLbl name="parChTrans1D3">
+    <dgm:fillClrLst meth="repeat">
+      <a:schemeClr val="accent5"/>
+    </dgm:fillClrLst>
+    <dgm:linClrLst meth="repeat">
+      <a:schemeClr val="accent5">
+        <a:shade val="80000"/>
+      </a:schemeClr>
+    </dgm:linClrLst>
+    <dgm:effectClrLst/>
+    <dgm:txLinClrLst/>
+    <dgm:txFillClrLst meth="repeat">
+      <a:schemeClr val="tx1"/>
+    </dgm:txFillClrLst>
+    <dgm:txEffectClrLst/>
+  </dgm:styleLbl>
+  <dgm:styleLbl name="parChTrans1D4">
+    <dgm:fillClrLst meth="repeat">
+      <a:schemeClr val="accent5"/>
+    </dgm:fillClrLst>
+    <dgm:linClrLst meth="repeat">
+      <a:schemeClr val="accent5">
+        <a:shade val="80000"/>
+      </a:schemeClr>
+    </dgm:linClrLst>
+    <dgm:effectClrLst/>
+    <dgm:txLinClrLst/>
+    <dgm:txFillClrLst meth="repeat">
+      <a:schemeClr val="tx1"/>
+    </dgm:txFillClrLst>
+    <dgm:txEffectClrLst/>
+  </dgm:styleLbl>
+  <dgm:styleLbl name="fgAcc1">
+    <dgm:fillClrLst meth="repeat">
+      <a:schemeClr val="lt1">
+        <a:alpha val="90000"/>
+      </a:schemeClr>
+    </dgm:fillClrLst>
+    <dgm:linClrLst meth="repeat">
+      <a:schemeClr val="accent5"/>
+    </dgm:linClrLst>
+    <dgm:effectClrLst/>
+    <dgm:txLinClrLst/>
+    <dgm:txFillClrLst meth="repeat">
+      <a:schemeClr val="dk1"/>
+    </dgm:txFillClrLst>
+    <dgm:txEffectClrLst/>
+  </dgm:styleLbl>
+  <dgm:styleLbl name="conFgAcc1">
+    <dgm:fillClrLst meth="repeat">
+      <a:schemeClr val="lt1">
+        <a:alpha val="90000"/>
+      </a:schemeClr>
+    </dgm:fillClrLst>
+    <dgm:linClrLst meth="repeat">
+      <a:schemeClr val="accent5"/>
+    </dgm:linClrLst>
+    <dgm:effectClrLst/>
+    <dgm:txLinClrLst/>
+    <dgm:txFillClrLst meth="repeat">
+      <a:schemeClr val="dk1"/>
+    </dgm:txFillClrLst>
+    <dgm:txEffectClrLst/>
+  </dgm:styleLbl>
+  <dgm:styleLbl name="alignAcc1">
+    <dgm:fillClrLst meth="repeat">
+      <a:schemeClr val="lt1">
+        <a:alpha val="90000"/>
+      </a:schemeClr>
+    </dgm:fillClrLst>
+    <dgm:linClrLst meth="repeat">
+      <a:schemeClr val="accent5"/>
+    </dgm:linClrLst>
+    <dgm:effectClrLst/>
+    <dgm:txLinClrLst/>
+    <dgm:txFillClrLst meth="repeat">
+      <a:schemeClr val="dk1"/>
+    </dgm:txFillClrLst>
+    <dgm:txEffectClrLst/>
+  </dgm:styleLbl>
+  <dgm:styleLbl name="trAlignAcc1">
+    <dgm:fillClrLst meth="repeat">
+      <a:schemeClr val="lt1">
+        <a:alpha val="40000"/>
+      </a:schemeClr>
+    </dgm:fillClrLst>
+    <dgm:linClrLst meth="repeat">
+      <a:schemeClr val="accent5"/>
+    </dgm:linClrLst>
+    <dgm:effectClrLst/>
+    <dgm:txLinClrLst/>
+    <dgm:txFillClrLst meth="repeat">
+      <a:schemeClr val="dk1"/>
+    </dgm:txFillClrLst>
+    <dgm:txEffectClrLst/>
+  </dgm:styleLbl>
+  <dgm:styleLbl name="bgAcc1">
+    <dgm:fillClrLst meth="repeat">
+      <a:schemeClr val="lt1">
+        <a:alpha val="90000"/>
+      </a:schemeClr>
+    </dgm:fillClrLst>
+    <dgm:linClrLst meth="repeat">
+      <a:schemeClr val="accent5"/>
+    </dgm:linClrLst>
+    <dgm:effectClrLst/>
+    <dgm:txLinClrLst/>
+    <dgm:txFillClrLst meth="repeat">
+      <a:schemeClr val="dk1"/>
+    </dgm:txFillClrLst>
+    <dgm:txEffectClrLst/>
+  </dgm:styleLbl>
+  <dgm:styleLbl name="solidFgAcc1">
+    <dgm:fillClrLst meth="repeat">
+      <a:schemeClr val="lt1"/>
+    </dgm:fillClrLst>
+    <dgm:linClrLst meth="repeat">
+      <a:schemeClr val="accent5"/>
+    </dgm:linClrLst>
+    <dgm:effectClrLst/>
+    <dgm:txLinClrLst/>
+    <dgm:txFillClrLst meth="repeat">
+      <a:schemeClr val="dk1"/>
+    </dgm:txFillClrLst>
+    <dgm:txEffectClrLst/>
+  </dgm:styleLbl>
+  <dgm:styleLbl name="solidAlignAcc1">
+    <dgm:fillClrLst meth="repeat">
+      <a:schemeClr val="lt1"/>
+    </dgm:fillClrLst>
+    <dgm:linClrLst meth="repeat">
+      <a:schemeClr val="accent5"/>
+    </dgm:linClrLst>
+    <dgm:effectClrLst/>
+    <dgm:txLinClrLst/>
+    <dgm:txFillClrLst meth="repeat">
+      <a:schemeClr val="dk1"/>
+    </dgm:txFillClrLst>
+    <dgm:txEffectClrLst/>
+  </dgm:styleLbl>
+  <dgm:styleLbl name="solidBgAcc1">
+    <dgm:fillClrLst meth="repeat">
+      <a:schemeClr val="lt1"/>
+    </dgm:fillClrLst>
+    <dgm:linClrLst meth="repeat">
+      <a:schemeClr val="accent5"/>
+    </dgm:linClrLst>
+    <dgm:effectClrLst/>
+    <dgm:txLinClrLst/>
+    <dgm:txFillClrLst meth="repeat">
+      <a:schemeClr val="dk1"/>
+    </dgm:txFillClrLst>
+    <dgm:txEffectClrLst/>
+  </dgm:styleLbl>
+  <dgm:styleLbl name="fgAccFollowNode1">
+    <dgm:fillClrLst meth="repeat">
+      <a:schemeClr val="accent5">
+        <a:alpha val="90000"/>
+        <a:tint val="40000"/>
+      </a:schemeClr>
+    </dgm:fillClrLst>
+    <dgm:linClrLst meth="repeat">
+      <a:schemeClr val="accent5">
+        <a:alpha val="90000"/>
+        <a:tint val="40000"/>
+      </a:schemeClr>
+    </dgm:linClrLst>
+    <dgm:effectClrLst/>
+    <dgm:txLinClrLst/>
+    <dgm:txFillClrLst meth="repeat">
+      <a:schemeClr val="dk1"/>
+    </dgm:txFillClrLst>
+    <dgm:txEffectClrLst/>
+  </dgm:styleLbl>
+  <dgm:styleLbl name="alignAccFollowNode1">
+    <dgm:fillClrLst meth="repeat">
+      <a:schemeClr val="accent5">
+        <a:alpha val="90000"/>
+        <a:tint val="40000"/>
+      </a:schemeClr>
+    </dgm:fillClrLst>
+    <dgm:linClrLst meth="repeat">
+      <a:schemeClr val="accent5">
+        <a:alpha val="90000"/>
+        <a:tint val="40000"/>
+      </a:schemeClr>
+    </dgm:linClrLst>
+    <dgm:effectClrLst/>
+    <dgm:txLinClrLst/>
+    <dgm:txFillClrLst meth="repeat">
+      <a:schemeClr val="dk1"/>
+    </dgm:txFillClrLst>
+    <dgm:txEffectClrLst/>
+  </dgm:styleLbl>
+  <dgm:styleLbl name="bgAccFollowNode1">
+    <dgm:fillClrLst meth="repeat">
+      <a:schemeClr val="accent5">
+        <a:alpha val="90000"/>
+        <a:tint val="40000"/>
+      </a:schemeClr>
+    </dgm:fillClrLst>
+    <dgm:linClrLst meth="repeat">
+      <a:schemeClr val="accent5">
+        <a:alpha val="90000"/>
+        <a:tint val="40000"/>
+      </a:schemeClr>
+    </dgm:linClrLst>
+    <dgm:effectClrLst/>
+    <dgm:txLinClrLst/>
+    <dgm:txFillClrLst meth="repeat">
+      <a:schemeClr val="dk1"/>
+    </dgm:txFillClrLst>
+    <dgm:txEffectClrLst/>
+  </dgm:styleLbl>
+  <dgm:styleLbl name="fgAcc0">
+    <dgm:fillClrLst meth="repeat">
+      <a:schemeClr val="lt1">
+        <a:alpha val="90000"/>
+      </a:schemeClr>
+    </dgm:fillClrLst>
+    <dgm:linClrLst meth="repeat">
+      <a:schemeClr val="accent5"/>
+    </dgm:linClrLst>
+    <dgm:effectClrLst/>
+    <dgm:txLinClrLst/>
+    <dgm:txFillClrLst meth="repeat">
+      <a:schemeClr val="dk1"/>
+    </dgm:txFillClrLst>
+    <dgm:txEffectClrLst/>
+  </dgm:styleLbl>
+  <dgm:styleLbl name="fgAcc2">
+    <dgm:fillClrLst meth="repeat">
+      <a:schemeClr val="lt1">
+        <a:alpha val="90000"/>
+      </a:schemeClr>
+    </dgm:fillClrLst>
+    <dgm:linClrLst meth="repeat">
+      <a:schemeClr val="accent5"/>
+    </dgm:linClrLst>
+    <dgm:effectClrLst/>
+    <dgm:txLinClrLst/>
+    <dgm:txFillClrLst meth="repeat">
+      <a:schemeClr val="dk1"/>
+    </dgm:txFillClrLst>
+    <dgm:txEffectClrLst/>
+  </dgm:styleLbl>
+  <dgm:styleLbl name="fgAcc3">
+    <dgm:fillClrLst meth="repeat">
+      <a:schemeClr val="lt1">
+        <a:alpha val="90000"/>
+      </a:schemeClr>
+    </dgm:fillClrLst>
+    <dgm:linClrLst meth="repeat">
+      <a:schemeClr val="accent5"/>
+    </dgm:linClrLst>
+    <dgm:effectClrLst/>
+    <dgm:txLinClrLst/>
+    <dgm:txFillClrLst meth="repeat">
+      <a:schemeClr val="dk1"/>
+    </dgm:txFillClrLst>
+    <dgm:txEffectClrLst/>
+  </dgm:styleLbl>
+  <dgm:styleLbl name="fgAcc4">
+    <dgm:fillClrLst meth="repeat">
+      <a:schemeClr val="lt1">
+        <a:alpha val="90000"/>
+      </a:schemeClr>
+    </dgm:fillClrLst>
+    <dgm:linClrLst meth="repeat">
+      <a:schemeClr val="accent5"/>
+    </dgm:linClrLst>
+    <dgm:effectClrLst/>
+    <dgm:txLinClrLst/>
+    <dgm:txFillClrLst meth="repeat">
+      <a:schemeClr val="dk1"/>
+    </dgm:txFillClrLst>
+    <dgm:txEffectClrLst/>
+  </dgm:styleLbl>
+  <dgm:styleLbl name="bgShp">
+    <dgm:fillClrLst meth="repeat">
+      <a:schemeClr val="accent5">
+        <a:tint val="40000"/>
+      </a:schemeClr>
+    </dgm:fillClrLst>
+    <dgm:linClrLst meth="repeat">
+      <a:schemeClr val="accent5"/>
+    </dgm:linClrLst>
+    <dgm:effectClrLst/>
+    <dgm:txLinClrLst/>
+    <dgm:txFillClrLst meth="repeat">
+      <a:schemeClr val="dk1"/>
+    </dgm:txFillClrLst>
+    <dgm:txEffectClrLst/>
+  </dgm:styleLbl>
+  <dgm:styleLbl name="dkBgShp">
+    <dgm:fillClrLst meth="repeat">
+      <a:schemeClr val="accent5">
+        <a:shade val="80000"/>
+      </a:schemeClr>
+    </dgm:fillClrLst>
+    <dgm:linClrLst meth="repeat">
+      <a:schemeClr val="accent5"/>
+    </dgm:linClrLst>
+    <dgm:effectClrLst/>
+    <dgm:txLinClrLst/>
+    <dgm:txFillClrLst meth="repeat">
+      <a:schemeClr val="lt1"/>
+    </dgm:txFillClrLst>
+    <dgm:txEffectClrLst/>
+  </dgm:styleLbl>
+  <dgm:styleLbl name="trBgShp">
+    <dgm:fillClrLst meth="repeat">
+      <a:schemeClr val="accent5">
+        <a:tint val="50000"/>
+        <a:alpha val="40000"/>
+      </a:schemeClr>
+    </dgm:fillClrLst>
+    <dgm:linClrLst meth="repeat">
+      <a:schemeClr val="accent5"/>
+    </dgm:linClrLst>
+    <dgm:effectClrLst/>
+    <dgm:txLinClrLst/>
+    <dgm:txFillClrLst meth="repeat">
+      <a:schemeClr val="lt1"/>
+    </dgm:txFillClrLst>
+    <dgm:txEffectClrLst/>
+  </dgm:styleLbl>
+  <dgm:styleLbl name="fgShp">
+    <dgm:fillClrLst meth="repeat">
+      <a:schemeClr val="accent5">
+        <a:tint val="60000"/>
+      </a:schemeClr>
+    </dgm:fillClrLst>
+    <dgm:linClrLst meth="repeat">
+      <a:schemeClr val="lt1"/>
+    </dgm:linClrLst>
+    <dgm:effectClrLst/>
+    <dgm:txLinClrLst/>
+    <dgm:txFillClrLst meth="repeat">
+      <a:schemeClr val="dk1"/>
+    </dgm:txFillClrLst>
+    <dgm:txEffectClrLst/>
+  </dgm:styleLbl>
+  <dgm:styleLbl name="revTx">
+    <dgm:fillClrLst meth="repeat">
+      <a:schemeClr val="lt1">
+        <a:alpha val="0"/>
+      </a:schemeClr>
+    </dgm:fillClrLst>
+    <dgm:linClrLst meth="repeat">
+      <a:schemeClr val="dk1">
+        <a:alpha val="0"/>
+      </a:schemeClr>
+    </dgm:linClrLst>
+    <dgm:effectClrLst/>
+    <dgm:txLinClrLst/>
+    <dgm:txFillClrLst meth="repeat">
+      <a:schemeClr val="tx1"/>
+    </dgm:txFillClrLst>
+    <dgm:txEffectClrLst/>
+  </dgm:styleLbl>
+</dgm:colorsDef>
+</file>
+
+<file path=ppt/diagrams/colors4.xml><?xml version="1.0" encoding="utf-8"?>
 <dgm:colorsDef xmlns:dgm="http://schemas.openxmlformats.org/drawingml/2006/diagram" xmlns:a="http://schemas.openxmlformats.org/drawingml/2006/main" uniqueId="urn:microsoft.com/office/officeart/2005/8/colors/colorful5">
   <dgm:title val=""/>
   <dgm:desc val=""/>
@@ -2429,1535 +3178,6 @@
 </dgm:colorsDef>
 </file>
 
-<file path=ppt/diagrams/colors4.xml><?xml version="1.0" encoding="utf-8"?>
-<dgm:colorsDef xmlns:dgm="http://schemas.openxmlformats.org/drawingml/2006/diagram" xmlns:a="http://schemas.openxmlformats.org/drawingml/2006/main" uniqueId="urn:microsoft.com/office/officeart/2005/8/colors/accent5_2">
-  <dgm:title val=""/>
-  <dgm:desc val=""/>
-  <dgm:catLst>
-    <dgm:cat type="accent5" pri="11200"/>
-  </dgm:catLst>
-  <dgm:styleLbl name="node0">
-    <dgm:fillClrLst meth="repeat">
-      <a:schemeClr val="accent5"/>
-    </dgm:fillClrLst>
-    <dgm:linClrLst meth="repeat">
-      <a:schemeClr val="lt1"/>
-    </dgm:linClrLst>
-    <dgm:effectClrLst/>
-    <dgm:txLinClrLst/>
-    <dgm:txFillClrLst/>
-    <dgm:txEffectClrLst/>
-  </dgm:styleLbl>
-  <dgm:styleLbl name="node1">
-    <dgm:fillClrLst meth="repeat">
-      <a:schemeClr val="accent5"/>
-    </dgm:fillClrLst>
-    <dgm:linClrLst meth="repeat">
-      <a:schemeClr val="lt1"/>
-    </dgm:linClrLst>
-    <dgm:effectClrLst/>
-    <dgm:txLinClrLst/>
-    <dgm:txFillClrLst/>
-    <dgm:txEffectClrLst/>
-  </dgm:styleLbl>
-  <dgm:styleLbl name="alignNode1">
-    <dgm:fillClrLst meth="repeat">
-      <a:schemeClr val="accent5"/>
-    </dgm:fillClrLst>
-    <dgm:linClrLst meth="repeat">
-      <a:schemeClr val="accent5"/>
-    </dgm:linClrLst>
-    <dgm:effectClrLst/>
-    <dgm:txLinClrLst/>
-    <dgm:txFillClrLst/>
-    <dgm:txEffectClrLst/>
-  </dgm:styleLbl>
-  <dgm:styleLbl name="lnNode1">
-    <dgm:fillClrLst meth="repeat">
-      <a:schemeClr val="accent5"/>
-    </dgm:fillClrLst>
-    <dgm:linClrLst meth="repeat">
-      <a:schemeClr val="lt1"/>
-    </dgm:linClrLst>
-    <dgm:effectClrLst/>
-    <dgm:txLinClrLst/>
-    <dgm:txFillClrLst/>
-    <dgm:txEffectClrLst/>
-  </dgm:styleLbl>
-  <dgm:styleLbl name="vennNode1">
-    <dgm:fillClrLst meth="repeat">
-      <a:schemeClr val="accent5">
-        <a:alpha val="50000"/>
-      </a:schemeClr>
-    </dgm:fillClrLst>
-    <dgm:linClrLst meth="repeat">
-      <a:schemeClr val="lt1"/>
-    </dgm:linClrLst>
-    <dgm:effectClrLst/>
-    <dgm:txLinClrLst/>
-    <dgm:txFillClrLst/>
-    <dgm:txEffectClrLst/>
-  </dgm:styleLbl>
-  <dgm:styleLbl name="node2">
-    <dgm:fillClrLst meth="repeat">
-      <a:schemeClr val="accent5"/>
-    </dgm:fillClrLst>
-    <dgm:linClrLst meth="repeat">
-      <a:schemeClr val="lt1"/>
-    </dgm:linClrLst>
-    <dgm:effectClrLst/>
-    <dgm:txLinClrLst/>
-    <dgm:txFillClrLst/>
-    <dgm:txEffectClrLst/>
-  </dgm:styleLbl>
-  <dgm:styleLbl name="node3">
-    <dgm:fillClrLst meth="repeat">
-      <a:schemeClr val="accent5"/>
-    </dgm:fillClrLst>
-    <dgm:linClrLst meth="repeat">
-      <a:schemeClr val="lt1"/>
-    </dgm:linClrLst>
-    <dgm:effectClrLst/>
-    <dgm:txLinClrLst/>
-    <dgm:txFillClrLst/>
-    <dgm:txEffectClrLst/>
-  </dgm:styleLbl>
-  <dgm:styleLbl name="node4">
-    <dgm:fillClrLst meth="repeat">
-      <a:schemeClr val="accent5"/>
-    </dgm:fillClrLst>
-    <dgm:linClrLst meth="repeat">
-      <a:schemeClr val="lt1"/>
-    </dgm:linClrLst>
-    <dgm:effectClrLst/>
-    <dgm:txLinClrLst/>
-    <dgm:txFillClrLst/>
-    <dgm:txEffectClrLst/>
-  </dgm:styleLbl>
-  <dgm:styleLbl name="fgImgPlace1">
-    <dgm:fillClrLst meth="repeat">
-      <a:schemeClr val="accent5">
-        <a:tint val="50000"/>
-      </a:schemeClr>
-    </dgm:fillClrLst>
-    <dgm:linClrLst meth="repeat">
-      <a:schemeClr val="lt1"/>
-    </dgm:linClrLst>
-    <dgm:effectClrLst/>
-    <dgm:txLinClrLst/>
-    <dgm:txFillClrLst meth="repeat">
-      <a:schemeClr val="lt1"/>
-    </dgm:txFillClrLst>
-    <dgm:txEffectClrLst/>
-  </dgm:styleLbl>
-  <dgm:styleLbl name="alignImgPlace1">
-    <dgm:fillClrLst meth="repeat">
-      <a:schemeClr val="accent5">
-        <a:tint val="50000"/>
-      </a:schemeClr>
-    </dgm:fillClrLst>
-    <dgm:linClrLst meth="repeat">
-      <a:schemeClr val="lt1"/>
-    </dgm:linClrLst>
-    <dgm:effectClrLst/>
-    <dgm:txLinClrLst/>
-    <dgm:txFillClrLst meth="repeat">
-      <a:schemeClr val="lt1"/>
-    </dgm:txFillClrLst>
-    <dgm:txEffectClrLst/>
-  </dgm:styleLbl>
-  <dgm:styleLbl name="bgImgPlace1">
-    <dgm:fillClrLst meth="repeat">
-      <a:schemeClr val="accent5">
-        <a:tint val="50000"/>
-      </a:schemeClr>
-    </dgm:fillClrLst>
-    <dgm:linClrLst meth="repeat">
-      <a:schemeClr val="lt1"/>
-    </dgm:linClrLst>
-    <dgm:effectClrLst/>
-    <dgm:txLinClrLst/>
-    <dgm:txFillClrLst meth="repeat">
-      <a:schemeClr val="lt1"/>
-    </dgm:txFillClrLst>
-    <dgm:txEffectClrLst/>
-  </dgm:styleLbl>
-  <dgm:styleLbl name="sibTrans2D1">
-    <dgm:fillClrLst meth="repeat">
-      <a:schemeClr val="accent5">
-        <a:tint val="60000"/>
-      </a:schemeClr>
-    </dgm:fillClrLst>
-    <dgm:linClrLst meth="repeat">
-      <a:schemeClr val="accent5">
-        <a:tint val="60000"/>
-      </a:schemeClr>
-    </dgm:linClrLst>
-    <dgm:effectClrLst/>
-    <dgm:txLinClrLst/>
-    <dgm:txFillClrLst/>
-    <dgm:txEffectClrLst/>
-  </dgm:styleLbl>
-  <dgm:styleLbl name="fgSibTrans2D1">
-    <dgm:fillClrLst meth="repeat">
-      <a:schemeClr val="accent5">
-        <a:tint val="60000"/>
-      </a:schemeClr>
-    </dgm:fillClrLst>
-    <dgm:linClrLst meth="repeat">
-      <a:schemeClr val="accent5">
-        <a:tint val="60000"/>
-      </a:schemeClr>
-    </dgm:linClrLst>
-    <dgm:effectClrLst/>
-    <dgm:txLinClrLst/>
-    <dgm:txFillClrLst/>
-    <dgm:txEffectClrLst/>
-  </dgm:styleLbl>
-  <dgm:styleLbl name="bgSibTrans2D1">
-    <dgm:fillClrLst meth="repeat">
-      <a:schemeClr val="accent5">
-        <a:tint val="60000"/>
-      </a:schemeClr>
-    </dgm:fillClrLst>
-    <dgm:linClrLst meth="repeat">
-      <a:schemeClr val="accent5">
-        <a:tint val="60000"/>
-      </a:schemeClr>
-    </dgm:linClrLst>
-    <dgm:effectClrLst/>
-    <dgm:txLinClrLst/>
-    <dgm:txFillClrLst/>
-    <dgm:txEffectClrLst/>
-  </dgm:styleLbl>
-  <dgm:styleLbl name="sibTrans1D1">
-    <dgm:fillClrLst meth="repeat">
-      <a:schemeClr val="accent5"/>
-    </dgm:fillClrLst>
-    <dgm:linClrLst meth="repeat">
-      <a:schemeClr val="accent5"/>
-    </dgm:linClrLst>
-    <dgm:effectClrLst/>
-    <dgm:txLinClrLst/>
-    <dgm:txFillClrLst meth="repeat">
-      <a:schemeClr val="tx1"/>
-    </dgm:txFillClrLst>
-    <dgm:txEffectClrLst/>
-  </dgm:styleLbl>
-  <dgm:styleLbl name="callout">
-    <dgm:fillClrLst meth="repeat">
-      <a:schemeClr val="accent5"/>
-    </dgm:fillClrLst>
-    <dgm:linClrLst meth="repeat">
-      <a:schemeClr val="accent5">
-        <a:tint val="50000"/>
-      </a:schemeClr>
-    </dgm:linClrLst>
-    <dgm:effectClrLst/>
-    <dgm:txLinClrLst/>
-    <dgm:txFillClrLst meth="repeat">
-      <a:schemeClr val="tx1"/>
-    </dgm:txFillClrLst>
-    <dgm:txEffectClrLst/>
-  </dgm:styleLbl>
-  <dgm:styleLbl name="asst0">
-    <dgm:fillClrLst meth="repeat">
-      <a:schemeClr val="accent5"/>
-    </dgm:fillClrLst>
-    <dgm:linClrLst meth="repeat">
-      <a:schemeClr val="lt1"/>
-    </dgm:linClrLst>
-    <dgm:effectClrLst/>
-    <dgm:txLinClrLst/>
-    <dgm:txFillClrLst/>
-    <dgm:txEffectClrLst/>
-  </dgm:styleLbl>
-  <dgm:styleLbl name="asst1">
-    <dgm:fillClrLst meth="repeat">
-      <a:schemeClr val="accent5"/>
-    </dgm:fillClrLst>
-    <dgm:linClrLst meth="repeat">
-      <a:schemeClr val="lt1"/>
-    </dgm:linClrLst>
-    <dgm:effectClrLst/>
-    <dgm:txLinClrLst/>
-    <dgm:txFillClrLst/>
-    <dgm:txEffectClrLst/>
-  </dgm:styleLbl>
-  <dgm:styleLbl name="asst2">
-    <dgm:fillClrLst meth="repeat">
-      <a:schemeClr val="accent5"/>
-    </dgm:fillClrLst>
-    <dgm:linClrLst meth="repeat">
-      <a:schemeClr val="lt1"/>
-    </dgm:linClrLst>
-    <dgm:effectClrLst/>
-    <dgm:txLinClrLst/>
-    <dgm:txFillClrLst/>
-    <dgm:txEffectClrLst/>
-  </dgm:styleLbl>
-  <dgm:styleLbl name="asst3">
-    <dgm:fillClrLst meth="repeat">
-      <a:schemeClr val="accent5"/>
-    </dgm:fillClrLst>
-    <dgm:linClrLst meth="repeat">
-      <a:schemeClr val="lt1"/>
-    </dgm:linClrLst>
-    <dgm:effectClrLst/>
-    <dgm:txLinClrLst/>
-    <dgm:txFillClrLst/>
-    <dgm:txEffectClrLst/>
-  </dgm:styleLbl>
-  <dgm:styleLbl name="asst4">
-    <dgm:fillClrLst meth="repeat">
-      <a:schemeClr val="accent5"/>
-    </dgm:fillClrLst>
-    <dgm:linClrLst meth="repeat">
-      <a:schemeClr val="lt1"/>
-    </dgm:linClrLst>
-    <dgm:effectClrLst/>
-    <dgm:txLinClrLst/>
-    <dgm:txFillClrLst/>
-    <dgm:txEffectClrLst/>
-  </dgm:styleLbl>
-  <dgm:styleLbl name="parChTrans2D1">
-    <dgm:fillClrLst meth="repeat">
-      <a:schemeClr val="accent5">
-        <a:tint val="60000"/>
-      </a:schemeClr>
-    </dgm:fillClrLst>
-    <dgm:linClrLst meth="repeat">
-      <a:schemeClr val="accent5">
-        <a:tint val="60000"/>
-      </a:schemeClr>
-    </dgm:linClrLst>
-    <dgm:effectClrLst/>
-    <dgm:txLinClrLst/>
-    <dgm:txFillClrLst meth="repeat">
-      <a:schemeClr val="lt1"/>
-    </dgm:txFillClrLst>
-    <dgm:txEffectClrLst/>
-  </dgm:styleLbl>
-  <dgm:styleLbl name="parChTrans2D2">
-    <dgm:fillClrLst meth="repeat">
-      <a:schemeClr val="accent5"/>
-    </dgm:fillClrLst>
-    <dgm:linClrLst meth="repeat">
-      <a:schemeClr val="accent5"/>
-    </dgm:linClrLst>
-    <dgm:effectClrLst/>
-    <dgm:txLinClrLst/>
-    <dgm:txFillClrLst meth="repeat">
-      <a:schemeClr val="lt1"/>
-    </dgm:txFillClrLst>
-    <dgm:txEffectClrLst/>
-  </dgm:styleLbl>
-  <dgm:styleLbl name="parChTrans2D3">
-    <dgm:fillClrLst meth="repeat">
-      <a:schemeClr val="accent5"/>
-    </dgm:fillClrLst>
-    <dgm:linClrLst meth="repeat">
-      <a:schemeClr val="accent5"/>
-    </dgm:linClrLst>
-    <dgm:effectClrLst/>
-    <dgm:txLinClrLst/>
-    <dgm:txFillClrLst meth="repeat">
-      <a:schemeClr val="lt1"/>
-    </dgm:txFillClrLst>
-    <dgm:txEffectClrLst/>
-  </dgm:styleLbl>
-  <dgm:styleLbl name="parChTrans2D4">
-    <dgm:fillClrLst meth="repeat">
-      <a:schemeClr val="accent5"/>
-    </dgm:fillClrLst>
-    <dgm:linClrLst meth="repeat">
-      <a:schemeClr val="accent5"/>
-    </dgm:linClrLst>
-    <dgm:effectClrLst/>
-    <dgm:txLinClrLst/>
-    <dgm:txFillClrLst meth="repeat">
-      <a:schemeClr val="lt1"/>
-    </dgm:txFillClrLst>
-    <dgm:txEffectClrLst/>
-  </dgm:styleLbl>
-  <dgm:styleLbl name="parChTrans1D1">
-    <dgm:fillClrLst meth="repeat">
-      <a:schemeClr val="accent5"/>
-    </dgm:fillClrLst>
-    <dgm:linClrLst meth="repeat">
-      <a:schemeClr val="accent5">
-        <a:shade val="60000"/>
-      </a:schemeClr>
-    </dgm:linClrLst>
-    <dgm:effectClrLst/>
-    <dgm:txLinClrLst/>
-    <dgm:txFillClrLst meth="repeat">
-      <a:schemeClr val="tx1"/>
-    </dgm:txFillClrLst>
-    <dgm:txEffectClrLst/>
-  </dgm:styleLbl>
-  <dgm:styleLbl name="parChTrans1D2">
-    <dgm:fillClrLst meth="repeat">
-      <a:schemeClr val="accent5"/>
-    </dgm:fillClrLst>
-    <dgm:linClrLst meth="repeat">
-      <a:schemeClr val="accent5">
-        <a:shade val="60000"/>
-      </a:schemeClr>
-    </dgm:linClrLst>
-    <dgm:effectClrLst/>
-    <dgm:txLinClrLst/>
-    <dgm:txFillClrLst meth="repeat">
-      <a:schemeClr val="tx1"/>
-    </dgm:txFillClrLst>
-    <dgm:txEffectClrLst/>
-  </dgm:styleLbl>
-  <dgm:styleLbl name="parChTrans1D3">
-    <dgm:fillClrLst meth="repeat">
-      <a:schemeClr val="accent5"/>
-    </dgm:fillClrLst>
-    <dgm:linClrLst meth="repeat">
-      <a:schemeClr val="accent5">
-        <a:shade val="80000"/>
-      </a:schemeClr>
-    </dgm:linClrLst>
-    <dgm:effectClrLst/>
-    <dgm:txLinClrLst/>
-    <dgm:txFillClrLst meth="repeat">
-      <a:schemeClr val="tx1"/>
-    </dgm:txFillClrLst>
-    <dgm:txEffectClrLst/>
-  </dgm:styleLbl>
-  <dgm:styleLbl name="parChTrans1D4">
-    <dgm:fillClrLst meth="repeat">
-      <a:schemeClr val="accent5"/>
-    </dgm:fillClrLst>
-    <dgm:linClrLst meth="repeat">
-      <a:schemeClr val="accent5">
-        <a:shade val="80000"/>
-      </a:schemeClr>
-    </dgm:linClrLst>
-    <dgm:effectClrLst/>
-    <dgm:txLinClrLst/>
-    <dgm:txFillClrLst meth="repeat">
-      <a:schemeClr val="tx1"/>
-    </dgm:txFillClrLst>
-    <dgm:txEffectClrLst/>
-  </dgm:styleLbl>
-  <dgm:styleLbl name="fgAcc1">
-    <dgm:fillClrLst meth="repeat">
-      <a:schemeClr val="lt1">
-        <a:alpha val="90000"/>
-      </a:schemeClr>
-    </dgm:fillClrLst>
-    <dgm:linClrLst meth="repeat">
-      <a:schemeClr val="accent5"/>
-    </dgm:linClrLst>
-    <dgm:effectClrLst/>
-    <dgm:txLinClrLst/>
-    <dgm:txFillClrLst meth="repeat">
-      <a:schemeClr val="dk1"/>
-    </dgm:txFillClrLst>
-    <dgm:txEffectClrLst/>
-  </dgm:styleLbl>
-  <dgm:styleLbl name="conFgAcc1">
-    <dgm:fillClrLst meth="repeat">
-      <a:schemeClr val="lt1">
-        <a:alpha val="90000"/>
-      </a:schemeClr>
-    </dgm:fillClrLst>
-    <dgm:linClrLst meth="repeat">
-      <a:schemeClr val="accent5"/>
-    </dgm:linClrLst>
-    <dgm:effectClrLst/>
-    <dgm:txLinClrLst/>
-    <dgm:txFillClrLst meth="repeat">
-      <a:schemeClr val="dk1"/>
-    </dgm:txFillClrLst>
-    <dgm:txEffectClrLst/>
-  </dgm:styleLbl>
-  <dgm:styleLbl name="alignAcc1">
-    <dgm:fillClrLst meth="repeat">
-      <a:schemeClr val="lt1">
-        <a:alpha val="90000"/>
-      </a:schemeClr>
-    </dgm:fillClrLst>
-    <dgm:linClrLst meth="repeat">
-      <a:schemeClr val="accent5"/>
-    </dgm:linClrLst>
-    <dgm:effectClrLst/>
-    <dgm:txLinClrLst/>
-    <dgm:txFillClrLst meth="repeat">
-      <a:schemeClr val="dk1"/>
-    </dgm:txFillClrLst>
-    <dgm:txEffectClrLst/>
-  </dgm:styleLbl>
-  <dgm:styleLbl name="trAlignAcc1">
-    <dgm:fillClrLst meth="repeat">
-      <a:schemeClr val="lt1">
-        <a:alpha val="40000"/>
-      </a:schemeClr>
-    </dgm:fillClrLst>
-    <dgm:linClrLst meth="repeat">
-      <a:schemeClr val="accent5"/>
-    </dgm:linClrLst>
-    <dgm:effectClrLst/>
-    <dgm:txLinClrLst/>
-    <dgm:txFillClrLst meth="repeat">
-      <a:schemeClr val="dk1"/>
-    </dgm:txFillClrLst>
-    <dgm:txEffectClrLst/>
-  </dgm:styleLbl>
-  <dgm:styleLbl name="bgAcc1">
-    <dgm:fillClrLst meth="repeat">
-      <a:schemeClr val="lt1">
-        <a:alpha val="90000"/>
-      </a:schemeClr>
-    </dgm:fillClrLst>
-    <dgm:linClrLst meth="repeat">
-      <a:schemeClr val="accent5"/>
-    </dgm:linClrLst>
-    <dgm:effectClrLst/>
-    <dgm:txLinClrLst/>
-    <dgm:txFillClrLst meth="repeat">
-      <a:schemeClr val="dk1"/>
-    </dgm:txFillClrLst>
-    <dgm:txEffectClrLst/>
-  </dgm:styleLbl>
-  <dgm:styleLbl name="solidFgAcc1">
-    <dgm:fillClrLst meth="repeat">
-      <a:schemeClr val="lt1"/>
-    </dgm:fillClrLst>
-    <dgm:linClrLst meth="repeat">
-      <a:schemeClr val="accent5"/>
-    </dgm:linClrLst>
-    <dgm:effectClrLst/>
-    <dgm:txLinClrLst/>
-    <dgm:txFillClrLst meth="repeat">
-      <a:schemeClr val="dk1"/>
-    </dgm:txFillClrLst>
-    <dgm:txEffectClrLst/>
-  </dgm:styleLbl>
-  <dgm:styleLbl name="solidAlignAcc1">
-    <dgm:fillClrLst meth="repeat">
-      <a:schemeClr val="lt1"/>
-    </dgm:fillClrLst>
-    <dgm:linClrLst meth="repeat">
-      <a:schemeClr val="accent5"/>
-    </dgm:linClrLst>
-    <dgm:effectClrLst/>
-    <dgm:txLinClrLst/>
-    <dgm:txFillClrLst meth="repeat">
-      <a:schemeClr val="dk1"/>
-    </dgm:txFillClrLst>
-    <dgm:txEffectClrLst/>
-  </dgm:styleLbl>
-  <dgm:styleLbl name="solidBgAcc1">
-    <dgm:fillClrLst meth="repeat">
-      <a:schemeClr val="lt1"/>
-    </dgm:fillClrLst>
-    <dgm:linClrLst meth="repeat">
-      <a:schemeClr val="accent5"/>
-    </dgm:linClrLst>
-    <dgm:effectClrLst/>
-    <dgm:txLinClrLst/>
-    <dgm:txFillClrLst meth="repeat">
-      <a:schemeClr val="dk1"/>
-    </dgm:txFillClrLst>
-    <dgm:txEffectClrLst/>
-  </dgm:styleLbl>
-  <dgm:styleLbl name="fgAccFollowNode1">
-    <dgm:fillClrLst meth="repeat">
-      <a:schemeClr val="accent5">
-        <a:alpha val="90000"/>
-        <a:tint val="40000"/>
-      </a:schemeClr>
-    </dgm:fillClrLst>
-    <dgm:linClrLst meth="repeat">
-      <a:schemeClr val="accent5">
-        <a:alpha val="90000"/>
-        <a:tint val="40000"/>
-      </a:schemeClr>
-    </dgm:linClrLst>
-    <dgm:effectClrLst/>
-    <dgm:txLinClrLst/>
-    <dgm:txFillClrLst meth="repeat">
-      <a:schemeClr val="dk1"/>
-    </dgm:txFillClrLst>
-    <dgm:txEffectClrLst/>
-  </dgm:styleLbl>
-  <dgm:styleLbl name="alignAccFollowNode1">
-    <dgm:fillClrLst meth="repeat">
-      <a:schemeClr val="accent5">
-        <a:alpha val="90000"/>
-        <a:tint val="40000"/>
-      </a:schemeClr>
-    </dgm:fillClrLst>
-    <dgm:linClrLst meth="repeat">
-      <a:schemeClr val="accent5">
-        <a:alpha val="90000"/>
-        <a:tint val="40000"/>
-      </a:schemeClr>
-    </dgm:linClrLst>
-    <dgm:effectClrLst/>
-    <dgm:txLinClrLst/>
-    <dgm:txFillClrLst meth="repeat">
-      <a:schemeClr val="dk1"/>
-    </dgm:txFillClrLst>
-    <dgm:txEffectClrLst/>
-  </dgm:styleLbl>
-  <dgm:styleLbl name="bgAccFollowNode1">
-    <dgm:fillClrLst meth="repeat">
-      <a:schemeClr val="accent5">
-        <a:alpha val="90000"/>
-        <a:tint val="40000"/>
-      </a:schemeClr>
-    </dgm:fillClrLst>
-    <dgm:linClrLst meth="repeat">
-      <a:schemeClr val="accent5">
-        <a:alpha val="90000"/>
-        <a:tint val="40000"/>
-      </a:schemeClr>
-    </dgm:linClrLst>
-    <dgm:effectClrLst/>
-    <dgm:txLinClrLst/>
-    <dgm:txFillClrLst meth="repeat">
-      <a:schemeClr val="dk1"/>
-    </dgm:txFillClrLst>
-    <dgm:txEffectClrLst/>
-  </dgm:styleLbl>
-  <dgm:styleLbl name="fgAcc0">
-    <dgm:fillClrLst meth="repeat">
-      <a:schemeClr val="lt1">
-        <a:alpha val="90000"/>
-      </a:schemeClr>
-    </dgm:fillClrLst>
-    <dgm:linClrLst meth="repeat">
-      <a:schemeClr val="accent5"/>
-    </dgm:linClrLst>
-    <dgm:effectClrLst/>
-    <dgm:txLinClrLst/>
-    <dgm:txFillClrLst meth="repeat">
-      <a:schemeClr val="dk1"/>
-    </dgm:txFillClrLst>
-    <dgm:txEffectClrLst/>
-  </dgm:styleLbl>
-  <dgm:styleLbl name="fgAcc2">
-    <dgm:fillClrLst meth="repeat">
-      <a:schemeClr val="lt1">
-        <a:alpha val="90000"/>
-      </a:schemeClr>
-    </dgm:fillClrLst>
-    <dgm:linClrLst meth="repeat">
-      <a:schemeClr val="accent5"/>
-    </dgm:linClrLst>
-    <dgm:effectClrLst/>
-    <dgm:txLinClrLst/>
-    <dgm:txFillClrLst meth="repeat">
-      <a:schemeClr val="dk1"/>
-    </dgm:txFillClrLst>
-    <dgm:txEffectClrLst/>
-  </dgm:styleLbl>
-  <dgm:styleLbl name="fgAcc3">
-    <dgm:fillClrLst meth="repeat">
-      <a:schemeClr val="lt1">
-        <a:alpha val="90000"/>
-      </a:schemeClr>
-    </dgm:fillClrLst>
-    <dgm:linClrLst meth="repeat">
-      <a:schemeClr val="accent5"/>
-    </dgm:linClrLst>
-    <dgm:effectClrLst/>
-    <dgm:txLinClrLst/>
-    <dgm:txFillClrLst meth="repeat">
-      <a:schemeClr val="dk1"/>
-    </dgm:txFillClrLst>
-    <dgm:txEffectClrLst/>
-  </dgm:styleLbl>
-  <dgm:styleLbl name="fgAcc4">
-    <dgm:fillClrLst meth="repeat">
-      <a:schemeClr val="lt1">
-        <a:alpha val="90000"/>
-      </a:schemeClr>
-    </dgm:fillClrLst>
-    <dgm:linClrLst meth="repeat">
-      <a:schemeClr val="accent5"/>
-    </dgm:linClrLst>
-    <dgm:effectClrLst/>
-    <dgm:txLinClrLst/>
-    <dgm:txFillClrLst meth="repeat">
-      <a:schemeClr val="dk1"/>
-    </dgm:txFillClrLst>
-    <dgm:txEffectClrLst/>
-  </dgm:styleLbl>
-  <dgm:styleLbl name="bgShp">
-    <dgm:fillClrLst meth="repeat">
-      <a:schemeClr val="accent5">
-        <a:tint val="40000"/>
-      </a:schemeClr>
-    </dgm:fillClrLst>
-    <dgm:linClrLst meth="repeat">
-      <a:schemeClr val="accent5"/>
-    </dgm:linClrLst>
-    <dgm:effectClrLst/>
-    <dgm:txLinClrLst/>
-    <dgm:txFillClrLst meth="repeat">
-      <a:schemeClr val="dk1"/>
-    </dgm:txFillClrLst>
-    <dgm:txEffectClrLst/>
-  </dgm:styleLbl>
-  <dgm:styleLbl name="dkBgShp">
-    <dgm:fillClrLst meth="repeat">
-      <a:schemeClr val="accent5">
-        <a:shade val="80000"/>
-      </a:schemeClr>
-    </dgm:fillClrLst>
-    <dgm:linClrLst meth="repeat">
-      <a:schemeClr val="accent5"/>
-    </dgm:linClrLst>
-    <dgm:effectClrLst/>
-    <dgm:txLinClrLst/>
-    <dgm:txFillClrLst meth="repeat">
-      <a:schemeClr val="lt1"/>
-    </dgm:txFillClrLst>
-    <dgm:txEffectClrLst/>
-  </dgm:styleLbl>
-  <dgm:styleLbl name="trBgShp">
-    <dgm:fillClrLst meth="repeat">
-      <a:schemeClr val="accent5">
-        <a:tint val="50000"/>
-        <a:alpha val="40000"/>
-      </a:schemeClr>
-    </dgm:fillClrLst>
-    <dgm:linClrLst meth="repeat">
-      <a:schemeClr val="accent5"/>
-    </dgm:linClrLst>
-    <dgm:effectClrLst/>
-    <dgm:txLinClrLst/>
-    <dgm:txFillClrLst meth="repeat">
-      <a:schemeClr val="lt1"/>
-    </dgm:txFillClrLst>
-    <dgm:txEffectClrLst/>
-  </dgm:styleLbl>
-  <dgm:styleLbl name="fgShp">
-    <dgm:fillClrLst meth="repeat">
-      <a:schemeClr val="accent5">
-        <a:tint val="60000"/>
-      </a:schemeClr>
-    </dgm:fillClrLst>
-    <dgm:linClrLst meth="repeat">
-      <a:schemeClr val="lt1"/>
-    </dgm:linClrLst>
-    <dgm:effectClrLst/>
-    <dgm:txLinClrLst/>
-    <dgm:txFillClrLst meth="repeat">
-      <a:schemeClr val="dk1"/>
-    </dgm:txFillClrLst>
-    <dgm:txEffectClrLst/>
-  </dgm:styleLbl>
-  <dgm:styleLbl name="revTx">
-    <dgm:fillClrLst meth="repeat">
-      <a:schemeClr val="lt1">
-        <a:alpha val="0"/>
-      </a:schemeClr>
-    </dgm:fillClrLst>
-    <dgm:linClrLst meth="repeat">
-      <a:schemeClr val="dk1">
-        <a:alpha val="0"/>
-      </a:schemeClr>
-    </dgm:linClrLst>
-    <dgm:effectClrLst/>
-    <dgm:txLinClrLst/>
-    <dgm:txFillClrLst meth="repeat">
-      <a:schemeClr val="tx1"/>
-    </dgm:txFillClrLst>
-    <dgm:txEffectClrLst/>
-  </dgm:styleLbl>
-</dgm:colorsDef>
-</file>
-
-<file path=ppt/diagrams/colors5.xml><?xml version="1.0" encoding="utf-8"?>
-<dgm:colorsDef xmlns:dgm="http://schemas.openxmlformats.org/drawingml/2006/diagram" xmlns:a="http://schemas.openxmlformats.org/drawingml/2006/main" uniqueId="urn:microsoft.com/office/officeart/2005/8/colors/colorful5">
-  <dgm:title val=""/>
-  <dgm:desc val=""/>
-  <dgm:catLst>
-    <dgm:cat type="colorful" pri="10500"/>
-  </dgm:catLst>
-  <dgm:styleLbl name="node0">
-    <dgm:fillClrLst meth="repeat">
-      <a:schemeClr val="accent4"/>
-    </dgm:fillClrLst>
-    <dgm:linClrLst meth="repeat">
-      <a:schemeClr val="lt1"/>
-    </dgm:linClrLst>
-    <dgm:effectClrLst/>
-    <dgm:txLinClrLst/>
-    <dgm:txFillClrLst/>
-    <dgm:txEffectClrLst/>
-  </dgm:styleLbl>
-  <dgm:styleLbl name="node1">
-    <dgm:fillClrLst>
-      <a:schemeClr val="accent5"/>
-      <a:schemeClr val="accent6"/>
-    </dgm:fillClrLst>
-    <dgm:linClrLst meth="repeat">
-      <a:schemeClr val="lt1"/>
-    </dgm:linClrLst>
-    <dgm:effectClrLst/>
-    <dgm:txLinClrLst/>
-    <dgm:txFillClrLst/>
-    <dgm:txEffectClrLst/>
-  </dgm:styleLbl>
-  <dgm:styleLbl name="alignNode1">
-    <dgm:fillClrLst>
-      <a:schemeClr val="accent5"/>
-      <a:schemeClr val="accent6"/>
-    </dgm:fillClrLst>
-    <dgm:linClrLst>
-      <a:schemeClr val="accent5"/>
-      <a:schemeClr val="accent6"/>
-    </dgm:linClrLst>
-    <dgm:effectClrLst/>
-    <dgm:txLinClrLst/>
-    <dgm:txFillClrLst/>
-    <dgm:txEffectClrLst/>
-  </dgm:styleLbl>
-  <dgm:styleLbl name="lnNode1">
-    <dgm:fillClrLst>
-      <a:schemeClr val="accent5"/>
-      <a:schemeClr val="accent6"/>
-    </dgm:fillClrLst>
-    <dgm:linClrLst meth="repeat">
-      <a:schemeClr val="lt1"/>
-    </dgm:linClrLst>
-    <dgm:effectClrLst/>
-    <dgm:txLinClrLst/>
-    <dgm:txFillClrLst/>
-    <dgm:txEffectClrLst/>
-  </dgm:styleLbl>
-  <dgm:styleLbl name="vennNode1">
-    <dgm:fillClrLst>
-      <a:schemeClr val="accent5">
-        <a:alpha val="50000"/>
-      </a:schemeClr>
-      <a:schemeClr val="accent6">
-        <a:alpha val="50000"/>
-      </a:schemeClr>
-    </dgm:fillClrLst>
-    <dgm:linClrLst meth="repeat">
-      <a:schemeClr val="lt1"/>
-    </dgm:linClrLst>
-    <dgm:effectClrLst/>
-    <dgm:txLinClrLst/>
-    <dgm:txFillClrLst/>
-    <dgm:txEffectClrLst/>
-  </dgm:styleLbl>
-  <dgm:styleLbl name="node2">
-    <dgm:fillClrLst>
-      <a:schemeClr val="accent6"/>
-    </dgm:fillClrLst>
-    <dgm:linClrLst meth="repeat">
-      <a:schemeClr val="lt1"/>
-    </dgm:linClrLst>
-    <dgm:effectClrLst/>
-    <dgm:txLinClrLst/>
-    <dgm:txFillClrLst/>
-    <dgm:txEffectClrLst/>
-  </dgm:styleLbl>
-  <dgm:styleLbl name="node3">
-    <dgm:fillClrLst>
-      <a:schemeClr val="accent1"/>
-    </dgm:fillClrLst>
-    <dgm:linClrLst meth="repeat">
-      <a:schemeClr val="lt1"/>
-    </dgm:linClrLst>
-    <dgm:effectClrLst/>
-    <dgm:txLinClrLst/>
-    <dgm:txFillClrLst/>
-    <dgm:txEffectClrLst/>
-  </dgm:styleLbl>
-  <dgm:styleLbl name="node4">
-    <dgm:fillClrLst>
-      <a:schemeClr val="accent2"/>
-    </dgm:fillClrLst>
-    <dgm:linClrLst meth="repeat">
-      <a:schemeClr val="lt1"/>
-    </dgm:linClrLst>
-    <dgm:effectClrLst/>
-    <dgm:txLinClrLst/>
-    <dgm:txFillClrLst/>
-    <dgm:txEffectClrLst/>
-  </dgm:styleLbl>
-  <dgm:styleLbl name="fgImgPlace1">
-    <dgm:fillClrLst>
-      <a:schemeClr val="accent5">
-        <a:tint val="50000"/>
-      </a:schemeClr>
-      <a:schemeClr val="accent6">
-        <a:tint val="50000"/>
-      </a:schemeClr>
-    </dgm:fillClrLst>
-    <dgm:linClrLst meth="repeat">
-      <a:schemeClr val="lt1"/>
-    </dgm:linClrLst>
-    <dgm:effectClrLst/>
-    <dgm:txLinClrLst/>
-    <dgm:txFillClrLst meth="repeat">
-      <a:schemeClr val="lt1"/>
-    </dgm:txFillClrLst>
-    <dgm:txEffectClrLst/>
-  </dgm:styleLbl>
-  <dgm:styleLbl name="alignImgPlace1">
-    <dgm:fillClrLst>
-      <a:schemeClr val="accent5">
-        <a:tint val="50000"/>
-      </a:schemeClr>
-      <a:schemeClr val="accent6">
-        <a:tint val="20000"/>
-      </a:schemeClr>
-    </dgm:fillClrLst>
-    <dgm:linClrLst meth="repeat">
-      <a:schemeClr val="lt1"/>
-    </dgm:linClrLst>
-    <dgm:effectClrLst/>
-    <dgm:txLinClrLst/>
-    <dgm:txFillClrLst meth="repeat">
-      <a:schemeClr val="lt1"/>
-    </dgm:txFillClrLst>
-    <dgm:txEffectClrLst/>
-  </dgm:styleLbl>
-  <dgm:styleLbl name="bgImgPlace1">
-    <dgm:fillClrLst>
-      <a:schemeClr val="accent5">
-        <a:tint val="50000"/>
-      </a:schemeClr>
-      <a:schemeClr val="accent6">
-        <a:tint val="20000"/>
-      </a:schemeClr>
-    </dgm:fillClrLst>
-    <dgm:linClrLst meth="repeat">
-      <a:schemeClr val="lt1"/>
-    </dgm:linClrLst>
-    <dgm:effectClrLst/>
-    <dgm:txLinClrLst/>
-    <dgm:txFillClrLst meth="repeat">
-      <a:schemeClr val="lt1"/>
-    </dgm:txFillClrLst>
-    <dgm:txEffectClrLst/>
-  </dgm:styleLbl>
-  <dgm:styleLbl name="sibTrans2D1">
-    <dgm:fillClrLst>
-      <a:schemeClr val="accent5"/>
-      <a:schemeClr val="accent6"/>
-    </dgm:fillClrLst>
-    <dgm:linClrLst meth="repeat">
-      <a:schemeClr val="lt1"/>
-    </dgm:linClrLst>
-    <dgm:effectClrLst/>
-    <dgm:txLinClrLst/>
-    <dgm:txFillClrLst/>
-    <dgm:txEffectClrLst/>
-  </dgm:styleLbl>
-  <dgm:styleLbl name="fgSibTrans2D1">
-    <dgm:fillClrLst>
-      <a:schemeClr val="accent5"/>
-      <a:schemeClr val="accent6"/>
-    </dgm:fillClrLst>
-    <dgm:linClrLst meth="repeat">
-      <a:schemeClr val="lt1"/>
-    </dgm:linClrLst>
-    <dgm:effectClrLst/>
-    <dgm:txLinClrLst/>
-    <dgm:txFillClrLst meth="repeat">
-      <a:schemeClr val="lt1"/>
-    </dgm:txFillClrLst>
-    <dgm:txEffectClrLst/>
-  </dgm:styleLbl>
-  <dgm:styleLbl name="bgSibTrans2D1">
-    <dgm:fillClrLst>
-      <a:schemeClr val="accent5"/>
-      <a:schemeClr val="accent6"/>
-    </dgm:fillClrLst>
-    <dgm:linClrLst meth="repeat">
-      <a:schemeClr val="lt1"/>
-    </dgm:linClrLst>
-    <dgm:effectClrLst/>
-    <dgm:txLinClrLst/>
-    <dgm:txFillClrLst meth="repeat">
-      <a:schemeClr val="lt1"/>
-    </dgm:txFillClrLst>
-    <dgm:txEffectClrLst/>
-  </dgm:styleLbl>
-  <dgm:styleLbl name="sibTrans1D1">
-    <dgm:fillClrLst/>
-    <dgm:linClrLst>
-      <a:schemeClr val="accent5"/>
-      <a:schemeClr val="accent6"/>
-    </dgm:linClrLst>
-    <dgm:effectClrLst/>
-    <dgm:txLinClrLst/>
-    <dgm:txFillClrLst meth="repeat">
-      <a:schemeClr val="tx1"/>
-    </dgm:txFillClrLst>
-    <dgm:txEffectClrLst/>
-  </dgm:styleLbl>
-  <dgm:styleLbl name="callout">
-    <dgm:fillClrLst meth="repeat">
-      <a:schemeClr val="accent5"/>
-    </dgm:fillClrLst>
-    <dgm:linClrLst meth="repeat">
-      <a:schemeClr val="accent5">
-        <a:tint val="50000"/>
-      </a:schemeClr>
-    </dgm:linClrLst>
-    <dgm:effectClrLst/>
-    <dgm:txLinClrLst/>
-    <dgm:txFillClrLst meth="repeat">
-      <a:schemeClr val="tx1"/>
-    </dgm:txFillClrLst>
-    <dgm:txEffectClrLst/>
-  </dgm:styleLbl>
-  <dgm:styleLbl name="asst0">
-    <dgm:fillClrLst meth="repeat">
-      <a:schemeClr val="accent5"/>
-    </dgm:fillClrLst>
-    <dgm:linClrLst meth="repeat">
-      <a:schemeClr val="lt1">
-        <a:shade val="80000"/>
-      </a:schemeClr>
-    </dgm:linClrLst>
-    <dgm:effectClrLst/>
-    <dgm:txLinClrLst/>
-    <dgm:txFillClrLst/>
-    <dgm:txEffectClrLst/>
-  </dgm:styleLbl>
-  <dgm:styleLbl name="asst1">
-    <dgm:fillClrLst meth="repeat">
-      <a:schemeClr val="accent6"/>
-    </dgm:fillClrLst>
-    <dgm:linClrLst meth="repeat">
-      <a:schemeClr val="lt1">
-        <a:shade val="80000"/>
-      </a:schemeClr>
-    </dgm:linClrLst>
-    <dgm:effectClrLst/>
-    <dgm:txLinClrLst/>
-    <dgm:txFillClrLst/>
-    <dgm:txEffectClrLst/>
-  </dgm:styleLbl>
-  <dgm:styleLbl name="asst2">
-    <dgm:fillClrLst>
-      <a:schemeClr val="accent1"/>
-    </dgm:fillClrLst>
-    <dgm:linClrLst meth="repeat">
-      <a:schemeClr val="lt1"/>
-    </dgm:linClrLst>
-    <dgm:effectClrLst/>
-    <dgm:txLinClrLst/>
-    <dgm:txFillClrLst/>
-    <dgm:txEffectClrLst/>
-  </dgm:styleLbl>
-  <dgm:styleLbl name="asst3">
-    <dgm:fillClrLst>
-      <a:schemeClr val="accent2"/>
-    </dgm:fillClrLst>
-    <dgm:linClrLst meth="repeat">
-      <a:schemeClr val="lt1"/>
-    </dgm:linClrLst>
-    <dgm:effectClrLst/>
-    <dgm:txLinClrLst/>
-    <dgm:txFillClrLst/>
-    <dgm:txEffectClrLst/>
-  </dgm:styleLbl>
-  <dgm:styleLbl name="asst4">
-    <dgm:fillClrLst>
-      <a:schemeClr val="accent3"/>
-    </dgm:fillClrLst>
-    <dgm:linClrLst meth="repeat">
-      <a:schemeClr val="lt1"/>
-    </dgm:linClrLst>
-    <dgm:effectClrLst/>
-    <dgm:txLinClrLst/>
-    <dgm:txFillClrLst/>
-    <dgm:txEffectClrLst/>
-  </dgm:styleLbl>
-  <dgm:styleLbl name="parChTrans2D1">
-    <dgm:fillClrLst meth="repeat">
-      <a:schemeClr val="accent5"/>
-    </dgm:fillClrLst>
-    <dgm:linClrLst meth="repeat">
-      <a:schemeClr val="lt1"/>
-    </dgm:linClrLst>
-    <dgm:effectClrLst/>
-    <dgm:txLinClrLst/>
-    <dgm:txFillClrLst meth="repeat">
-      <a:schemeClr val="lt1"/>
-    </dgm:txFillClrLst>
-    <dgm:txEffectClrLst/>
-  </dgm:styleLbl>
-  <dgm:styleLbl name="parChTrans2D2">
-    <dgm:fillClrLst meth="repeat">
-      <a:schemeClr val="accent6"/>
-    </dgm:fillClrLst>
-    <dgm:linClrLst meth="repeat">
-      <a:schemeClr val="lt1"/>
-    </dgm:linClrLst>
-    <dgm:effectClrLst/>
-    <dgm:txLinClrLst/>
-    <dgm:txFillClrLst/>
-    <dgm:txEffectClrLst/>
-  </dgm:styleLbl>
-  <dgm:styleLbl name="parChTrans2D3">
-    <dgm:fillClrLst meth="repeat">
-      <a:schemeClr val="accent6"/>
-    </dgm:fillClrLst>
-    <dgm:linClrLst meth="repeat">
-      <a:schemeClr val="lt1"/>
-    </dgm:linClrLst>
-    <dgm:effectClrLst/>
-    <dgm:txLinClrLst/>
-    <dgm:txFillClrLst/>
-    <dgm:txEffectClrLst/>
-  </dgm:styleLbl>
-  <dgm:styleLbl name="parChTrans2D4">
-    <dgm:fillClrLst meth="repeat">
-      <a:schemeClr val="accent1"/>
-    </dgm:fillClrLst>
-    <dgm:linClrLst meth="repeat">
-      <a:schemeClr val="lt1"/>
-    </dgm:linClrLst>
-    <dgm:effectClrLst/>
-    <dgm:txLinClrLst/>
-    <dgm:txFillClrLst meth="repeat">
-      <a:schemeClr val="lt1"/>
-    </dgm:txFillClrLst>
-    <dgm:txEffectClrLst/>
-  </dgm:styleLbl>
-  <dgm:styleLbl name="parChTrans1D1">
-    <dgm:fillClrLst meth="repeat">
-      <a:schemeClr val="accent5"/>
-    </dgm:fillClrLst>
-    <dgm:linClrLst meth="repeat">
-      <a:schemeClr val="accent5"/>
-    </dgm:linClrLst>
-    <dgm:effectClrLst/>
-    <dgm:txLinClrLst/>
-    <dgm:txFillClrLst meth="repeat">
-      <a:schemeClr val="tx1"/>
-    </dgm:txFillClrLst>
-    <dgm:txEffectClrLst/>
-  </dgm:styleLbl>
-  <dgm:styleLbl name="parChTrans1D2">
-    <dgm:fillClrLst meth="repeat">
-      <a:schemeClr val="accent6">
-        <a:tint val="90000"/>
-      </a:schemeClr>
-    </dgm:fillClrLst>
-    <dgm:linClrLst meth="repeat">
-      <a:schemeClr val="accent6"/>
-    </dgm:linClrLst>
-    <dgm:effectClrLst/>
-    <dgm:txLinClrLst/>
-    <dgm:txFillClrLst meth="repeat">
-      <a:schemeClr val="tx1"/>
-    </dgm:txFillClrLst>
-    <dgm:txEffectClrLst/>
-  </dgm:styleLbl>
-  <dgm:styleLbl name="parChTrans1D3">
-    <dgm:fillClrLst meth="repeat">
-      <a:schemeClr val="accent6">
-        <a:tint val="70000"/>
-      </a:schemeClr>
-    </dgm:fillClrLst>
-    <dgm:linClrLst meth="repeat">
-      <a:schemeClr val="accent1"/>
-    </dgm:linClrLst>
-    <dgm:effectClrLst/>
-    <dgm:txLinClrLst/>
-    <dgm:txFillClrLst meth="repeat">
-      <a:schemeClr val="tx1"/>
-    </dgm:txFillClrLst>
-    <dgm:txEffectClrLst/>
-  </dgm:styleLbl>
-  <dgm:styleLbl name="parChTrans1D4">
-    <dgm:fillClrLst meth="repeat">
-      <a:schemeClr val="accent6">
-        <a:tint val="50000"/>
-      </a:schemeClr>
-    </dgm:fillClrLst>
-    <dgm:linClrLst meth="repeat">
-      <a:schemeClr val="accent2"/>
-    </dgm:linClrLst>
-    <dgm:effectClrLst/>
-    <dgm:txLinClrLst/>
-    <dgm:txFillClrLst meth="repeat">
-      <a:schemeClr val="tx1"/>
-    </dgm:txFillClrLst>
-    <dgm:txEffectClrLst/>
-  </dgm:styleLbl>
-  <dgm:styleLbl name="fgAcc1">
-    <dgm:fillClrLst meth="repeat">
-      <a:schemeClr val="lt1">
-        <a:alpha val="90000"/>
-      </a:schemeClr>
-    </dgm:fillClrLst>
-    <dgm:linClrLst>
-      <a:schemeClr val="accent5"/>
-      <a:schemeClr val="accent6"/>
-    </dgm:linClrLst>
-    <dgm:effectClrLst/>
-    <dgm:txLinClrLst/>
-    <dgm:txFillClrLst meth="repeat">
-      <a:schemeClr val="dk1"/>
-    </dgm:txFillClrLst>
-    <dgm:txEffectClrLst/>
-  </dgm:styleLbl>
-  <dgm:styleLbl name="conFgAcc1">
-    <dgm:fillClrLst meth="repeat">
-      <a:schemeClr val="lt1">
-        <a:alpha val="90000"/>
-      </a:schemeClr>
-    </dgm:fillClrLst>
-    <dgm:linClrLst>
-      <a:schemeClr val="accent5"/>
-      <a:schemeClr val="accent6"/>
-    </dgm:linClrLst>
-    <dgm:effectClrLst/>
-    <dgm:txLinClrLst/>
-    <dgm:txFillClrLst meth="repeat">
-      <a:schemeClr val="dk1"/>
-    </dgm:txFillClrLst>
-    <dgm:txEffectClrLst/>
-  </dgm:styleLbl>
-  <dgm:styleLbl name="alignAcc1">
-    <dgm:fillClrLst meth="repeat">
-      <a:schemeClr val="lt1">
-        <a:alpha val="90000"/>
-      </a:schemeClr>
-    </dgm:fillClrLst>
-    <dgm:linClrLst>
-      <a:schemeClr val="accent5"/>
-      <a:schemeClr val="accent6"/>
-    </dgm:linClrLst>
-    <dgm:effectClrLst/>
-    <dgm:txLinClrLst/>
-    <dgm:txFillClrLst meth="repeat">
-      <a:schemeClr val="dk1"/>
-    </dgm:txFillClrLst>
-    <dgm:txEffectClrLst/>
-  </dgm:styleLbl>
-  <dgm:styleLbl name="trAlignAcc1">
-    <dgm:fillClrLst meth="repeat">
-      <a:schemeClr val="lt1">
-        <a:alpha val="40000"/>
-      </a:schemeClr>
-    </dgm:fillClrLst>
-    <dgm:linClrLst meth="repeat">
-      <a:schemeClr val="accent5"/>
-    </dgm:linClrLst>
-    <dgm:effectClrLst/>
-    <dgm:txLinClrLst/>
-    <dgm:txFillClrLst meth="repeat">
-      <a:schemeClr val="dk1"/>
-    </dgm:txFillClrLst>
-    <dgm:txEffectClrLst/>
-  </dgm:styleLbl>
-  <dgm:styleLbl name="bgAcc1">
-    <dgm:fillClrLst meth="repeat">
-      <a:schemeClr val="lt1">
-        <a:alpha val="90000"/>
-      </a:schemeClr>
-    </dgm:fillClrLst>
-    <dgm:linClrLst>
-      <a:schemeClr val="accent5"/>
-      <a:schemeClr val="accent6"/>
-    </dgm:linClrLst>
-    <dgm:effectClrLst/>
-    <dgm:txLinClrLst/>
-    <dgm:txFillClrLst meth="repeat">
-      <a:schemeClr val="dk1"/>
-    </dgm:txFillClrLst>
-    <dgm:txEffectClrLst/>
-  </dgm:styleLbl>
-  <dgm:styleLbl name="solidFgAcc1">
-    <dgm:fillClrLst meth="repeat">
-      <a:schemeClr val="lt1"/>
-    </dgm:fillClrLst>
-    <dgm:linClrLst>
-      <a:schemeClr val="accent5"/>
-      <a:schemeClr val="accent6"/>
-    </dgm:linClrLst>
-    <dgm:effectClrLst/>
-    <dgm:txLinClrLst/>
-    <dgm:txFillClrLst meth="repeat">
-      <a:schemeClr val="dk1"/>
-    </dgm:txFillClrLst>
-    <dgm:txEffectClrLst/>
-  </dgm:styleLbl>
-  <dgm:styleLbl name="solidAlignAcc1">
-    <dgm:fillClrLst meth="repeat">
-      <a:schemeClr val="lt1"/>
-    </dgm:fillClrLst>
-    <dgm:linClrLst>
-      <a:schemeClr val="accent5"/>
-      <a:schemeClr val="accent6"/>
-    </dgm:linClrLst>
-    <dgm:effectClrLst/>
-    <dgm:txLinClrLst/>
-    <dgm:txFillClrLst meth="repeat">
-      <a:schemeClr val="dk1"/>
-    </dgm:txFillClrLst>
-    <dgm:txEffectClrLst/>
-  </dgm:styleLbl>
-  <dgm:styleLbl name="solidBgAcc1">
-    <dgm:fillClrLst meth="repeat">
-      <a:schemeClr val="lt1"/>
-    </dgm:fillClrLst>
-    <dgm:linClrLst>
-      <a:schemeClr val="accent5"/>
-      <a:schemeClr val="accent6"/>
-    </dgm:linClrLst>
-    <dgm:effectClrLst/>
-    <dgm:txLinClrLst/>
-    <dgm:txFillClrLst meth="repeat">
-      <a:schemeClr val="dk1"/>
-    </dgm:txFillClrLst>
-    <dgm:txEffectClrLst/>
-  </dgm:styleLbl>
-  <dgm:styleLbl name="fgAccFollowNode1">
-    <dgm:fillClrLst>
-      <a:schemeClr val="accent5">
-        <a:tint val="40000"/>
-        <a:alpha val="90000"/>
-      </a:schemeClr>
-      <a:schemeClr val="accent6">
-        <a:tint val="40000"/>
-        <a:alpha val="90000"/>
-      </a:schemeClr>
-    </dgm:fillClrLst>
-    <dgm:linClrLst>
-      <a:schemeClr val="accent5">
-        <a:tint val="40000"/>
-        <a:alpha val="90000"/>
-      </a:schemeClr>
-      <a:schemeClr val="accent5">
-        <a:tint val="40000"/>
-        <a:alpha val="90000"/>
-      </a:schemeClr>
-    </dgm:linClrLst>
-    <dgm:effectClrLst/>
-    <dgm:txLinClrLst/>
-    <dgm:txFillClrLst meth="repeat">
-      <a:schemeClr val="dk1"/>
-    </dgm:txFillClrLst>
-    <dgm:txEffectClrLst/>
-  </dgm:styleLbl>
-  <dgm:styleLbl name="alignAccFollowNode1">
-    <dgm:fillClrLst>
-      <a:schemeClr val="accent5">
-        <a:tint val="40000"/>
-        <a:alpha val="90000"/>
-      </a:schemeClr>
-      <a:schemeClr val="accent6">
-        <a:tint val="40000"/>
-        <a:alpha val="90000"/>
-      </a:schemeClr>
-    </dgm:fillClrLst>
-    <dgm:linClrLst>
-      <a:schemeClr val="accent5">
-        <a:tint val="40000"/>
-        <a:alpha val="90000"/>
-      </a:schemeClr>
-      <a:schemeClr val="accent6">
-        <a:tint val="40000"/>
-        <a:alpha val="90000"/>
-      </a:schemeClr>
-    </dgm:linClrLst>
-    <dgm:effectClrLst/>
-    <dgm:txLinClrLst/>
-    <dgm:txFillClrLst meth="repeat">
-      <a:schemeClr val="dk1"/>
-    </dgm:txFillClrLst>
-    <dgm:txEffectClrLst/>
-  </dgm:styleLbl>
-  <dgm:styleLbl name="bgAccFollowNode1">
-    <dgm:fillClrLst>
-      <a:schemeClr val="accent5">
-        <a:tint val="40000"/>
-        <a:alpha val="90000"/>
-      </a:schemeClr>
-      <a:schemeClr val="accent6">
-        <a:tint val="40000"/>
-        <a:alpha val="90000"/>
-      </a:schemeClr>
-    </dgm:fillClrLst>
-    <dgm:linClrLst>
-      <a:schemeClr val="accent5">
-        <a:tint val="40000"/>
-        <a:alpha val="90000"/>
-      </a:schemeClr>
-      <a:schemeClr val="accent6">
-        <a:tint val="40000"/>
-        <a:alpha val="90000"/>
-      </a:schemeClr>
-    </dgm:linClrLst>
-    <dgm:effectClrLst/>
-    <dgm:txLinClrLst/>
-    <dgm:txFillClrLst meth="repeat">
-      <a:schemeClr val="dk1"/>
-    </dgm:txFillClrLst>
-    <dgm:txEffectClrLst/>
-  </dgm:styleLbl>
-  <dgm:styleLbl name="fgAcc0">
-    <dgm:fillClrLst meth="repeat">
-      <a:schemeClr val="lt1">
-        <a:alpha val="90000"/>
-      </a:schemeClr>
-    </dgm:fillClrLst>
-    <dgm:linClrLst>
-      <a:schemeClr val="accent4"/>
-    </dgm:linClrLst>
-    <dgm:effectClrLst/>
-    <dgm:txLinClrLst/>
-    <dgm:txFillClrLst meth="repeat">
-      <a:schemeClr val="dk1"/>
-    </dgm:txFillClrLst>
-    <dgm:txEffectClrLst/>
-  </dgm:styleLbl>
-  <dgm:styleLbl name="fgAcc2">
-    <dgm:fillClrLst meth="repeat">
-      <a:schemeClr val="lt1">
-        <a:alpha val="90000"/>
-      </a:schemeClr>
-    </dgm:fillClrLst>
-    <dgm:linClrLst>
-      <a:schemeClr val="accent6"/>
-    </dgm:linClrLst>
-    <dgm:effectClrLst/>
-    <dgm:txLinClrLst/>
-    <dgm:txFillClrLst meth="repeat">
-      <a:schemeClr val="dk1"/>
-    </dgm:txFillClrLst>
-    <dgm:txEffectClrLst/>
-  </dgm:styleLbl>
-  <dgm:styleLbl name="fgAcc3">
-    <dgm:fillClrLst meth="repeat">
-      <a:schemeClr val="lt1">
-        <a:alpha val="90000"/>
-      </a:schemeClr>
-    </dgm:fillClrLst>
-    <dgm:linClrLst>
-      <a:schemeClr val="accent1"/>
-    </dgm:linClrLst>
-    <dgm:effectClrLst/>
-    <dgm:txLinClrLst/>
-    <dgm:txFillClrLst meth="repeat">
-      <a:schemeClr val="dk1"/>
-    </dgm:txFillClrLst>
-    <dgm:txEffectClrLst/>
-  </dgm:styleLbl>
-  <dgm:styleLbl name="fgAcc4">
-    <dgm:fillClrLst meth="repeat">
-      <a:schemeClr val="lt1">
-        <a:alpha val="90000"/>
-      </a:schemeClr>
-    </dgm:fillClrLst>
-    <dgm:linClrLst>
-      <a:schemeClr val="accent2"/>
-    </dgm:linClrLst>
-    <dgm:effectClrLst/>
-    <dgm:txLinClrLst/>
-    <dgm:txFillClrLst meth="repeat">
-      <a:schemeClr val="dk1"/>
-    </dgm:txFillClrLst>
-    <dgm:txEffectClrLst/>
-  </dgm:styleLbl>
-  <dgm:styleLbl name="bgShp">
-    <dgm:fillClrLst meth="repeat">
-      <a:schemeClr val="accent5">
-        <a:tint val="40000"/>
-      </a:schemeClr>
-    </dgm:fillClrLst>
-    <dgm:linClrLst meth="repeat">
-      <a:schemeClr val="dk1"/>
-    </dgm:linClrLst>
-    <dgm:effectClrLst/>
-    <dgm:txLinClrLst/>
-    <dgm:txFillClrLst meth="repeat">
-      <a:schemeClr val="dk1"/>
-    </dgm:txFillClrLst>
-    <dgm:txEffectClrLst/>
-  </dgm:styleLbl>
-  <dgm:styleLbl name="dkBgShp">
-    <dgm:fillClrLst meth="repeat">
-      <a:schemeClr val="accent5">
-        <a:shade val="90000"/>
-      </a:schemeClr>
-    </dgm:fillClrLst>
-    <dgm:linClrLst meth="repeat">
-      <a:schemeClr val="dk1"/>
-    </dgm:linClrLst>
-    <dgm:effectClrLst/>
-    <dgm:txLinClrLst/>
-    <dgm:txFillClrLst meth="repeat">
-      <a:schemeClr val="lt1"/>
-    </dgm:txFillClrLst>
-    <dgm:txEffectClrLst/>
-  </dgm:styleLbl>
-  <dgm:styleLbl name="trBgShp">
-    <dgm:fillClrLst meth="repeat">
-      <a:schemeClr val="accent5">
-        <a:tint val="50000"/>
-        <a:alpha val="40000"/>
-      </a:schemeClr>
-    </dgm:fillClrLst>
-    <dgm:linClrLst meth="repeat">
-      <a:schemeClr val="accent5"/>
-    </dgm:linClrLst>
-    <dgm:effectClrLst/>
-    <dgm:txLinClrLst/>
-    <dgm:txFillClrLst meth="repeat">
-      <a:schemeClr val="lt1"/>
-    </dgm:txFillClrLst>
-    <dgm:txEffectClrLst/>
-  </dgm:styleLbl>
-  <dgm:styleLbl name="fgShp">
-    <dgm:fillClrLst meth="repeat">
-      <a:schemeClr val="accent5">
-        <a:tint val="40000"/>
-      </a:schemeClr>
-    </dgm:fillClrLst>
-    <dgm:linClrLst meth="repeat">
-      <a:schemeClr val="lt1"/>
-    </dgm:linClrLst>
-    <dgm:effectClrLst/>
-    <dgm:txLinClrLst/>
-    <dgm:txFillClrLst meth="repeat">
-      <a:schemeClr val="dk1"/>
-    </dgm:txFillClrLst>
-    <dgm:txEffectClrLst/>
-  </dgm:styleLbl>
-  <dgm:styleLbl name="revTx">
-    <dgm:fillClrLst meth="repeat">
-      <a:schemeClr val="lt1">
-        <a:alpha val="0"/>
-      </a:schemeClr>
-    </dgm:fillClrLst>
-    <dgm:linClrLst meth="repeat">
-      <a:schemeClr val="dk1">
-        <a:alpha val="0"/>
-      </a:schemeClr>
-    </dgm:linClrLst>
-    <dgm:effectClrLst/>
-    <dgm:txLinClrLst/>
-    <dgm:txFillClrLst meth="repeat">
-      <a:schemeClr val="tx1"/>
-    </dgm:txFillClrLst>
-    <dgm:txEffectClrLst/>
-  </dgm:styleLbl>
-</dgm:colorsDef>
-</file>
-
 <file path=ppt/diagrams/data1.xml><?xml version="1.0" encoding="utf-8"?>
 <dgm:dataModel xmlns:dgm="http://schemas.openxmlformats.org/drawingml/2006/diagram" xmlns:a="http://schemas.openxmlformats.org/drawingml/2006/main">
   <dgm:ptLst>
@@ -3980,10 +3200,10 @@
         <a:lstStyle/>
         <a:p>
           <a:r>
-            <a:rPr lang="ja-JP"/>
+            <a:rPr lang="ja-JP" dirty="0"/>
             <a:t>まず、フラグに影響を与える命令を実行する</a:t>
           </a:r>
-          <a:endParaRPr lang="en-US"/>
+          <a:endParaRPr lang="en-US" dirty="0"/>
         </a:p>
       </dgm:t>
     </dgm:pt>
@@ -4017,10 +3237,10 @@
         <a:lstStyle/>
         <a:p>
           <a:r>
-            <a:rPr kumimoji="1" lang="ja-JP"/>
+            <a:rPr kumimoji="1" lang="ja-JP" dirty="0"/>
             <a:t>次にフラグの状態に応じて分岐する</a:t>
           </a:r>
-          <a:endParaRPr lang="en-US"/>
+          <a:endParaRPr lang="en-US" dirty="0"/>
         </a:p>
       </dgm:t>
     </dgm:pt>
@@ -4156,22 +3376,22 @@
         <a:lstStyle/>
         <a:p>
           <a:r>
-            <a:rPr kumimoji="1" lang="en-US"/>
+            <a:rPr kumimoji="1" lang="en-US" dirty="0"/>
             <a:t>CMP</a:t>
           </a:r>
           <a:r>
-            <a:rPr kumimoji="1" lang="ja-JP"/>
+            <a:rPr kumimoji="1" lang="ja-JP" dirty="0"/>
             <a:t>命令、</a:t>
           </a:r>
           <a:r>
-            <a:rPr kumimoji="1" lang="en-US"/>
+            <a:rPr kumimoji="1" lang="en-US" dirty="0"/>
             <a:t>TEST</a:t>
           </a:r>
           <a:r>
-            <a:rPr kumimoji="1" lang="ja-JP"/>
+            <a:rPr kumimoji="1" lang="ja-JP" dirty="0"/>
             <a:t>命令</a:t>
           </a:r>
-          <a:endParaRPr lang="en-US"/>
+          <a:endParaRPr lang="en-US" dirty="0"/>
         </a:p>
       </dgm:t>
     </dgm:pt>
@@ -4205,14 +3425,14 @@
         <a:lstStyle/>
         <a:p>
           <a:r>
-            <a:rPr kumimoji="1" lang="en-US"/>
+            <a:rPr kumimoji="1" lang="en-US" dirty="0"/>
             <a:t>ADD, SUB</a:t>
           </a:r>
           <a:r>
-            <a:rPr kumimoji="1" lang="ja-JP"/>
+            <a:rPr kumimoji="1" lang="ja-JP" dirty="0"/>
             <a:t>などの算術演算命令</a:t>
           </a:r>
-          <a:endParaRPr lang="en-US"/>
+          <a:endParaRPr lang="en-US" dirty="0"/>
         </a:p>
       </dgm:t>
     </dgm:pt>
@@ -4246,14 +3466,14 @@
         <a:lstStyle/>
         <a:p>
           <a:r>
-            <a:rPr kumimoji="1" lang="en-US"/>
+            <a:rPr kumimoji="1" lang="en-US" dirty="0"/>
             <a:t>AND, OR, XOR</a:t>
           </a:r>
           <a:r>
-            <a:rPr kumimoji="1" lang="ja-JP"/>
+            <a:rPr kumimoji="1" lang="ja-JP" dirty="0"/>
             <a:t>などの論理演算命令</a:t>
           </a:r>
-          <a:endParaRPr lang="en-US"/>
+          <a:endParaRPr lang="en-US" dirty="0"/>
         </a:p>
       </dgm:t>
     </dgm:pt>
@@ -4338,466 +3558,6 @@
 <file path=ppt/diagrams/data3.xml><?xml version="1.0" encoding="utf-8"?>
 <dgm:dataModel xmlns:dgm="http://schemas.openxmlformats.org/drawingml/2006/diagram" xmlns:a="http://schemas.openxmlformats.org/drawingml/2006/main">
   <dgm:ptLst>
-    <dgm:pt modelId="{670AFC9B-8AED-4816-B51B-0DF041AD5368}" type="doc">
-      <dgm:prSet loTypeId="urn:microsoft.com/office/officeart/2005/8/layout/list1" loCatId="list" qsTypeId="urn:microsoft.com/office/officeart/2005/8/quickstyle/simple1" qsCatId="simple" csTypeId="urn:microsoft.com/office/officeart/2005/8/colors/colorful5" csCatId="colorful"/>
-      <dgm:spPr/>
-      <dgm:t>
-        <a:bodyPr/>
-        <a:lstStyle/>
-        <a:p>
-          <a:endParaRPr lang="en-US"/>
-        </a:p>
-      </dgm:t>
-    </dgm:pt>
-    <dgm:pt modelId="{078D4721-EE26-4B7F-AF6F-0EEED7218041}">
-      <dgm:prSet/>
-      <dgm:spPr/>
-      <dgm:t>
-        <a:bodyPr/>
-        <a:lstStyle/>
-        <a:p>
-          <a:r>
-            <a:rPr kumimoji="1" lang="en-US"/>
-            <a:t>JC (CF=0</a:t>
-          </a:r>
-          <a:r>
-            <a:rPr kumimoji="1" lang="ja-JP"/>
-            <a:t>ならジャンプ</a:t>
-          </a:r>
-          <a:r>
-            <a:rPr kumimoji="1" lang="en-US"/>
-            <a:t>) </a:t>
-          </a:r>
-          <a:endParaRPr lang="en-US"/>
-        </a:p>
-      </dgm:t>
-    </dgm:pt>
-    <dgm:pt modelId="{9F3497C9-A5D1-47F6-87FA-B5B318D390D6}" type="parTrans" cxnId="{0F816B26-962B-46AE-881B-6A17B3F686C4}">
-      <dgm:prSet/>
-      <dgm:spPr/>
-      <dgm:t>
-        <a:bodyPr/>
-        <a:lstStyle/>
-        <a:p>
-          <a:endParaRPr lang="en-US"/>
-        </a:p>
-      </dgm:t>
-    </dgm:pt>
-    <dgm:pt modelId="{38B719BD-34E8-4246-88CE-4D51F81CAA53}" type="sibTrans" cxnId="{0F816B26-962B-46AE-881B-6A17B3F686C4}">
-      <dgm:prSet/>
-      <dgm:spPr/>
-      <dgm:t>
-        <a:bodyPr/>
-        <a:lstStyle/>
-        <a:p>
-          <a:endParaRPr lang="en-US"/>
-        </a:p>
-      </dgm:t>
-    </dgm:pt>
-    <dgm:pt modelId="{640EBDCA-A22B-43DD-B04A-B69D364FD372}">
-      <dgm:prSet/>
-      <dgm:spPr/>
-      <dgm:t>
-        <a:bodyPr/>
-        <a:lstStyle/>
-        <a:p>
-          <a:r>
-            <a:rPr kumimoji="1" lang="en-US"/>
-            <a:t>JNC (CF=1</a:t>
-          </a:r>
-          <a:r>
-            <a:rPr kumimoji="1" lang="ja-JP"/>
-            <a:t>ならジャンプ</a:t>
-          </a:r>
-          <a:r>
-            <a:rPr kumimoji="1" lang="en-US"/>
-            <a:t>)</a:t>
-          </a:r>
-          <a:endParaRPr lang="en-US"/>
-        </a:p>
-      </dgm:t>
-    </dgm:pt>
-    <dgm:pt modelId="{0C8DD361-195A-48F7-A63A-7461A60063BF}" type="parTrans" cxnId="{E0D834C7-B401-49F8-913A-A6D03282CB74}">
-      <dgm:prSet/>
-      <dgm:spPr/>
-      <dgm:t>
-        <a:bodyPr/>
-        <a:lstStyle/>
-        <a:p>
-          <a:endParaRPr lang="en-US"/>
-        </a:p>
-      </dgm:t>
-    </dgm:pt>
-    <dgm:pt modelId="{3C07697A-7FD7-4E62-A14A-649399EBE170}" type="sibTrans" cxnId="{E0D834C7-B401-49F8-913A-A6D03282CB74}">
-      <dgm:prSet/>
-      <dgm:spPr/>
-      <dgm:t>
-        <a:bodyPr/>
-        <a:lstStyle/>
-        <a:p>
-          <a:endParaRPr lang="en-US"/>
-        </a:p>
-      </dgm:t>
-    </dgm:pt>
-    <dgm:pt modelId="{EDC5114B-7E96-4BC4-AA87-50C55E12FDF9}">
-      <dgm:prSet/>
-      <dgm:spPr/>
-      <dgm:t>
-        <a:bodyPr/>
-        <a:lstStyle/>
-        <a:p>
-          <a:r>
-            <a:rPr kumimoji="1" lang="en-US"/>
-            <a:t>JA (CF=0, ZF=0</a:t>
-          </a:r>
-          <a:r>
-            <a:rPr kumimoji="1" lang="ja-JP"/>
-            <a:t>ならジャンプ</a:t>
-          </a:r>
-          <a:r>
-            <a:rPr kumimoji="1" lang="en-US"/>
-            <a:t>) </a:t>
-          </a:r>
-          <a:endParaRPr lang="en-US"/>
-        </a:p>
-      </dgm:t>
-    </dgm:pt>
-    <dgm:pt modelId="{B734FCDA-8EFC-4285-9013-D15C0756F29A}" type="parTrans" cxnId="{6FB108E6-08E7-442C-B0BF-64C13DC2B66B}">
-      <dgm:prSet/>
-      <dgm:spPr/>
-      <dgm:t>
-        <a:bodyPr/>
-        <a:lstStyle/>
-        <a:p>
-          <a:endParaRPr lang="en-US"/>
-        </a:p>
-      </dgm:t>
-    </dgm:pt>
-    <dgm:pt modelId="{0F907F42-0111-4200-A057-91986E0B49B0}" type="sibTrans" cxnId="{6FB108E6-08E7-442C-B0BF-64C13DC2B66B}">
-      <dgm:prSet/>
-      <dgm:spPr/>
-      <dgm:t>
-        <a:bodyPr/>
-        <a:lstStyle/>
-        <a:p>
-          <a:endParaRPr lang="en-US"/>
-        </a:p>
-      </dgm:t>
-    </dgm:pt>
-    <dgm:pt modelId="{819773F9-4578-4CFF-A29A-9747869B2217}">
-      <dgm:prSet/>
-      <dgm:spPr/>
-      <dgm:t>
-        <a:bodyPr/>
-        <a:lstStyle/>
-        <a:p>
-          <a:r>
-            <a:rPr kumimoji="1" lang="en-US"/>
-            <a:t>JBE (CF=1, ZF=1</a:t>
-          </a:r>
-          <a:r>
-            <a:rPr kumimoji="1" lang="ja-JP"/>
-            <a:t>ならジャンプ</a:t>
-          </a:r>
-          <a:r>
-            <a:rPr kumimoji="1" lang="en-US"/>
-            <a:t>)</a:t>
-          </a:r>
-          <a:endParaRPr lang="en-US"/>
-        </a:p>
-      </dgm:t>
-    </dgm:pt>
-    <dgm:pt modelId="{6A4238E4-DAE2-4CCA-8D31-485BA21B17F8}" type="parTrans" cxnId="{99ACF097-6523-4A66-9D5C-D29BDFCE96BC}">
-      <dgm:prSet/>
-      <dgm:spPr/>
-      <dgm:t>
-        <a:bodyPr/>
-        <a:lstStyle/>
-        <a:p>
-          <a:endParaRPr lang="en-US"/>
-        </a:p>
-      </dgm:t>
-    </dgm:pt>
-    <dgm:pt modelId="{C247EAFD-C62C-453C-A54D-2BD65F7CC03C}" type="sibTrans" cxnId="{99ACF097-6523-4A66-9D5C-D29BDFCE96BC}">
-      <dgm:prSet/>
-      <dgm:spPr/>
-      <dgm:t>
-        <a:bodyPr/>
-        <a:lstStyle/>
-        <a:p>
-          <a:endParaRPr lang="en-US"/>
-        </a:p>
-      </dgm:t>
-    </dgm:pt>
-    <dgm:pt modelId="{E9502272-5D71-4518-96FB-E16032AE0BA3}">
-      <dgm:prSet/>
-      <dgm:spPr/>
-      <dgm:t>
-        <a:bodyPr/>
-        <a:lstStyle/>
-        <a:p>
-          <a:r>
-            <a:rPr kumimoji="1" lang="ja-JP"/>
-            <a:t>その他</a:t>
-          </a:r>
-          <a:endParaRPr lang="en-US"/>
-        </a:p>
-      </dgm:t>
-    </dgm:pt>
-    <dgm:pt modelId="{36F3D250-0CF2-48DB-8BDD-63188181EE2A}" type="parTrans" cxnId="{B8423402-598A-4720-B51B-905538F65A92}">
-      <dgm:prSet/>
-      <dgm:spPr/>
-      <dgm:t>
-        <a:bodyPr/>
-        <a:lstStyle/>
-        <a:p>
-          <a:endParaRPr lang="en-US"/>
-        </a:p>
-      </dgm:t>
-    </dgm:pt>
-    <dgm:pt modelId="{5D5A283D-AD36-4C5C-8382-FF236A2EC53D}" type="sibTrans" cxnId="{B8423402-598A-4720-B51B-905538F65A92}">
-      <dgm:prSet/>
-      <dgm:spPr/>
-      <dgm:t>
-        <a:bodyPr/>
-        <a:lstStyle/>
-        <a:p>
-          <a:endParaRPr lang="en-US"/>
-        </a:p>
-      </dgm:t>
-    </dgm:pt>
-    <dgm:pt modelId="{C39CD2E9-D79B-4F25-83F4-1699A3234BA0}" type="pres">
-      <dgm:prSet presAssocID="{670AFC9B-8AED-4816-B51B-0DF041AD5368}" presName="linear" presStyleCnt="0">
-        <dgm:presLayoutVars>
-          <dgm:dir/>
-          <dgm:animLvl val="lvl"/>
-          <dgm:resizeHandles val="exact"/>
-        </dgm:presLayoutVars>
-      </dgm:prSet>
-      <dgm:spPr/>
-    </dgm:pt>
-    <dgm:pt modelId="{2CAA7660-7F0F-4F9B-A570-D8C8B859EC4D}" type="pres">
-      <dgm:prSet presAssocID="{078D4721-EE26-4B7F-AF6F-0EEED7218041}" presName="parentLin" presStyleCnt="0"/>
-      <dgm:spPr/>
-    </dgm:pt>
-    <dgm:pt modelId="{23367162-9237-4B04-A215-BF9139F690E8}" type="pres">
-      <dgm:prSet presAssocID="{078D4721-EE26-4B7F-AF6F-0EEED7218041}" presName="parentLeftMargin" presStyleLbl="node1" presStyleIdx="0" presStyleCnt="5"/>
-      <dgm:spPr/>
-    </dgm:pt>
-    <dgm:pt modelId="{DAD4075A-F7BF-4E8E-AA81-D378F64B617D}" type="pres">
-      <dgm:prSet presAssocID="{078D4721-EE26-4B7F-AF6F-0EEED7218041}" presName="parentText" presStyleLbl="node1" presStyleIdx="0" presStyleCnt="5">
-        <dgm:presLayoutVars>
-          <dgm:chMax val="0"/>
-          <dgm:bulletEnabled val="1"/>
-        </dgm:presLayoutVars>
-      </dgm:prSet>
-      <dgm:spPr/>
-    </dgm:pt>
-    <dgm:pt modelId="{F64497E5-6511-40BC-8EA0-1B95970C209F}" type="pres">
-      <dgm:prSet presAssocID="{078D4721-EE26-4B7F-AF6F-0EEED7218041}" presName="negativeSpace" presStyleCnt="0"/>
-      <dgm:spPr/>
-    </dgm:pt>
-    <dgm:pt modelId="{2DAC2AF3-EF4A-43A1-A0CD-9A4EB0EBE9C9}" type="pres">
-      <dgm:prSet presAssocID="{078D4721-EE26-4B7F-AF6F-0EEED7218041}" presName="childText" presStyleLbl="conFgAcc1" presStyleIdx="0" presStyleCnt="5">
-        <dgm:presLayoutVars>
-          <dgm:bulletEnabled val="1"/>
-        </dgm:presLayoutVars>
-      </dgm:prSet>
-      <dgm:spPr/>
-    </dgm:pt>
-    <dgm:pt modelId="{720A5909-80B8-4F90-A2D9-739F181202A1}" type="pres">
-      <dgm:prSet presAssocID="{38B719BD-34E8-4246-88CE-4D51F81CAA53}" presName="spaceBetweenRectangles" presStyleCnt="0"/>
-      <dgm:spPr/>
-    </dgm:pt>
-    <dgm:pt modelId="{FF684E6A-6523-4287-84A0-C2B39CCAB3D4}" type="pres">
-      <dgm:prSet presAssocID="{640EBDCA-A22B-43DD-B04A-B69D364FD372}" presName="parentLin" presStyleCnt="0"/>
-      <dgm:spPr/>
-    </dgm:pt>
-    <dgm:pt modelId="{7E8B2ED0-1EDE-4BDB-AAB0-593A60062358}" type="pres">
-      <dgm:prSet presAssocID="{640EBDCA-A22B-43DD-B04A-B69D364FD372}" presName="parentLeftMargin" presStyleLbl="node1" presStyleIdx="0" presStyleCnt="5"/>
-      <dgm:spPr/>
-    </dgm:pt>
-    <dgm:pt modelId="{17E17F7D-F982-4305-917A-501BB8180572}" type="pres">
-      <dgm:prSet presAssocID="{640EBDCA-A22B-43DD-B04A-B69D364FD372}" presName="parentText" presStyleLbl="node1" presStyleIdx="1" presStyleCnt="5">
-        <dgm:presLayoutVars>
-          <dgm:chMax val="0"/>
-          <dgm:bulletEnabled val="1"/>
-        </dgm:presLayoutVars>
-      </dgm:prSet>
-      <dgm:spPr/>
-    </dgm:pt>
-    <dgm:pt modelId="{F3F7FC24-9901-4CBD-BA29-7EF72040D2DE}" type="pres">
-      <dgm:prSet presAssocID="{640EBDCA-A22B-43DD-B04A-B69D364FD372}" presName="negativeSpace" presStyleCnt="0"/>
-      <dgm:spPr/>
-    </dgm:pt>
-    <dgm:pt modelId="{BD86A3A2-337E-4E0D-A1C2-7A5E441FC8CD}" type="pres">
-      <dgm:prSet presAssocID="{640EBDCA-A22B-43DD-B04A-B69D364FD372}" presName="childText" presStyleLbl="conFgAcc1" presStyleIdx="1" presStyleCnt="5">
-        <dgm:presLayoutVars>
-          <dgm:bulletEnabled val="1"/>
-        </dgm:presLayoutVars>
-      </dgm:prSet>
-      <dgm:spPr/>
-    </dgm:pt>
-    <dgm:pt modelId="{CD2497BD-C14D-43CA-B632-A76F398E4230}" type="pres">
-      <dgm:prSet presAssocID="{3C07697A-7FD7-4E62-A14A-649399EBE170}" presName="spaceBetweenRectangles" presStyleCnt="0"/>
-      <dgm:spPr/>
-    </dgm:pt>
-    <dgm:pt modelId="{1A926230-6902-4D4A-9E97-59B35D668373}" type="pres">
-      <dgm:prSet presAssocID="{EDC5114B-7E96-4BC4-AA87-50C55E12FDF9}" presName="parentLin" presStyleCnt="0"/>
-      <dgm:spPr/>
-    </dgm:pt>
-    <dgm:pt modelId="{E8D9735B-614C-4C45-90A0-7D5B70657B5F}" type="pres">
-      <dgm:prSet presAssocID="{EDC5114B-7E96-4BC4-AA87-50C55E12FDF9}" presName="parentLeftMargin" presStyleLbl="node1" presStyleIdx="1" presStyleCnt="5"/>
-      <dgm:spPr/>
-    </dgm:pt>
-    <dgm:pt modelId="{3A6B8CE7-FC8A-45BC-ACC7-F5014CD52109}" type="pres">
-      <dgm:prSet presAssocID="{EDC5114B-7E96-4BC4-AA87-50C55E12FDF9}" presName="parentText" presStyleLbl="node1" presStyleIdx="2" presStyleCnt="5">
-        <dgm:presLayoutVars>
-          <dgm:chMax val="0"/>
-          <dgm:bulletEnabled val="1"/>
-        </dgm:presLayoutVars>
-      </dgm:prSet>
-      <dgm:spPr/>
-    </dgm:pt>
-    <dgm:pt modelId="{8ACB8631-AF56-495E-84AF-6DBBE3F8443C}" type="pres">
-      <dgm:prSet presAssocID="{EDC5114B-7E96-4BC4-AA87-50C55E12FDF9}" presName="negativeSpace" presStyleCnt="0"/>
-      <dgm:spPr/>
-    </dgm:pt>
-    <dgm:pt modelId="{77B16C7E-BA8A-4F63-B5CC-99404816AC49}" type="pres">
-      <dgm:prSet presAssocID="{EDC5114B-7E96-4BC4-AA87-50C55E12FDF9}" presName="childText" presStyleLbl="conFgAcc1" presStyleIdx="2" presStyleCnt="5">
-        <dgm:presLayoutVars>
-          <dgm:bulletEnabled val="1"/>
-        </dgm:presLayoutVars>
-      </dgm:prSet>
-      <dgm:spPr/>
-    </dgm:pt>
-    <dgm:pt modelId="{1EA8521D-8C85-4DC1-BF89-45D27081EA40}" type="pres">
-      <dgm:prSet presAssocID="{0F907F42-0111-4200-A057-91986E0B49B0}" presName="spaceBetweenRectangles" presStyleCnt="0"/>
-      <dgm:spPr/>
-    </dgm:pt>
-    <dgm:pt modelId="{89C66B78-4F4B-4433-94DA-390FC8FC2ACF}" type="pres">
-      <dgm:prSet presAssocID="{819773F9-4578-4CFF-A29A-9747869B2217}" presName="parentLin" presStyleCnt="0"/>
-      <dgm:spPr/>
-    </dgm:pt>
-    <dgm:pt modelId="{BE725ED7-6307-44C8-AF8D-A30BA63E7E28}" type="pres">
-      <dgm:prSet presAssocID="{819773F9-4578-4CFF-A29A-9747869B2217}" presName="parentLeftMargin" presStyleLbl="node1" presStyleIdx="2" presStyleCnt="5"/>
-      <dgm:spPr/>
-    </dgm:pt>
-    <dgm:pt modelId="{9B2E0655-3CFB-4465-AE62-EF764E9B690F}" type="pres">
-      <dgm:prSet presAssocID="{819773F9-4578-4CFF-A29A-9747869B2217}" presName="parentText" presStyleLbl="node1" presStyleIdx="3" presStyleCnt="5">
-        <dgm:presLayoutVars>
-          <dgm:chMax val="0"/>
-          <dgm:bulletEnabled val="1"/>
-        </dgm:presLayoutVars>
-      </dgm:prSet>
-      <dgm:spPr/>
-    </dgm:pt>
-    <dgm:pt modelId="{F1FB4EF4-B530-4124-9D83-C8FCA085169A}" type="pres">
-      <dgm:prSet presAssocID="{819773F9-4578-4CFF-A29A-9747869B2217}" presName="negativeSpace" presStyleCnt="0"/>
-      <dgm:spPr/>
-    </dgm:pt>
-    <dgm:pt modelId="{D33A4CF9-787E-4E21-A735-86BE056E015D}" type="pres">
-      <dgm:prSet presAssocID="{819773F9-4578-4CFF-A29A-9747869B2217}" presName="childText" presStyleLbl="conFgAcc1" presStyleIdx="3" presStyleCnt="5">
-        <dgm:presLayoutVars>
-          <dgm:bulletEnabled val="1"/>
-        </dgm:presLayoutVars>
-      </dgm:prSet>
-      <dgm:spPr/>
-    </dgm:pt>
-    <dgm:pt modelId="{4D1D5321-342E-4B1F-8E13-7F41E1F73F1F}" type="pres">
-      <dgm:prSet presAssocID="{C247EAFD-C62C-453C-A54D-2BD65F7CC03C}" presName="spaceBetweenRectangles" presStyleCnt="0"/>
-      <dgm:spPr/>
-    </dgm:pt>
-    <dgm:pt modelId="{A1DCA245-7E22-41C5-ABC3-5BBD2B3EB41A}" type="pres">
-      <dgm:prSet presAssocID="{E9502272-5D71-4518-96FB-E16032AE0BA3}" presName="parentLin" presStyleCnt="0"/>
-      <dgm:spPr/>
-    </dgm:pt>
-    <dgm:pt modelId="{06C0C046-F3C8-438C-BE9B-1CADE963B4D5}" type="pres">
-      <dgm:prSet presAssocID="{E9502272-5D71-4518-96FB-E16032AE0BA3}" presName="parentLeftMargin" presStyleLbl="node1" presStyleIdx="3" presStyleCnt="5"/>
-      <dgm:spPr/>
-    </dgm:pt>
-    <dgm:pt modelId="{90C2CD03-6AD4-44A2-8F80-4E432C4088E3}" type="pres">
-      <dgm:prSet presAssocID="{E9502272-5D71-4518-96FB-E16032AE0BA3}" presName="parentText" presStyleLbl="node1" presStyleIdx="4" presStyleCnt="5">
-        <dgm:presLayoutVars>
-          <dgm:chMax val="0"/>
-          <dgm:bulletEnabled val="1"/>
-        </dgm:presLayoutVars>
-      </dgm:prSet>
-      <dgm:spPr/>
-    </dgm:pt>
-    <dgm:pt modelId="{A768412E-7C9A-4D0E-910C-07FB9072D3E8}" type="pres">
-      <dgm:prSet presAssocID="{E9502272-5D71-4518-96FB-E16032AE0BA3}" presName="negativeSpace" presStyleCnt="0"/>
-      <dgm:spPr/>
-    </dgm:pt>
-    <dgm:pt modelId="{FD732AB5-1B02-406E-AA92-D795A6DC40ED}" type="pres">
-      <dgm:prSet presAssocID="{E9502272-5D71-4518-96FB-E16032AE0BA3}" presName="childText" presStyleLbl="conFgAcc1" presStyleIdx="4" presStyleCnt="5">
-        <dgm:presLayoutVars>
-          <dgm:bulletEnabled val="1"/>
-        </dgm:presLayoutVars>
-      </dgm:prSet>
-      <dgm:spPr/>
-    </dgm:pt>
-  </dgm:ptLst>
-  <dgm:cxnLst>
-    <dgm:cxn modelId="{B8423402-598A-4720-B51B-905538F65A92}" srcId="{670AFC9B-8AED-4816-B51B-0DF041AD5368}" destId="{E9502272-5D71-4518-96FB-E16032AE0BA3}" srcOrd="4" destOrd="0" parTransId="{36F3D250-0CF2-48DB-8BDD-63188181EE2A}" sibTransId="{5D5A283D-AD36-4C5C-8382-FF236A2EC53D}"/>
-    <dgm:cxn modelId="{19A1F007-896B-409D-9B51-3D1B0167726C}" type="presOf" srcId="{078D4721-EE26-4B7F-AF6F-0EEED7218041}" destId="{DAD4075A-F7BF-4E8E-AA81-D378F64B617D}" srcOrd="1" destOrd="0" presId="urn:microsoft.com/office/officeart/2005/8/layout/list1"/>
-    <dgm:cxn modelId="{45321A0A-7336-4BFA-A8F6-8F7DCC9171C4}" type="presOf" srcId="{670AFC9B-8AED-4816-B51B-0DF041AD5368}" destId="{C39CD2E9-D79B-4F25-83F4-1699A3234BA0}" srcOrd="0" destOrd="0" presId="urn:microsoft.com/office/officeart/2005/8/layout/list1"/>
-    <dgm:cxn modelId="{1DEA0622-7B33-4145-8952-FB6C1FF23265}" type="presOf" srcId="{640EBDCA-A22B-43DD-B04A-B69D364FD372}" destId="{17E17F7D-F982-4305-917A-501BB8180572}" srcOrd="1" destOrd="0" presId="urn:microsoft.com/office/officeart/2005/8/layout/list1"/>
-    <dgm:cxn modelId="{0F816B26-962B-46AE-881B-6A17B3F686C4}" srcId="{670AFC9B-8AED-4816-B51B-0DF041AD5368}" destId="{078D4721-EE26-4B7F-AF6F-0EEED7218041}" srcOrd="0" destOrd="0" parTransId="{9F3497C9-A5D1-47F6-87FA-B5B318D390D6}" sibTransId="{38B719BD-34E8-4246-88CE-4D51F81CAA53}"/>
-    <dgm:cxn modelId="{185ECB64-28AE-4DFC-97C2-7B1D5B515D4B}" type="presOf" srcId="{078D4721-EE26-4B7F-AF6F-0EEED7218041}" destId="{23367162-9237-4B04-A215-BF9139F690E8}" srcOrd="0" destOrd="0" presId="urn:microsoft.com/office/officeart/2005/8/layout/list1"/>
-    <dgm:cxn modelId="{F5C50677-E188-485C-AC0C-0142DBE7C937}" type="presOf" srcId="{E9502272-5D71-4518-96FB-E16032AE0BA3}" destId="{06C0C046-F3C8-438C-BE9B-1CADE963B4D5}" srcOrd="0" destOrd="0" presId="urn:microsoft.com/office/officeart/2005/8/layout/list1"/>
-    <dgm:cxn modelId="{F583CC92-772C-4242-8C15-2AC82D9CD5BB}" type="presOf" srcId="{819773F9-4578-4CFF-A29A-9747869B2217}" destId="{9B2E0655-3CFB-4465-AE62-EF764E9B690F}" srcOrd="1" destOrd="0" presId="urn:microsoft.com/office/officeart/2005/8/layout/list1"/>
-    <dgm:cxn modelId="{99ACF097-6523-4A66-9D5C-D29BDFCE96BC}" srcId="{670AFC9B-8AED-4816-B51B-0DF041AD5368}" destId="{819773F9-4578-4CFF-A29A-9747869B2217}" srcOrd="3" destOrd="0" parTransId="{6A4238E4-DAE2-4CCA-8D31-485BA21B17F8}" sibTransId="{C247EAFD-C62C-453C-A54D-2BD65F7CC03C}"/>
-    <dgm:cxn modelId="{3197C3AE-AEE0-4781-96AD-734B07CF944E}" type="presOf" srcId="{819773F9-4578-4CFF-A29A-9747869B2217}" destId="{BE725ED7-6307-44C8-AF8D-A30BA63E7E28}" srcOrd="0" destOrd="0" presId="urn:microsoft.com/office/officeart/2005/8/layout/list1"/>
-    <dgm:cxn modelId="{E0D834C7-B401-49F8-913A-A6D03282CB74}" srcId="{670AFC9B-8AED-4816-B51B-0DF041AD5368}" destId="{640EBDCA-A22B-43DD-B04A-B69D364FD372}" srcOrd="1" destOrd="0" parTransId="{0C8DD361-195A-48F7-A63A-7461A60063BF}" sibTransId="{3C07697A-7FD7-4E62-A14A-649399EBE170}"/>
-    <dgm:cxn modelId="{B17D02E3-9C92-4C81-9512-184FF69E9130}" type="presOf" srcId="{EDC5114B-7E96-4BC4-AA87-50C55E12FDF9}" destId="{3A6B8CE7-FC8A-45BC-ACC7-F5014CD52109}" srcOrd="1" destOrd="0" presId="urn:microsoft.com/office/officeart/2005/8/layout/list1"/>
-    <dgm:cxn modelId="{6FB108E6-08E7-442C-B0BF-64C13DC2B66B}" srcId="{670AFC9B-8AED-4816-B51B-0DF041AD5368}" destId="{EDC5114B-7E96-4BC4-AA87-50C55E12FDF9}" srcOrd="2" destOrd="0" parTransId="{B734FCDA-8EFC-4285-9013-D15C0756F29A}" sibTransId="{0F907F42-0111-4200-A057-91986E0B49B0}"/>
-    <dgm:cxn modelId="{8F1936E6-2047-49B5-A141-CA1D2E13DD5A}" type="presOf" srcId="{E9502272-5D71-4518-96FB-E16032AE0BA3}" destId="{90C2CD03-6AD4-44A2-8F80-4E432C4088E3}" srcOrd="1" destOrd="0" presId="urn:microsoft.com/office/officeart/2005/8/layout/list1"/>
-    <dgm:cxn modelId="{C908EAED-5DDE-41CB-A369-2CAF2186898A}" type="presOf" srcId="{EDC5114B-7E96-4BC4-AA87-50C55E12FDF9}" destId="{E8D9735B-614C-4C45-90A0-7D5B70657B5F}" srcOrd="0" destOrd="0" presId="urn:microsoft.com/office/officeart/2005/8/layout/list1"/>
-    <dgm:cxn modelId="{105259F8-7283-43C9-BA17-AD09979EA0F9}" type="presOf" srcId="{640EBDCA-A22B-43DD-B04A-B69D364FD372}" destId="{7E8B2ED0-1EDE-4BDB-AAB0-593A60062358}" srcOrd="0" destOrd="0" presId="urn:microsoft.com/office/officeart/2005/8/layout/list1"/>
-    <dgm:cxn modelId="{38FE1E89-CEEA-4A6F-AA28-DBA10D1D8F4E}" type="presParOf" srcId="{C39CD2E9-D79B-4F25-83F4-1699A3234BA0}" destId="{2CAA7660-7F0F-4F9B-A570-D8C8B859EC4D}" srcOrd="0" destOrd="0" presId="urn:microsoft.com/office/officeart/2005/8/layout/list1"/>
-    <dgm:cxn modelId="{F40E5043-A2E8-43A3-8FF0-A05D48DD64AC}" type="presParOf" srcId="{2CAA7660-7F0F-4F9B-A570-D8C8B859EC4D}" destId="{23367162-9237-4B04-A215-BF9139F690E8}" srcOrd="0" destOrd="0" presId="urn:microsoft.com/office/officeart/2005/8/layout/list1"/>
-    <dgm:cxn modelId="{25F76B2A-6EF7-40A0-9C8B-88C5E208F12E}" type="presParOf" srcId="{2CAA7660-7F0F-4F9B-A570-D8C8B859EC4D}" destId="{DAD4075A-F7BF-4E8E-AA81-D378F64B617D}" srcOrd="1" destOrd="0" presId="urn:microsoft.com/office/officeart/2005/8/layout/list1"/>
-    <dgm:cxn modelId="{D1FE2A45-B230-4E4E-BF23-85D7B0657CF5}" type="presParOf" srcId="{C39CD2E9-D79B-4F25-83F4-1699A3234BA0}" destId="{F64497E5-6511-40BC-8EA0-1B95970C209F}" srcOrd="1" destOrd="0" presId="urn:microsoft.com/office/officeart/2005/8/layout/list1"/>
-    <dgm:cxn modelId="{0E5CC001-7192-4285-8C31-60A5C53FD57E}" type="presParOf" srcId="{C39CD2E9-D79B-4F25-83F4-1699A3234BA0}" destId="{2DAC2AF3-EF4A-43A1-A0CD-9A4EB0EBE9C9}" srcOrd="2" destOrd="0" presId="urn:microsoft.com/office/officeart/2005/8/layout/list1"/>
-    <dgm:cxn modelId="{7BA3F217-D84F-48B6-AB7E-CDAC64B14FB2}" type="presParOf" srcId="{C39CD2E9-D79B-4F25-83F4-1699A3234BA0}" destId="{720A5909-80B8-4F90-A2D9-739F181202A1}" srcOrd="3" destOrd="0" presId="urn:microsoft.com/office/officeart/2005/8/layout/list1"/>
-    <dgm:cxn modelId="{21CBA076-22BA-4077-9D61-8F918BBFCCFE}" type="presParOf" srcId="{C39CD2E9-D79B-4F25-83F4-1699A3234BA0}" destId="{FF684E6A-6523-4287-84A0-C2B39CCAB3D4}" srcOrd="4" destOrd="0" presId="urn:microsoft.com/office/officeart/2005/8/layout/list1"/>
-    <dgm:cxn modelId="{6F7C3C7D-6651-4C3B-95AD-9B4353674938}" type="presParOf" srcId="{FF684E6A-6523-4287-84A0-C2B39CCAB3D4}" destId="{7E8B2ED0-1EDE-4BDB-AAB0-593A60062358}" srcOrd="0" destOrd="0" presId="urn:microsoft.com/office/officeart/2005/8/layout/list1"/>
-    <dgm:cxn modelId="{7A37CDF2-686B-478F-B362-A13E6C46F308}" type="presParOf" srcId="{FF684E6A-6523-4287-84A0-C2B39CCAB3D4}" destId="{17E17F7D-F982-4305-917A-501BB8180572}" srcOrd="1" destOrd="0" presId="urn:microsoft.com/office/officeart/2005/8/layout/list1"/>
-    <dgm:cxn modelId="{7C9708AD-6539-4091-8C98-65C65F2AD8FB}" type="presParOf" srcId="{C39CD2E9-D79B-4F25-83F4-1699A3234BA0}" destId="{F3F7FC24-9901-4CBD-BA29-7EF72040D2DE}" srcOrd="5" destOrd="0" presId="urn:microsoft.com/office/officeart/2005/8/layout/list1"/>
-    <dgm:cxn modelId="{279CE22D-F8B5-4CAB-962B-7E7A1832326D}" type="presParOf" srcId="{C39CD2E9-D79B-4F25-83F4-1699A3234BA0}" destId="{BD86A3A2-337E-4E0D-A1C2-7A5E441FC8CD}" srcOrd="6" destOrd="0" presId="urn:microsoft.com/office/officeart/2005/8/layout/list1"/>
-    <dgm:cxn modelId="{5E2DF97D-2779-4E5D-A52B-572AF8C22A14}" type="presParOf" srcId="{C39CD2E9-D79B-4F25-83F4-1699A3234BA0}" destId="{CD2497BD-C14D-43CA-B632-A76F398E4230}" srcOrd="7" destOrd="0" presId="urn:microsoft.com/office/officeart/2005/8/layout/list1"/>
-    <dgm:cxn modelId="{FF65E0C1-3867-48B8-A81C-7522E88B85EE}" type="presParOf" srcId="{C39CD2E9-D79B-4F25-83F4-1699A3234BA0}" destId="{1A926230-6902-4D4A-9E97-59B35D668373}" srcOrd="8" destOrd="0" presId="urn:microsoft.com/office/officeart/2005/8/layout/list1"/>
-    <dgm:cxn modelId="{5C456210-8761-4AAF-BA1D-370B553D0A50}" type="presParOf" srcId="{1A926230-6902-4D4A-9E97-59B35D668373}" destId="{E8D9735B-614C-4C45-90A0-7D5B70657B5F}" srcOrd="0" destOrd="0" presId="urn:microsoft.com/office/officeart/2005/8/layout/list1"/>
-    <dgm:cxn modelId="{0B29A26D-33A0-49B6-A91E-B4E674A27160}" type="presParOf" srcId="{1A926230-6902-4D4A-9E97-59B35D668373}" destId="{3A6B8CE7-FC8A-45BC-ACC7-F5014CD52109}" srcOrd="1" destOrd="0" presId="urn:microsoft.com/office/officeart/2005/8/layout/list1"/>
-    <dgm:cxn modelId="{98D34CCF-EBFE-4226-99A9-C96281287C28}" type="presParOf" srcId="{C39CD2E9-D79B-4F25-83F4-1699A3234BA0}" destId="{8ACB8631-AF56-495E-84AF-6DBBE3F8443C}" srcOrd="9" destOrd="0" presId="urn:microsoft.com/office/officeart/2005/8/layout/list1"/>
-    <dgm:cxn modelId="{4DE27D3C-A389-42C0-8058-68897ED2A5FE}" type="presParOf" srcId="{C39CD2E9-D79B-4F25-83F4-1699A3234BA0}" destId="{77B16C7E-BA8A-4F63-B5CC-99404816AC49}" srcOrd="10" destOrd="0" presId="urn:microsoft.com/office/officeart/2005/8/layout/list1"/>
-    <dgm:cxn modelId="{DF7A3A3A-42CF-4231-9379-F1B369BEA809}" type="presParOf" srcId="{C39CD2E9-D79B-4F25-83F4-1699A3234BA0}" destId="{1EA8521D-8C85-4DC1-BF89-45D27081EA40}" srcOrd="11" destOrd="0" presId="urn:microsoft.com/office/officeart/2005/8/layout/list1"/>
-    <dgm:cxn modelId="{E472D8FA-FAF3-4CC9-A182-CC721D7DB939}" type="presParOf" srcId="{C39CD2E9-D79B-4F25-83F4-1699A3234BA0}" destId="{89C66B78-4F4B-4433-94DA-390FC8FC2ACF}" srcOrd="12" destOrd="0" presId="urn:microsoft.com/office/officeart/2005/8/layout/list1"/>
-    <dgm:cxn modelId="{7AF2F2B8-AEA1-4A6E-B08D-84FFFC179035}" type="presParOf" srcId="{89C66B78-4F4B-4433-94DA-390FC8FC2ACF}" destId="{BE725ED7-6307-44C8-AF8D-A30BA63E7E28}" srcOrd="0" destOrd="0" presId="urn:microsoft.com/office/officeart/2005/8/layout/list1"/>
-    <dgm:cxn modelId="{4866306F-03DB-408D-8EBF-2644F4FC15BA}" type="presParOf" srcId="{89C66B78-4F4B-4433-94DA-390FC8FC2ACF}" destId="{9B2E0655-3CFB-4465-AE62-EF764E9B690F}" srcOrd="1" destOrd="0" presId="urn:microsoft.com/office/officeart/2005/8/layout/list1"/>
-    <dgm:cxn modelId="{8987A637-8DDB-4BB5-A0AE-DB1542E9421D}" type="presParOf" srcId="{C39CD2E9-D79B-4F25-83F4-1699A3234BA0}" destId="{F1FB4EF4-B530-4124-9D83-C8FCA085169A}" srcOrd="13" destOrd="0" presId="urn:microsoft.com/office/officeart/2005/8/layout/list1"/>
-    <dgm:cxn modelId="{D5DF4FF5-4D0E-4DCA-8186-D224C9FB95BA}" type="presParOf" srcId="{C39CD2E9-D79B-4F25-83F4-1699A3234BA0}" destId="{D33A4CF9-787E-4E21-A735-86BE056E015D}" srcOrd="14" destOrd="0" presId="urn:microsoft.com/office/officeart/2005/8/layout/list1"/>
-    <dgm:cxn modelId="{FDA42A0C-9C17-4396-96BC-460B214D7032}" type="presParOf" srcId="{C39CD2E9-D79B-4F25-83F4-1699A3234BA0}" destId="{4D1D5321-342E-4B1F-8E13-7F41E1F73F1F}" srcOrd="15" destOrd="0" presId="urn:microsoft.com/office/officeart/2005/8/layout/list1"/>
-    <dgm:cxn modelId="{B1411760-F15E-454A-8A72-133FA4294566}" type="presParOf" srcId="{C39CD2E9-D79B-4F25-83F4-1699A3234BA0}" destId="{A1DCA245-7E22-41C5-ABC3-5BBD2B3EB41A}" srcOrd="16" destOrd="0" presId="urn:microsoft.com/office/officeart/2005/8/layout/list1"/>
-    <dgm:cxn modelId="{C58D7227-9DFF-4B6D-BA83-EBB7864DFB95}" type="presParOf" srcId="{A1DCA245-7E22-41C5-ABC3-5BBD2B3EB41A}" destId="{06C0C046-F3C8-438C-BE9B-1CADE963B4D5}" srcOrd="0" destOrd="0" presId="urn:microsoft.com/office/officeart/2005/8/layout/list1"/>
-    <dgm:cxn modelId="{28913EAC-20B8-40C0-8AFA-95B0CF0A6AF1}" type="presParOf" srcId="{A1DCA245-7E22-41C5-ABC3-5BBD2B3EB41A}" destId="{90C2CD03-6AD4-44A2-8F80-4E432C4088E3}" srcOrd="1" destOrd="0" presId="urn:microsoft.com/office/officeart/2005/8/layout/list1"/>
-    <dgm:cxn modelId="{76BC8EFB-ECB6-4A38-922A-53F843D2257B}" type="presParOf" srcId="{C39CD2E9-D79B-4F25-83F4-1699A3234BA0}" destId="{A768412E-7C9A-4D0E-910C-07FB9072D3E8}" srcOrd="17" destOrd="0" presId="urn:microsoft.com/office/officeart/2005/8/layout/list1"/>
-    <dgm:cxn modelId="{C5E50F15-AD13-46A4-B719-2A67B4C528A5}" type="presParOf" srcId="{C39CD2E9-D79B-4F25-83F4-1699A3234BA0}" destId="{FD732AB5-1B02-406E-AA92-D795A6DC40ED}" srcOrd="18" destOrd="0" presId="urn:microsoft.com/office/officeart/2005/8/layout/list1"/>
-  </dgm:cxnLst>
-  <dgm:bg/>
-  <dgm:whole/>
-  <dgm:extLst>
-    <a:ext uri="http://schemas.microsoft.com/office/drawing/2008/diagram">
-      <dsp:dataModelExt xmlns:dsp="http://schemas.microsoft.com/office/drawing/2008/diagram" relId="rId6" minVer="http://schemas.openxmlformats.org/drawingml/2006/diagram"/>
-    </a:ext>
-  </dgm:extLst>
-</dgm:dataModel>
-</file>
-
-<file path=ppt/diagrams/data4.xml><?xml version="1.0" encoding="utf-8"?>
-<dgm:dataModel xmlns:dgm="http://schemas.openxmlformats.org/drawingml/2006/diagram" xmlns:a="http://schemas.openxmlformats.org/drawingml/2006/main">
-  <dgm:ptLst>
     <dgm:pt modelId="{599C7606-1D35-4321-8032-9A3DF461D8B6}" type="doc">
       <dgm:prSet loTypeId="urn:microsoft.com/office/officeart/2008/layout/LinedList" loCatId="list" qsTypeId="urn:microsoft.com/office/officeart/2005/8/quickstyle/simple1" qsCatId="simple" csTypeId="urn:microsoft.com/office/officeart/2005/8/colors/accent5_2" csCatId="accent5"/>
       <dgm:spPr/>
@@ -4817,22 +3577,22 @@
         <a:lstStyle/>
         <a:p>
           <a:r>
-            <a:rPr lang="en-US"/>
+            <a:rPr lang="en-US" dirty="0"/>
             <a:t>JZ </a:t>
           </a:r>
           <a:r>
-            <a:rPr lang="ja-JP"/>
+            <a:rPr lang="ja-JP" dirty="0"/>
             <a:t>はゼロフラグが</a:t>
           </a:r>
           <a:r>
-            <a:rPr lang="en-US"/>
+            <a:rPr lang="en-US" dirty="0"/>
             <a:t>1</a:t>
           </a:r>
           <a:r>
-            <a:rPr lang="ja-JP"/>
+            <a:rPr lang="ja-JP" dirty="0"/>
             <a:t>の場合にジャンプ</a:t>
           </a:r>
-          <a:endParaRPr lang="en-US"/>
+          <a:endParaRPr lang="en-US" dirty="0"/>
         </a:p>
       </dgm:t>
     </dgm:pt>
@@ -4866,30 +3626,30 @@
         <a:lstStyle/>
         <a:p>
           <a:r>
-            <a:rPr kumimoji="1" lang="en-US"/>
+            <a:rPr kumimoji="1" lang="en-US" dirty="0"/>
             <a:t>JE </a:t>
           </a:r>
           <a:r>
-            <a:rPr kumimoji="1" lang="ja-JP"/>
+            <a:rPr kumimoji="1" lang="ja-JP" dirty="0"/>
             <a:t>は比較結果が等しい</a:t>
           </a:r>
           <a:r>
-            <a:rPr kumimoji="1" lang="en-US"/>
+            <a:rPr kumimoji="1" lang="en-US" dirty="0"/>
             <a:t>(E</a:t>
           </a:r>
           <a:r>
-            <a:rPr kumimoji="1" lang="en-US" baseline="-25000"/>
+            <a:rPr kumimoji="1" lang="en-US" baseline="-25000" dirty="0"/>
             <a:t>qual</a:t>
           </a:r>
           <a:r>
-            <a:rPr kumimoji="1" lang="en-US"/>
+            <a:rPr kumimoji="1" lang="en-US" dirty="0"/>
             <a:t>)</a:t>
           </a:r>
           <a:r>
-            <a:rPr kumimoji="1" lang="ja-JP"/>
+            <a:rPr kumimoji="1" lang="ja-JP" dirty="0"/>
             <a:t>ならジャンプ</a:t>
           </a:r>
-          <a:endParaRPr lang="en-US"/>
+          <a:endParaRPr lang="en-US" dirty="0"/>
         </a:p>
       </dgm:t>
     </dgm:pt>
@@ -4926,7 +3686,7 @@
             <a:rPr lang="ja-JP"/>
             <a:t>両者は同じ命令</a:t>
           </a:r>
-          <a:endParaRPr lang="en-US"/>
+          <a:endParaRPr lang="en-US" dirty="0"/>
         </a:p>
       </dgm:t>
     </dgm:pt>
@@ -4963,7 +3723,7 @@
             <a:rPr kumimoji="1" lang="ja-JP"/>
             <a:t>単なる言い換え</a:t>
           </a:r>
-          <a:endParaRPr lang="en-US"/>
+          <a:endParaRPr lang="en-US" dirty="0"/>
         </a:p>
       </dgm:t>
     </dgm:pt>
@@ -5101,11 +3861,11 @@
 </dgm:dataModel>
 </file>
 
-<file path=ppt/diagrams/data5.xml><?xml version="1.0" encoding="utf-8"?>
+<file path=ppt/diagrams/data4.xml><?xml version="1.0" encoding="utf-8"?>
 <dgm:dataModel xmlns:dgm="http://schemas.openxmlformats.org/drawingml/2006/diagram" xmlns:a="http://schemas.openxmlformats.org/drawingml/2006/main">
   <dgm:ptLst>
     <dgm:pt modelId="{AB5A0D80-8166-41BD-9437-91FAFEC684D1}" type="doc">
-      <dgm:prSet loTypeId="urn:microsoft.com/office/officeart/2008/layout/LinedList" loCatId="list" qsTypeId="urn:microsoft.com/office/officeart/2005/8/quickstyle/simple1" qsCatId="simple" csTypeId="urn:microsoft.com/office/officeart/2005/8/colors/colorful5" csCatId="colorful"/>
+      <dgm:prSet loTypeId="urn:microsoft.com/office/officeart/2008/layout/LinedList" loCatId="list" qsTypeId="urn:microsoft.com/office/officeart/2005/8/quickstyle/simple1" qsCatId="simple" csTypeId="urn:microsoft.com/office/officeart/2005/8/colors/colorful5" csCatId="colorful" phldr="1"/>
       <dgm:spPr/>
       <dgm:t>
         <a:bodyPr/>
@@ -5123,22 +3883,22 @@
         <a:lstStyle/>
         <a:p>
           <a:r>
-            <a:rPr kumimoji="1" lang="en-US"/>
+            <a:rPr kumimoji="1" lang="en-US" dirty="0"/>
             <a:t>JNC</a:t>
           </a:r>
           <a:r>
-            <a:rPr kumimoji="1" lang="ja-JP"/>
+            <a:rPr kumimoji="1" lang="ja-JP" dirty="0"/>
             <a:t>はキャリーフラグが</a:t>
           </a:r>
           <a:r>
-            <a:rPr kumimoji="1" lang="en-US"/>
-            <a:t>1</a:t>
+            <a:rPr kumimoji="1" lang="en-US" altLang="ja-JP" dirty="0"/>
+            <a:t>0</a:t>
           </a:r>
           <a:r>
-            <a:rPr kumimoji="1" lang="ja-JP"/>
+            <a:rPr kumimoji="1" lang="ja-JP" dirty="0"/>
             <a:t>の場合にジャンプ</a:t>
           </a:r>
-          <a:endParaRPr lang="en-US"/>
+          <a:endParaRPr lang="en-US" dirty="0"/>
         </a:p>
       </dgm:t>
     </dgm:pt>
@@ -5172,46 +3932,46 @@
         <a:lstStyle/>
         <a:p>
           <a:r>
-            <a:rPr kumimoji="1" lang="en-US"/>
+            <a:rPr kumimoji="1" lang="en-US" dirty="0"/>
             <a:t>JAE</a:t>
           </a:r>
           <a:r>
-            <a:rPr kumimoji="1" lang="ja-JP"/>
+            <a:rPr kumimoji="1" lang="ja-JP" dirty="0"/>
             <a:t>は比較結果がより上</a:t>
           </a:r>
           <a:r>
-            <a:rPr kumimoji="1" lang="en-US"/>
+            <a:rPr kumimoji="1" lang="en-US" dirty="0"/>
             <a:t>(A</a:t>
           </a:r>
           <a:r>
-            <a:rPr kumimoji="1" lang="en-US" baseline="-25000"/>
+            <a:rPr kumimoji="1" lang="en-US" baseline="-25000" dirty="0"/>
             <a:t>bove</a:t>
           </a:r>
           <a:r>
-            <a:rPr kumimoji="1" lang="en-US"/>
+            <a:rPr kumimoji="1" lang="en-US" dirty="0"/>
             <a:t>)</a:t>
           </a:r>
           <a:r>
-            <a:rPr kumimoji="1" lang="ja-JP"/>
+            <a:rPr kumimoji="1" lang="ja-JP" dirty="0"/>
             <a:t>または等しい</a:t>
           </a:r>
           <a:r>
-            <a:rPr kumimoji="1" lang="en-US"/>
+            <a:rPr kumimoji="1" lang="en-US" dirty="0"/>
             <a:t>(E</a:t>
           </a:r>
           <a:r>
-            <a:rPr kumimoji="1" lang="en-US" baseline="-25000"/>
+            <a:rPr kumimoji="1" lang="en-US" baseline="-25000" dirty="0"/>
             <a:t>qual</a:t>
           </a:r>
           <a:r>
-            <a:rPr kumimoji="1" lang="en-US"/>
+            <a:rPr kumimoji="1" lang="en-US" dirty="0"/>
             <a:t>)</a:t>
           </a:r>
           <a:r>
-            <a:rPr kumimoji="1" lang="ja-JP"/>
+            <a:rPr kumimoji="1" lang="ja-JP" dirty="0"/>
             <a:t>ならジャンプ</a:t>
           </a:r>
-          <a:endParaRPr lang="en-US"/>
+          <a:endParaRPr lang="en-US" dirty="0"/>
         </a:p>
       </dgm:t>
     </dgm:pt>
@@ -5245,38 +4005,38 @@
         <a:lstStyle/>
         <a:p>
           <a:r>
-            <a:rPr kumimoji="1" lang="en-US"/>
+            <a:rPr kumimoji="1" lang="en-US" dirty="0"/>
             <a:t>JNB</a:t>
           </a:r>
           <a:r>
-            <a:rPr kumimoji="1" lang="ja-JP"/>
+            <a:rPr kumimoji="1" lang="ja-JP" dirty="0"/>
             <a:t>は比較結果がより下</a:t>
           </a:r>
           <a:r>
-            <a:rPr kumimoji="1" lang="en-US"/>
+            <a:rPr kumimoji="1" lang="en-US" dirty="0"/>
             <a:t>(N</a:t>
           </a:r>
           <a:r>
-            <a:rPr kumimoji="1" lang="en-US" baseline="-25000"/>
+            <a:rPr kumimoji="1" lang="en-US" baseline="-25000" dirty="0"/>
             <a:t>ot</a:t>
           </a:r>
           <a:r>
-            <a:rPr kumimoji="1" lang="en-US"/>
+            <a:rPr kumimoji="1" lang="en-US" dirty="0"/>
             <a:t>B</a:t>
           </a:r>
           <a:r>
-            <a:rPr kumimoji="1" lang="en-US" baseline="-25000"/>
+            <a:rPr kumimoji="1" lang="en-US" baseline="-25000" dirty="0"/>
             <a:t>elow</a:t>
           </a:r>
           <a:r>
-            <a:rPr kumimoji="1" lang="en-US"/>
+            <a:rPr kumimoji="1" lang="en-US" dirty="0"/>
             <a:t>)</a:t>
           </a:r>
           <a:r>
-            <a:rPr kumimoji="1" lang="ja-JP"/>
+            <a:rPr kumimoji="1" lang="ja-JP" dirty="0"/>
             <a:t>でなければジャンプ</a:t>
           </a:r>
-          <a:endParaRPr lang="en-US"/>
+          <a:endParaRPr lang="en-US" dirty="0"/>
         </a:p>
       </dgm:t>
     </dgm:pt>
@@ -5313,7 +4073,7 @@
             <a:rPr kumimoji="1" lang="ja-JP"/>
             <a:t>これらは皆同じ命令</a:t>
           </a:r>
-          <a:endParaRPr lang="en-US"/>
+          <a:endParaRPr lang="en-US" dirty="0"/>
         </a:p>
       </dgm:t>
     </dgm:pt>
@@ -5347,10 +4107,10 @@
         <a:lstStyle/>
         <a:p>
           <a:r>
-            <a:rPr kumimoji="1" lang="ja-JP"/>
+            <a:rPr kumimoji="1" lang="ja-JP" dirty="0"/>
             <a:t>やはり、単なる言い換え</a:t>
           </a:r>
-          <a:endParaRPr lang="en-US"/>
+          <a:endParaRPr lang="en-US" dirty="0"/>
         </a:p>
       </dgm:t>
     </dgm:pt>
@@ -5639,10 +4399,10 @@
             <a:buNone/>
           </a:pPr>
           <a:r>
-            <a:rPr lang="ja-JP" sz="4200" kern="1200"/>
+            <a:rPr lang="ja-JP" sz="4200" kern="1200" dirty="0"/>
             <a:t>まず、フラグに影響を与える命令を実行する</a:t>
           </a:r>
-          <a:endParaRPr lang="en-US" sz="4200" kern="1200"/>
+          <a:endParaRPr lang="en-US" sz="4200" kern="1200" dirty="0"/>
         </a:p>
       </dsp:txBody>
       <dsp:txXfrm>
@@ -5771,10 +4531,10 @@
             <a:buNone/>
           </a:pPr>
           <a:r>
-            <a:rPr kumimoji="1" lang="ja-JP" sz="4200" kern="1200"/>
+            <a:rPr kumimoji="1" lang="ja-JP" sz="4200" kern="1200" dirty="0"/>
             <a:t>次にフラグの状態に応じて分岐する</a:t>
           </a:r>
-          <a:endParaRPr lang="en-US" sz="4200" kern="1200"/>
+          <a:endParaRPr lang="en-US" sz="4200" kern="1200" dirty="0"/>
         </a:p>
       </dsp:txBody>
       <dsp:txXfrm>
@@ -5865,22 +4625,22 @@
             <a:buNone/>
           </a:pPr>
           <a:r>
-            <a:rPr kumimoji="1" lang="en-US" sz="1400" kern="1200"/>
+            <a:rPr kumimoji="1" lang="en-US" sz="1400" kern="1200" dirty="0"/>
             <a:t>CMP</a:t>
           </a:r>
           <a:r>
-            <a:rPr kumimoji="1" lang="ja-JP" sz="1400" kern="1200"/>
+            <a:rPr kumimoji="1" lang="ja-JP" sz="1400" kern="1200" dirty="0"/>
             <a:t>命令、</a:t>
           </a:r>
           <a:r>
-            <a:rPr kumimoji="1" lang="en-US" sz="1400" kern="1200"/>
+            <a:rPr kumimoji="1" lang="en-US" sz="1400" kern="1200" dirty="0"/>
             <a:t>TEST</a:t>
           </a:r>
           <a:r>
-            <a:rPr kumimoji="1" lang="ja-JP" sz="1400" kern="1200"/>
+            <a:rPr kumimoji="1" lang="ja-JP" sz="1400" kern="1200" dirty="0"/>
             <a:t>命令</a:t>
           </a:r>
-          <a:endParaRPr lang="en-US" sz="1400" kern="1200"/>
+          <a:endParaRPr lang="en-US" sz="1400" kern="1200" dirty="0"/>
         </a:p>
       </dsp:txBody>
       <dsp:txXfrm>
@@ -5959,14 +4719,14 @@
             <a:buNone/>
           </a:pPr>
           <a:r>
-            <a:rPr kumimoji="1" lang="en-US" sz="1400" kern="1200"/>
+            <a:rPr kumimoji="1" lang="en-US" sz="1400" kern="1200" dirty="0"/>
             <a:t>ADD, SUB</a:t>
           </a:r>
           <a:r>
-            <a:rPr kumimoji="1" lang="ja-JP" sz="1400" kern="1200"/>
+            <a:rPr kumimoji="1" lang="ja-JP" sz="1400" kern="1200" dirty="0"/>
             <a:t>などの算術演算命令</a:t>
           </a:r>
-          <a:endParaRPr lang="en-US" sz="1400" kern="1200"/>
+          <a:endParaRPr lang="en-US" sz="1400" kern="1200" dirty="0"/>
         </a:p>
       </dsp:txBody>
       <dsp:txXfrm rot="-5400000">
@@ -6045,14 +4805,14 @@
             <a:buNone/>
           </a:pPr>
           <a:r>
-            <a:rPr kumimoji="1" lang="en-US" sz="1400" kern="1200"/>
+            <a:rPr kumimoji="1" lang="en-US" sz="1400" kern="1200" dirty="0"/>
             <a:t>AND, OR, XOR</a:t>
           </a:r>
           <a:r>
-            <a:rPr kumimoji="1" lang="ja-JP" sz="1400" kern="1200"/>
+            <a:rPr kumimoji="1" lang="ja-JP" sz="1400" kern="1200" dirty="0"/>
             <a:t>などの論理演算命令</a:t>
           </a:r>
-          <a:endParaRPr lang="en-US" sz="1400" kern="1200"/>
+          <a:endParaRPr lang="en-US" sz="1400" kern="1200" dirty="0"/>
         </a:p>
       </dsp:txBody>
       <dsp:txXfrm rot="5400000">
@@ -6065,690 +4825,6 @@
 </file>
 
 <file path=ppt/diagrams/drawing3.xml><?xml version="1.0" encoding="utf-8"?>
-<dsp:drawing xmlns:dgm="http://schemas.openxmlformats.org/drawingml/2006/diagram" xmlns:dsp="http://schemas.microsoft.com/office/drawing/2008/diagram" xmlns:a="http://schemas.openxmlformats.org/drawingml/2006/main">
-  <dsp:spTree>
-    <dsp:nvGrpSpPr>
-      <dsp:cNvPr id="0" name=""/>
-      <dsp:cNvGrpSpPr/>
-    </dsp:nvGrpSpPr>
-    <dsp:grpSpPr/>
-    <dsp:sp modelId="{2DAC2AF3-EF4A-43A1-A0CD-9A4EB0EBE9C9}">
-      <dsp:nvSpPr>
-        <dsp:cNvPr id="0" name=""/>
-        <dsp:cNvSpPr/>
-      </dsp:nvSpPr>
-      <dsp:spPr>
-        <a:xfrm>
-          <a:off x="0" y="309662"/>
-          <a:ext cx="10927829" cy="403200"/>
-        </a:xfrm>
-        <a:prstGeom prst="rect">
-          <a:avLst/>
-        </a:prstGeom>
-        <a:solidFill>
-          <a:schemeClr val="lt1">
-            <a:alpha val="90000"/>
-            <a:hueOff val="0"/>
-            <a:satOff val="0"/>
-            <a:lumOff val="0"/>
-            <a:alphaOff val="0"/>
-          </a:schemeClr>
-        </a:solidFill>
-        <a:ln w="19050" cap="flat" cmpd="sng" algn="ctr">
-          <a:solidFill>
-            <a:schemeClr val="accent5">
-              <a:hueOff val="0"/>
-              <a:satOff val="0"/>
-              <a:lumOff val="0"/>
-              <a:alphaOff val="0"/>
-            </a:schemeClr>
-          </a:solidFill>
-          <a:prstDash val="solid"/>
-          <a:miter lim="800000"/>
-        </a:ln>
-        <a:effectLst/>
-      </dsp:spPr>
-      <dsp:style>
-        <a:lnRef idx="2">
-          <a:scrgbClr r="0" g="0" b="0"/>
-        </a:lnRef>
-        <a:fillRef idx="1">
-          <a:scrgbClr r="0" g="0" b="0"/>
-        </a:fillRef>
-        <a:effectRef idx="0">
-          <a:scrgbClr r="0" g="0" b="0"/>
-        </a:effectRef>
-        <a:fontRef idx="minor"/>
-      </dsp:style>
-    </dsp:sp>
-    <dsp:sp modelId="{DAD4075A-F7BF-4E8E-AA81-D378F64B617D}">
-      <dsp:nvSpPr>
-        <dsp:cNvPr id="0" name=""/>
-        <dsp:cNvSpPr/>
-      </dsp:nvSpPr>
-      <dsp:spPr>
-        <a:xfrm>
-          <a:off x="546391" y="73502"/>
-          <a:ext cx="7649480" cy="472320"/>
-        </a:xfrm>
-        <a:prstGeom prst="roundRect">
-          <a:avLst/>
-        </a:prstGeom>
-        <a:solidFill>
-          <a:schemeClr val="accent5">
-            <a:hueOff val="0"/>
-            <a:satOff val="0"/>
-            <a:lumOff val="0"/>
-            <a:alphaOff val="0"/>
-          </a:schemeClr>
-        </a:solidFill>
-        <a:ln w="19050" cap="flat" cmpd="sng" algn="ctr">
-          <a:solidFill>
-            <a:schemeClr val="lt1">
-              <a:hueOff val="0"/>
-              <a:satOff val="0"/>
-              <a:lumOff val="0"/>
-              <a:alphaOff val="0"/>
-            </a:schemeClr>
-          </a:solidFill>
-          <a:prstDash val="solid"/>
-          <a:miter lim="800000"/>
-        </a:ln>
-        <a:effectLst/>
-      </dsp:spPr>
-      <dsp:style>
-        <a:lnRef idx="2">
-          <a:scrgbClr r="0" g="0" b="0"/>
-        </a:lnRef>
-        <a:fillRef idx="1">
-          <a:scrgbClr r="0" g="0" b="0"/>
-        </a:fillRef>
-        <a:effectRef idx="0">
-          <a:scrgbClr r="0" g="0" b="0"/>
-        </a:effectRef>
-        <a:fontRef idx="minor">
-          <a:schemeClr val="lt1"/>
-        </a:fontRef>
-      </dsp:style>
-      <dsp:txBody>
-        <a:bodyPr spcFirstLastPara="0" vert="horz" wrap="square" lIns="289132" tIns="0" rIns="289132" bIns="0" numCol="1" spcCol="1270" anchor="ctr" anchorCtr="0">
-          <a:noAutofit/>
-        </a:bodyPr>
-        <a:lstStyle/>
-        <a:p>
-          <a:pPr marL="0" lvl="0" indent="0" algn="l" defTabSz="711200">
-            <a:lnSpc>
-              <a:spcPct val="90000"/>
-            </a:lnSpc>
-            <a:spcBef>
-              <a:spcPct val="0"/>
-            </a:spcBef>
-            <a:spcAft>
-              <a:spcPct val="35000"/>
-            </a:spcAft>
-            <a:buNone/>
-          </a:pPr>
-          <a:r>
-            <a:rPr kumimoji="1" lang="en-US" sz="1600" kern="1200"/>
-            <a:t>JC (CF=0</a:t>
-          </a:r>
-          <a:r>
-            <a:rPr kumimoji="1" lang="ja-JP" sz="1600" kern="1200"/>
-            <a:t>ならジャンプ</a:t>
-          </a:r>
-          <a:r>
-            <a:rPr kumimoji="1" lang="en-US" sz="1600" kern="1200"/>
-            <a:t>) </a:t>
-          </a:r>
-          <a:endParaRPr lang="en-US" sz="1600" kern="1200"/>
-        </a:p>
-      </dsp:txBody>
-      <dsp:txXfrm>
-        <a:off x="569448" y="96559"/>
-        <a:ext cx="7603366" cy="426206"/>
-      </dsp:txXfrm>
-    </dsp:sp>
-    <dsp:sp modelId="{BD86A3A2-337E-4E0D-A1C2-7A5E441FC8CD}">
-      <dsp:nvSpPr>
-        <dsp:cNvPr id="0" name=""/>
-        <dsp:cNvSpPr/>
-      </dsp:nvSpPr>
-      <dsp:spPr>
-        <a:xfrm>
-          <a:off x="0" y="1035422"/>
-          <a:ext cx="10927829" cy="403200"/>
-        </a:xfrm>
-        <a:prstGeom prst="rect">
-          <a:avLst/>
-        </a:prstGeom>
-        <a:solidFill>
-          <a:schemeClr val="lt1">
-            <a:alpha val="90000"/>
-            <a:hueOff val="0"/>
-            <a:satOff val="0"/>
-            <a:lumOff val="0"/>
-            <a:alphaOff val="0"/>
-          </a:schemeClr>
-        </a:solidFill>
-        <a:ln w="19050" cap="flat" cmpd="sng" algn="ctr">
-          <a:solidFill>
-            <a:schemeClr val="accent5">
-              <a:hueOff val="-3038037"/>
-              <a:satOff val="-207"/>
-              <a:lumOff val="490"/>
-              <a:alphaOff val="0"/>
-            </a:schemeClr>
-          </a:solidFill>
-          <a:prstDash val="solid"/>
-          <a:miter lim="800000"/>
-        </a:ln>
-        <a:effectLst/>
-      </dsp:spPr>
-      <dsp:style>
-        <a:lnRef idx="2">
-          <a:scrgbClr r="0" g="0" b="0"/>
-        </a:lnRef>
-        <a:fillRef idx="1">
-          <a:scrgbClr r="0" g="0" b="0"/>
-        </a:fillRef>
-        <a:effectRef idx="0">
-          <a:scrgbClr r="0" g="0" b="0"/>
-        </a:effectRef>
-        <a:fontRef idx="minor"/>
-      </dsp:style>
-    </dsp:sp>
-    <dsp:sp modelId="{17E17F7D-F982-4305-917A-501BB8180572}">
-      <dsp:nvSpPr>
-        <dsp:cNvPr id="0" name=""/>
-        <dsp:cNvSpPr/>
-      </dsp:nvSpPr>
-      <dsp:spPr>
-        <a:xfrm>
-          <a:off x="546391" y="799262"/>
-          <a:ext cx="7649480" cy="472320"/>
-        </a:xfrm>
-        <a:prstGeom prst="roundRect">
-          <a:avLst/>
-        </a:prstGeom>
-        <a:solidFill>
-          <a:schemeClr val="accent5">
-            <a:hueOff val="-3038037"/>
-            <a:satOff val="-207"/>
-            <a:lumOff val="490"/>
-            <a:alphaOff val="0"/>
-          </a:schemeClr>
-        </a:solidFill>
-        <a:ln w="19050" cap="flat" cmpd="sng" algn="ctr">
-          <a:solidFill>
-            <a:schemeClr val="lt1">
-              <a:hueOff val="0"/>
-              <a:satOff val="0"/>
-              <a:lumOff val="0"/>
-              <a:alphaOff val="0"/>
-            </a:schemeClr>
-          </a:solidFill>
-          <a:prstDash val="solid"/>
-          <a:miter lim="800000"/>
-        </a:ln>
-        <a:effectLst/>
-      </dsp:spPr>
-      <dsp:style>
-        <a:lnRef idx="2">
-          <a:scrgbClr r="0" g="0" b="0"/>
-        </a:lnRef>
-        <a:fillRef idx="1">
-          <a:scrgbClr r="0" g="0" b="0"/>
-        </a:fillRef>
-        <a:effectRef idx="0">
-          <a:scrgbClr r="0" g="0" b="0"/>
-        </a:effectRef>
-        <a:fontRef idx="minor">
-          <a:schemeClr val="lt1"/>
-        </a:fontRef>
-      </dsp:style>
-      <dsp:txBody>
-        <a:bodyPr spcFirstLastPara="0" vert="horz" wrap="square" lIns="289132" tIns="0" rIns="289132" bIns="0" numCol="1" spcCol="1270" anchor="ctr" anchorCtr="0">
-          <a:noAutofit/>
-        </a:bodyPr>
-        <a:lstStyle/>
-        <a:p>
-          <a:pPr marL="0" lvl="0" indent="0" algn="l" defTabSz="711200">
-            <a:lnSpc>
-              <a:spcPct val="90000"/>
-            </a:lnSpc>
-            <a:spcBef>
-              <a:spcPct val="0"/>
-            </a:spcBef>
-            <a:spcAft>
-              <a:spcPct val="35000"/>
-            </a:spcAft>
-            <a:buNone/>
-          </a:pPr>
-          <a:r>
-            <a:rPr kumimoji="1" lang="en-US" sz="1600" kern="1200"/>
-            <a:t>JNC (CF=1</a:t>
-          </a:r>
-          <a:r>
-            <a:rPr kumimoji="1" lang="ja-JP" sz="1600" kern="1200"/>
-            <a:t>ならジャンプ</a:t>
-          </a:r>
-          <a:r>
-            <a:rPr kumimoji="1" lang="en-US" sz="1600" kern="1200"/>
-            <a:t>)</a:t>
-          </a:r>
-          <a:endParaRPr lang="en-US" sz="1600" kern="1200"/>
-        </a:p>
-      </dsp:txBody>
-      <dsp:txXfrm>
-        <a:off x="569448" y="822319"/>
-        <a:ext cx="7603366" cy="426206"/>
-      </dsp:txXfrm>
-    </dsp:sp>
-    <dsp:sp modelId="{77B16C7E-BA8A-4F63-B5CC-99404816AC49}">
-      <dsp:nvSpPr>
-        <dsp:cNvPr id="0" name=""/>
-        <dsp:cNvSpPr/>
-      </dsp:nvSpPr>
-      <dsp:spPr>
-        <a:xfrm>
-          <a:off x="0" y="1761182"/>
-          <a:ext cx="10927829" cy="403200"/>
-        </a:xfrm>
-        <a:prstGeom prst="rect">
-          <a:avLst/>
-        </a:prstGeom>
-        <a:solidFill>
-          <a:schemeClr val="lt1">
-            <a:alpha val="90000"/>
-            <a:hueOff val="0"/>
-            <a:satOff val="0"/>
-            <a:lumOff val="0"/>
-            <a:alphaOff val="0"/>
-          </a:schemeClr>
-        </a:solidFill>
-        <a:ln w="19050" cap="flat" cmpd="sng" algn="ctr">
-          <a:solidFill>
-            <a:schemeClr val="accent5">
-              <a:hueOff val="-6076075"/>
-              <a:satOff val="-413"/>
-              <a:lumOff val="981"/>
-              <a:alphaOff val="0"/>
-            </a:schemeClr>
-          </a:solidFill>
-          <a:prstDash val="solid"/>
-          <a:miter lim="800000"/>
-        </a:ln>
-        <a:effectLst/>
-      </dsp:spPr>
-      <dsp:style>
-        <a:lnRef idx="2">
-          <a:scrgbClr r="0" g="0" b="0"/>
-        </a:lnRef>
-        <a:fillRef idx="1">
-          <a:scrgbClr r="0" g="0" b="0"/>
-        </a:fillRef>
-        <a:effectRef idx="0">
-          <a:scrgbClr r="0" g="0" b="0"/>
-        </a:effectRef>
-        <a:fontRef idx="minor"/>
-      </dsp:style>
-    </dsp:sp>
-    <dsp:sp modelId="{3A6B8CE7-FC8A-45BC-ACC7-F5014CD52109}">
-      <dsp:nvSpPr>
-        <dsp:cNvPr id="0" name=""/>
-        <dsp:cNvSpPr/>
-      </dsp:nvSpPr>
-      <dsp:spPr>
-        <a:xfrm>
-          <a:off x="546391" y="1525022"/>
-          <a:ext cx="7649480" cy="472320"/>
-        </a:xfrm>
-        <a:prstGeom prst="roundRect">
-          <a:avLst/>
-        </a:prstGeom>
-        <a:solidFill>
-          <a:schemeClr val="accent5">
-            <a:hueOff val="-6076075"/>
-            <a:satOff val="-413"/>
-            <a:lumOff val="981"/>
-            <a:alphaOff val="0"/>
-          </a:schemeClr>
-        </a:solidFill>
-        <a:ln w="19050" cap="flat" cmpd="sng" algn="ctr">
-          <a:solidFill>
-            <a:schemeClr val="lt1">
-              <a:hueOff val="0"/>
-              <a:satOff val="0"/>
-              <a:lumOff val="0"/>
-              <a:alphaOff val="0"/>
-            </a:schemeClr>
-          </a:solidFill>
-          <a:prstDash val="solid"/>
-          <a:miter lim="800000"/>
-        </a:ln>
-        <a:effectLst/>
-      </dsp:spPr>
-      <dsp:style>
-        <a:lnRef idx="2">
-          <a:scrgbClr r="0" g="0" b="0"/>
-        </a:lnRef>
-        <a:fillRef idx="1">
-          <a:scrgbClr r="0" g="0" b="0"/>
-        </a:fillRef>
-        <a:effectRef idx="0">
-          <a:scrgbClr r="0" g="0" b="0"/>
-        </a:effectRef>
-        <a:fontRef idx="minor">
-          <a:schemeClr val="lt1"/>
-        </a:fontRef>
-      </dsp:style>
-      <dsp:txBody>
-        <a:bodyPr spcFirstLastPara="0" vert="horz" wrap="square" lIns="289132" tIns="0" rIns="289132" bIns="0" numCol="1" spcCol="1270" anchor="ctr" anchorCtr="0">
-          <a:noAutofit/>
-        </a:bodyPr>
-        <a:lstStyle/>
-        <a:p>
-          <a:pPr marL="0" lvl="0" indent="0" algn="l" defTabSz="711200">
-            <a:lnSpc>
-              <a:spcPct val="90000"/>
-            </a:lnSpc>
-            <a:spcBef>
-              <a:spcPct val="0"/>
-            </a:spcBef>
-            <a:spcAft>
-              <a:spcPct val="35000"/>
-            </a:spcAft>
-            <a:buNone/>
-          </a:pPr>
-          <a:r>
-            <a:rPr kumimoji="1" lang="en-US" sz="1600" kern="1200"/>
-            <a:t>JA (CF=0, ZF=0</a:t>
-          </a:r>
-          <a:r>
-            <a:rPr kumimoji="1" lang="ja-JP" sz="1600" kern="1200"/>
-            <a:t>ならジャンプ</a:t>
-          </a:r>
-          <a:r>
-            <a:rPr kumimoji="1" lang="en-US" sz="1600" kern="1200"/>
-            <a:t>) </a:t>
-          </a:r>
-          <a:endParaRPr lang="en-US" sz="1600" kern="1200"/>
-        </a:p>
-      </dsp:txBody>
-      <dsp:txXfrm>
-        <a:off x="569448" y="1548079"/>
-        <a:ext cx="7603366" cy="426206"/>
-      </dsp:txXfrm>
-    </dsp:sp>
-    <dsp:sp modelId="{D33A4CF9-787E-4E21-A735-86BE056E015D}">
-      <dsp:nvSpPr>
-        <dsp:cNvPr id="0" name=""/>
-        <dsp:cNvSpPr/>
-      </dsp:nvSpPr>
-      <dsp:spPr>
-        <a:xfrm>
-          <a:off x="0" y="2486942"/>
-          <a:ext cx="10927829" cy="403200"/>
-        </a:xfrm>
-        <a:prstGeom prst="rect">
-          <a:avLst/>
-        </a:prstGeom>
-        <a:solidFill>
-          <a:schemeClr val="lt1">
-            <a:alpha val="90000"/>
-            <a:hueOff val="0"/>
-            <a:satOff val="0"/>
-            <a:lumOff val="0"/>
-            <a:alphaOff val="0"/>
-          </a:schemeClr>
-        </a:solidFill>
-        <a:ln w="19050" cap="flat" cmpd="sng" algn="ctr">
-          <a:solidFill>
-            <a:schemeClr val="accent5">
-              <a:hueOff val="-9114112"/>
-              <a:satOff val="-620"/>
-              <a:lumOff val="1471"/>
-              <a:alphaOff val="0"/>
-            </a:schemeClr>
-          </a:solidFill>
-          <a:prstDash val="solid"/>
-          <a:miter lim="800000"/>
-        </a:ln>
-        <a:effectLst/>
-      </dsp:spPr>
-      <dsp:style>
-        <a:lnRef idx="2">
-          <a:scrgbClr r="0" g="0" b="0"/>
-        </a:lnRef>
-        <a:fillRef idx="1">
-          <a:scrgbClr r="0" g="0" b="0"/>
-        </a:fillRef>
-        <a:effectRef idx="0">
-          <a:scrgbClr r="0" g="0" b="0"/>
-        </a:effectRef>
-        <a:fontRef idx="minor"/>
-      </dsp:style>
-    </dsp:sp>
-    <dsp:sp modelId="{9B2E0655-3CFB-4465-AE62-EF764E9B690F}">
-      <dsp:nvSpPr>
-        <dsp:cNvPr id="0" name=""/>
-        <dsp:cNvSpPr/>
-      </dsp:nvSpPr>
-      <dsp:spPr>
-        <a:xfrm>
-          <a:off x="546391" y="2250782"/>
-          <a:ext cx="7649480" cy="472320"/>
-        </a:xfrm>
-        <a:prstGeom prst="roundRect">
-          <a:avLst/>
-        </a:prstGeom>
-        <a:solidFill>
-          <a:schemeClr val="accent5">
-            <a:hueOff val="-9114112"/>
-            <a:satOff val="-620"/>
-            <a:lumOff val="1471"/>
-            <a:alphaOff val="0"/>
-          </a:schemeClr>
-        </a:solidFill>
-        <a:ln w="19050" cap="flat" cmpd="sng" algn="ctr">
-          <a:solidFill>
-            <a:schemeClr val="lt1">
-              <a:hueOff val="0"/>
-              <a:satOff val="0"/>
-              <a:lumOff val="0"/>
-              <a:alphaOff val="0"/>
-            </a:schemeClr>
-          </a:solidFill>
-          <a:prstDash val="solid"/>
-          <a:miter lim="800000"/>
-        </a:ln>
-        <a:effectLst/>
-      </dsp:spPr>
-      <dsp:style>
-        <a:lnRef idx="2">
-          <a:scrgbClr r="0" g="0" b="0"/>
-        </a:lnRef>
-        <a:fillRef idx="1">
-          <a:scrgbClr r="0" g="0" b="0"/>
-        </a:fillRef>
-        <a:effectRef idx="0">
-          <a:scrgbClr r="0" g="0" b="0"/>
-        </a:effectRef>
-        <a:fontRef idx="minor">
-          <a:schemeClr val="lt1"/>
-        </a:fontRef>
-      </dsp:style>
-      <dsp:txBody>
-        <a:bodyPr spcFirstLastPara="0" vert="horz" wrap="square" lIns="289132" tIns="0" rIns="289132" bIns="0" numCol="1" spcCol="1270" anchor="ctr" anchorCtr="0">
-          <a:noAutofit/>
-        </a:bodyPr>
-        <a:lstStyle/>
-        <a:p>
-          <a:pPr marL="0" lvl="0" indent="0" algn="l" defTabSz="711200">
-            <a:lnSpc>
-              <a:spcPct val="90000"/>
-            </a:lnSpc>
-            <a:spcBef>
-              <a:spcPct val="0"/>
-            </a:spcBef>
-            <a:spcAft>
-              <a:spcPct val="35000"/>
-            </a:spcAft>
-            <a:buNone/>
-          </a:pPr>
-          <a:r>
-            <a:rPr kumimoji="1" lang="en-US" sz="1600" kern="1200"/>
-            <a:t>JBE (CF=1, ZF=1</a:t>
-          </a:r>
-          <a:r>
-            <a:rPr kumimoji="1" lang="ja-JP" sz="1600" kern="1200"/>
-            <a:t>ならジャンプ</a:t>
-          </a:r>
-          <a:r>
-            <a:rPr kumimoji="1" lang="en-US" sz="1600" kern="1200"/>
-            <a:t>)</a:t>
-          </a:r>
-          <a:endParaRPr lang="en-US" sz="1600" kern="1200"/>
-        </a:p>
-      </dsp:txBody>
-      <dsp:txXfrm>
-        <a:off x="569448" y="2273839"/>
-        <a:ext cx="7603366" cy="426206"/>
-      </dsp:txXfrm>
-    </dsp:sp>
-    <dsp:sp modelId="{FD732AB5-1B02-406E-AA92-D795A6DC40ED}">
-      <dsp:nvSpPr>
-        <dsp:cNvPr id="0" name=""/>
-        <dsp:cNvSpPr/>
-      </dsp:nvSpPr>
-      <dsp:spPr>
-        <a:xfrm>
-          <a:off x="0" y="3212702"/>
-          <a:ext cx="10927829" cy="403200"/>
-        </a:xfrm>
-        <a:prstGeom prst="rect">
-          <a:avLst/>
-        </a:prstGeom>
-        <a:solidFill>
-          <a:schemeClr val="lt1">
-            <a:alpha val="90000"/>
-            <a:hueOff val="0"/>
-            <a:satOff val="0"/>
-            <a:lumOff val="0"/>
-            <a:alphaOff val="0"/>
-          </a:schemeClr>
-        </a:solidFill>
-        <a:ln w="19050" cap="flat" cmpd="sng" algn="ctr">
-          <a:solidFill>
-            <a:schemeClr val="accent5">
-              <a:hueOff val="-12152150"/>
-              <a:satOff val="-826"/>
-              <a:lumOff val="1961"/>
-              <a:alphaOff val="0"/>
-            </a:schemeClr>
-          </a:solidFill>
-          <a:prstDash val="solid"/>
-          <a:miter lim="800000"/>
-        </a:ln>
-        <a:effectLst/>
-      </dsp:spPr>
-      <dsp:style>
-        <a:lnRef idx="2">
-          <a:scrgbClr r="0" g="0" b="0"/>
-        </a:lnRef>
-        <a:fillRef idx="1">
-          <a:scrgbClr r="0" g="0" b="0"/>
-        </a:fillRef>
-        <a:effectRef idx="0">
-          <a:scrgbClr r="0" g="0" b="0"/>
-        </a:effectRef>
-        <a:fontRef idx="minor"/>
-      </dsp:style>
-    </dsp:sp>
-    <dsp:sp modelId="{90C2CD03-6AD4-44A2-8F80-4E432C4088E3}">
-      <dsp:nvSpPr>
-        <dsp:cNvPr id="0" name=""/>
-        <dsp:cNvSpPr/>
-      </dsp:nvSpPr>
-      <dsp:spPr>
-        <a:xfrm>
-          <a:off x="546391" y="2976542"/>
-          <a:ext cx="7649480" cy="472320"/>
-        </a:xfrm>
-        <a:prstGeom prst="roundRect">
-          <a:avLst/>
-        </a:prstGeom>
-        <a:solidFill>
-          <a:schemeClr val="accent5">
-            <a:hueOff val="-12152150"/>
-            <a:satOff val="-826"/>
-            <a:lumOff val="1961"/>
-            <a:alphaOff val="0"/>
-          </a:schemeClr>
-        </a:solidFill>
-        <a:ln w="19050" cap="flat" cmpd="sng" algn="ctr">
-          <a:solidFill>
-            <a:schemeClr val="lt1">
-              <a:hueOff val="0"/>
-              <a:satOff val="0"/>
-              <a:lumOff val="0"/>
-              <a:alphaOff val="0"/>
-            </a:schemeClr>
-          </a:solidFill>
-          <a:prstDash val="solid"/>
-          <a:miter lim="800000"/>
-        </a:ln>
-        <a:effectLst/>
-      </dsp:spPr>
-      <dsp:style>
-        <a:lnRef idx="2">
-          <a:scrgbClr r="0" g="0" b="0"/>
-        </a:lnRef>
-        <a:fillRef idx="1">
-          <a:scrgbClr r="0" g="0" b="0"/>
-        </a:fillRef>
-        <a:effectRef idx="0">
-          <a:scrgbClr r="0" g="0" b="0"/>
-        </a:effectRef>
-        <a:fontRef idx="minor">
-          <a:schemeClr val="lt1"/>
-        </a:fontRef>
-      </dsp:style>
-      <dsp:txBody>
-        <a:bodyPr spcFirstLastPara="0" vert="horz" wrap="square" lIns="289132" tIns="0" rIns="289132" bIns="0" numCol="1" spcCol="1270" anchor="ctr" anchorCtr="0">
-          <a:noAutofit/>
-        </a:bodyPr>
-        <a:lstStyle/>
-        <a:p>
-          <a:pPr marL="0" lvl="0" indent="0" algn="l" defTabSz="711200">
-            <a:lnSpc>
-              <a:spcPct val="90000"/>
-            </a:lnSpc>
-            <a:spcBef>
-              <a:spcPct val="0"/>
-            </a:spcBef>
-            <a:spcAft>
-              <a:spcPct val="35000"/>
-            </a:spcAft>
-            <a:buNone/>
-          </a:pPr>
-          <a:r>
-            <a:rPr kumimoji="1" lang="ja-JP" sz="1600" kern="1200"/>
-            <a:t>その他</a:t>
-          </a:r>
-          <a:endParaRPr lang="en-US" sz="1600" kern="1200"/>
-        </a:p>
-      </dsp:txBody>
-      <dsp:txXfrm>
-        <a:off x="569448" y="2999599"/>
-        <a:ext cx="7603366" cy="426206"/>
-      </dsp:txXfrm>
-    </dsp:sp>
-  </dsp:spTree>
-</dsp:drawing>
-</file>
-
-<file path=ppt/diagrams/drawing4.xml><?xml version="1.0" encoding="utf-8"?>
 <dsp:drawing xmlns:dgm="http://schemas.openxmlformats.org/drawingml/2006/diagram" xmlns:dsp="http://schemas.microsoft.com/office/drawing/2008/diagram" xmlns:a="http://schemas.openxmlformats.org/drawingml/2006/main">
   <dsp:spTree>
     <dsp:nvGrpSpPr>
@@ -6856,22 +4932,22 @@
             <a:buNone/>
           </a:pPr>
           <a:r>
-            <a:rPr lang="en-US" sz="2900" kern="1200"/>
+            <a:rPr lang="en-US" sz="2900" kern="1200" dirty="0"/>
             <a:t>JZ </a:t>
           </a:r>
           <a:r>
-            <a:rPr lang="ja-JP" sz="2900" kern="1200"/>
+            <a:rPr lang="ja-JP" sz="2900" kern="1200" dirty="0"/>
             <a:t>はゼロフラグが</a:t>
           </a:r>
           <a:r>
-            <a:rPr lang="en-US" sz="2900" kern="1200"/>
+            <a:rPr lang="en-US" sz="2900" kern="1200" dirty="0"/>
             <a:t>1</a:t>
           </a:r>
           <a:r>
-            <a:rPr lang="ja-JP" sz="2900" kern="1200"/>
+            <a:rPr lang="ja-JP" sz="2900" kern="1200" dirty="0"/>
             <a:t>の場合にジャンプ</a:t>
           </a:r>
-          <a:endParaRPr lang="en-US" sz="2900" kern="1200"/>
+          <a:endParaRPr lang="en-US" sz="2900" kern="1200" dirty="0"/>
         </a:p>
       </dsp:txBody>
       <dsp:txXfrm>
@@ -6979,30 +5055,30 @@
             <a:buNone/>
           </a:pPr>
           <a:r>
-            <a:rPr kumimoji="1" lang="en-US" sz="2900" kern="1200"/>
+            <a:rPr kumimoji="1" lang="en-US" sz="2900" kern="1200" dirty="0"/>
             <a:t>JE </a:t>
           </a:r>
           <a:r>
-            <a:rPr kumimoji="1" lang="ja-JP" sz="2900" kern="1200"/>
+            <a:rPr kumimoji="1" lang="ja-JP" sz="2900" kern="1200" dirty="0"/>
             <a:t>は比較結果が等しい</a:t>
           </a:r>
           <a:r>
-            <a:rPr kumimoji="1" lang="en-US" sz="2900" kern="1200"/>
+            <a:rPr kumimoji="1" lang="en-US" sz="2900" kern="1200" dirty="0"/>
             <a:t>(E</a:t>
           </a:r>
           <a:r>
-            <a:rPr kumimoji="1" lang="en-US" sz="2900" kern="1200" baseline="-25000"/>
+            <a:rPr kumimoji="1" lang="en-US" sz="2900" kern="1200" baseline="-25000" dirty="0"/>
             <a:t>qual</a:t>
           </a:r>
           <a:r>
-            <a:rPr kumimoji="1" lang="en-US" sz="2900" kern="1200"/>
+            <a:rPr kumimoji="1" lang="en-US" sz="2900" kern="1200" dirty="0"/>
             <a:t>)</a:t>
           </a:r>
           <a:r>
-            <a:rPr kumimoji="1" lang="ja-JP" sz="2900" kern="1200"/>
+            <a:rPr kumimoji="1" lang="ja-JP" sz="2900" kern="1200" dirty="0"/>
             <a:t>ならジャンプ</a:t>
           </a:r>
-          <a:endParaRPr lang="en-US" sz="2900" kern="1200"/>
+          <a:endParaRPr lang="en-US" sz="2900" kern="1200" dirty="0"/>
         </a:p>
       </dsp:txBody>
       <dsp:txXfrm>
@@ -7113,7 +5189,7 @@
             <a:rPr lang="ja-JP" sz="2900" kern="1200"/>
             <a:t>両者は同じ命令</a:t>
           </a:r>
-          <a:endParaRPr lang="en-US" sz="2900" kern="1200"/>
+          <a:endParaRPr lang="en-US" sz="2900" kern="1200" dirty="0"/>
         </a:p>
       </dsp:txBody>
       <dsp:txXfrm>
@@ -7224,7 +5300,7 @@
             <a:rPr kumimoji="1" lang="ja-JP" sz="2900" kern="1200"/>
             <a:t>単なる言い換え</a:t>
           </a:r>
-          <a:endParaRPr lang="en-US" sz="2900" kern="1200"/>
+          <a:endParaRPr lang="en-US" sz="2900" kern="1200" dirty="0"/>
         </a:p>
       </dsp:txBody>
       <dsp:txXfrm>
@@ -7236,7 +5312,7 @@
 </dsp:drawing>
 </file>
 
-<file path=ppt/diagrams/drawing5.xml><?xml version="1.0" encoding="utf-8"?>
+<file path=ppt/diagrams/drawing4.xml><?xml version="1.0" encoding="utf-8"?>
 <dsp:drawing xmlns:dgm="http://schemas.openxmlformats.org/drawingml/2006/diagram" xmlns:dsp="http://schemas.microsoft.com/office/drawing/2008/diagram" xmlns:a="http://schemas.openxmlformats.org/drawingml/2006/main">
   <dsp:spTree>
     <dsp:nvGrpSpPr>
@@ -7344,22 +5420,22 @@
             <a:buNone/>
           </a:pPr>
           <a:r>
-            <a:rPr kumimoji="1" lang="en-US" sz="2300" kern="1200"/>
+            <a:rPr kumimoji="1" lang="en-US" sz="2300" kern="1200" dirty="0"/>
             <a:t>JNC</a:t>
           </a:r>
           <a:r>
-            <a:rPr kumimoji="1" lang="ja-JP" sz="2300" kern="1200"/>
+            <a:rPr kumimoji="1" lang="ja-JP" sz="2300" kern="1200" dirty="0"/>
             <a:t>はキャリーフラグが</a:t>
           </a:r>
           <a:r>
-            <a:rPr kumimoji="1" lang="en-US" sz="2300" kern="1200"/>
-            <a:t>1</a:t>
+            <a:rPr kumimoji="1" lang="en-US" altLang="ja-JP" sz="2300" kern="1200" dirty="0"/>
+            <a:t>0</a:t>
           </a:r>
           <a:r>
-            <a:rPr kumimoji="1" lang="ja-JP" sz="2300" kern="1200"/>
+            <a:rPr kumimoji="1" lang="ja-JP" sz="2300" kern="1200" dirty="0"/>
             <a:t>の場合にジャンプ</a:t>
           </a:r>
-          <a:endParaRPr lang="en-US" sz="2300" kern="1200"/>
+          <a:endParaRPr lang="en-US" sz="2300" kern="1200" dirty="0"/>
         </a:p>
       </dsp:txBody>
       <dsp:txXfrm>
@@ -7467,46 +5543,46 @@
             <a:buNone/>
           </a:pPr>
           <a:r>
-            <a:rPr kumimoji="1" lang="en-US" sz="2300" kern="1200"/>
+            <a:rPr kumimoji="1" lang="en-US" sz="2300" kern="1200" dirty="0"/>
             <a:t>JAE</a:t>
           </a:r>
           <a:r>
-            <a:rPr kumimoji="1" lang="ja-JP" sz="2300" kern="1200"/>
+            <a:rPr kumimoji="1" lang="ja-JP" sz="2300" kern="1200" dirty="0"/>
             <a:t>は比較結果がより上</a:t>
           </a:r>
           <a:r>
-            <a:rPr kumimoji="1" lang="en-US" sz="2300" kern="1200"/>
+            <a:rPr kumimoji="1" lang="en-US" sz="2300" kern="1200" dirty="0"/>
             <a:t>(A</a:t>
           </a:r>
           <a:r>
-            <a:rPr kumimoji="1" lang="en-US" sz="2300" kern="1200" baseline="-25000"/>
+            <a:rPr kumimoji="1" lang="en-US" sz="2300" kern="1200" baseline="-25000" dirty="0"/>
             <a:t>bove</a:t>
           </a:r>
           <a:r>
-            <a:rPr kumimoji="1" lang="en-US" sz="2300" kern="1200"/>
+            <a:rPr kumimoji="1" lang="en-US" sz="2300" kern="1200" dirty="0"/>
             <a:t>)</a:t>
           </a:r>
           <a:r>
-            <a:rPr kumimoji="1" lang="ja-JP" sz="2300" kern="1200"/>
+            <a:rPr kumimoji="1" lang="ja-JP" sz="2300" kern="1200" dirty="0"/>
             <a:t>または等しい</a:t>
           </a:r>
           <a:r>
-            <a:rPr kumimoji="1" lang="en-US" sz="2300" kern="1200"/>
+            <a:rPr kumimoji="1" lang="en-US" sz="2300" kern="1200" dirty="0"/>
             <a:t>(E</a:t>
           </a:r>
           <a:r>
-            <a:rPr kumimoji="1" lang="en-US" sz="2300" kern="1200" baseline="-25000"/>
+            <a:rPr kumimoji="1" lang="en-US" sz="2300" kern="1200" baseline="-25000" dirty="0"/>
             <a:t>qual</a:t>
           </a:r>
           <a:r>
-            <a:rPr kumimoji="1" lang="en-US" sz="2300" kern="1200"/>
+            <a:rPr kumimoji="1" lang="en-US" sz="2300" kern="1200" dirty="0"/>
             <a:t>)</a:t>
           </a:r>
           <a:r>
-            <a:rPr kumimoji="1" lang="ja-JP" sz="2300" kern="1200"/>
+            <a:rPr kumimoji="1" lang="ja-JP" sz="2300" kern="1200" dirty="0"/>
             <a:t>ならジャンプ</a:t>
           </a:r>
-          <a:endParaRPr lang="en-US" sz="2300" kern="1200"/>
+          <a:endParaRPr lang="en-US" sz="2300" kern="1200" dirty="0"/>
         </a:p>
       </dsp:txBody>
       <dsp:txXfrm>
@@ -7614,38 +5690,38 @@
             <a:buNone/>
           </a:pPr>
           <a:r>
-            <a:rPr kumimoji="1" lang="en-US" sz="2300" kern="1200"/>
+            <a:rPr kumimoji="1" lang="en-US" sz="2300" kern="1200" dirty="0"/>
             <a:t>JNB</a:t>
           </a:r>
           <a:r>
-            <a:rPr kumimoji="1" lang="ja-JP" sz="2300" kern="1200"/>
+            <a:rPr kumimoji="1" lang="ja-JP" sz="2300" kern="1200" dirty="0"/>
             <a:t>は比較結果がより下</a:t>
           </a:r>
           <a:r>
-            <a:rPr kumimoji="1" lang="en-US" sz="2300" kern="1200"/>
+            <a:rPr kumimoji="1" lang="en-US" sz="2300" kern="1200" dirty="0"/>
             <a:t>(N</a:t>
           </a:r>
           <a:r>
-            <a:rPr kumimoji="1" lang="en-US" sz="2300" kern="1200" baseline="-25000"/>
+            <a:rPr kumimoji="1" lang="en-US" sz="2300" kern="1200" baseline="-25000" dirty="0"/>
             <a:t>ot</a:t>
           </a:r>
           <a:r>
-            <a:rPr kumimoji="1" lang="en-US" sz="2300" kern="1200"/>
+            <a:rPr kumimoji="1" lang="en-US" sz="2300" kern="1200" dirty="0"/>
             <a:t>B</a:t>
           </a:r>
           <a:r>
-            <a:rPr kumimoji="1" lang="en-US" sz="2300" kern="1200" baseline="-25000"/>
+            <a:rPr kumimoji="1" lang="en-US" sz="2300" kern="1200" baseline="-25000" dirty="0"/>
             <a:t>elow</a:t>
           </a:r>
           <a:r>
-            <a:rPr kumimoji="1" lang="en-US" sz="2300" kern="1200"/>
+            <a:rPr kumimoji="1" lang="en-US" sz="2300" kern="1200" dirty="0"/>
             <a:t>)</a:t>
           </a:r>
           <a:r>
-            <a:rPr kumimoji="1" lang="ja-JP" sz="2300" kern="1200"/>
+            <a:rPr kumimoji="1" lang="ja-JP" sz="2300" kern="1200" dirty="0"/>
             <a:t>でなければジャンプ</a:t>
           </a:r>
-          <a:endParaRPr lang="en-US" sz="2300" kern="1200"/>
+          <a:endParaRPr lang="en-US" sz="2300" kern="1200" dirty="0"/>
         </a:p>
       </dsp:txBody>
       <dsp:txXfrm>
@@ -7756,7 +5832,7 @@
             <a:rPr kumimoji="1" lang="ja-JP" sz="2300" kern="1200"/>
             <a:t>これらは皆同じ命令</a:t>
           </a:r>
-          <a:endParaRPr lang="en-US" sz="2300" kern="1200"/>
+          <a:endParaRPr lang="en-US" sz="2300" kern="1200" dirty="0"/>
         </a:p>
       </dsp:txBody>
       <dsp:txXfrm>
@@ -7864,10 +5940,10 @@
             <a:buNone/>
           </a:pPr>
           <a:r>
-            <a:rPr kumimoji="1" lang="ja-JP" sz="2300" kern="1200"/>
+            <a:rPr kumimoji="1" lang="ja-JP" sz="2300" kern="1200" dirty="0"/>
             <a:t>やはり、単なる言い換え</a:t>
           </a:r>
-          <a:endParaRPr lang="en-US" sz="2300" kern="1200"/>
+          <a:endParaRPr lang="en-US" sz="2300" kern="1200" dirty="0"/>
         </a:p>
       </dsp:txBody>
       <dsp:txXfrm>
@@ -8635,231 +6711,6 @@
 </file>
 
 <file path=ppt/diagrams/layout3.xml><?xml version="1.0" encoding="utf-8"?>
-<dgm:layoutDef xmlns:dgm="http://schemas.openxmlformats.org/drawingml/2006/diagram" xmlns:a="http://schemas.openxmlformats.org/drawingml/2006/main" uniqueId="urn:microsoft.com/office/officeart/2005/8/layout/list1">
-  <dgm:title val=""/>
-  <dgm:desc val=""/>
-  <dgm:catLst>
-    <dgm:cat type="list" pri="4000"/>
-  </dgm:catLst>
-  <dgm:sampData>
-    <dgm:dataModel>
-      <dgm:ptLst>
-        <dgm:pt modelId="0" type="doc"/>
-        <dgm:pt modelId="1">
-          <dgm:prSet phldr="1"/>
-        </dgm:pt>
-        <dgm:pt modelId="2">
-          <dgm:prSet phldr="1"/>
-        </dgm:pt>
-        <dgm:pt modelId="3">
-          <dgm:prSet phldr="1"/>
-        </dgm:pt>
-      </dgm:ptLst>
-      <dgm:cxnLst>
-        <dgm:cxn modelId="4" srcId="0" destId="1" srcOrd="0" destOrd="0"/>
-        <dgm:cxn modelId="5" srcId="0" destId="2" srcOrd="1" destOrd="0"/>
-        <dgm:cxn modelId="6" srcId="0" destId="3" srcOrd="2" destOrd="0"/>
-      </dgm:cxnLst>
-      <dgm:bg/>
-      <dgm:whole/>
-    </dgm:dataModel>
-  </dgm:sampData>
-  <dgm:styleData>
-    <dgm:dataModel>
-      <dgm:ptLst>
-        <dgm:pt modelId="0" type="doc"/>
-        <dgm:pt modelId="1"/>
-        <dgm:pt modelId="2"/>
-      </dgm:ptLst>
-      <dgm:cxnLst>
-        <dgm:cxn modelId="4" srcId="0" destId="1" srcOrd="0" destOrd="0"/>
-        <dgm:cxn modelId="5" srcId="0" destId="2" srcOrd="1" destOrd="0"/>
-      </dgm:cxnLst>
-      <dgm:bg/>
-      <dgm:whole/>
-    </dgm:dataModel>
-  </dgm:styleData>
-  <dgm:clrData>
-    <dgm:dataModel>
-      <dgm:ptLst>
-        <dgm:pt modelId="0" type="doc"/>
-        <dgm:pt modelId="1"/>
-        <dgm:pt modelId="2"/>
-        <dgm:pt modelId="3"/>
-        <dgm:pt modelId="4"/>
-      </dgm:ptLst>
-      <dgm:cxnLst>
-        <dgm:cxn modelId="5" srcId="0" destId="1" srcOrd="0" destOrd="0"/>
-        <dgm:cxn modelId="6" srcId="0" destId="2" srcOrd="1" destOrd="0"/>
-        <dgm:cxn modelId="7" srcId="0" destId="3" srcOrd="2" destOrd="0"/>
-        <dgm:cxn modelId="8" srcId="0" destId="4" srcOrd="3" destOrd="0"/>
-      </dgm:cxnLst>
-      <dgm:bg/>
-      <dgm:whole/>
-    </dgm:dataModel>
-  </dgm:clrData>
-  <dgm:layoutNode name="linear">
-    <dgm:varLst>
-      <dgm:dir/>
-      <dgm:animLvl val="lvl"/>
-      <dgm:resizeHandles val="exact"/>
-    </dgm:varLst>
-    <dgm:choose name="Name0">
-      <dgm:if name="Name1" func="var" arg="dir" op="equ" val="norm">
-        <dgm:alg type="lin">
-          <dgm:param type="linDir" val="fromT"/>
-          <dgm:param type="vertAlign" val="mid"/>
-          <dgm:param type="horzAlign" val="l"/>
-          <dgm:param type="nodeHorzAlign" val="l"/>
-        </dgm:alg>
-      </dgm:if>
-      <dgm:else name="Name2">
-        <dgm:alg type="lin">
-          <dgm:param type="linDir" val="fromT"/>
-          <dgm:param type="vertAlign" val="mid"/>
-          <dgm:param type="horzAlign" val="r"/>
-          <dgm:param type="nodeHorzAlign" val="r"/>
-        </dgm:alg>
-      </dgm:else>
-    </dgm:choose>
-    <dgm:shape xmlns:r="http://schemas.openxmlformats.org/officeDocument/2006/relationships" r:blip="">
-      <dgm:adjLst/>
-    </dgm:shape>
-    <dgm:presOf/>
-    <dgm:constrLst>
-      <dgm:constr type="w" for="ch" forName="parentLin" refType="w"/>
-      <dgm:constr type="h" for="ch" forName="parentLin" val="INF"/>
-      <dgm:constr type="w" for="des" forName="parentLeftMargin" refType="w" fact="0.05"/>
-      <dgm:constr type="w" for="des" forName="parentText" refType="w" fact="0.7"/>
-      <dgm:constr type="h" for="des" forName="parentText" refType="primFontSz" refFor="des" refForName="parentText" fact="0.82"/>
-      <dgm:constr type="h" for="ch" forName="negativeSpace" refType="primFontSz" refFor="des" refForName="parentText" fact="-0.41"/>
-      <dgm:constr type="h" for="ch" forName="negativeSpace" refType="h" refFor="des" refForName="parentText" op="lte" fact="-0.82"/>
-      <dgm:constr type="h" for="ch" forName="negativeSpace" refType="h" refFor="des" refForName="parentText" op="gte" fact="-0.82"/>
-      <dgm:constr type="w" for="ch" forName="childText" refType="w"/>
-      <dgm:constr type="h" for="ch" forName="childText" refType="primFontSz" refFor="des" refForName="parentText" fact="0.7"/>
-      <dgm:constr type="primFontSz" for="des" forName="parentText" val="65"/>
-      <dgm:constr type="primFontSz" for="ch" forName="childText" refType="primFontSz" refFor="des" refForName="parentText"/>
-      <dgm:constr type="tMarg" for="ch" forName="childText" refType="primFontSz" refFor="des" refForName="parentText" fact="1.64"/>
-      <dgm:constr type="tMarg" for="ch" forName="childText" refType="h" refFor="des" refForName="parentText" op="lte" fact="3.28"/>
-      <dgm:constr type="tMarg" for="ch" forName="childText" refType="h" refFor="des" refForName="parentText" op="gte" fact="3.28"/>
-      <dgm:constr type="lMarg" for="ch" forName="childText" refType="w" fact="0.22"/>
-      <dgm:constr type="rMarg" for="ch" forName="childText" refType="lMarg" refFor="ch" refForName="childText"/>
-      <dgm:constr type="lMarg" for="des" forName="parentText" refType="w" fact="0.075"/>
-      <dgm:constr type="rMarg" for="des" forName="parentText" refType="lMarg" refFor="des" refForName="parentText"/>
-      <dgm:constr type="h" for="ch" forName="spaceBetweenRectangles" refType="primFontSz" refFor="des" refForName="parentText" fact="0.15"/>
-    </dgm:constrLst>
-    <dgm:ruleLst>
-      <dgm:rule type="primFontSz" for="des" forName="parentText" val="5" fact="NaN" max="NaN"/>
-    </dgm:ruleLst>
-    <dgm:forEach name="Name3" axis="ch" ptType="node">
-      <dgm:layoutNode name="parentLin">
-        <dgm:choose name="Name4">
-          <dgm:if name="Name5" func="var" arg="dir" op="equ" val="norm">
-            <dgm:alg type="lin">
-              <dgm:param type="linDir" val="fromL"/>
-              <dgm:param type="horzAlign" val="l"/>
-              <dgm:param type="nodeHorzAlign" val="l"/>
-            </dgm:alg>
-          </dgm:if>
-          <dgm:else name="Name6">
-            <dgm:alg type="lin">
-              <dgm:param type="linDir" val="fromR"/>
-              <dgm:param type="horzAlign" val="r"/>
-              <dgm:param type="nodeHorzAlign" val="r"/>
-            </dgm:alg>
-          </dgm:else>
-        </dgm:choose>
-        <dgm:shape xmlns:r="http://schemas.openxmlformats.org/officeDocument/2006/relationships" r:blip="">
-          <dgm:adjLst/>
-        </dgm:shape>
-        <dgm:presOf/>
-        <dgm:constrLst/>
-        <dgm:ruleLst/>
-        <dgm:layoutNode name="parentLeftMargin">
-          <dgm:alg type="sp"/>
-          <dgm:shape xmlns:r="http://schemas.openxmlformats.org/officeDocument/2006/relationships" type="rect" r:blip="" hideGeom="1">
-            <dgm:adjLst/>
-          </dgm:shape>
-          <dgm:presOf axis="self"/>
-          <dgm:constrLst>
-            <dgm:constr type="h"/>
-          </dgm:constrLst>
-          <dgm:ruleLst/>
-        </dgm:layoutNode>
-        <dgm:layoutNode name="parentText" styleLbl="node1">
-          <dgm:varLst>
-            <dgm:chMax val="0"/>
-            <dgm:bulletEnabled val="1"/>
-          </dgm:varLst>
-          <dgm:choose name="Name7">
-            <dgm:if name="Name8" func="var" arg="dir" op="equ" val="norm">
-              <dgm:alg type="tx">
-                <dgm:param type="parTxLTRAlign" val="l"/>
-                <dgm:param type="parTxRTLAlign" val="l"/>
-              </dgm:alg>
-            </dgm:if>
-            <dgm:else name="Name9">
-              <dgm:alg type="tx">
-                <dgm:param type="parTxLTRAlign" val="r"/>
-                <dgm:param type="parTxRTLAlign" val="r"/>
-              </dgm:alg>
-            </dgm:else>
-          </dgm:choose>
-          <dgm:shape xmlns:r="http://schemas.openxmlformats.org/officeDocument/2006/relationships" type="roundRect" r:blip="">
-            <dgm:adjLst/>
-          </dgm:shape>
-          <dgm:presOf axis="self" ptType="node"/>
-          <dgm:constrLst>
-            <dgm:constr type="tMarg"/>
-            <dgm:constr type="bMarg"/>
-          </dgm:constrLst>
-          <dgm:ruleLst/>
-        </dgm:layoutNode>
-      </dgm:layoutNode>
-      <dgm:layoutNode name="negativeSpace">
-        <dgm:alg type="sp"/>
-        <dgm:shape xmlns:r="http://schemas.openxmlformats.org/officeDocument/2006/relationships" r:blip="">
-          <dgm:adjLst/>
-        </dgm:shape>
-        <dgm:presOf/>
-        <dgm:constrLst/>
-        <dgm:ruleLst/>
-      </dgm:layoutNode>
-      <dgm:layoutNode name="childText" styleLbl="conFgAcc1">
-        <dgm:varLst>
-          <dgm:bulletEnabled val="1"/>
-        </dgm:varLst>
-        <dgm:alg type="tx">
-          <dgm:param type="stBulletLvl" val="1"/>
-        </dgm:alg>
-        <dgm:shape xmlns:r="http://schemas.openxmlformats.org/officeDocument/2006/relationships" type="rect" r:blip="" zOrderOff="-2">
-          <dgm:adjLst/>
-        </dgm:shape>
-        <dgm:presOf axis="des" ptType="node"/>
-        <dgm:constrLst>
-          <dgm:constr type="secFontSz" refType="primFontSz"/>
-        </dgm:constrLst>
-        <dgm:ruleLst>
-          <dgm:rule type="h" val="INF" fact="NaN" max="NaN"/>
-        </dgm:ruleLst>
-      </dgm:layoutNode>
-      <dgm:forEach name="Name10" axis="followSib" ptType="sibTrans" cnt="1">
-        <dgm:layoutNode name="spaceBetweenRectangles">
-          <dgm:alg type="sp"/>
-          <dgm:shape xmlns:r="http://schemas.openxmlformats.org/officeDocument/2006/relationships" r:blip="">
-            <dgm:adjLst/>
-          </dgm:shape>
-          <dgm:presOf/>
-          <dgm:constrLst/>
-          <dgm:ruleLst/>
-        </dgm:layoutNode>
-      </dgm:forEach>
-    </dgm:forEach>
-  </dgm:layoutNode>
-</dgm:layoutDef>
-</file>
-
-<file path=ppt/diagrams/layout4.xml><?xml version="1.0" encoding="utf-8"?>
 <dgm:layoutDef xmlns:dgm="http://schemas.openxmlformats.org/drawingml/2006/diagram" xmlns:a="http://schemas.openxmlformats.org/drawingml/2006/main" uniqueId="urn:microsoft.com/office/officeart/2008/layout/LinedList">
   <dgm:title val=""/>
   <dgm:desc val=""/>
@@ -9325,7 +7176,7 @@
 </dgm:layoutDef>
 </file>
 
-<file path=ppt/diagrams/layout5.xml><?xml version="1.0" encoding="utf-8"?>
+<file path=ppt/diagrams/layout4.xml><?xml version="1.0" encoding="utf-8"?>
 <dgm:layoutDef xmlns:dgm="http://schemas.openxmlformats.org/drawingml/2006/diagram" xmlns:a="http://schemas.openxmlformats.org/drawingml/2006/main" uniqueId="urn:microsoft.com/office/officeart/2008/layout/LinedList">
   <dgm:title val=""/>
   <dgm:desc val=""/>
@@ -12894,1040 +10745,6 @@
 </file>
 
 <file path=ppt/diagrams/quickStyle4.xml><?xml version="1.0" encoding="utf-8"?>
-<dgm:styleDef xmlns:dgm="http://schemas.openxmlformats.org/drawingml/2006/diagram" xmlns:a="http://schemas.openxmlformats.org/drawingml/2006/main" uniqueId="urn:microsoft.com/office/officeart/2005/8/quickstyle/simple1">
-  <dgm:title val=""/>
-  <dgm:desc val=""/>
-  <dgm:catLst>
-    <dgm:cat type="simple" pri="10100"/>
-  </dgm:catLst>
-  <dgm:scene3d>
-    <a:camera prst="orthographicFront"/>
-    <a:lightRig rig="threePt" dir="t"/>
-  </dgm:scene3d>
-  <dgm:styleLbl name="node0">
-    <dgm:scene3d>
-      <a:camera prst="orthographicFront"/>
-      <a:lightRig rig="threePt" dir="t"/>
-    </dgm:scene3d>
-    <dgm:sp3d/>
-    <dgm:txPr/>
-    <dgm:style>
-      <a:lnRef idx="2">
-        <a:scrgbClr r="0" g="0" b="0"/>
-      </a:lnRef>
-      <a:fillRef idx="1">
-        <a:scrgbClr r="0" g="0" b="0"/>
-      </a:fillRef>
-      <a:effectRef idx="0">
-        <a:scrgbClr r="0" g="0" b="0"/>
-      </a:effectRef>
-      <a:fontRef idx="minor">
-        <a:schemeClr val="lt1"/>
-      </a:fontRef>
-    </dgm:style>
-  </dgm:styleLbl>
-  <dgm:styleLbl name="lnNode1">
-    <dgm:scene3d>
-      <a:camera prst="orthographicFront"/>
-      <a:lightRig rig="threePt" dir="t"/>
-    </dgm:scene3d>
-    <dgm:sp3d/>
-    <dgm:txPr/>
-    <dgm:style>
-      <a:lnRef idx="2">
-        <a:scrgbClr r="0" g="0" b="0"/>
-      </a:lnRef>
-      <a:fillRef idx="1">
-        <a:scrgbClr r="0" g="0" b="0"/>
-      </a:fillRef>
-      <a:effectRef idx="0">
-        <a:scrgbClr r="0" g="0" b="0"/>
-      </a:effectRef>
-      <a:fontRef idx="minor">
-        <a:schemeClr val="lt1"/>
-      </a:fontRef>
-    </dgm:style>
-  </dgm:styleLbl>
-  <dgm:styleLbl name="vennNode1">
-    <dgm:scene3d>
-      <a:camera prst="orthographicFront"/>
-      <a:lightRig rig="threePt" dir="t"/>
-    </dgm:scene3d>
-    <dgm:sp3d/>
-    <dgm:txPr/>
-    <dgm:style>
-      <a:lnRef idx="2">
-        <a:scrgbClr r="0" g="0" b="0"/>
-      </a:lnRef>
-      <a:fillRef idx="1">
-        <a:scrgbClr r="0" g="0" b="0"/>
-      </a:fillRef>
-      <a:effectRef idx="0">
-        <a:scrgbClr r="0" g="0" b="0"/>
-      </a:effectRef>
-      <a:fontRef idx="minor">
-        <a:schemeClr val="tx1"/>
-      </a:fontRef>
-    </dgm:style>
-  </dgm:styleLbl>
-  <dgm:styleLbl name="alignNode1">
-    <dgm:scene3d>
-      <a:camera prst="orthographicFront"/>
-      <a:lightRig rig="threePt" dir="t"/>
-    </dgm:scene3d>
-    <dgm:sp3d/>
-    <dgm:txPr/>
-    <dgm:style>
-      <a:lnRef idx="2">
-        <a:scrgbClr r="0" g="0" b="0"/>
-      </a:lnRef>
-      <a:fillRef idx="1">
-        <a:scrgbClr r="0" g="0" b="0"/>
-      </a:fillRef>
-      <a:effectRef idx="0">
-        <a:scrgbClr r="0" g="0" b="0"/>
-      </a:effectRef>
-      <a:fontRef idx="minor">
-        <a:schemeClr val="lt1"/>
-      </a:fontRef>
-    </dgm:style>
-  </dgm:styleLbl>
-  <dgm:styleLbl name="node1">
-    <dgm:scene3d>
-      <a:camera prst="orthographicFront"/>
-      <a:lightRig rig="threePt" dir="t"/>
-    </dgm:scene3d>
-    <dgm:sp3d/>
-    <dgm:txPr/>
-    <dgm:style>
-      <a:lnRef idx="2">
-        <a:scrgbClr r="0" g="0" b="0"/>
-      </a:lnRef>
-      <a:fillRef idx="1">
-        <a:scrgbClr r="0" g="0" b="0"/>
-      </a:fillRef>
-      <a:effectRef idx="0">
-        <a:scrgbClr r="0" g="0" b="0"/>
-      </a:effectRef>
-      <a:fontRef idx="minor">
-        <a:schemeClr val="lt1"/>
-      </a:fontRef>
-    </dgm:style>
-  </dgm:styleLbl>
-  <dgm:styleLbl name="node2">
-    <dgm:scene3d>
-      <a:camera prst="orthographicFront"/>
-      <a:lightRig rig="threePt" dir="t"/>
-    </dgm:scene3d>
-    <dgm:sp3d/>
-    <dgm:txPr/>
-    <dgm:style>
-      <a:lnRef idx="2">
-        <a:scrgbClr r="0" g="0" b="0"/>
-      </a:lnRef>
-      <a:fillRef idx="1">
-        <a:scrgbClr r="0" g="0" b="0"/>
-      </a:fillRef>
-      <a:effectRef idx="0">
-        <a:scrgbClr r="0" g="0" b="0"/>
-      </a:effectRef>
-      <a:fontRef idx="minor">
-        <a:schemeClr val="lt1"/>
-      </a:fontRef>
-    </dgm:style>
-  </dgm:styleLbl>
-  <dgm:styleLbl name="node3">
-    <dgm:scene3d>
-      <a:camera prst="orthographicFront"/>
-      <a:lightRig rig="threePt" dir="t"/>
-    </dgm:scene3d>
-    <dgm:sp3d/>
-    <dgm:txPr/>
-    <dgm:style>
-      <a:lnRef idx="2">
-        <a:scrgbClr r="0" g="0" b="0"/>
-      </a:lnRef>
-      <a:fillRef idx="1">
-        <a:scrgbClr r="0" g="0" b="0"/>
-      </a:fillRef>
-      <a:effectRef idx="0">
-        <a:scrgbClr r="0" g="0" b="0"/>
-      </a:effectRef>
-      <a:fontRef idx="minor">
-        <a:schemeClr val="lt1"/>
-      </a:fontRef>
-    </dgm:style>
-  </dgm:styleLbl>
-  <dgm:styleLbl name="node4">
-    <dgm:scene3d>
-      <a:camera prst="orthographicFront"/>
-      <a:lightRig rig="threePt" dir="t"/>
-    </dgm:scene3d>
-    <dgm:sp3d/>
-    <dgm:txPr/>
-    <dgm:style>
-      <a:lnRef idx="2">
-        <a:scrgbClr r="0" g="0" b="0"/>
-      </a:lnRef>
-      <a:fillRef idx="1">
-        <a:scrgbClr r="0" g="0" b="0"/>
-      </a:fillRef>
-      <a:effectRef idx="0">
-        <a:scrgbClr r="0" g="0" b="0"/>
-      </a:effectRef>
-      <a:fontRef idx="minor">
-        <a:schemeClr val="lt1"/>
-      </a:fontRef>
-    </dgm:style>
-  </dgm:styleLbl>
-  <dgm:styleLbl name="fgImgPlace1">
-    <dgm:scene3d>
-      <a:camera prst="orthographicFront"/>
-      <a:lightRig rig="threePt" dir="t"/>
-    </dgm:scene3d>
-    <dgm:sp3d/>
-    <dgm:txPr/>
-    <dgm:style>
-      <a:lnRef idx="2">
-        <a:scrgbClr r="0" g="0" b="0"/>
-      </a:lnRef>
-      <a:fillRef idx="1">
-        <a:scrgbClr r="0" g="0" b="0"/>
-      </a:fillRef>
-      <a:effectRef idx="0">
-        <a:scrgbClr r="0" g="0" b="0"/>
-      </a:effectRef>
-      <a:fontRef idx="minor"/>
-    </dgm:style>
-  </dgm:styleLbl>
-  <dgm:styleLbl name="alignImgPlace1">
-    <dgm:scene3d>
-      <a:camera prst="orthographicFront"/>
-      <a:lightRig rig="threePt" dir="t"/>
-    </dgm:scene3d>
-    <dgm:sp3d/>
-    <dgm:txPr/>
-    <dgm:style>
-      <a:lnRef idx="2">
-        <a:scrgbClr r="0" g="0" b="0"/>
-      </a:lnRef>
-      <a:fillRef idx="1">
-        <a:scrgbClr r="0" g="0" b="0"/>
-      </a:fillRef>
-      <a:effectRef idx="0">
-        <a:scrgbClr r="0" g="0" b="0"/>
-      </a:effectRef>
-      <a:fontRef idx="minor"/>
-    </dgm:style>
-  </dgm:styleLbl>
-  <dgm:styleLbl name="bgImgPlace1">
-    <dgm:scene3d>
-      <a:camera prst="orthographicFront"/>
-      <a:lightRig rig="threePt" dir="t"/>
-    </dgm:scene3d>
-    <dgm:sp3d/>
-    <dgm:txPr/>
-    <dgm:style>
-      <a:lnRef idx="2">
-        <a:scrgbClr r="0" g="0" b="0"/>
-      </a:lnRef>
-      <a:fillRef idx="1">
-        <a:scrgbClr r="0" g="0" b="0"/>
-      </a:fillRef>
-      <a:effectRef idx="0">
-        <a:scrgbClr r="0" g="0" b="0"/>
-      </a:effectRef>
-      <a:fontRef idx="minor"/>
-    </dgm:style>
-  </dgm:styleLbl>
-  <dgm:styleLbl name="sibTrans2D1">
-    <dgm:scene3d>
-      <a:camera prst="orthographicFront"/>
-      <a:lightRig rig="threePt" dir="t"/>
-    </dgm:scene3d>
-    <dgm:sp3d/>
-    <dgm:txPr/>
-    <dgm:style>
-      <a:lnRef idx="0">
-        <a:scrgbClr r="0" g="0" b="0"/>
-      </a:lnRef>
-      <a:fillRef idx="1">
-        <a:scrgbClr r="0" g="0" b="0"/>
-      </a:fillRef>
-      <a:effectRef idx="0">
-        <a:scrgbClr r="0" g="0" b="0"/>
-      </a:effectRef>
-      <a:fontRef idx="minor">
-        <a:schemeClr val="lt1"/>
-      </a:fontRef>
-    </dgm:style>
-  </dgm:styleLbl>
-  <dgm:styleLbl name="fgSibTrans2D1">
-    <dgm:scene3d>
-      <a:camera prst="orthographicFront"/>
-      <a:lightRig rig="threePt" dir="t"/>
-    </dgm:scene3d>
-    <dgm:sp3d/>
-    <dgm:txPr/>
-    <dgm:style>
-      <a:lnRef idx="0">
-        <a:scrgbClr r="0" g="0" b="0"/>
-      </a:lnRef>
-      <a:fillRef idx="1">
-        <a:scrgbClr r="0" g="0" b="0"/>
-      </a:fillRef>
-      <a:effectRef idx="0">
-        <a:scrgbClr r="0" g="0" b="0"/>
-      </a:effectRef>
-      <a:fontRef idx="minor">
-        <a:schemeClr val="lt1"/>
-      </a:fontRef>
-    </dgm:style>
-  </dgm:styleLbl>
-  <dgm:styleLbl name="bgSibTrans2D1">
-    <dgm:scene3d>
-      <a:camera prst="orthographicFront"/>
-      <a:lightRig rig="threePt" dir="t"/>
-    </dgm:scene3d>
-    <dgm:sp3d/>
-    <dgm:txPr/>
-    <dgm:style>
-      <a:lnRef idx="0">
-        <a:scrgbClr r="0" g="0" b="0"/>
-      </a:lnRef>
-      <a:fillRef idx="1">
-        <a:scrgbClr r="0" g="0" b="0"/>
-      </a:fillRef>
-      <a:effectRef idx="0">
-        <a:scrgbClr r="0" g="0" b="0"/>
-      </a:effectRef>
-      <a:fontRef idx="minor">
-        <a:schemeClr val="lt1"/>
-      </a:fontRef>
-    </dgm:style>
-  </dgm:styleLbl>
-  <dgm:styleLbl name="sibTrans1D1">
-    <dgm:scene3d>
-      <a:camera prst="orthographicFront"/>
-      <a:lightRig rig="threePt" dir="t"/>
-    </dgm:scene3d>
-    <dgm:sp3d/>
-    <dgm:txPr/>
-    <dgm:style>
-      <a:lnRef idx="1">
-        <a:scrgbClr r="0" g="0" b="0"/>
-      </a:lnRef>
-      <a:fillRef idx="0">
-        <a:scrgbClr r="0" g="0" b="0"/>
-      </a:fillRef>
-      <a:effectRef idx="0">
-        <a:scrgbClr r="0" g="0" b="0"/>
-      </a:effectRef>
-      <a:fontRef idx="minor"/>
-    </dgm:style>
-  </dgm:styleLbl>
-  <dgm:styleLbl name="callout">
-    <dgm:scene3d>
-      <a:camera prst="orthographicFront"/>
-      <a:lightRig rig="threePt" dir="t"/>
-    </dgm:scene3d>
-    <dgm:sp3d/>
-    <dgm:txPr/>
-    <dgm:style>
-      <a:lnRef idx="2">
-        <a:scrgbClr r="0" g="0" b="0"/>
-      </a:lnRef>
-      <a:fillRef idx="1">
-        <a:scrgbClr r="0" g="0" b="0"/>
-      </a:fillRef>
-      <a:effectRef idx="0">
-        <a:scrgbClr r="0" g="0" b="0"/>
-      </a:effectRef>
-      <a:fontRef idx="minor"/>
-    </dgm:style>
-  </dgm:styleLbl>
-  <dgm:styleLbl name="asst0">
-    <dgm:scene3d>
-      <a:camera prst="orthographicFront"/>
-      <a:lightRig rig="threePt" dir="t"/>
-    </dgm:scene3d>
-    <dgm:sp3d/>
-    <dgm:txPr/>
-    <dgm:style>
-      <a:lnRef idx="2">
-        <a:scrgbClr r="0" g="0" b="0"/>
-      </a:lnRef>
-      <a:fillRef idx="1">
-        <a:scrgbClr r="0" g="0" b="0"/>
-      </a:fillRef>
-      <a:effectRef idx="0">
-        <a:scrgbClr r="0" g="0" b="0"/>
-      </a:effectRef>
-      <a:fontRef idx="minor">
-        <a:schemeClr val="lt1"/>
-      </a:fontRef>
-    </dgm:style>
-  </dgm:styleLbl>
-  <dgm:styleLbl name="asst1">
-    <dgm:scene3d>
-      <a:camera prst="orthographicFront"/>
-      <a:lightRig rig="threePt" dir="t"/>
-    </dgm:scene3d>
-    <dgm:sp3d/>
-    <dgm:txPr/>
-    <dgm:style>
-      <a:lnRef idx="2">
-        <a:scrgbClr r="0" g="0" b="0"/>
-      </a:lnRef>
-      <a:fillRef idx="1">
-        <a:scrgbClr r="0" g="0" b="0"/>
-      </a:fillRef>
-      <a:effectRef idx="0">
-        <a:scrgbClr r="0" g="0" b="0"/>
-      </a:effectRef>
-      <a:fontRef idx="minor">
-        <a:schemeClr val="lt1"/>
-      </a:fontRef>
-    </dgm:style>
-  </dgm:styleLbl>
-  <dgm:styleLbl name="asst2">
-    <dgm:scene3d>
-      <a:camera prst="orthographicFront"/>
-      <a:lightRig rig="threePt" dir="t"/>
-    </dgm:scene3d>
-    <dgm:sp3d/>
-    <dgm:txPr/>
-    <dgm:style>
-      <a:lnRef idx="2">
-        <a:scrgbClr r="0" g="0" b="0"/>
-      </a:lnRef>
-      <a:fillRef idx="1">
-        <a:scrgbClr r="0" g="0" b="0"/>
-      </a:fillRef>
-      <a:effectRef idx="0">
-        <a:scrgbClr r="0" g="0" b="0"/>
-      </a:effectRef>
-      <a:fontRef idx="minor">
-        <a:schemeClr val="lt1"/>
-      </a:fontRef>
-    </dgm:style>
-  </dgm:styleLbl>
-  <dgm:styleLbl name="asst3">
-    <dgm:scene3d>
-      <a:camera prst="orthographicFront"/>
-      <a:lightRig rig="threePt" dir="t"/>
-    </dgm:scene3d>
-    <dgm:sp3d/>
-    <dgm:txPr/>
-    <dgm:style>
-      <a:lnRef idx="2">
-        <a:scrgbClr r="0" g="0" b="0"/>
-      </a:lnRef>
-      <a:fillRef idx="1">
-        <a:scrgbClr r="0" g="0" b="0"/>
-      </a:fillRef>
-      <a:effectRef idx="0">
-        <a:scrgbClr r="0" g="0" b="0"/>
-      </a:effectRef>
-      <a:fontRef idx="minor">
-        <a:schemeClr val="lt1"/>
-      </a:fontRef>
-    </dgm:style>
-  </dgm:styleLbl>
-  <dgm:styleLbl name="asst4">
-    <dgm:scene3d>
-      <a:camera prst="orthographicFront"/>
-      <a:lightRig rig="threePt" dir="t"/>
-    </dgm:scene3d>
-    <dgm:sp3d/>
-    <dgm:txPr/>
-    <dgm:style>
-      <a:lnRef idx="2">
-        <a:scrgbClr r="0" g="0" b="0"/>
-      </a:lnRef>
-      <a:fillRef idx="1">
-        <a:scrgbClr r="0" g="0" b="0"/>
-      </a:fillRef>
-      <a:effectRef idx="0">
-        <a:scrgbClr r="0" g="0" b="0"/>
-      </a:effectRef>
-      <a:fontRef idx="minor">
-        <a:schemeClr val="lt1"/>
-      </a:fontRef>
-    </dgm:style>
-  </dgm:styleLbl>
-  <dgm:styleLbl name="parChTrans2D1">
-    <dgm:scene3d>
-      <a:camera prst="orthographicFront"/>
-      <a:lightRig rig="threePt" dir="t"/>
-    </dgm:scene3d>
-    <dgm:sp3d/>
-    <dgm:txPr/>
-    <dgm:style>
-      <a:lnRef idx="2">
-        <a:scrgbClr r="0" g="0" b="0"/>
-      </a:lnRef>
-      <a:fillRef idx="1">
-        <a:scrgbClr r="0" g="0" b="0"/>
-      </a:fillRef>
-      <a:effectRef idx="0">
-        <a:scrgbClr r="0" g="0" b="0"/>
-      </a:effectRef>
-      <a:fontRef idx="minor">
-        <a:schemeClr val="lt1"/>
-      </a:fontRef>
-    </dgm:style>
-  </dgm:styleLbl>
-  <dgm:styleLbl name="parChTrans2D2">
-    <dgm:scene3d>
-      <a:camera prst="orthographicFront"/>
-      <a:lightRig rig="threePt" dir="t"/>
-    </dgm:scene3d>
-    <dgm:sp3d/>
-    <dgm:txPr/>
-    <dgm:style>
-      <a:lnRef idx="2">
-        <a:scrgbClr r="0" g="0" b="0"/>
-      </a:lnRef>
-      <a:fillRef idx="1">
-        <a:scrgbClr r="0" g="0" b="0"/>
-      </a:fillRef>
-      <a:effectRef idx="0">
-        <a:scrgbClr r="0" g="0" b="0"/>
-      </a:effectRef>
-      <a:fontRef idx="minor">
-        <a:schemeClr val="lt1"/>
-      </a:fontRef>
-    </dgm:style>
-  </dgm:styleLbl>
-  <dgm:styleLbl name="parChTrans2D3">
-    <dgm:scene3d>
-      <a:camera prst="orthographicFront"/>
-      <a:lightRig rig="threePt" dir="t"/>
-    </dgm:scene3d>
-    <dgm:sp3d/>
-    <dgm:txPr/>
-    <dgm:style>
-      <a:lnRef idx="2">
-        <a:scrgbClr r="0" g="0" b="0"/>
-      </a:lnRef>
-      <a:fillRef idx="1">
-        <a:scrgbClr r="0" g="0" b="0"/>
-      </a:fillRef>
-      <a:effectRef idx="0">
-        <a:scrgbClr r="0" g="0" b="0"/>
-      </a:effectRef>
-      <a:fontRef idx="minor">
-        <a:schemeClr val="lt1"/>
-      </a:fontRef>
-    </dgm:style>
-  </dgm:styleLbl>
-  <dgm:styleLbl name="parChTrans2D4">
-    <dgm:scene3d>
-      <a:camera prst="orthographicFront"/>
-      <a:lightRig rig="threePt" dir="t"/>
-    </dgm:scene3d>
-    <dgm:sp3d/>
-    <dgm:txPr/>
-    <dgm:style>
-      <a:lnRef idx="2">
-        <a:scrgbClr r="0" g="0" b="0"/>
-      </a:lnRef>
-      <a:fillRef idx="1">
-        <a:scrgbClr r="0" g="0" b="0"/>
-      </a:fillRef>
-      <a:effectRef idx="0">
-        <a:scrgbClr r="0" g="0" b="0"/>
-      </a:effectRef>
-      <a:fontRef idx="minor">
-        <a:schemeClr val="lt1"/>
-      </a:fontRef>
-    </dgm:style>
-  </dgm:styleLbl>
-  <dgm:styleLbl name="parChTrans1D1">
-    <dgm:scene3d>
-      <a:camera prst="orthographicFront"/>
-      <a:lightRig rig="threePt" dir="t"/>
-    </dgm:scene3d>
-    <dgm:sp3d/>
-    <dgm:txPr/>
-    <dgm:style>
-      <a:lnRef idx="2">
-        <a:scrgbClr r="0" g="0" b="0"/>
-      </a:lnRef>
-      <a:fillRef idx="0">
-        <a:scrgbClr r="0" g="0" b="0"/>
-      </a:fillRef>
-      <a:effectRef idx="0">
-        <a:scrgbClr r="0" g="0" b="0"/>
-      </a:effectRef>
-      <a:fontRef idx="minor"/>
-    </dgm:style>
-  </dgm:styleLbl>
-  <dgm:styleLbl name="parChTrans1D2">
-    <dgm:scene3d>
-      <a:camera prst="orthographicFront"/>
-      <a:lightRig rig="threePt" dir="t"/>
-    </dgm:scene3d>
-    <dgm:sp3d/>
-    <dgm:txPr/>
-    <dgm:style>
-      <a:lnRef idx="2">
-        <a:scrgbClr r="0" g="0" b="0"/>
-      </a:lnRef>
-      <a:fillRef idx="0">
-        <a:scrgbClr r="0" g="0" b="0"/>
-      </a:fillRef>
-      <a:effectRef idx="0">
-        <a:scrgbClr r="0" g="0" b="0"/>
-      </a:effectRef>
-      <a:fontRef idx="minor"/>
-    </dgm:style>
-  </dgm:styleLbl>
-  <dgm:styleLbl name="parChTrans1D3">
-    <dgm:scene3d>
-      <a:camera prst="orthographicFront"/>
-      <a:lightRig rig="threePt" dir="t"/>
-    </dgm:scene3d>
-    <dgm:sp3d/>
-    <dgm:txPr/>
-    <dgm:style>
-      <a:lnRef idx="2">
-        <a:scrgbClr r="0" g="0" b="0"/>
-      </a:lnRef>
-      <a:fillRef idx="0">
-        <a:scrgbClr r="0" g="0" b="0"/>
-      </a:fillRef>
-      <a:effectRef idx="0">
-        <a:scrgbClr r="0" g="0" b="0"/>
-      </a:effectRef>
-      <a:fontRef idx="minor"/>
-    </dgm:style>
-  </dgm:styleLbl>
-  <dgm:styleLbl name="parChTrans1D4">
-    <dgm:scene3d>
-      <a:camera prst="orthographicFront"/>
-      <a:lightRig rig="threePt" dir="t"/>
-    </dgm:scene3d>
-    <dgm:sp3d/>
-    <dgm:txPr/>
-    <dgm:style>
-      <a:lnRef idx="2">
-        <a:scrgbClr r="0" g="0" b="0"/>
-      </a:lnRef>
-      <a:fillRef idx="0">
-        <a:scrgbClr r="0" g="0" b="0"/>
-      </a:fillRef>
-      <a:effectRef idx="0">
-        <a:scrgbClr r="0" g="0" b="0"/>
-      </a:effectRef>
-      <a:fontRef idx="minor"/>
-    </dgm:style>
-  </dgm:styleLbl>
-  <dgm:styleLbl name="fgAcc1">
-    <dgm:scene3d>
-      <a:camera prst="orthographicFront"/>
-      <a:lightRig rig="threePt" dir="t"/>
-    </dgm:scene3d>
-    <dgm:sp3d/>
-    <dgm:txPr/>
-    <dgm:style>
-      <a:lnRef idx="2">
-        <a:scrgbClr r="0" g="0" b="0"/>
-      </a:lnRef>
-      <a:fillRef idx="1">
-        <a:scrgbClr r="0" g="0" b="0"/>
-      </a:fillRef>
-      <a:effectRef idx="0">
-        <a:scrgbClr r="0" g="0" b="0"/>
-      </a:effectRef>
-      <a:fontRef idx="minor"/>
-    </dgm:style>
-  </dgm:styleLbl>
-  <dgm:styleLbl name="conFgAcc1">
-    <dgm:scene3d>
-      <a:camera prst="orthographicFront"/>
-      <a:lightRig rig="threePt" dir="t"/>
-    </dgm:scene3d>
-    <dgm:sp3d/>
-    <dgm:txPr/>
-    <dgm:style>
-      <a:lnRef idx="2">
-        <a:scrgbClr r="0" g="0" b="0"/>
-      </a:lnRef>
-      <a:fillRef idx="1">
-        <a:scrgbClr r="0" g="0" b="0"/>
-      </a:fillRef>
-      <a:effectRef idx="0">
-        <a:scrgbClr r="0" g="0" b="0"/>
-      </a:effectRef>
-      <a:fontRef idx="minor"/>
-    </dgm:style>
-  </dgm:styleLbl>
-  <dgm:styleLbl name="alignAcc1">
-    <dgm:scene3d>
-      <a:camera prst="orthographicFront"/>
-      <a:lightRig rig="threePt" dir="t"/>
-    </dgm:scene3d>
-    <dgm:sp3d/>
-    <dgm:txPr/>
-    <dgm:style>
-      <a:lnRef idx="2">
-        <a:scrgbClr r="0" g="0" b="0"/>
-      </a:lnRef>
-      <a:fillRef idx="1">
-        <a:scrgbClr r="0" g="0" b="0"/>
-      </a:fillRef>
-      <a:effectRef idx="0">
-        <a:scrgbClr r="0" g="0" b="0"/>
-      </a:effectRef>
-      <a:fontRef idx="minor"/>
-    </dgm:style>
-  </dgm:styleLbl>
-  <dgm:styleLbl name="trAlignAcc1">
-    <dgm:scene3d>
-      <a:camera prst="orthographicFront"/>
-      <a:lightRig rig="threePt" dir="t"/>
-    </dgm:scene3d>
-    <dgm:sp3d/>
-    <dgm:txPr/>
-    <dgm:style>
-      <a:lnRef idx="1">
-        <a:scrgbClr r="0" g="0" b="0"/>
-      </a:lnRef>
-      <a:fillRef idx="1">
-        <a:scrgbClr r="0" g="0" b="0"/>
-      </a:fillRef>
-      <a:effectRef idx="0">
-        <a:scrgbClr r="0" g="0" b="0"/>
-      </a:effectRef>
-      <a:fontRef idx="minor"/>
-    </dgm:style>
-  </dgm:styleLbl>
-  <dgm:styleLbl name="bgAcc1">
-    <dgm:scene3d>
-      <a:camera prst="orthographicFront"/>
-      <a:lightRig rig="threePt" dir="t"/>
-    </dgm:scene3d>
-    <dgm:sp3d/>
-    <dgm:txPr/>
-    <dgm:style>
-      <a:lnRef idx="2">
-        <a:scrgbClr r="0" g="0" b="0"/>
-      </a:lnRef>
-      <a:fillRef idx="1">
-        <a:scrgbClr r="0" g="0" b="0"/>
-      </a:fillRef>
-      <a:effectRef idx="0">
-        <a:scrgbClr r="0" g="0" b="0"/>
-      </a:effectRef>
-      <a:fontRef idx="minor"/>
-    </dgm:style>
-  </dgm:styleLbl>
-  <dgm:styleLbl name="solidFgAcc1">
-    <dgm:scene3d>
-      <a:camera prst="orthographicFront"/>
-      <a:lightRig rig="threePt" dir="t"/>
-    </dgm:scene3d>
-    <dgm:sp3d/>
-    <dgm:txPr/>
-    <dgm:style>
-      <a:lnRef idx="2">
-        <a:scrgbClr r="0" g="0" b="0"/>
-      </a:lnRef>
-      <a:fillRef idx="1">
-        <a:scrgbClr r="0" g="0" b="0"/>
-      </a:fillRef>
-      <a:effectRef idx="0">
-        <a:scrgbClr r="0" g="0" b="0"/>
-      </a:effectRef>
-      <a:fontRef idx="minor"/>
-    </dgm:style>
-  </dgm:styleLbl>
-  <dgm:styleLbl name="solidAlignAcc1">
-    <dgm:scene3d>
-      <a:camera prst="orthographicFront"/>
-      <a:lightRig rig="threePt" dir="t"/>
-    </dgm:scene3d>
-    <dgm:sp3d/>
-    <dgm:txPr/>
-    <dgm:style>
-      <a:lnRef idx="2">
-        <a:scrgbClr r="0" g="0" b="0"/>
-      </a:lnRef>
-      <a:fillRef idx="1">
-        <a:scrgbClr r="0" g="0" b="0"/>
-      </a:fillRef>
-      <a:effectRef idx="0">
-        <a:scrgbClr r="0" g="0" b="0"/>
-      </a:effectRef>
-      <a:fontRef idx="minor"/>
-    </dgm:style>
-  </dgm:styleLbl>
-  <dgm:styleLbl name="solidBgAcc1">
-    <dgm:scene3d>
-      <a:camera prst="orthographicFront"/>
-      <a:lightRig rig="threePt" dir="t"/>
-    </dgm:scene3d>
-    <dgm:sp3d/>
-    <dgm:txPr/>
-    <dgm:style>
-      <a:lnRef idx="2">
-        <a:scrgbClr r="0" g="0" b="0"/>
-      </a:lnRef>
-      <a:fillRef idx="1">
-        <a:scrgbClr r="0" g="0" b="0"/>
-      </a:fillRef>
-      <a:effectRef idx="0">
-        <a:scrgbClr r="0" g="0" b="0"/>
-      </a:effectRef>
-      <a:fontRef idx="minor"/>
-    </dgm:style>
-  </dgm:styleLbl>
-  <dgm:styleLbl name="fgAccFollowNode1">
-    <dgm:scene3d>
-      <a:camera prst="orthographicFront"/>
-      <a:lightRig rig="threePt" dir="t"/>
-    </dgm:scene3d>
-    <dgm:sp3d/>
-    <dgm:txPr/>
-    <dgm:style>
-      <a:lnRef idx="2">
-        <a:scrgbClr r="0" g="0" b="0"/>
-      </a:lnRef>
-      <a:fillRef idx="1">
-        <a:scrgbClr r="0" g="0" b="0"/>
-      </a:fillRef>
-      <a:effectRef idx="0">
-        <a:scrgbClr r="0" g="0" b="0"/>
-      </a:effectRef>
-      <a:fontRef idx="minor"/>
-    </dgm:style>
-  </dgm:styleLbl>
-  <dgm:styleLbl name="alignAccFollowNode1">
-    <dgm:scene3d>
-      <a:camera prst="orthographicFront"/>
-      <a:lightRig rig="threePt" dir="t"/>
-    </dgm:scene3d>
-    <dgm:sp3d/>
-    <dgm:txPr/>
-    <dgm:style>
-      <a:lnRef idx="2">
-        <a:scrgbClr r="0" g="0" b="0"/>
-      </a:lnRef>
-      <a:fillRef idx="1">
-        <a:scrgbClr r="0" g="0" b="0"/>
-      </a:fillRef>
-      <a:effectRef idx="0">
-        <a:scrgbClr r="0" g="0" b="0"/>
-      </a:effectRef>
-      <a:fontRef idx="minor"/>
-    </dgm:style>
-  </dgm:styleLbl>
-  <dgm:styleLbl name="bgAccFollowNode1">
-    <dgm:scene3d>
-      <a:camera prst="orthographicFront"/>
-      <a:lightRig rig="threePt" dir="t"/>
-    </dgm:scene3d>
-    <dgm:sp3d/>
-    <dgm:txPr/>
-    <dgm:style>
-      <a:lnRef idx="2">
-        <a:scrgbClr r="0" g="0" b="0"/>
-      </a:lnRef>
-      <a:fillRef idx="1">
-        <a:scrgbClr r="0" g="0" b="0"/>
-      </a:fillRef>
-      <a:effectRef idx="0">
-        <a:scrgbClr r="0" g="0" b="0"/>
-      </a:effectRef>
-      <a:fontRef idx="minor"/>
-    </dgm:style>
-  </dgm:styleLbl>
-  <dgm:styleLbl name="fgAcc0">
-    <dgm:scene3d>
-      <a:camera prst="orthographicFront"/>
-      <a:lightRig rig="threePt" dir="t"/>
-    </dgm:scene3d>
-    <dgm:sp3d/>
-    <dgm:txPr/>
-    <dgm:style>
-      <a:lnRef idx="2">
-        <a:scrgbClr r="0" g="0" b="0"/>
-      </a:lnRef>
-      <a:fillRef idx="1">
-        <a:scrgbClr r="0" g="0" b="0"/>
-      </a:fillRef>
-      <a:effectRef idx="0">
-        <a:scrgbClr r="0" g="0" b="0"/>
-      </a:effectRef>
-      <a:fontRef idx="minor"/>
-    </dgm:style>
-  </dgm:styleLbl>
-  <dgm:styleLbl name="fgAcc2">
-    <dgm:scene3d>
-      <a:camera prst="orthographicFront"/>
-      <a:lightRig rig="threePt" dir="t"/>
-    </dgm:scene3d>
-    <dgm:sp3d/>
-    <dgm:txPr/>
-    <dgm:style>
-      <a:lnRef idx="2">
-        <a:scrgbClr r="0" g="0" b="0"/>
-      </a:lnRef>
-      <a:fillRef idx="1">
-        <a:scrgbClr r="0" g="0" b="0"/>
-      </a:fillRef>
-      <a:effectRef idx="0">
-        <a:scrgbClr r="0" g="0" b="0"/>
-      </a:effectRef>
-      <a:fontRef idx="minor"/>
-    </dgm:style>
-  </dgm:styleLbl>
-  <dgm:styleLbl name="fgAcc3">
-    <dgm:scene3d>
-      <a:camera prst="orthographicFront"/>
-      <a:lightRig rig="threePt" dir="t"/>
-    </dgm:scene3d>
-    <dgm:sp3d/>
-    <dgm:txPr/>
-    <dgm:style>
-      <a:lnRef idx="2">
-        <a:scrgbClr r="0" g="0" b="0"/>
-      </a:lnRef>
-      <a:fillRef idx="1">
-        <a:scrgbClr r="0" g="0" b="0"/>
-      </a:fillRef>
-      <a:effectRef idx="0">
-        <a:scrgbClr r="0" g="0" b="0"/>
-      </a:effectRef>
-      <a:fontRef idx="minor"/>
-    </dgm:style>
-  </dgm:styleLbl>
-  <dgm:styleLbl name="fgAcc4">
-    <dgm:scene3d>
-      <a:camera prst="orthographicFront"/>
-      <a:lightRig rig="threePt" dir="t"/>
-    </dgm:scene3d>
-    <dgm:sp3d/>
-    <dgm:txPr/>
-    <dgm:style>
-      <a:lnRef idx="2">
-        <a:scrgbClr r="0" g="0" b="0"/>
-      </a:lnRef>
-      <a:fillRef idx="1">
-        <a:scrgbClr r="0" g="0" b="0"/>
-      </a:fillRef>
-      <a:effectRef idx="0">
-        <a:scrgbClr r="0" g="0" b="0"/>
-      </a:effectRef>
-      <a:fontRef idx="minor"/>
-    </dgm:style>
-  </dgm:styleLbl>
-  <dgm:styleLbl name="bgShp">
-    <dgm:scene3d>
-      <a:camera prst="orthographicFront"/>
-      <a:lightRig rig="threePt" dir="t"/>
-    </dgm:scene3d>
-    <dgm:sp3d/>
-    <dgm:txPr/>
-    <dgm:style>
-      <a:lnRef idx="0">
-        <a:scrgbClr r="0" g="0" b="0"/>
-      </a:lnRef>
-      <a:fillRef idx="1">
-        <a:scrgbClr r="0" g="0" b="0"/>
-      </a:fillRef>
-      <a:effectRef idx="0">
-        <a:scrgbClr r="0" g="0" b="0"/>
-      </a:effectRef>
-      <a:fontRef idx="minor"/>
-    </dgm:style>
-  </dgm:styleLbl>
-  <dgm:styleLbl name="dkBgShp">
-    <dgm:scene3d>
-      <a:camera prst="orthographicFront"/>
-      <a:lightRig rig="threePt" dir="t"/>
-    </dgm:scene3d>
-    <dgm:sp3d/>
-    <dgm:txPr/>
-    <dgm:style>
-      <a:lnRef idx="0">
-        <a:scrgbClr r="0" g="0" b="0"/>
-      </a:lnRef>
-      <a:fillRef idx="1">
-        <a:scrgbClr r="0" g="0" b="0"/>
-      </a:fillRef>
-      <a:effectRef idx="0">
-        <a:scrgbClr r="0" g="0" b="0"/>
-      </a:effectRef>
-      <a:fontRef idx="minor"/>
-    </dgm:style>
-  </dgm:styleLbl>
-  <dgm:styleLbl name="trBgShp">
-    <dgm:scene3d>
-      <a:camera prst="orthographicFront"/>
-      <a:lightRig rig="threePt" dir="t"/>
-    </dgm:scene3d>
-    <dgm:sp3d/>
-    <dgm:txPr/>
-    <dgm:style>
-      <a:lnRef idx="0">
-        <a:scrgbClr r="0" g="0" b="0"/>
-      </a:lnRef>
-      <a:fillRef idx="1">
-        <a:scrgbClr r="0" g="0" b="0"/>
-      </a:fillRef>
-      <a:effectRef idx="0">
-        <a:scrgbClr r="0" g="0" b="0"/>
-      </a:effectRef>
-      <a:fontRef idx="minor"/>
-    </dgm:style>
-  </dgm:styleLbl>
-  <dgm:styleLbl name="fgShp">
-    <dgm:scene3d>
-      <a:camera prst="orthographicFront"/>
-      <a:lightRig rig="threePt" dir="t"/>
-    </dgm:scene3d>
-    <dgm:sp3d/>
-    <dgm:txPr/>
-    <dgm:style>
-      <a:lnRef idx="2">
-        <a:scrgbClr r="0" g="0" b="0"/>
-      </a:lnRef>
-      <a:fillRef idx="1">
-        <a:scrgbClr r="0" g="0" b="0"/>
-      </a:fillRef>
-      <a:effectRef idx="0">
-        <a:scrgbClr r="0" g="0" b="0"/>
-      </a:effectRef>
-      <a:fontRef idx="minor"/>
-    </dgm:style>
-  </dgm:styleLbl>
-  <dgm:styleLbl name="revTx">
-    <dgm:scene3d>
-      <a:camera prst="orthographicFront"/>
-      <a:lightRig rig="threePt" dir="t"/>
-    </dgm:scene3d>
-    <dgm:sp3d/>
-    <dgm:txPr/>
-    <dgm:style>
-      <a:lnRef idx="0">
-        <a:scrgbClr r="0" g="0" b="0"/>
-      </a:lnRef>
-      <a:fillRef idx="0">
-        <a:scrgbClr r="0" g="0" b="0"/>
-      </a:fillRef>
-      <a:effectRef idx="0">
-        <a:scrgbClr r="0" g="0" b="0"/>
-      </a:effectRef>
-      <a:fontRef idx="minor"/>
-    </dgm:style>
-  </dgm:styleLbl>
-</dgm:styleDef>
-</file>
-
-<file path=ppt/diagrams/quickStyle5.xml><?xml version="1.0" encoding="utf-8"?>
 <dgm:styleDef xmlns:dgm="http://schemas.openxmlformats.org/drawingml/2006/diagram" xmlns:a="http://schemas.openxmlformats.org/drawingml/2006/main" uniqueId="urn:microsoft.com/office/officeart/2005/8/quickstyle/simple1">
   <dgm:title val=""/>
   <dgm:desc val=""/>
@@ -18527,7 +15344,7 @@
           <a:lstStyle/>
           <a:p>
             <a:pPr algn="ctr"/>
-            <a:endParaRPr lang="en-US"/>
+            <a:endParaRPr lang="en-US" dirty="0"/>
           </a:p>
         </p:txBody>
       </p:sp>
@@ -18656,7 +15473,7 @@
           <a:lstStyle/>
           <a:p>
             <a:pPr algn="ctr"/>
-            <a:endParaRPr lang="en-US"/>
+            <a:endParaRPr lang="en-US" dirty="0"/>
           </a:p>
         </p:txBody>
       </p:sp>
@@ -18690,10 +15507,10 @@
           <a:p>
             <a:pPr algn="l"/>
             <a:r>
-              <a:rPr lang="ja-JP" altLang="en-US" sz="11500"/>
+              <a:rPr lang="ja-JP" altLang="en-US" sz="11500" dirty="0"/>
               <a:t>条件分岐入門</a:t>
             </a:r>
-            <a:endParaRPr kumimoji="1" lang="ja-JP" altLang="en-US" sz="11500"/>
+            <a:endParaRPr kumimoji="1" lang="ja-JP" altLang="en-US" sz="11500" dirty="0"/>
           </a:p>
         </p:txBody>
       </p:sp>
@@ -18727,7 +15544,7 @@
           <a:p>
             <a:pPr algn="l"/>
             <a:r>
-              <a:rPr lang="en-US" altLang="zh-TW"/>
+              <a:rPr lang="en-US" altLang="zh-TW" dirty="0"/>
               <a:t>x64</a:t>
             </a:r>
             <a:r>
@@ -18735,7 +15552,7 @@
               <a:t>機械語</a:t>
             </a:r>
             <a:r>
-              <a:rPr lang="en-US" altLang="zh-TW"/>
+              <a:rPr lang="en-US" altLang="zh-TW" dirty="0"/>
               <a:t>, C</a:t>
             </a:r>
             <a:r>
@@ -18743,7 +15560,7 @@
               <a:t>言語</a:t>
             </a:r>
             <a:r>
-              <a:rPr lang="en-US" altLang="zh-TW"/>
+              <a:rPr lang="en-US" altLang="zh-TW" dirty="0"/>
               <a:t>, C++</a:t>
             </a:r>
             <a:endParaRPr kumimoji="1" lang="ja-JP" altLang="en-US"/>
@@ -18860,7 +15677,7 @@
           <a:lstStyle/>
           <a:p>
             <a:pPr algn="ctr"/>
-            <a:endParaRPr lang="en-US"/>
+            <a:endParaRPr lang="en-US" dirty="0"/>
           </a:p>
         </p:txBody>
       </p:sp>
@@ -18935,7 +15752,7 @@
           <a:lstStyle/>
           <a:p>
             <a:pPr algn="ctr"/>
-            <a:endParaRPr lang="en-US"/>
+            <a:endParaRPr lang="en-US" dirty="0"/>
           </a:p>
         </p:txBody>
       </p:sp>
@@ -19011,7 +15828,7 @@
           <a:lstStyle/>
           <a:p>
             <a:pPr algn="ctr"/>
-            <a:endParaRPr lang="en-US"/>
+            <a:endParaRPr lang="en-US" dirty="0"/>
           </a:p>
         </p:txBody>
       </p:sp>
@@ -19271,7 +16088,7 @@
           <a:lstStyle/>
           <a:p>
             <a:pPr algn="ctr"/>
-            <a:endParaRPr lang="en-US"/>
+            <a:endParaRPr lang="en-US" dirty="0"/>
           </a:p>
         </p:txBody>
       </p:sp>
@@ -19346,7 +16163,7 @@
           <a:lstStyle/>
           <a:p>
             <a:pPr algn="ctr"/>
-            <a:endParaRPr lang="en-US"/>
+            <a:endParaRPr lang="en-US" dirty="0"/>
           </a:p>
         </p:txBody>
       </p:sp>
@@ -19422,7 +16239,7 @@
           <a:lstStyle/>
           <a:p>
             <a:pPr algn="ctr"/>
-            <a:endParaRPr lang="en-US"/>
+            <a:endParaRPr lang="en-US" dirty="0"/>
           </a:p>
         </p:txBody>
       </p:sp>
@@ -19561,7 +16378,7 @@
             <p:ph idx="1"/>
             <p:extLst>
               <p:ext uri="{D42A27DB-BD31-4B8C-83A1-F6EECF244321}">
-                <p14:modId xmlns:p14="http://schemas.microsoft.com/office/powerpoint/2010/main" val="857489311"/>
+                <p14:modId xmlns:p14="http://schemas.microsoft.com/office/powerpoint/2010/main" val="3013106471"/>
               </p:ext>
             </p:extLst>
           </p:nvPr>
@@ -19592,14 +16409,6 @@
 <file path=ppt/slides/slide4.xml><?xml version="1.0" encoding="utf-8"?>
 <p:sld xmlns:a="http://schemas.openxmlformats.org/drawingml/2006/main" xmlns:r="http://schemas.openxmlformats.org/officeDocument/2006/relationships" xmlns:p="http://schemas.openxmlformats.org/presentationml/2006/main">
   <p:cSld>
-    <p:bg>
-      <p:bgPr>
-        <a:solidFill>
-          <a:schemeClr val="bg1"/>
-        </a:solidFill>
-        <a:effectLst/>
-      </p:bgPr>
-    </p:bg>
     <p:spTree>
       <p:nvGrpSpPr>
         <p:cNvPr id="1" name=""/>
@@ -19614,315 +16423,12 @@
           <a:chExt cx="0" cy="0"/>
         </a:xfrm>
       </p:grpSpPr>
-      <p:sp useBgFill="1">
-        <p:nvSpPr>
-          <p:cNvPr id="9" name="Rectangle 8">
-            <a:extLst>
-              <a:ext uri="{FF2B5EF4-FFF2-40B4-BE49-F238E27FC236}">
-                <a16:creationId xmlns:a16="http://schemas.microsoft.com/office/drawing/2014/main" id="{BACC6370-2D7E-4714-9D71-7542949D7D5D}"/>
-              </a:ext>
-              <a:ext uri="{C183D7F6-B498-43B3-948B-1728B52AA6E4}">
-                <adec:decorative xmlns:adec="http://schemas.microsoft.com/office/drawing/2017/decorative" val="1"/>
-              </a:ext>
-            </a:extLst>
-          </p:cNvPr>
-          <p:cNvSpPr>
-            <a:spLocks noGrp="1" noRot="1" noChangeAspect="1" noMove="1" noResize="1" noEditPoints="1" noAdjustHandles="1" noChangeArrowheads="1" noChangeShapeType="1" noTextEdit="1"/>
-          </p:cNvSpPr>
-          <p:nvPr>
-            <p:extLst>
-              <p:ext uri="{386F3935-93C4-4BCD-93E2-E3B085C9AB24}">
-                <p16:designElem xmlns:p16="http://schemas.microsoft.com/office/powerpoint/2015/main" val="1"/>
-              </p:ext>
-            </p:extLst>
-          </p:nvPr>
-        </p:nvSpPr>
-        <p:spPr>
-          <a:xfrm>
-            <a:off x="0" y="0"/>
-            <a:ext cx="12192000" cy="6858000"/>
-          </a:xfrm>
-          <a:prstGeom prst="rect">
-            <a:avLst/>
-          </a:prstGeom>
-          <a:ln w="12700" cap="flat" cmpd="sng" algn="ctr">
-            <a:noFill/>
-            <a:prstDash val="solid"/>
-            <a:miter lim="800000"/>
-          </a:ln>
-          <a:effectLst/>
-          <a:extLst>
-            <a:ext uri="{91240B29-F687-4F45-9708-019B960494DF}">
-              <a14:hiddenLine xmlns:a14="http://schemas.microsoft.com/office/drawing/2010/main" w="12700" cap="flat" cmpd="sng" algn="ctr">
-                <a:solidFill>
-                  <a:schemeClr val="accent1">
-                    <a:shade val="50000"/>
-                  </a:schemeClr>
-                </a:solidFill>
-                <a:prstDash val="solid"/>
-                <a:miter lim="800000"/>
-              </a14:hiddenLine>
-            </a:ext>
-          </a:extLst>
-        </p:spPr>
-        <p:style>
-          <a:lnRef idx="2">
-            <a:schemeClr val="accent1">
-              <a:shade val="50000"/>
-            </a:schemeClr>
-          </a:lnRef>
-          <a:fillRef idx="1">
-            <a:schemeClr val="accent1"/>
-          </a:fillRef>
-          <a:effectRef idx="0">
-            <a:schemeClr val="accent1"/>
-          </a:effectRef>
-          <a:fontRef idx="minor">
-            <a:schemeClr val="lt1"/>
-          </a:fontRef>
-        </p:style>
-        <p:txBody>
-          <a:bodyPr rtlCol="0" anchor="ctr"/>
-          <a:lstStyle/>
-          <a:p>
-            <a:pPr algn="ctr"/>
-            <a:endParaRPr lang="en-US"/>
-          </a:p>
-        </p:txBody>
-      </p:sp>
-      <p:sp>
-        <p:nvSpPr>
-          <p:cNvPr id="11" name="Rectangle 10">
-            <a:extLst>
-              <a:ext uri="{FF2B5EF4-FFF2-40B4-BE49-F238E27FC236}">
-                <a16:creationId xmlns:a16="http://schemas.microsoft.com/office/drawing/2014/main" id="{F68B3F68-107C-434F-AA38-110D5EA91B85}"/>
-              </a:ext>
-              <a:ext uri="{C183D7F6-B498-43B3-948B-1728B52AA6E4}">
-                <adec:decorative xmlns:adec="http://schemas.microsoft.com/office/drawing/2017/decorative" val="1"/>
-              </a:ext>
-            </a:extLst>
-          </p:cNvPr>
-          <p:cNvSpPr>
-            <a:spLocks noGrp="1" noRot="1" noChangeAspect="1" noMove="1" noResize="1" noEditPoints="1" noAdjustHandles="1" noChangeArrowheads="1" noChangeShapeType="1" noTextEdit="1"/>
-          </p:cNvSpPr>
-          <p:nvPr>
-            <p:extLst>
-              <p:ext uri="{386F3935-93C4-4BCD-93E2-E3B085C9AB24}">
-                <p16:designElem xmlns:p16="http://schemas.microsoft.com/office/powerpoint/2015/main" val="1"/>
-              </p:ext>
-            </p:extLst>
-          </p:nvPr>
-        </p:nvSpPr>
-        <p:spPr>
-          <a:xfrm flipH="1">
-            <a:off x="2" y="0"/>
-            <a:ext cx="12191998" cy="2170031"/>
-          </a:xfrm>
-          <a:prstGeom prst="rect">
-            <a:avLst/>
-          </a:prstGeom>
-          <a:gradFill>
-            <a:gsLst>
-              <a:gs pos="0">
-                <a:srgbClr val="000000">
-                  <a:alpha val="96000"/>
-                </a:srgbClr>
-              </a:gs>
-              <a:gs pos="100000">
-                <a:schemeClr val="accent1">
-                  <a:lumMod val="75000"/>
-                </a:schemeClr>
-              </a:gs>
-            </a:gsLst>
-            <a:lin ang="19800000" scaled="0"/>
-          </a:gradFill>
-          <a:ln>
-            <a:noFill/>
-          </a:ln>
-        </p:spPr>
-        <p:style>
-          <a:lnRef idx="2">
-            <a:schemeClr val="accent1">
-              <a:shade val="50000"/>
-            </a:schemeClr>
-          </a:lnRef>
-          <a:fillRef idx="1">
-            <a:schemeClr val="accent1"/>
-          </a:fillRef>
-          <a:effectRef idx="0">
-            <a:schemeClr val="accent1"/>
-          </a:effectRef>
-          <a:fontRef idx="minor">
-            <a:schemeClr val="lt1"/>
-          </a:fontRef>
-        </p:style>
-        <p:txBody>
-          <a:bodyPr rtlCol="0" anchor="ctr"/>
-          <a:lstStyle/>
-          <a:p>
-            <a:pPr algn="ctr"/>
-            <a:endParaRPr lang="en-US"/>
-          </a:p>
-        </p:txBody>
-      </p:sp>
-      <p:sp>
-        <p:nvSpPr>
-          <p:cNvPr id="13" name="Rectangle 12">
-            <a:extLst>
-              <a:ext uri="{FF2B5EF4-FFF2-40B4-BE49-F238E27FC236}">
-                <a16:creationId xmlns:a16="http://schemas.microsoft.com/office/drawing/2014/main" id="{AAD0DBB9-1A4B-4391-81D4-CB19F9AB918A}"/>
-              </a:ext>
-              <a:ext uri="{C183D7F6-B498-43B3-948B-1728B52AA6E4}">
-                <adec:decorative xmlns:adec="http://schemas.microsoft.com/office/drawing/2017/decorative" val="1"/>
-              </a:ext>
-            </a:extLst>
-          </p:cNvPr>
-          <p:cNvSpPr>
-            <a:spLocks noGrp="1" noRot="1" noChangeAspect="1" noMove="1" noResize="1" noEditPoints="1" noAdjustHandles="1" noChangeArrowheads="1" noChangeShapeType="1" noTextEdit="1"/>
-          </p:cNvSpPr>
-          <p:nvPr>
-            <p:extLst>
-              <p:ext uri="{386F3935-93C4-4BCD-93E2-E3B085C9AB24}">
-                <p16:designElem xmlns:p16="http://schemas.microsoft.com/office/powerpoint/2015/main" val="1"/>
-              </p:ext>
-            </p:extLst>
-          </p:nvPr>
-        </p:nvSpPr>
-        <p:spPr>
-          <a:xfrm flipH="1">
-            <a:off x="8082819" y="0"/>
-            <a:ext cx="4097211" cy="2170661"/>
-          </a:xfrm>
-          <a:prstGeom prst="rect">
-            <a:avLst/>
-          </a:prstGeom>
-          <a:gradFill>
-            <a:gsLst>
-              <a:gs pos="19000">
-                <a:schemeClr val="accent1">
-                  <a:lumMod val="50000"/>
-                  <a:alpha val="68000"/>
-                </a:schemeClr>
-              </a:gs>
-              <a:gs pos="100000">
-                <a:schemeClr val="accent1">
-                  <a:alpha val="48000"/>
-                </a:schemeClr>
-              </a:gs>
-            </a:gsLst>
-            <a:lin ang="19200000" scaled="0"/>
-          </a:gradFill>
-          <a:ln>
-            <a:noFill/>
-          </a:ln>
-        </p:spPr>
-        <p:style>
-          <a:lnRef idx="2">
-            <a:schemeClr val="accent1">
-              <a:shade val="50000"/>
-            </a:schemeClr>
-          </a:lnRef>
-          <a:fillRef idx="1">
-            <a:schemeClr val="accent1"/>
-          </a:fillRef>
-          <a:effectRef idx="0">
-            <a:schemeClr val="accent1"/>
-          </a:effectRef>
-          <a:fontRef idx="minor">
-            <a:schemeClr val="lt1"/>
-          </a:fontRef>
-        </p:style>
-        <p:txBody>
-          <a:bodyPr rtlCol="0" anchor="ctr"/>
-          <a:lstStyle/>
-          <a:p>
-            <a:pPr algn="ctr"/>
-            <a:endParaRPr lang="en-US"/>
-          </a:p>
-        </p:txBody>
-      </p:sp>
-      <p:sp>
-        <p:nvSpPr>
-          <p:cNvPr id="15" name="Rectangle 14">
-            <a:extLst>
-              <a:ext uri="{FF2B5EF4-FFF2-40B4-BE49-F238E27FC236}">
-                <a16:creationId xmlns:a16="http://schemas.microsoft.com/office/drawing/2014/main" id="{063BBA22-50EA-4C4D-BE05-F1CE4E63AA56}"/>
-              </a:ext>
-              <a:ext uri="{C183D7F6-B498-43B3-948B-1728B52AA6E4}">
-                <adec:decorative xmlns:adec="http://schemas.microsoft.com/office/drawing/2017/decorative" val="1"/>
-              </a:ext>
-            </a:extLst>
-          </p:cNvPr>
-          <p:cNvSpPr>
-            <a:spLocks noGrp="1" noRot="1" noChangeAspect="1" noMove="1" noResize="1" noEditPoints="1" noAdjustHandles="1" noChangeArrowheads="1" noChangeShapeType="1" noTextEdit="1"/>
-          </p:cNvSpPr>
-          <p:nvPr>
-            <p:extLst>
-              <p:ext uri="{386F3935-93C4-4BCD-93E2-E3B085C9AB24}">
-                <p16:designElem xmlns:p16="http://schemas.microsoft.com/office/powerpoint/2015/main" val="1"/>
-              </p:ext>
-            </p:extLst>
-          </p:nvPr>
-        </p:nvSpPr>
-        <p:spPr>
-          <a:xfrm rot="16200000" flipH="1">
-            <a:off x="5010646" y="-5010043"/>
-            <a:ext cx="2170709" cy="12192000"/>
-          </a:xfrm>
-          <a:prstGeom prst="rect">
-            <a:avLst/>
-          </a:prstGeom>
-          <a:gradFill>
-            <a:gsLst>
-              <a:gs pos="23000">
-                <a:schemeClr val="accent1">
-                  <a:lumMod val="75000"/>
-                  <a:alpha val="16000"/>
-                </a:schemeClr>
-              </a:gs>
-              <a:gs pos="99000">
-                <a:srgbClr val="000000">
-                  <a:alpha val="45000"/>
-                </a:srgbClr>
-              </a:gs>
-            </a:gsLst>
-            <a:lin ang="21000000" scaled="0"/>
-          </a:gradFill>
-          <a:ln>
-            <a:noFill/>
-          </a:ln>
-        </p:spPr>
-        <p:style>
-          <a:lnRef idx="2">
-            <a:schemeClr val="accent1">
-              <a:shade val="50000"/>
-            </a:schemeClr>
-          </a:lnRef>
-          <a:fillRef idx="1">
-            <a:schemeClr val="accent1"/>
-          </a:fillRef>
-          <a:effectRef idx="0">
-            <a:schemeClr val="accent1"/>
-          </a:effectRef>
-          <a:fontRef idx="minor">
-            <a:schemeClr val="lt1"/>
-          </a:fontRef>
-        </p:style>
-        <p:txBody>
-          <a:bodyPr rtlCol="0" anchor="ctr"/>
-          <a:lstStyle/>
-          <a:p>
-            <a:pPr algn="ctr"/>
-            <a:endParaRPr lang="en-US" dirty="0"/>
-          </a:p>
-        </p:txBody>
-      </p:sp>
       <p:sp>
         <p:nvSpPr>
           <p:cNvPr id="2" name="タイトル 1">
             <a:extLst>
               <a:ext uri="{FF2B5EF4-FFF2-40B4-BE49-F238E27FC236}">
-                <a16:creationId xmlns:a16="http://schemas.microsoft.com/office/drawing/2014/main" id="{521A24ED-D70F-42DB-F6B5-22513BED96A6}"/>
+                <a16:creationId xmlns:a16="http://schemas.microsoft.com/office/drawing/2014/main" id="{0DFBCD28-AF3E-5AE3-FDA3-0A6DED90309F}"/>
               </a:ext>
             </a:extLst>
           </p:cNvPr>
@@ -19933,69 +16439,262 @@
             <p:ph type="title"/>
           </p:nvPr>
         </p:nvSpPr>
-        <p:spPr>
-          <a:xfrm>
-            <a:off x="1383564" y="348865"/>
-            <a:ext cx="9718111" cy="1576446"/>
-          </a:xfrm>
-        </p:spPr>
+        <p:spPr/>
+        <p:style>
+          <a:lnRef idx="2">
+            <a:schemeClr val="accent3">
+              <a:shade val="15000"/>
+            </a:schemeClr>
+          </a:lnRef>
+          <a:fillRef idx="1">
+            <a:schemeClr val="accent3"/>
+          </a:fillRef>
+          <a:effectRef idx="0">
+            <a:schemeClr val="accent3"/>
+          </a:effectRef>
+          <a:fontRef idx="minor">
+            <a:schemeClr val="lt1"/>
+          </a:fontRef>
+        </p:style>
         <p:txBody>
-          <a:bodyPr anchor="ctr">
+          <a:bodyPr/>
+          <a:lstStyle/>
+          <a:p>
+            <a:r>
+              <a:rPr lang="en-US" altLang="ja-JP" dirty="0"/>
+              <a:t>CMP</a:t>
+            </a:r>
+            <a:r>
+              <a:rPr lang="ja-JP" altLang="en-US" dirty="0"/>
+              <a:t>と条件分岐</a:t>
+            </a:r>
+            <a:endParaRPr kumimoji="1" lang="ja-JP" altLang="en-US" dirty="0"/>
+          </a:p>
+        </p:txBody>
+      </p:sp>
+      <p:sp>
+        <p:nvSpPr>
+          <p:cNvPr id="3" name="テキスト プレースホルダー 2">
+            <a:extLst>
+              <a:ext uri="{FF2B5EF4-FFF2-40B4-BE49-F238E27FC236}">
+                <a16:creationId xmlns:a16="http://schemas.microsoft.com/office/drawing/2014/main" id="{31B6F672-5742-F928-A2C5-FED1152EC854}"/>
+              </a:ext>
+            </a:extLst>
+          </p:cNvPr>
+          <p:cNvSpPr>
+            <a:spLocks noGrp="1"/>
+          </p:cNvSpPr>
+          <p:nvPr>
+            <p:ph type="body" idx="1"/>
+          </p:nvPr>
+        </p:nvSpPr>
+        <p:spPr/>
+        <p:txBody>
+          <a:bodyPr/>
+          <a:lstStyle/>
+          <a:p>
+            <a:r>
+              <a:rPr kumimoji="1" lang="en-US" altLang="ja-JP" dirty="0"/>
+              <a:t>CMP x, y</a:t>
+            </a:r>
+            <a:endParaRPr kumimoji="1" lang="ja-JP" altLang="en-US" dirty="0"/>
+          </a:p>
+        </p:txBody>
+      </p:sp>
+      <p:sp>
+        <p:nvSpPr>
+          <p:cNvPr id="4" name="コンテンツ プレースホルダー 3">
+            <a:extLst>
+              <a:ext uri="{FF2B5EF4-FFF2-40B4-BE49-F238E27FC236}">
+                <a16:creationId xmlns:a16="http://schemas.microsoft.com/office/drawing/2014/main" id="{4AB5E0BA-8D5A-31A6-AD19-F2FDB7A83AB7}"/>
+              </a:ext>
+            </a:extLst>
+          </p:cNvPr>
+          <p:cNvSpPr>
+            <a:spLocks noGrp="1"/>
+          </p:cNvSpPr>
+          <p:nvPr>
+            <p:ph sz="half" idx="2"/>
+          </p:nvPr>
+        </p:nvSpPr>
+        <p:spPr/>
+        <p:txBody>
+          <a:bodyPr>
             <a:normAutofit/>
           </a:bodyPr>
           <a:lstStyle/>
           <a:p>
             <a:r>
-              <a:rPr lang="ja-JP" altLang="en-US" sz="4000">
-                <a:solidFill>
-                  <a:srgbClr val="FFFFFF"/>
-                </a:solidFill>
-              </a:rPr>
-              <a:t>フラグの状態に応じて分岐する命令</a:t>
-            </a:r>
-            <a:endParaRPr kumimoji="1" lang="ja-JP" altLang="en-US" sz="4000">
-              <a:solidFill>
-                <a:srgbClr val="FFFFFF"/>
-              </a:solidFill>
-            </a:endParaRPr>
+              <a:rPr lang="en-US" altLang="ja-JP" dirty="0"/>
+              <a:t>x &lt; y </a:t>
+            </a:r>
+            <a:r>
+              <a:rPr lang="ja-JP" altLang="en-US" dirty="0"/>
+              <a:t>の場合</a:t>
+            </a:r>
+            <a:endParaRPr lang="en-US" altLang="ja-JP" dirty="0"/>
+          </a:p>
+          <a:p>
+            <a:pPr lvl="1"/>
+            <a:r>
+              <a:rPr lang="en-US" altLang="ja-JP" dirty="0"/>
+              <a:t>CF=1</a:t>
+            </a:r>
+          </a:p>
+          <a:p>
+            <a:r>
+              <a:rPr lang="en-US" altLang="ja-JP" dirty="0"/>
+              <a:t>x = y </a:t>
+            </a:r>
+            <a:r>
+              <a:rPr lang="ja-JP" altLang="en-US" dirty="0"/>
+              <a:t>の場合</a:t>
+            </a:r>
+            <a:endParaRPr lang="en-US" altLang="ja-JP" dirty="0"/>
+          </a:p>
+          <a:p>
+            <a:pPr lvl="1"/>
+            <a:r>
+              <a:rPr lang="en-US" altLang="ja-JP" dirty="0"/>
+              <a:t>ZF=1</a:t>
+            </a:r>
+          </a:p>
+          <a:p>
+            <a:r>
+              <a:rPr lang="en-US" altLang="ja-JP" dirty="0"/>
+              <a:t>x &gt; y </a:t>
+            </a:r>
+            <a:r>
+              <a:rPr lang="ja-JP" altLang="en-US" dirty="0"/>
+              <a:t>の場合</a:t>
+            </a:r>
+            <a:endParaRPr lang="en-US" altLang="ja-JP" dirty="0"/>
+          </a:p>
+          <a:p>
+            <a:pPr lvl="1"/>
+            <a:r>
+              <a:rPr lang="en-US" altLang="ja-JP" dirty="0"/>
+              <a:t>CF=0, ZF=0</a:t>
+            </a:r>
+            <a:endParaRPr kumimoji="1" lang="ja-JP" altLang="en-US" dirty="0"/>
           </a:p>
         </p:txBody>
       </p:sp>
-      <p:graphicFrame>
-        <p:nvGraphicFramePr>
-          <p:cNvPr id="5" name="コンテンツ プレースホルダー 2">
+      <p:sp>
+        <p:nvSpPr>
+          <p:cNvPr id="5" name="テキスト プレースホルダー 4">
             <a:extLst>
               <a:ext uri="{FF2B5EF4-FFF2-40B4-BE49-F238E27FC236}">
-                <a16:creationId xmlns:a16="http://schemas.microsoft.com/office/drawing/2014/main" id="{C54CCBEE-5458-198B-99D7-F3A349EF1FEA}"/>
+                <a16:creationId xmlns:a16="http://schemas.microsoft.com/office/drawing/2014/main" id="{AD73E514-1F6D-47F2-7295-CC7102C20AA1}"/>
               </a:ext>
             </a:extLst>
           </p:cNvPr>
-          <p:cNvGraphicFramePr>
-            <a:graphicFrameLocks noGrp="1"/>
-          </p:cNvGraphicFramePr>
+          <p:cNvSpPr>
+            <a:spLocks noGrp="1"/>
+          </p:cNvSpPr>
           <p:nvPr>
-            <p:ph idx="1"/>
-            <p:extLst>
-              <p:ext uri="{D42A27DB-BD31-4B8C-83A1-F6EECF244321}">
-                <p14:modId xmlns:p14="http://schemas.microsoft.com/office/powerpoint/2010/main" val="1937798436"/>
-              </p:ext>
-            </p:extLst>
+            <p:ph type="body" sz="quarter" idx="3"/>
           </p:nvPr>
-        </p:nvGraphicFramePr>
-        <p:xfrm>
-          <a:off x="644056" y="2615979"/>
-          <a:ext cx="10927829" cy="3689405"/>
-        </p:xfrm>
-        <a:graphic>
-          <a:graphicData uri="http://schemas.openxmlformats.org/drawingml/2006/diagram">
-            <dgm:relIds xmlns:dgm="http://schemas.openxmlformats.org/drawingml/2006/diagram" xmlns:r="http://schemas.openxmlformats.org/officeDocument/2006/relationships" r:dm="rId2" r:lo="rId3" r:qs="rId4" r:cs="rId5"/>
-          </a:graphicData>
-        </a:graphic>
-      </p:graphicFrame>
+        </p:nvSpPr>
+        <p:spPr/>
+        <p:txBody>
+          <a:bodyPr/>
+          <a:lstStyle/>
+          <a:p>
+            <a:r>
+              <a:rPr kumimoji="1" lang="ja-JP" altLang="en-US" dirty="0"/>
+              <a:t>条件ジャンプ</a:t>
+            </a:r>
+          </a:p>
+        </p:txBody>
+      </p:sp>
+      <p:sp>
+        <p:nvSpPr>
+          <p:cNvPr id="6" name="コンテンツ プレースホルダー 5">
+            <a:extLst>
+              <a:ext uri="{FF2B5EF4-FFF2-40B4-BE49-F238E27FC236}">
+                <a16:creationId xmlns:a16="http://schemas.microsoft.com/office/drawing/2014/main" id="{74C5F64F-0B45-CCDF-B6D9-2972880C3742}"/>
+              </a:ext>
+            </a:extLst>
+          </p:cNvPr>
+          <p:cNvSpPr>
+            <a:spLocks noGrp="1"/>
+          </p:cNvSpPr>
+          <p:nvPr>
+            <p:ph sz="quarter" idx="4"/>
+          </p:nvPr>
+        </p:nvSpPr>
+        <p:spPr/>
+        <p:txBody>
+          <a:bodyPr>
+            <a:normAutofit/>
+          </a:bodyPr>
+          <a:lstStyle/>
+          <a:p>
+            <a:r>
+              <a:rPr lang="en-US" altLang="ja-JP" dirty="0"/>
+              <a:t>CF=1</a:t>
+            </a:r>
+            <a:r>
+              <a:rPr lang="ja-JP" altLang="en-US" dirty="0"/>
+              <a:t>ならジャンプ</a:t>
+            </a:r>
+            <a:endParaRPr lang="en-US" altLang="ja-JP" dirty="0"/>
+          </a:p>
+          <a:p>
+            <a:pPr lvl="1"/>
+            <a:r>
+              <a:rPr lang="en-US" altLang="ja-JP" dirty="0"/>
+              <a:t>JC, JB, JNAE</a:t>
+            </a:r>
+          </a:p>
+          <a:p>
+            <a:r>
+              <a:rPr lang="en-US" altLang="ja-JP" dirty="0"/>
+              <a:t>ZF=1</a:t>
+            </a:r>
+            <a:r>
+              <a:rPr lang="ja-JP" altLang="en-US" dirty="0"/>
+              <a:t>ならジャンプ</a:t>
+            </a:r>
+            <a:endParaRPr lang="en-US" altLang="ja-JP" dirty="0"/>
+          </a:p>
+          <a:p>
+            <a:pPr lvl="1"/>
+            <a:r>
+              <a:rPr lang="en-US" altLang="ja-JP" dirty="0"/>
+              <a:t>JZ, JE</a:t>
+            </a:r>
+          </a:p>
+          <a:p>
+            <a:r>
+              <a:rPr kumimoji="1" lang="en-US" altLang="ja-JP" dirty="0"/>
+              <a:t>CF=0, ZF=0</a:t>
+            </a:r>
+            <a:r>
+              <a:rPr kumimoji="1" lang="ja-JP" altLang="en-US" dirty="0"/>
+              <a:t>ならジャンプ</a:t>
+            </a:r>
+            <a:endParaRPr kumimoji="1" lang="en-US" altLang="ja-JP" dirty="0"/>
+          </a:p>
+          <a:p>
+            <a:pPr lvl="1"/>
+            <a:r>
+              <a:rPr kumimoji="1" lang="en-US" altLang="ja-JP" dirty="0"/>
+              <a:t>JA, </a:t>
+            </a:r>
+            <a:r>
+              <a:rPr lang="en-US" altLang="ja-JP" dirty="0"/>
+              <a:t>JNBE</a:t>
+            </a:r>
+            <a:endParaRPr kumimoji="1" lang="ja-JP" altLang="en-US" dirty="0"/>
+          </a:p>
+        </p:txBody>
+      </p:sp>
     </p:spTree>
     <p:extLst>
       <p:ext uri="{BB962C8B-B14F-4D97-AF65-F5344CB8AC3E}">
-        <p14:creationId xmlns:p14="http://schemas.microsoft.com/office/powerpoint/2010/main" val="3168787912"/>
+        <p14:creationId xmlns:p14="http://schemas.microsoft.com/office/powerpoint/2010/main" val="509856879"/>
       </p:ext>
     </p:extLst>
   </p:cSld>
@@ -20086,7 +16785,7 @@
           <a:lstStyle/>
           <a:p>
             <a:pPr algn="ctr"/>
-            <a:endParaRPr lang="en-US"/>
+            <a:endParaRPr lang="en-US" dirty="0"/>
           </a:p>
         </p:txBody>
       </p:sp>
@@ -20119,19 +16818,19 @@
           <a:lstStyle/>
           <a:p>
             <a:r>
-              <a:rPr kumimoji="1" lang="en-US" altLang="ja-JP" sz="5200"/>
+              <a:rPr kumimoji="1" lang="en-US" altLang="ja-JP" sz="5200" dirty="0"/>
               <a:t>JZ</a:t>
             </a:r>
             <a:r>
-              <a:rPr kumimoji="1" lang="ja-JP" altLang="en-US" sz="5200"/>
+              <a:rPr kumimoji="1" lang="ja-JP" altLang="en-US" sz="5200" dirty="0"/>
               <a:t>と</a:t>
             </a:r>
             <a:r>
-              <a:rPr kumimoji="1" lang="en-US" altLang="ja-JP" sz="5200"/>
+              <a:rPr kumimoji="1" lang="en-US" altLang="ja-JP" sz="5200" dirty="0"/>
               <a:t>JE</a:t>
             </a:r>
             <a:r>
-              <a:rPr kumimoji="1" lang="ja-JP" altLang="en-US" sz="5200"/>
+              <a:rPr kumimoji="1" lang="ja-JP" altLang="en-US" sz="5200" dirty="0"/>
               <a:t>は同じ命令</a:t>
             </a:r>
           </a:p>
@@ -20262,7 +16961,7 @@
           <a:lstStyle/>
           <a:p>
             <a:pPr algn="ctr"/>
-            <a:endParaRPr lang="en-US"/>
+            <a:endParaRPr lang="en-US" dirty="0"/>
           </a:p>
         </p:txBody>
       </p:sp>
@@ -20295,7 +16994,7 @@
           <a:lstStyle/>
           <a:p>
             <a:r>
-              <a:rPr kumimoji="1" lang="en-US" altLang="ja-JP" sz="5200"/>
+              <a:rPr kumimoji="1" lang="en-US" altLang="ja-JP" sz="5200" dirty="0"/>
               <a:t>JNC, JAE, JNB</a:t>
             </a:r>
             <a:r>
@@ -20321,7 +17020,7 @@
             <p:ph idx="1"/>
             <p:extLst>
               <p:ext uri="{D42A27DB-BD31-4B8C-83A1-F6EECF244321}">
-                <p14:modId xmlns:p14="http://schemas.microsoft.com/office/powerpoint/2010/main" val="280844341"/>
+                <p14:modId xmlns:p14="http://schemas.microsoft.com/office/powerpoint/2010/main" val="3135430707"/>
               </p:ext>
             </p:extLst>
           </p:nvPr>
@@ -20388,10 +17087,10 @@
           <a:lstStyle/>
           <a:p>
             <a:r>
-              <a:rPr lang="ja-JP" altLang="en-US"/>
+              <a:rPr lang="ja-JP" altLang="en-US" dirty="0"/>
               <a:t>アセンブリ言語サンプル</a:t>
             </a:r>
-            <a:endParaRPr kumimoji="1" lang="ja-JP" altLang="en-US"/>
+            <a:endParaRPr kumimoji="1" lang="ja-JP" altLang="en-US" dirty="0"/>
           </a:p>
         </p:txBody>
       </p:sp>
@@ -20424,7 +17123,7 @@
           <a:lstStyle/>
           <a:p>
             <a:r>
-              <a:rPr lang="en-US" altLang="ja-JP" sz="1600">
+              <a:rPr lang="en-US" altLang="ja-JP" sz="1600" dirty="0">
                 <a:solidFill>
                   <a:schemeClr val="accent6">
                     <a:lumMod val="75000"/>
@@ -20439,7 +17138,7 @@
               <a:t>; </a:t>
             </a:r>
             <a:r>
-              <a:rPr lang="ja-JP" altLang="en-US" sz="1600">
+              <a:rPr lang="ja-JP" altLang="en-US" sz="1600" dirty="0">
                 <a:solidFill>
                   <a:schemeClr val="accent6">
                     <a:lumMod val="75000"/>
@@ -20454,7 +17153,7 @@
               <a:t>二つの整数が等しいことを確認する関数 </a:t>
             </a:r>
             <a:r>
-              <a:rPr lang="en-US" altLang="ja-JP" sz="1600">
+              <a:rPr lang="en-US" altLang="ja-JP" sz="1600" dirty="0">
                 <a:solidFill>
                   <a:schemeClr val="accent6">
                     <a:lumMod val="75000"/>
@@ -20471,7 +17170,7 @@
           </a:p>
           <a:p>
             <a:r>
-              <a:rPr lang="en-US" altLang="ja-JP" sz="1600">
+              <a:rPr lang="en-US" altLang="ja-JP" sz="1600" dirty="0">
                 <a:solidFill>
                   <a:srgbClr val="000000"/>
                 </a:solidFill>
@@ -20484,7 +17183,7 @@
               <a:t>PUBLIC              </a:t>
             </a:r>
             <a:r>
-              <a:rPr lang="en-US" altLang="ja-JP" sz="1600">
+              <a:rPr lang="en-US" altLang="ja-JP" sz="1600" dirty="0">
                 <a:solidFill>
                   <a:schemeClr val="accent2"/>
                 </a:solidFill>
@@ -20499,7 +17198,7 @@
           </a:p>
           <a:p>
             <a:r>
-              <a:rPr lang="en-US" altLang="ja-JP" sz="1600">
+              <a:rPr lang="en-US" altLang="ja-JP" sz="1600" dirty="0">
                 <a:solidFill>
                   <a:srgbClr val="000000"/>
                 </a:solidFill>
@@ -20514,7 +17213,7 @@
           </a:p>
           <a:p>
             <a:r>
-              <a:rPr lang="en-US" altLang="ja-JP" sz="1600">
+              <a:rPr lang="en-US" altLang="ja-JP" sz="1600" dirty="0">
                 <a:solidFill>
                   <a:schemeClr val="accent2"/>
                 </a:solidFill>
@@ -20527,7 +17226,7 @@
               <a:t>asm_equal</a:t>
             </a:r>
             <a:r>
-              <a:rPr lang="en-US" altLang="ja-JP" sz="1600">
+              <a:rPr lang="en-US" altLang="ja-JP" sz="1600" dirty="0">
                 <a:solidFill>
                   <a:srgbClr val="000000"/>
                 </a:solidFill>
@@ -20542,7 +17241,7 @@
           </a:p>
           <a:p>
             <a:r>
-              <a:rPr lang="ja-JP" altLang="en-US" sz="1600">
+              <a:rPr lang="ja-JP" altLang="en-US" sz="1600" dirty="0">
                 <a:solidFill>
                   <a:srgbClr val="000000"/>
                 </a:solidFill>
@@ -20555,7 +17254,7 @@
               <a:t>                    </a:t>
             </a:r>
             <a:r>
-              <a:rPr lang="en-US" altLang="ja-JP" sz="1600">
+              <a:rPr lang="en-US" altLang="ja-JP" sz="1600" dirty="0">
                 <a:solidFill>
                   <a:schemeClr val="accent4"/>
                 </a:solidFill>
@@ -20568,7 +17267,7 @@
               <a:t>CMP</a:t>
             </a:r>
             <a:r>
-              <a:rPr lang="en-US" altLang="ja-JP" sz="1600">
+              <a:rPr lang="en-US" altLang="ja-JP" sz="1600" dirty="0">
                 <a:solidFill>
                   <a:srgbClr val="000000"/>
                 </a:solidFill>
@@ -20581,7 +17280,7 @@
               <a:t>     RCX, RDX        </a:t>
             </a:r>
             <a:r>
-              <a:rPr lang="en-US" altLang="ja-JP" sz="1600">
+              <a:rPr lang="en-US" altLang="ja-JP" sz="1600" dirty="0">
                 <a:solidFill>
                   <a:schemeClr val="accent6">
                     <a:lumMod val="75000"/>
@@ -20596,7 +17295,7 @@
               <a:t>; </a:t>
             </a:r>
             <a:r>
-              <a:rPr lang="ja-JP" altLang="en-US" sz="1600">
+              <a:rPr lang="ja-JP" altLang="en-US" sz="1600" dirty="0">
                 <a:solidFill>
                   <a:schemeClr val="accent6">
                     <a:lumMod val="75000"/>
@@ -20611,7 +17310,7 @@
               <a:t>第１引数</a:t>
             </a:r>
             <a:r>
-              <a:rPr lang="en-US" altLang="ja-JP" sz="1600">
+              <a:rPr lang="en-US" altLang="ja-JP" sz="1600" dirty="0">
                 <a:solidFill>
                   <a:schemeClr val="accent6">
                     <a:lumMod val="75000"/>
@@ -20626,7 +17325,7 @@
               <a:t>(RCX) </a:t>
             </a:r>
             <a:r>
-              <a:rPr lang="ja-JP" altLang="en-US" sz="1600">
+              <a:rPr lang="ja-JP" altLang="en-US" sz="1600" dirty="0">
                 <a:solidFill>
                   <a:schemeClr val="accent6">
                     <a:lumMod val="75000"/>
@@ -20641,7 +17340,7 @@
               <a:t>と第２引数</a:t>
             </a:r>
             <a:r>
-              <a:rPr lang="en-US" altLang="ja-JP" sz="1600">
+              <a:rPr lang="en-US" altLang="ja-JP" sz="1600" dirty="0">
                 <a:solidFill>
                   <a:schemeClr val="accent6">
                     <a:lumMod val="75000"/>
@@ -20656,7 +17355,7 @@
               <a:t>(RDX) </a:t>
             </a:r>
             <a:r>
-              <a:rPr lang="ja-JP" altLang="en-US" sz="1600">
+              <a:rPr lang="ja-JP" altLang="en-US" sz="1600" dirty="0">
                 <a:solidFill>
                   <a:schemeClr val="accent6">
                     <a:lumMod val="75000"/>
@@ -20673,7 +17372,7 @@
           </a:p>
           <a:p>
             <a:r>
-              <a:rPr lang="en-US" altLang="ja-JP" sz="1600">
+              <a:rPr lang="en-US" altLang="ja-JP" sz="1600" dirty="0">
                 <a:solidFill>
                   <a:srgbClr val="000000"/>
                 </a:solidFill>
@@ -20686,7 +17385,7 @@
               <a:t>                    </a:t>
             </a:r>
             <a:r>
-              <a:rPr lang="en-US" altLang="ja-JP" sz="1600">
+              <a:rPr lang="en-US" altLang="ja-JP" sz="1600" dirty="0">
                 <a:solidFill>
                   <a:schemeClr val="accent4"/>
                 </a:solidFill>
@@ -20699,7 +17398,7 @@
               <a:t>JE</a:t>
             </a:r>
             <a:r>
-              <a:rPr lang="en-US" altLang="ja-JP" sz="1600">
+              <a:rPr lang="en-US" altLang="ja-JP" sz="1600" dirty="0">
                 <a:solidFill>
                   <a:srgbClr val="000000"/>
                 </a:solidFill>
@@ -20712,7 +17411,7 @@
               <a:t>      </a:t>
             </a:r>
             <a:r>
-              <a:rPr lang="en-US" altLang="ja-JP" sz="1600">
+              <a:rPr lang="en-US" altLang="ja-JP" sz="1600" dirty="0">
                 <a:solidFill>
                   <a:schemeClr val="accent5"/>
                 </a:solidFill>
@@ -20725,7 +17424,7 @@
               <a:t>return_true</a:t>
             </a:r>
             <a:r>
-              <a:rPr lang="en-US" altLang="ja-JP" sz="1600">
+              <a:rPr lang="en-US" altLang="ja-JP" sz="1600" dirty="0">
                 <a:solidFill>
                   <a:srgbClr val="000000"/>
                 </a:solidFill>
@@ -20738,7 +17437,7 @@
               <a:t>     </a:t>
             </a:r>
             <a:r>
-              <a:rPr lang="en-US" altLang="ja-JP" sz="1600">
+              <a:rPr lang="en-US" altLang="ja-JP" sz="1600" dirty="0">
                 <a:solidFill>
                   <a:schemeClr val="accent6">
                     <a:lumMod val="75000"/>
@@ -20753,7 +17452,7 @@
               <a:t>; RCX </a:t>
             </a:r>
             <a:r>
-              <a:rPr lang="ja-JP" altLang="en-US" sz="1600">
+              <a:rPr lang="ja-JP" altLang="en-US" sz="1600" dirty="0">
                 <a:solidFill>
                   <a:schemeClr val="accent6">
                     <a:lumMod val="75000"/>
@@ -20768,7 +17467,7 @@
               <a:t>と </a:t>
             </a:r>
             <a:r>
-              <a:rPr lang="en-US" altLang="ja-JP" sz="1600">
+              <a:rPr lang="en-US" altLang="ja-JP" sz="1600" dirty="0">
                 <a:solidFill>
                   <a:schemeClr val="accent6">
                     <a:lumMod val="75000"/>
@@ -20783,7 +17482,7 @@
               <a:t>RDX </a:t>
             </a:r>
             <a:r>
-              <a:rPr lang="ja-JP" altLang="en-US" sz="1600">
+              <a:rPr lang="ja-JP" altLang="en-US" sz="1600" dirty="0">
                 <a:solidFill>
                   <a:schemeClr val="accent6">
                     <a:lumMod val="75000"/>
@@ -20798,7 +17497,7 @@
               <a:t>が </a:t>
             </a:r>
             <a:r>
-              <a:rPr lang="en-US" altLang="ja-JP" sz="1600">
+              <a:rPr lang="en-US" altLang="ja-JP" sz="1600" dirty="0">
                 <a:solidFill>
                   <a:schemeClr val="accent6">
                     <a:lumMod val="75000"/>
@@ -20813,7 +17512,7 @@
               <a:t>equal (</a:t>
             </a:r>
             <a:r>
-              <a:rPr lang="ja-JP" altLang="en-US" sz="1600">
+              <a:rPr lang="ja-JP" altLang="en-US" sz="1600" dirty="0">
                 <a:solidFill>
                   <a:schemeClr val="accent6">
                     <a:lumMod val="75000"/>
@@ -20828,7 +17527,7 @@
               <a:t>等しい</a:t>
             </a:r>
             <a:r>
-              <a:rPr lang="en-US" altLang="ja-JP" sz="1600">
+              <a:rPr lang="en-US" altLang="ja-JP" sz="1600" dirty="0">
                 <a:solidFill>
                   <a:schemeClr val="accent6">
                     <a:lumMod val="75000"/>
@@ -20843,7 +17542,7 @@
               <a:t>) </a:t>
             </a:r>
             <a:r>
-              <a:rPr lang="ja-JP" altLang="en-US" sz="1600">
+              <a:rPr lang="ja-JP" altLang="en-US" sz="1600" dirty="0">
                 <a:solidFill>
                   <a:schemeClr val="accent6">
                     <a:lumMod val="75000"/>
@@ -20858,7 +17557,7 @@
               <a:t>なら </a:t>
             </a:r>
             <a:r>
-              <a:rPr lang="en-US" altLang="ja-JP" sz="1600">
+              <a:rPr lang="en-US" altLang="ja-JP" sz="1600" dirty="0">
                 <a:solidFill>
                   <a:schemeClr val="accent6">
                     <a:lumMod val="75000"/>
@@ -20873,7 +17572,7 @@
               <a:t>return_true </a:t>
             </a:r>
             <a:r>
-              <a:rPr lang="ja-JP" altLang="en-US" sz="1600">
+              <a:rPr lang="ja-JP" altLang="en-US" sz="1600" dirty="0">
                 <a:solidFill>
                   <a:schemeClr val="accent6">
                     <a:lumMod val="75000"/>
@@ -20890,7 +17589,7 @@
           </a:p>
           <a:p>
             <a:r>
-              <a:rPr lang="ja-JP" altLang="en-US" sz="1600">
+              <a:rPr lang="ja-JP" altLang="en-US" sz="1600" dirty="0">
                 <a:solidFill>
                   <a:srgbClr val="000000"/>
                 </a:solidFill>
@@ -20903,7 +17602,7 @@
               <a:t>                    </a:t>
             </a:r>
             <a:r>
-              <a:rPr lang="en-US" altLang="ja-JP" sz="1600">
+              <a:rPr lang="en-US" altLang="ja-JP" sz="1600" dirty="0">
                 <a:solidFill>
                   <a:schemeClr val="accent4"/>
                 </a:solidFill>
@@ -20916,7 +17615,7 @@
               <a:t>XOR</a:t>
             </a:r>
             <a:r>
-              <a:rPr lang="en-US" altLang="ja-JP" sz="1600">
+              <a:rPr lang="en-US" altLang="ja-JP" sz="1600" dirty="0">
                 <a:solidFill>
                   <a:srgbClr val="000000"/>
                 </a:solidFill>
@@ -20929,7 +17628,7 @@
               <a:t>     RAX, RAX        </a:t>
             </a:r>
             <a:r>
-              <a:rPr lang="en-US" altLang="ja-JP" sz="1600">
+              <a:rPr lang="en-US" altLang="ja-JP" sz="1600" dirty="0">
                 <a:solidFill>
                   <a:schemeClr val="accent6">
                     <a:lumMod val="75000"/>
@@ -20944,7 +17643,7 @@
               <a:t>; </a:t>
             </a:r>
             <a:r>
-              <a:rPr lang="ja-JP" altLang="en-US" sz="1600">
+              <a:rPr lang="ja-JP" altLang="en-US" sz="1600" dirty="0">
                 <a:solidFill>
                   <a:schemeClr val="accent6">
                     <a:lumMod val="75000"/>
@@ -20959,7 +17658,7 @@
               <a:t>戻り値</a:t>
             </a:r>
             <a:r>
-              <a:rPr lang="en-US" altLang="ja-JP" sz="1600">
+              <a:rPr lang="en-US" altLang="ja-JP" sz="1600" dirty="0">
                 <a:solidFill>
                   <a:schemeClr val="accent6">
                     <a:lumMod val="75000"/>
@@ -20974,7 +17673,7 @@
               <a:t>(RAX) </a:t>
             </a:r>
             <a:r>
-              <a:rPr lang="ja-JP" altLang="en-US" sz="1600">
+              <a:rPr lang="ja-JP" altLang="en-US" sz="1600" dirty="0">
                 <a:solidFill>
                   <a:schemeClr val="accent6">
                     <a:lumMod val="75000"/>
@@ -20989,7 +17688,7 @@
               <a:t>に </a:t>
             </a:r>
             <a:r>
-              <a:rPr lang="en-US" altLang="ja-JP" sz="1600">
+              <a:rPr lang="en-US" altLang="ja-JP" sz="1600" dirty="0">
                 <a:solidFill>
                   <a:schemeClr val="accent6">
                     <a:lumMod val="75000"/>
@@ -21004,7 +17703,7 @@
               <a:t>0 </a:t>
             </a:r>
             <a:r>
-              <a:rPr lang="ja-JP" altLang="en-US" sz="1600">
+              <a:rPr lang="ja-JP" altLang="en-US" sz="1600" dirty="0">
                 <a:solidFill>
                   <a:schemeClr val="accent6">
                     <a:lumMod val="75000"/>
@@ -21021,7 +17720,7 @@
           </a:p>
           <a:p>
             <a:r>
-              <a:rPr lang="ja-JP" altLang="en-US" sz="1600">
+              <a:rPr lang="ja-JP" altLang="en-US" sz="1600" dirty="0">
                 <a:solidFill>
                   <a:srgbClr val="000000"/>
                 </a:solidFill>
@@ -21034,7 +17733,7 @@
               <a:t>                    </a:t>
             </a:r>
             <a:r>
-              <a:rPr lang="en-US" altLang="ja-JP" sz="1600">
+              <a:rPr lang="en-US" altLang="ja-JP" sz="1600" dirty="0">
                 <a:solidFill>
                   <a:schemeClr val="accent4"/>
                 </a:solidFill>
@@ -21047,7 +17746,7 @@
               <a:t>RET</a:t>
             </a:r>
             <a:r>
-              <a:rPr lang="en-US" altLang="ja-JP" sz="1600">
+              <a:rPr lang="en-US" altLang="ja-JP" sz="1600" dirty="0">
                 <a:solidFill>
                   <a:srgbClr val="000000"/>
                 </a:solidFill>
@@ -21060,7 +17759,7 @@
               <a:t>                     </a:t>
             </a:r>
             <a:r>
-              <a:rPr lang="en-US" altLang="ja-JP" sz="1600">
+              <a:rPr lang="en-US" altLang="ja-JP" sz="1600" dirty="0">
                 <a:solidFill>
                   <a:schemeClr val="accent6">
                     <a:lumMod val="75000"/>
@@ -21075,7 +17774,7 @@
               <a:t>; </a:t>
             </a:r>
             <a:r>
-              <a:rPr lang="ja-JP" altLang="en-US" sz="1600">
+              <a:rPr lang="ja-JP" altLang="en-US" sz="1600" dirty="0">
                 <a:solidFill>
                   <a:schemeClr val="accent6">
                     <a:lumMod val="75000"/>
@@ -21092,7 +17791,7 @@
           </a:p>
           <a:p>
             <a:r>
-              <a:rPr lang="en-US" altLang="ja-JP" sz="1600">
+              <a:rPr lang="en-US" altLang="ja-JP" sz="1600" dirty="0">
                 <a:solidFill>
                   <a:schemeClr val="accent5"/>
                 </a:solidFill>
@@ -21105,7 +17804,7 @@
               <a:t>return_true</a:t>
             </a:r>
             <a:r>
-              <a:rPr lang="en-US" altLang="ja-JP" sz="1600">
+              <a:rPr lang="en-US" altLang="ja-JP" sz="1600" dirty="0">
                 <a:solidFill>
                   <a:srgbClr val="000000"/>
                 </a:solidFill>
@@ -21120,7 +17819,7 @@
           </a:p>
           <a:p>
             <a:r>
-              <a:rPr lang="ja-JP" altLang="en-US" sz="1600">
+              <a:rPr lang="ja-JP" altLang="en-US" sz="1600" dirty="0">
                 <a:solidFill>
                   <a:srgbClr val="000000"/>
                 </a:solidFill>
@@ -21133,7 +17832,7 @@
               <a:t>                    </a:t>
             </a:r>
             <a:r>
-              <a:rPr lang="en-US" altLang="ja-JP" sz="1600">
+              <a:rPr lang="en-US" altLang="ja-JP" sz="1600" dirty="0">
                 <a:solidFill>
                   <a:schemeClr val="accent4"/>
                 </a:solidFill>
@@ -21146,7 +17845,7 @@
               <a:t>MOV</a:t>
             </a:r>
             <a:r>
-              <a:rPr lang="en-US" altLang="ja-JP" sz="1600">
+              <a:rPr lang="en-US" altLang="ja-JP" sz="1600" dirty="0">
                 <a:solidFill>
                   <a:srgbClr val="000000"/>
                 </a:solidFill>
@@ -21159,7 +17858,7 @@
               <a:t>     RAX, 1          </a:t>
             </a:r>
             <a:r>
-              <a:rPr lang="en-US" altLang="ja-JP" sz="1600">
+              <a:rPr lang="en-US" altLang="ja-JP" sz="1600" dirty="0">
                 <a:solidFill>
                   <a:schemeClr val="accent6">
                     <a:lumMod val="75000"/>
@@ -21174,7 +17873,7 @@
               <a:t>; </a:t>
             </a:r>
             <a:r>
-              <a:rPr lang="ja-JP" altLang="en-US" sz="1600">
+              <a:rPr lang="ja-JP" altLang="en-US" sz="1600" dirty="0">
                 <a:solidFill>
                   <a:schemeClr val="accent6">
                     <a:lumMod val="75000"/>
@@ -21189,7 +17888,7 @@
               <a:t>戻り値</a:t>
             </a:r>
             <a:r>
-              <a:rPr lang="en-US" altLang="ja-JP" sz="1600">
+              <a:rPr lang="en-US" altLang="ja-JP" sz="1600" dirty="0">
                 <a:solidFill>
                   <a:schemeClr val="accent6">
                     <a:lumMod val="75000"/>
@@ -21204,7 +17903,7 @@
               <a:t>(RAX) </a:t>
             </a:r>
             <a:r>
-              <a:rPr lang="ja-JP" altLang="en-US" sz="1600">
+              <a:rPr lang="ja-JP" altLang="en-US" sz="1600" dirty="0">
                 <a:solidFill>
                   <a:schemeClr val="accent6">
                     <a:lumMod val="75000"/>
@@ -21219,7 +17918,7 @@
               <a:t>に </a:t>
             </a:r>
             <a:r>
-              <a:rPr lang="en-US" altLang="ja-JP" sz="1600">
+              <a:rPr lang="en-US" altLang="ja-JP" sz="1600" dirty="0">
                 <a:solidFill>
                   <a:schemeClr val="accent6">
                     <a:lumMod val="75000"/>
@@ -21234,7 +17933,7 @@
               <a:t>1 </a:t>
             </a:r>
             <a:r>
-              <a:rPr lang="ja-JP" altLang="en-US" sz="1600">
+              <a:rPr lang="ja-JP" altLang="en-US" sz="1600" dirty="0">
                 <a:solidFill>
                   <a:schemeClr val="accent6">
                     <a:lumMod val="75000"/>
@@ -21251,7 +17950,7 @@
           </a:p>
           <a:p>
             <a:r>
-              <a:rPr lang="ja-JP" altLang="en-US" sz="1600">
+              <a:rPr lang="ja-JP" altLang="en-US" sz="1600" dirty="0">
                 <a:solidFill>
                   <a:srgbClr val="000000"/>
                 </a:solidFill>
@@ -21264,7 +17963,7 @@
               <a:t>                    </a:t>
             </a:r>
             <a:r>
-              <a:rPr lang="en-US" altLang="ja-JP" sz="1600">
+              <a:rPr lang="en-US" altLang="ja-JP" sz="1600" dirty="0">
                 <a:solidFill>
                   <a:schemeClr val="accent4"/>
                 </a:solidFill>
@@ -21277,7 +17976,7 @@
               <a:t>RET</a:t>
             </a:r>
             <a:r>
-              <a:rPr lang="en-US" altLang="ja-JP" sz="1600">
+              <a:rPr lang="en-US" altLang="ja-JP" sz="1600" dirty="0">
                 <a:solidFill>
                   <a:srgbClr val="000000"/>
                 </a:solidFill>
@@ -21290,7 +17989,7 @@
               <a:t>                     </a:t>
             </a:r>
             <a:r>
-              <a:rPr lang="en-US" altLang="ja-JP" sz="1600">
+              <a:rPr lang="en-US" altLang="ja-JP" sz="1600" dirty="0">
                 <a:solidFill>
                   <a:schemeClr val="accent6">
                     <a:lumMod val="75000"/>
@@ -21305,7 +18004,7 @@
               <a:t>; </a:t>
             </a:r>
             <a:r>
-              <a:rPr lang="ja-JP" altLang="en-US" sz="1600">
+              <a:rPr lang="ja-JP" altLang="en-US" sz="1600" dirty="0">
                 <a:solidFill>
                   <a:schemeClr val="accent6">
                     <a:lumMod val="75000"/>
@@ -21322,7 +18021,7 @@
           </a:p>
           <a:p>
             <a:r>
-              <a:rPr lang="en-US" altLang="ja-JP" sz="1600">
+              <a:rPr lang="en-US" altLang="ja-JP" sz="1600" dirty="0">
                 <a:solidFill>
                   <a:schemeClr val="accent2"/>
                 </a:solidFill>
@@ -21335,7 +18034,7 @@
               <a:t>asm_equal</a:t>
             </a:r>
             <a:r>
-              <a:rPr lang="en-US" altLang="ja-JP" sz="1600">
+              <a:rPr lang="en-US" altLang="ja-JP" sz="1600" dirty="0">
                 <a:solidFill>
                   <a:srgbClr val="000000"/>
                 </a:solidFill>
@@ -21350,7 +18049,7 @@
           </a:p>
           <a:p>
             <a:r>
-              <a:rPr lang="en-US" altLang="ja-JP" sz="1600">
+              <a:rPr lang="en-US" altLang="ja-JP" sz="1600" dirty="0">
                 <a:solidFill>
                   <a:srgbClr val="000000"/>
                 </a:solidFill>
@@ -21365,7 +18064,7 @@
           </a:p>
           <a:p>
             <a:r>
-              <a:rPr lang="en-US" altLang="ja-JP" sz="1600">
+              <a:rPr lang="en-US" altLang="ja-JP" sz="1600" dirty="0">
                 <a:solidFill>
                   <a:srgbClr val="000000"/>
                 </a:solidFill>
@@ -21384,6 +18083,1883 @@
     <p:extLst>
       <p:ext uri="{BB962C8B-B14F-4D97-AF65-F5344CB8AC3E}">
         <p14:creationId xmlns:p14="http://schemas.microsoft.com/office/powerpoint/2010/main" val="687113383"/>
+      </p:ext>
+    </p:extLst>
+  </p:cSld>
+  <p:clrMapOvr>
+    <a:masterClrMapping/>
+  </p:clrMapOvr>
+</p:sld>
+</file>
+
+<file path=ppt/slides/slide8.xml><?xml version="1.0" encoding="utf-8"?>
+<p:sld xmlns:a="http://schemas.openxmlformats.org/drawingml/2006/main" xmlns:r="http://schemas.openxmlformats.org/officeDocument/2006/relationships" xmlns:p="http://schemas.openxmlformats.org/presentationml/2006/main">
+  <p:cSld>
+    <p:spTree>
+      <p:nvGrpSpPr>
+        <p:cNvPr id="1" name=""/>
+        <p:cNvGrpSpPr/>
+        <p:nvPr/>
+      </p:nvGrpSpPr>
+      <p:grpSpPr>
+        <a:xfrm>
+          <a:off x="0" y="0"/>
+          <a:ext cx="0" cy="0"/>
+          <a:chOff x="0" y="0"/>
+          <a:chExt cx="0" cy="0"/>
+        </a:xfrm>
+      </p:grpSpPr>
+      <p:sp>
+        <p:nvSpPr>
+          <p:cNvPr id="2" name="タイトル 1">
+            <a:extLst>
+              <a:ext uri="{FF2B5EF4-FFF2-40B4-BE49-F238E27FC236}">
+                <a16:creationId xmlns:a16="http://schemas.microsoft.com/office/drawing/2014/main" id="{625CC4E5-E7E2-931F-C9BF-B5501E568D21}"/>
+              </a:ext>
+            </a:extLst>
+          </p:cNvPr>
+          <p:cNvSpPr>
+            <a:spLocks noGrp="1"/>
+          </p:cNvSpPr>
+          <p:nvPr>
+            <p:ph type="title"/>
+          </p:nvPr>
+        </p:nvSpPr>
+        <p:spPr/>
+        <p:txBody>
+          <a:bodyPr/>
+          <a:lstStyle/>
+          <a:p>
+            <a:r>
+              <a:rPr kumimoji="1" lang="en-US" altLang="ja-JP" dirty="0"/>
+              <a:t>if</a:t>
+            </a:r>
+            <a:r>
+              <a:rPr kumimoji="1" lang="ja-JP" altLang="en-US" dirty="0"/>
+              <a:t>文と条件分岐</a:t>
+            </a:r>
+          </a:p>
+        </p:txBody>
+      </p:sp>
+      <p:sp>
+        <p:nvSpPr>
+          <p:cNvPr id="5" name="テキスト ボックス 4">
+            <a:extLst>
+              <a:ext uri="{FF2B5EF4-FFF2-40B4-BE49-F238E27FC236}">
+                <a16:creationId xmlns:a16="http://schemas.microsoft.com/office/drawing/2014/main" id="{10179FE5-4110-1532-2CAD-F3CBDEDE32F8}"/>
+              </a:ext>
+            </a:extLst>
+          </p:cNvPr>
+          <p:cNvSpPr txBox="1"/>
+          <p:nvPr/>
+        </p:nvSpPr>
+        <p:spPr>
+          <a:xfrm>
+            <a:off x="1299520" y="2362369"/>
+            <a:ext cx="2517106" cy="2246769"/>
+          </a:xfrm>
+          <a:prstGeom prst="rect">
+            <a:avLst/>
+          </a:prstGeom>
+          <a:noFill/>
+        </p:spPr>
+        <p:txBody>
+          <a:bodyPr wrap="square">
+            <a:spAutoFit/>
+          </a:bodyPr>
+          <a:lstStyle/>
+          <a:p>
+            <a:r>
+              <a:rPr lang="ja-JP" altLang="en-US" sz="2000" dirty="0">
+                <a:solidFill>
+                  <a:srgbClr val="0070C0"/>
+                </a:solidFill>
+                <a:latin typeface="ＭＳ ゴシック" panose="020B0609070205080204" pitchFamily="49" charset="-128"/>
+                <a:ea typeface="ＭＳ ゴシック" panose="020B0609070205080204" pitchFamily="49" charset="-128"/>
+              </a:rPr>
+              <a:t>if</a:t>
+            </a:r>
+            <a:r>
+              <a:rPr lang="ja-JP" altLang="en-US" sz="2000" dirty="0">
+                <a:latin typeface="ＭＳ ゴシック" panose="020B0609070205080204" pitchFamily="49" charset="-128"/>
+                <a:ea typeface="ＭＳ ゴシック" panose="020B0609070205080204" pitchFamily="49" charset="-128"/>
+              </a:rPr>
+              <a:t> (</a:t>
+            </a:r>
+            <a:r>
+              <a:rPr lang="en-US" altLang="ja-JP" sz="2000" dirty="0">
+                <a:latin typeface="ＭＳ ゴシック" panose="020B0609070205080204" pitchFamily="49" charset="-128"/>
+                <a:ea typeface="ＭＳ ゴシック" panose="020B0609070205080204" pitchFamily="49" charset="-128"/>
+              </a:rPr>
+              <a:t>x == y</a:t>
+            </a:r>
+            <a:r>
+              <a:rPr lang="ja-JP" altLang="en-US" sz="2000" dirty="0">
+                <a:latin typeface="ＭＳ ゴシック" panose="020B0609070205080204" pitchFamily="49" charset="-128"/>
+                <a:ea typeface="ＭＳ ゴシック" panose="020B0609070205080204" pitchFamily="49" charset="-128"/>
+              </a:rPr>
+              <a:t>) {</a:t>
+            </a:r>
+          </a:p>
+          <a:p>
+            <a:r>
+              <a:rPr lang="ja-JP" altLang="en-US" sz="2000" dirty="0">
+                <a:latin typeface="ＭＳ ゴシック" panose="020B0609070205080204" pitchFamily="49" charset="-128"/>
+                <a:ea typeface="ＭＳ ゴシック" panose="020B0609070205080204" pitchFamily="49" charset="-128"/>
+              </a:rPr>
+              <a:t>	</a:t>
+            </a:r>
+            <a:r>
+              <a:rPr lang="en-US" altLang="ja-JP" sz="2000" dirty="0">
+                <a:latin typeface="ＭＳ ゴシック" panose="020B0609070205080204" pitchFamily="49" charset="-128"/>
+                <a:ea typeface="ＭＳ ゴシック" panose="020B0609070205080204" pitchFamily="49" charset="-128"/>
+              </a:rPr>
+              <a:t>…</a:t>
+            </a:r>
+            <a:r>
+              <a:rPr lang="ja-JP" altLang="en-US" sz="2000" dirty="0">
+                <a:latin typeface="ＭＳ ゴシック" panose="020B0609070205080204" pitchFamily="49" charset="-128"/>
+                <a:ea typeface="ＭＳ ゴシック" panose="020B0609070205080204" pitchFamily="49" charset="-128"/>
+              </a:rPr>
+              <a:t>処理１</a:t>
+            </a:r>
+            <a:r>
+              <a:rPr lang="en-US" altLang="ja-JP" sz="2000" dirty="0">
+                <a:latin typeface="ＭＳ ゴシック" panose="020B0609070205080204" pitchFamily="49" charset="-128"/>
+                <a:ea typeface="ＭＳ ゴシック" panose="020B0609070205080204" pitchFamily="49" charset="-128"/>
+              </a:rPr>
+              <a:t>…</a:t>
+            </a:r>
+            <a:endParaRPr lang="ja-JP" altLang="en-US" sz="2000" dirty="0">
+              <a:latin typeface="ＭＳ ゴシック" panose="020B0609070205080204" pitchFamily="49" charset="-128"/>
+              <a:ea typeface="ＭＳ ゴシック" panose="020B0609070205080204" pitchFamily="49" charset="-128"/>
+            </a:endParaRPr>
+          </a:p>
+          <a:p>
+            <a:r>
+              <a:rPr lang="ja-JP" altLang="en-US" sz="2000" dirty="0">
+                <a:latin typeface="ＭＳ ゴシック" panose="020B0609070205080204" pitchFamily="49" charset="-128"/>
+                <a:ea typeface="ＭＳ ゴシック" panose="020B0609070205080204" pitchFamily="49" charset="-128"/>
+              </a:rPr>
+              <a:t>}</a:t>
+            </a:r>
+          </a:p>
+          <a:p>
+            <a:r>
+              <a:rPr lang="ja-JP" altLang="en-US" sz="2000" dirty="0">
+                <a:solidFill>
+                  <a:srgbClr val="0070C0"/>
+                </a:solidFill>
+                <a:latin typeface="ＭＳ ゴシック" panose="020B0609070205080204" pitchFamily="49" charset="-128"/>
+                <a:ea typeface="ＭＳ ゴシック" panose="020B0609070205080204" pitchFamily="49" charset="-128"/>
+              </a:rPr>
+              <a:t>else</a:t>
+            </a:r>
+            <a:r>
+              <a:rPr lang="ja-JP" altLang="en-US" sz="2000" dirty="0">
+                <a:latin typeface="ＭＳ ゴシック" panose="020B0609070205080204" pitchFamily="49" charset="-128"/>
+                <a:ea typeface="ＭＳ ゴシック" panose="020B0609070205080204" pitchFamily="49" charset="-128"/>
+              </a:rPr>
+              <a:t> {</a:t>
+            </a:r>
+          </a:p>
+          <a:p>
+            <a:r>
+              <a:rPr lang="ja-JP" altLang="en-US" sz="2000" dirty="0">
+                <a:latin typeface="ＭＳ ゴシック" panose="020B0609070205080204" pitchFamily="49" charset="-128"/>
+                <a:ea typeface="ＭＳ ゴシック" panose="020B0609070205080204" pitchFamily="49" charset="-128"/>
+              </a:rPr>
+              <a:t>	</a:t>
+            </a:r>
+            <a:r>
+              <a:rPr lang="en-US" altLang="ja-JP" sz="2000" dirty="0">
+                <a:latin typeface="ＭＳ ゴシック" panose="020B0609070205080204" pitchFamily="49" charset="-128"/>
+                <a:ea typeface="ＭＳ ゴシック" panose="020B0609070205080204" pitchFamily="49" charset="-128"/>
+              </a:rPr>
+              <a:t>…</a:t>
+            </a:r>
+            <a:r>
+              <a:rPr lang="ja-JP" altLang="en-US" sz="2000" dirty="0">
+                <a:latin typeface="ＭＳ ゴシック" panose="020B0609070205080204" pitchFamily="49" charset="-128"/>
+                <a:ea typeface="ＭＳ ゴシック" panose="020B0609070205080204" pitchFamily="49" charset="-128"/>
+              </a:rPr>
+              <a:t>処理２</a:t>
+            </a:r>
+            <a:r>
+              <a:rPr lang="en-US" altLang="ja-JP" sz="2000" dirty="0">
+                <a:latin typeface="ＭＳ ゴシック" panose="020B0609070205080204" pitchFamily="49" charset="-128"/>
+                <a:ea typeface="ＭＳ ゴシック" panose="020B0609070205080204" pitchFamily="49" charset="-128"/>
+              </a:rPr>
+              <a:t>…</a:t>
+            </a:r>
+            <a:endParaRPr lang="ja-JP" altLang="en-US" sz="2000" dirty="0">
+              <a:latin typeface="ＭＳ ゴシック" panose="020B0609070205080204" pitchFamily="49" charset="-128"/>
+              <a:ea typeface="ＭＳ ゴシック" panose="020B0609070205080204" pitchFamily="49" charset="-128"/>
+            </a:endParaRPr>
+          </a:p>
+          <a:p>
+            <a:r>
+              <a:rPr lang="ja-JP" altLang="en-US" sz="2000" dirty="0">
+                <a:latin typeface="ＭＳ ゴシック" panose="020B0609070205080204" pitchFamily="49" charset="-128"/>
+                <a:ea typeface="ＭＳ ゴシック" panose="020B0609070205080204" pitchFamily="49" charset="-128"/>
+              </a:rPr>
+              <a:t>}</a:t>
+            </a:r>
+          </a:p>
+          <a:p>
+            <a:r>
+              <a:rPr lang="en-US" altLang="ja-JP" sz="2000" dirty="0">
+                <a:latin typeface="ＭＳ ゴシック" panose="020B0609070205080204" pitchFamily="49" charset="-128"/>
+                <a:ea typeface="ＭＳ ゴシック" panose="020B0609070205080204" pitchFamily="49" charset="-128"/>
+              </a:rPr>
+              <a:t>…</a:t>
+            </a:r>
+            <a:r>
+              <a:rPr lang="ja-JP" altLang="en-US" sz="2000" dirty="0">
+                <a:latin typeface="ＭＳ ゴシック" panose="020B0609070205080204" pitchFamily="49" charset="-128"/>
+                <a:ea typeface="ＭＳ ゴシック" panose="020B0609070205080204" pitchFamily="49" charset="-128"/>
+              </a:rPr>
+              <a:t>処理３</a:t>
+            </a:r>
+            <a:r>
+              <a:rPr lang="en-US" altLang="ja-JP" sz="2000" dirty="0">
+                <a:latin typeface="ＭＳ ゴシック" panose="020B0609070205080204" pitchFamily="49" charset="-128"/>
+                <a:ea typeface="ＭＳ ゴシック" panose="020B0609070205080204" pitchFamily="49" charset="-128"/>
+              </a:rPr>
+              <a:t>…</a:t>
+            </a:r>
+            <a:endParaRPr lang="ja-JP" altLang="en-US" sz="2000" dirty="0">
+              <a:latin typeface="ＭＳ ゴシック" panose="020B0609070205080204" pitchFamily="49" charset="-128"/>
+              <a:ea typeface="ＭＳ ゴシック" panose="020B0609070205080204" pitchFamily="49" charset="-128"/>
+            </a:endParaRPr>
+          </a:p>
+        </p:txBody>
+      </p:sp>
+      <p:sp>
+        <p:nvSpPr>
+          <p:cNvPr id="6" name="テキスト ボックス 5">
+            <a:extLst>
+              <a:ext uri="{FF2B5EF4-FFF2-40B4-BE49-F238E27FC236}">
+                <a16:creationId xmlns:a16="http://schemas.microsoft.com/office/drawing/2014/main" id="{A7CABF94-CADD-17AB-83C6-5B3412834028}"/>
+              </a:ext>
+            </a:extLst>
+          </p:cNvPr>
+          <p:cNvSpPr txBox="1"/>
+          <p:nvPr/>
+        </p:nvSpPr>
+        <p:spPr>
+          <a:xfrm>
+            <a:off x="4009767" y="2362369"/>
+            <a:ext cx="3050061" cy="2554545"/>
+          </a:xfrm>
+          <a:prstGeom prst="rect">
+            <a:avLst/>
+          </a:prstGeom>
+          <a:noFill/>
+        </p:spPr>
+        <p:txBody>
+          <a:bodyPr wrap="square">
+            <a:spAutoFit/>
+          </a:bodyPr>
+          <a:lstStyle/>
+          <a:p>
+            <a:r>
+              <a:rPr lang="en-US" altLang="ja-JP" sz="2000" dirty="0">
+                <a:solidFill>
+                  <a:srgbClr val="0070C0"/>
+                </a:solidFill>
+                <a:latin typeface="ＭＳ ゴシック" panose="020B0609070205080204" pitchFamily="49" charset="-128"/>
+                <a:ea typeface="ＭＳ ゴシック" panose="020B0609070205080204" pitchFamily="49" charset="-128"/>
+              </a:rPr>
+              <a:t>	</a:t>
+            </a:r>
+            <a:r>
+              <a:rPr lang="ja-JP" altLang="en-US" sz="2000" dirty="0">
+                <a:solidFill>
+                  <a:srgbClr val="0070C0"/>
+                </a:solidFill>
+                <a:latin typeface="ＭＳ ゴシック" panose="020B0609070205080204" pitchFamily="49" charset="-128"/>
+                <a:ea typeface="ＭＳ ゴシック" panose="020B0609070205080204" pitchFamily="49" charset="-128"/>
+              </a:rPr>
+              <a:t>if</a:t>
+            </a:r>
+            <a:r>
+              <a:rPr lang="ja-JP" altLang="en-US" sz="2000" dirty="0">
+                <a:latin typeface="ＭＳ ゴシック" panose="020B0609070205080204" pitchFamily="49" charset="-128"/>
+                <a:ea typeface="ＭＳ ゴシック" panose="020B0609070205080204" pitchFamily="49" charset="-128"/>
+              </a:rPr>
+              <a:t> (</a:t>
+            </a:r>
+            <a:r>
+              <a:rPr lang="en-US" altLang="ja-JP" sz="2000" dirty="0">
+                <a:latin typeface="ＭＳ ゴシック" panose="020B0609070205080204" pitchFamily="49" charset="-128"/>
+                <a:ea typeface="ＭＳ ゴシック" panose="020B0609070205080204" pitchFamily="49" charset="-128"/>
+              </a:rPr>
+              <a:t>x != y</a:t>
+            </a:r>
+            <a:r>
+              <a:rPr lang="ja-JP" altLang="en-US" sz="2000" dirty="0">
+                <a:latin typeface="ＭＳ ゴシック" panose="020B0609070205080204" pitchFamily="49" charset="-128"/>
+                <a:ea typeface="ＭＳ ゴシック" panose="020B0609070205080204" pitchFamily="49" charset="-128"/>
+              </a:rPr>
+              <a:t>) </a:t>
+            </a:r>
+            <a:br>
+              <a:rPr lang="en-US" altLang="ja-JP" sz="2000" dirty="0">
+                <a:latin typeface="ＭＳ ゴシック" panose="020B0609070205080204" pitchFamily="49" charset="-128"/>
+                <a:ea typeface="ＭＳ ゴシック" panose="020B0609070205080204" pitchFamily="49" charset="-128"/>
+              </a:rPr>
+            </a:br>
+            <a:r>
+              <a:rPr lang="en-US" altLang="ja-JP" sz="2000" dirty="0">
+                <a:latin typeface="ＭＳ ゴシック" panose="020B0609070205080204" pitchFamily="49" charset="-128"/>
+                <a:ea typeface="ＭＳ ゴシック" panose="020B0609070205080204" pitchFamily="49" charset="-128"/>
+              </a:rPr>
+              <a:t>		</a:t>
+            </a:r>
+            <a:r>
+              <a:rPr lang="en-US" altLang="ja-JP" sz="2000" dirty="0">
+                <a:solidFill>
+                  <a:srgbClr val="0070C0"/>
+                </a:solidFill>
+                <a:latin typeface="ＭＳ ゴシック" panose="020B0609070205080204" pitchFamily="49" charset="-128"/>
+                <a:ea typeface="ＭＳ ゴシック" panose="020B0609070205080204" pitchFamily="49" charset="-128"/>
+              </a:rPr>
+              <a:t>goto</a:t>
+            </a:r>
+            <a:r>
+              <a:rPr lang="en-US" altLang="ja-JP" sz="2000" dirty="0">
+                <a:latin typeface="ＭＳ ゴシック" panose="020B0609070205080204" pitchFamily="49" charset="-128"/>
+                <a:ea typeface="ＭＳ ゴシック" panose="020B0609070205080204" pitchFamily="49" charset="-128"/>
+              </a:rPr>
+              <a:t> </a:t>
+            </a:r>
+            <a:r>
+              <a:rPr lang="ja-JP" altLang="en-US" sz="2000" dirty="0">
+                <a:latin typeface="ＭＳ ゴシック" panose="020B0609070205080204" pitchFamily="49" charset="-128"/>
+                <a:ea typeface="ＭＳ ゴシック" panose="020B0609070205080204" pitchFamily="49" charset="-128"/>
+              </a:rPr>
+              <a:t>①</a:t>
+            </a:r>
+            <a:r>
+              <a:rPr lang="en-US" altLang="ja-JP" sz="2000" dirty="0">
+                <a:latin typeface="ＭＳ ゴシック" panose="020B0609070205080204" pitchFamily="49" charset="-128"/>
+                <a:ea typeface="ＭＳ ゴシック" panose="020B0609070205080204" pitchFamily="49" charset="-128"/>
+              </a:rPr>
+              <a:t>;</a:t>
+            </a:r>
+            <a:endParaRPr lang="ja-JP" altLang="en-US" sz="2000" dirty="0">
+              <a:latin typeface="ＭＳ ゴシック" panose="020B0609070205080204" pitchFamily="49" charset="-128"/>
+              <a:ea typeface="ＭＳ ゴシック" panose="020B0609070205080204" pitchFamily="49" charset="-128"/>
+            </a:endParaRPr>
+          </a:p>
+          <a:p>
+            <a:r>
+              <a:rPr lang="en-US" altLang="ja-JP" sz="2000" dirty="0">
+                <a:latin typeface="ＭＳ ゴシック" panose="020B0609070205080204" pitchFamily="49" charset="-128"/>
+                <a:ea typeface="ＭＳ ゴシック" panose="020B0609070205080204" pitchFamily="49" charset="-128"/>
+              </a:rPr>
+              <a:t>	…</a:t>
+            </a:r>
+            <a:r>
+              <a:rPr lang="ja-JP" altLang="en-US" sz="2000" dirty="0">
+                <a:latin typeface="ＭＳ ゴシック" panose="020B0609070205080204" pitchFamily="49" charset="-128"/>
+                <a:ea typeface="ＭＳ ゴシック" panose="020B0609070205080204" pitchFamily="49" charset="-128"/>
+              </a:rPr>
+              <a:t>処理１</a:t>
+            </a:r>
+            <a:r>
+              <a:rPr lang="en-US" altLang="ja-JP" sz="2000" dirty="0">
+                <a:latin typeface="ＭＳ ゴシック" panose="020B0609070205080204" pitchFamily="49" charset="-128"/>
+                <a:ea typeface="ＭＳ ゴシック" panose="020B0609070205080204" pitchFamily="49" charset="-128"/>
+              </a:rPr>
+              <a:t>…</a:t>
+            </a:r>
+            <a:endParaRPr lang="ja-JP" altLang="en-US" sz="2000" dirty="0">
+              <a:latin typeface="ＭＳ ゴシック" panose="020B0609070205080204" pitchFamily="49" charset="-128"/>
+              <a:ea typeface="ＭＳ ゴシック" panose="020B0609070205080204" pitchFamily="49" charset="-128"/>
+            </a:endParaRPr>
+          </a:p>
+          <a:p>
+            <a:r>
+              <a:rPr lang="en-US" altLang="ja-JP" sz="2000" dirty="0">
+                <a:solidFill>
+                  <a:srgbClr val="0070C0"/>
+                </a:solidFill>
+                <a:latin typeface="ＭＳ ゴシック" panose="020B0609070205080204" pitchFamily="49" charset="-128"/>
+                <a:ea typeface="ＭＳ ゴシック" panose="020B0609070205080204" pitchFamily="49" charset="-128"/>
+              </a:rPr>
+              <a:t>	goto</a:t>
+            </a:r>
+            <a:r>
+              <a:rPr lang="en-US" altLang="ja-JP" sz="2000" dirty="0">
+                <a:latin typeface="ＭＳ ゴシック" panose="020B0609070205080204" pitchFamily="49" charset="-128"/>
+                <a:ea typeface="ＭＳ ゴシック" panose="020B0609070205080204" pitchFamily="49" charset="-128"/>
+              </a:rPr>
+              <a:t> </a:t>
+            </a:r>
+            <a:r>
+              <a:rPr lang="ja-JP" altLang="en-US" sz="2000" dirty="0">
+                <a:latin typeface="ＭＳ ゴシック" panose="020B0609070205080204" pitchFamily="49" charset="-128"/>
+                <a:ea typeface="ＭＳ ゴシック" panose="020B0609070205080204" pitchFamily="49" charset="-128"/>
+              </a:rPr>
+              <a:t>②</a:t>
+            </a:r>
+            <a:r>
+              <a:rPr lang="en-US" altLang="ja-JP" sz="2000" dirty="0">
+                <a:latin typeface="ＭＳ ゴシック" panose="020B0609070205080204" pitchFamily="49" charset="-128"/>
+                <a:ea typeface="ＭＳ ゴシック" panose="020B0609070205080204" pitchFamily="49" charset="-128"/>
+              </a:rPr>
+              <a:t>;</a:t>
+            </a:r>
+            <a:endParaRPr lang="ja-JP" altLang="en-US" sz="2000" dirty="0">
+              <a:latin typeface="ＭＳ ゴシック" panose="020B0609070205080204" pitchFamily="49" charset="-128"/>
+              <a:ea typeface="ＭＳ ゴシック" panose="020B0609070205080204" pitchFamily="49" charset="-128"/>
+            </a:endParaRPr>
+          </a:p>
+          <a:p>
+            <a:r>
+              <a:rPr lang="ja-JP" altLang="en-US" sz="2000" dirty="0">
+                <a:latin typeface="ＭＳ ゴシック" panose="020B0609070205080204" pitchFamily="49" charset="-128"/>
+                <a:ea typeface="ＭＳ ゴシック" panose="020B0609070205080204" pitchFamily="49" charset="-128"/>
+              </a:rPr>
+              <a:t>①</a:t>
+            </a:r>
+            <a:r>
+              <a:rPr lang="en-US" altLang="ja-JP" sz="2000" dirty="0">
+                <a:latin typeface="ＭＳ ゴシック" panose="020B0609070205080204" pitchFamily="49" charset="-128"/>
+                <a:ea typeface="ＭＳ ゴシック" panose="020B0609070205080204" pitchFamily="49" charset="-128"/>
+              </a:rPr>
+              <a:t>:</a:t>
+            </a:r>
+          </a:p>
+          <a:p>
+            <a:r>
+              <a:rPr lang="en-US" altLang="ja-JP" sz="2000" dirty="0">
+                <a:latin typeface="ＭＳ ゴシック" panose="020B0609070205080204" pitchFamily="49" charset="-128"/>
+                <a:ea typeface="ＭＳ ゴシック" panose="020B0609070205080204" pitchFamily="49" charset="-128"/>
+              </a:rPr>
+              <a:t>	…</a:t>
+            </a:r>
+            <a:r>
+              <a:rPr lang="ja-JP" altLang="en-US" sz="2000" dirty="0">
+                <a:latin typeface="ＭＳ ゴシック" panose="020B0609070205080204" pitchFamily="49" charset="-128"/>
+                <a:ea typeface="ＭＳ ゴシック" panose="020B0609070205080204" pitchFamily="49" charset="-128"/>
+              </a:rPr>
+              <a:t>処理２</a:t>
+            </a:r>
+            <a:r>
+              <a:rPr lang="en-US" altLang="ja-JP" sz="2000" dirty="0">
+                <a:latin typeface="ＭＳ ゴシック" panose="020B0609070205080204" pitchFamily="49" charset="-128"/>
+                <a:ea typeface="ＭＳ ゴシック" panose="020B0609070205080204" pitchFamily="49" charset="-128"/>
+              </a:rPr>
+              <a:t>…</a:t>
+            </a:r>
+            <a:endParaRPr lang="ja-JP" altLang="en-US" sz="2000" dirty="0">
+              <a:latin typeface="ＭＳ ゴシック" panose="020B0609070205080204" pitchFamily="49" charset="-128"/>
+              <a:ea typeface="ＭＳ ゴシック" panose="020B0609070205080204" pitchFamily="49" charset="-128"/>
+            </a:endParaRPr>
+          </a:p>
+          <a:p>
+            <a:r>
+              <a:rPr lang="ja-JP" altLang="en-US" sz="2000" dirty="0">
+                <a:latin typeface="ＭＳ ゴシック" panose="020B0609070205080204" pitchFamily="49" charset="-128"/>
+                <a:ea typeface="ＭＳ ゴシック" panose="020B0609070205080204" pitchFamily="49" charset="-128"/>
+              </a:rPr>
+              <a:t>②</a:t>
+            </a:r>
+            <a:r>
+              <a:rPr lang="en-US" altLang="ja-JP" sz="2000" dirty="0">
+                <a:latin typeface="ＭＳ ゴシック" panose="020B0609070205080204" pitchFamily="49" charset="-128"/>
+                <a:ea typeface="ＭＳ ゴシック" panose="020B0609070205080204" pitchFamily="49" charset="-128"/>
+              </a:rPr>
+              <a:t>:</a:t>
+            </a:r>
+            <a:endParaRPr lang="ja-JP" altLang="en-US" sz="2000" dirty="0">
+              <a:latin typeface="ＭＳ ゴシック" panose="020B0609070205080204" pitchFamily="49" charset="-128"/>
+              <a:ea typeface="ＭＳ ゴシック" panose="020B0609070205080204" pitchFamily="49" charset="-128"/>
+            </a:endParaRPr>
+          </a:p>
+          <a:p>
+            <a:r>
+              <a:rPr lang="en-US" altLang="ja-JP" sz="2000" dirty="0">
+                <a:latin typeface="ＭＳ ゴシック" panose="020B0609070205080204" pitchFamily="49" charset="-128"/>
+                <a:ea typeface="ＭＳ ゴシック" panose="020B0609070205080204" pitchFamily="49" charset="-128"/>
+              </a:rPr>
+              <a:t>	…</a:t>
+            </a:r>
+            <a:r>
+              <a:rPr lang="ja-JP" altLang="en-US" sz="2000" dirty="0">
+                <a:latin typeface="ＭＳ ゴシック" panose="020B0609070205080204" pitchFamily="49" charset="-128"/>
+                <a:ea typeface="ＭＳ ゴシック" panose="020B0609070205080204" pitchFamily="49" charset="-128"/>
+              </a:rPr>
+              <a:t>処理３</a:t>
+            </a:r>
+            <a:r>
+              <a:rPr lang="en-US" altLang="ja-JP" sz="2000" dirty="0">
+                <a:latin typeface="ＭＳ ゴシック" panose="020B0609070205080204" pitchFamily="49" charset="-128"/>
+                <a:ea typeface="ＭＳ ゴシック" panose="020B0609070205080204" pitchFamily="49" charset="-128"/>
+              </a:rPr>
+              <a:t>…</a:t>
+            </a:r>
+            <a:endParaRPr lang="ja-JP" altLang="en-US" sz="2000" dirty="0">
+              <a:latin typeface="ＭＳ ゴシック" panose="020B0609070205080204" pitchFamily="49" charset="-128"/>
+              <a:ea typeface="ＭＳ ゴシック" panose="020B0609070205080204" pitchFamily="49" charset="-128"/>
+            </a:endParaRPr>
+          </a:p>
+        </p:txBody>
+      </p:sp>
+      <p:sp>
+        <p:nvSpPr>
+          <p:cNvPr id="7" name="テキスト ボックス 6">
+            <a:extLst>
+              <a:ext uri="{FF2B5EF4-FFF2-40B4-BE49-F238E27FC236}">
+                <a16:creationId xmlns:a16="http://schemas.microsoft.com/office/drawing/2014/main" id="{AF9D0478-74EF-FC94-0FFC-6A581F7DEA67}"/>
+              </a:ext>
+            </a:extLst>
+          </p:cNvPr>
+          <p:cNvSpPr txBox="1"/>
+          <p:nvPr/>
+        </p:nvSpPr>
+        <p:spPr>
+          <a:xfrm>
+            <a:off x="7692081" y="2362369"/>
+            <a:ext cx="2975920" cy="2554545"/>
+          </a:xfrm>
+          <a:prstGeom prst="rect">
+            <a:avLst/>
+          </a:prstGeom>
+          <a:noFill/>
+        </p:spPr>
+        <p:txBody>
+          <a:bodyPr wrap="square">
+            <a:spAutoFit/>
+          </a:bodyPr>
+          <a:lstStyle/>
+          <a:p>
+            <a:r>
+              <a:rPr lang="en-US" altLang="ja-JP" sz="2000" dirty="0">
+                <a:latin typeface="ＭＳ ゴシック" panose="020B0609070205080204" pitchFamily="49" charset="-128"/>
+                <a:ea typeface="ＭＳ ゴシック" panose="020B0609070205080204" pitchFamily="49" charset="-128"/>
+              </a:rPr>
+              <a:t>	</a:t>
+            </a:r>
+            <a:r>
+              <a:rPr lang="en-US" altLang="ja-JP" sz="2000" dirty="0">
+                <a:solidFill>
+                  <a:srgbClr val="0070C0"/>
+                </a:solidFill>
+                <a:latin typeface="ＭＳ ゴシック" panose="020B0609070205080204" pitchFamily="49" charset="-128"/>
+                <a:ea typeface="ＭＳ ゴシック" panose="020B0609070205080204" pitchFamily="49" charset="-128"/>
+              </a:rPr>
+              <a:t>CMP</a:t>
+            </a:r>
+            <a:r>
+              <a:rPr lang="ja-JP" altLang="en-US" sz="2000" dirty="0">
+                <a:latin typeface="ＭＳ ゴシック" panose="020B0609070205080204" pitchFamily="49" charset="-128"/>
+                <a:ea typeface="ＭＳ ゴシック" panose="020B0609070205080204" pitchFamily="49" charset="-128"/>
+              </a:rPr>
+              <a:t> </a:t>
+            </a:r>
+            <a:r>
+              <a:rPr lang="en-US" altLang="ja-JP" sz="2000" dirty="0">
+                <a:latin typeface="ＭＳ ゴシック" panose="020B0609070205080204" pitchFamily="49" charset="-128"/>
+                <a:ea typeface="ＭＳ ゴシック" panose="020B0609070205080204" pitchFamily="49" charset="-128"/>
+              </a:rPr>
+              <a:t>x, y</a:t>
+            </a:r>
+            <a:br>
+              <a:rPr lang="en-US" altLang="ja-JP" sz="2000" dirty="0">
+                <a:latin typeface="ＭＳ ゴシック" panose="020B0609070205080204" pitchFamily="49" charset="-128"/>
+                <a:ea typeface="ＭＳ ゴシック" panose="020B0609070205080204" pitchFamily="49" charset="-128"/>
+              </a:rPr>
+            </a:br>
+            <a:r>
+              <a:rPr lang="en-US" altLang="ja-JP" sz="2000" dirty="0">
+                <a:latin typeface="ＭＳ ゴシック" panose="020B0609070205080204" pitchFamily="49" charset="-128"/>
+                <a:ea typeface="ＭＳ ゴシック" panose="020B0609070205080204" pitchFamily="49" charset="-128"/>
+              </a:rPr>
+              <a:t>	</a:t>
+            </a:r>
+            <a:r>
+              <a:rPr lang="en-US" altLang="ja-JP" sz="2000" dirty="0">
+                <a:solidFill>
+                  <a:srgbClr val="0070C0"/>
+                </a:solidFill>
+                <a:latin typeface="ＭＳ ゴシック" panose="020B0609070205080204" pitchFamily="49" charset="-128"/>
+                <a:ea typeface="ＭＳ ゴシック" panose="020B0609070205080204" pitchFamily="49" charset="-128"/>
+              </a:rPr>
+              <a:t>JNE</a:t>
+            </a:r>
+            <a:r>
+              <a:rPr lang="en-US" altLang="ja-JP" sz="2000" dirty="0">
+                <a:latin typeface="ＭＳ ゴシック" panose="020B0609070205080204" pitchFamily="49" charset="-128"/>
+                <a:ea typeface="ＭＳ ゴシック" panose="020B0609070205080204" pitchFamily="49" charset="-128"/>
+              </a:rPr>
+              <a:t> </a:t>
+            </a:r>
+            <a:r>
+              <a:rPr lang="ja-JP" altLang="en-US" sz="2000" dirty="0">
+                <a:latin typeface="ＭＳ ゴシック" panose="020B0609070205080204" pitchFamily="49" charset="-128"/>
+                <a:ea typeface="ＭＳ ゴシック" panose="020B0609070205080204" pitchFamily="49" charset="-128"/>
+              </a:rPr>
+              <a:t>①</a:t>
+            </a:r>
+          </a:p>
+          <a:p>
+            <a:r>
+              <a:rPr lang="en-US" altLang="ja-JP" sz="2000" dirty="0">
+                <a:latin typeface="ＭＳ ゴシック" panose="020B0609070205080204" pitchFamily="49" charset="-128"/>
+                <a:ea typeface="ＭＳ ゴシック" panose="020B0609070205080204" pitchFamily="49" charset="-128"/>
+              </a:rPr>
+              <a:t>	…</a:t>
+            </a:r>
+            <a:r>
+              <a:rPr lang="ja-JP" altLang="en-US" sz="2000" dirty="0">
+                <a:latin typeface="ＭＳ ゴシック" panose="020B0609070205080204" pitchFamily="49" charset="-128"/>
+                <a:ea typeface="ＭＳ ゴシック" panose="020B0609070205080204" pitchFamily="49" charset="-128"/>
+              </a:rPr>
+              <a:t>処理１</a:t>
+            </a:r>
+            <a:r>
+              <a:rPr lang="en-US" altLang="ja-JP" sz="2000" dirty="0">
+                <a:latin typeface="ＭＳ ゴシック" panose="020B0609070205080204" pitchFamily="49" charset="-128"/>
+                <a:ea typeface="ＭＳ ゴシック" panose="020B0609070205080204" pitchFamily="49" charset="-128"/>
+              </a:rPr>
+              <a:t>… </a:t>
+            </a:r>
+          </a:p>
+          <a:p>
+            <a:r>
+              <a:rPr lang="en-US" altLang="ja-JP" sz="2000" dirty="0">
+                <a:solidFill>
+                  <a:srgbClr val="0070C0"/>
+                </a:solidFill>
+                <a:latin typeface="ＭＳ ゴシック" panose="020B0609070205080204" pitchFamily="49" charset="-128"/>
+                <a:ea typeface="ＭＳ ゴシック" panose="020B0609070205080204" pitchFamily="49" charset="-128"/>
+              </a:rPr>
+              <a:t>	JMP</a:t>
+            </a:r>
+            <a:r>
+              <a:rPr lang="en-US" altLang="ja-JP" sz="2000" dirty="0">
+                <a:latin typeface="ＭＳ ゴシック" panose="020B0609070205080204" pitchFamily="49" charset="-128"/>
+                <a:ea typeface="ＭＳ ゴシック" panose="020B0609070205080204" pitchFamily="49" charset="-128"/>
+              </a:rPr>
+              <a:t> </a:t>
+            </a:r>
+            <a:r>
+              <a:rPr lang="ja-JP" altLang="en-US" sz="2000" dirty="0">
+                <a:latin typeface="ＭＳ ゴシック" panose="020B0609070205080204" pitchFamily="49" charset="-128"/>
+                <a:ea typeface="ＭＳ ゴシック" panose="020B0609070205080204" pitchFamily="49" charset="-128"/>
+              </a:rPr>
+              <a:t>②</a:t>
+            </a:r>
+          </a:p>
+          <a:p>
+            <a:r>
+              <a:rPr lang="ja-JP" altLang="en-US" sz="2000" dirty="0">
+                <a:latin typeface="ＭＳ ゴシック" panose="020B0609070205080204" pitchFamily="49" charset="-128"/>
+                <a:ea typeface="ＭＳ ゴシック" panose="020B0609070205080204" pitchFamily="49" charset="-128"/>
+              </a:rPr>
+              <a:t>①</a:t>
+            </a:r>
+            <a:r>
+              <a:rPr lang="en-US" altLang="ja-JP" sz="2000" dirty="0">
+                <a:latin typeface="ＭＳ ゴシック" panose="020B0609070205080204" pitchFamily="49" charset="-128"/>
+                <a:ea typeface="ＭＳ ゴシック" panose="020B0609070205080204" pitchFamily="49" charset="-128"/>
+              </a:rPr>
+              <a:t>:</a:t>
+            </a:r>
+            <a:endParaRPr lang="ja-JP" altLang="en-US" sz="2000" dirty="0">
+              <a:solidFill>
+                <a:schemeClr val="accent5"/>
+              </a:solidFill>
+              <a:latin typeface="ＭＳ ゴシック" panose="020B0609070205080204" pitchFamily="49" charset="-128"/>
+              <a:ea typeface="ＭＳ ゴシック" panose="020B0609070205080204" pitchFamily="49" charset="-128"/>
+            </a:endParaRPr>
+          </a:p>
+          <a:p>
+            <a:r>
+              <a:rPr lang="en-US" altLang="ja-JP" sz="2000" dirty="0">
+                <a:latin typeface="ＭＳ ゴシック" panose="020B0609070205080204" pitchFamily="49" charset="-128"/>
+                <a:ea typeface="ＭＳ ゴシック" panose="020B0609070205080204" pitchFamily="49" charset="-128"/>
+              </a:rPr>
+              <a:t>	…</a:t>
+            </a:r>
+            <a:r>
+              <a:rPr lang="ja-JP" altLang="en-US" sz="2000" dirty="0">
+                <a:latin typeface="ＭＳ ゴシック" panose="020B0609070205080204" pitchFamily="49" charset="-128"/>
+                <a:ea typeface="ＭＳ ゴシック" panose="020B0609070205080204" pitchFamily="49" charset="-128"/>
+              </a:rPr>
+              <a:t>処理２</a:t>
+            </a:r>
+            <a:r>
+              <a:rPr lang="en-US" altLang="ja-JP" sz="2000" dirty="0">
+                <a:latin typeface="ＭＳ ゴシック" panose="020B0609070205080204" pitchFamily="49" charset="-128"/>
+                <a:ea typeface="ＭＳ ゴシック" panose="020B0609070205080204" pitchFamily="49" charset="-128"/>
+              </a:rPr>
+              <a:t>…</a:t>
+            </a:r>
+            <a:endParaRPr lang="ja-JP" altLang="en-US" sz="2000" dirty="0">
+              <a:latin typeface="ＭＳ ゴシック" panose="020B0609070205080204" pitchFamily="49" charset="-128"/>
+              <a:ea typeface="ＭＳ ゴシック" panose="020B0609070205080204" pitchFamily="49" charset="-128"/>
+            </a:endParaRPr>
+          </a:p>
+          <a:p>
+            <a:r>
+              <a:rPr lang="ja-JP" altLang="en-US" sz="2000" dirty="0">
+                <a:latin typeface="ＭＳ ゴシック" panose="020B0609070205080204" pitchFamily="49" charset="-128"/>
+                <a:ea typeface="ＭＳ ゴシック" panose="020B0609070205080204" pitchFamily="49" charset="-128"/>
+              </a:rPr>
+              <a:t>② </a:t>
+            </a:r>
+            <a:r>
+              <a:rPr lang="en-US" altLang="ja-JP" sz="2000" dirty="0">
+                <a:latin typeface="ＭＳ ゴシック" panose="020B0609070205080204" pitchFamily="49" charset="-128"/>
+                <a:ea typeface="ＭＳ ゴシック" panose="020B0609070205080204" pitchFamily="49" charset="-128"/>
+              </a:rPr>
+              <a:t>:</a:t>
+            </a:r>
+            <a:endParaRPr lang="ja-JP" altLang="en-US" sz="2000" dirty="0">
+              <a:latin typeface="ＭＳ ゴシック" panose="020B0609070205080204" pitchFamily="49" charset="-128"/>
+              <a:ea typeface="ＭＳ ゴシック" panose="020B0609070205080204" pitchFamily="49" charset="-128"/>
+            </a:endParaRPr>
+          </a:p>
+          <a:p>
+            <a:r>
+              <a:rPr lang="en-US" altLang="ja-JP" sz="2000" dirty="0">
+                <a:latin typeface="ＭＳ ゴシック" panose="020B0609070205080204" pitchFamily="49" charset="-128"/>
+                <a:ea typeface="ＭＳ ゴシック" panose="020B0609070205080204" pitchFamily="49" charset="-128"/>
+              </a:rPr>
+              <a:t>	…</a:t>
+            </a:r>
+            <a:r>
+              <a:rPr lang="ja-JP" altLang="en-US" sz="2000" dirty="0">
+                <a:latin typeface="ＭＳ ゴシック" panose="020B0609070205080204" pitchFamily="49" charset="-128"/>
+                <a:ea typeface="ＭＳ ゴシック" panose="020B0609070205080204" pitchFamily="49" charset="-128"/>
+              </a:rPr>
+              <a:t>処理３</a:t>
+            </a:r>
+            <a:r>
+              <a:rPr lang="en-US" altLang="ja-JP" sz="2000" dirty="0">
+                <a:latin typeface="ＭＳ ゴシック" panose="020B0609070205080204" pitchFamily="49" charset="-128"/>
+                <a:ea typeface="ＭＳ ゴシック" panose="020B0609070205080204" pitchFamily="49" charset="-128"/>
+              </a:rPr>
+              <a:t>…</a:t>
+            </a:r>
+            <a:endParaRPr lang="ja-JP" altLang="en-US" sz="2000" dirty="0">
+              <a:latin typeface="ＭＳ ゴシック" panose="020B0609070205080204" pitchFamily="49" charset="-128"/>
+              <a:ea typeface="ＭＳ ゴシック" panose="020B0609070205080204" pitchFamily="49" charset="-128"/>
+            </a:endParaRPr>
+          </a:p>
+        </p:txBody>
+      </p:sp>
+      <p:sp>
+        <p:nvSpPr>
+          <p:cNvPr id="8" name="正方形/長方形 7">
+            <a:extLst>
+              <a:ext uri="{FF2B5EF4-FFF2-40B4-BE49-F238E27FC236}">
+                <a16:creationId xmlns:a16="http://schemas.microsoft.com/office/drawing/2014/main" id="{560FC8FA-71D5-2793-CD42-167984915FA8}"/>
+              </a:ext>
+            </a:extLst>
+          </p:cNvPr>
+          <p:cNvSpPr/>
+          <p:nvPr/>
+        </p:nvSpPr>
+        <p:spPr>
+          <a:xfrm>
+            <a:off x="1383958" y="2042990"/>
+            <a:ext cx="2240692" cy="319379"/>
+          </a:xfrm>
+          <a:prstGeom prst="rect">
+            <a:avLst/>
+          </a:prstGeom>
+        </p:spPr>
+        <p:style>
+          <a:lnRef idx="2">
+            <a:schemeClr val="accent1">
+              <a:shade val="15000"/>
+            </a:schemeClr>
+          </a:lnRef>
+          <a:fillRef idx="1">
+            <a:schemeClr val="accent1"/>
+          </a:fillRef>
+          <a:effectRef idx="0">
+            <a:schemeClr val="accent1"/>
+          </a:effectRef>
+          <a:fontRef idx="minor">
+            <a:schemeClr val="lt1"/>
+          </a:fontRef>
+        </p:style>
+        <p:txBody>
+          <a:bodyPr rtlCol="0" anchor="ctr"/>
+          <a:lstStyle/>
+          <a:p>
+            <a:pPr algn="ctr"/>
+            <a:r>
+              <a:rPr kumimoji="1" lang="en-US" altLang="ja-JP" dirty="0"/>
+              <a:t>C</a:t>
+            </a:r>
+            <a:r>
+              <a:rPr kumimoji="1" lang="ja-JP" altLang="en-US" dirty="0"/>
+              <a:t>言語</a:t>
+            </a:r>
+            <a:r>
+              <a:rPr kumimoji="1" lang="en-US" altLang="ja-JP" dirty="0"/>
+              <a:t>1</a:t>
+            </a:r>
+            <a:endParaRPr kumimoji="1" lang="ja-JP" altLang="en-US" dirty="0"/>
+          </a:p>
+        </p:txBody>
+      </p:sp>
+      <p:sp>
+        <p:nvSpPr>
+          <p:cNvPr id="9" name="正方形/長方形 8">
+            <a:extLst>
+              <a:ext uri="{FF2B5EF4-FFF2-40B4-BE49-F238E27FC236}">
+                <a16:creationId xmlns:a16="http://schemas.microsoft.com/office/drawing/2014/main" id="{95C99A1C-5023-0ADD-6FD0-034DD4AB5D0A}"/>
+              </a:ext>
+            </a:extLst>
+          </p:cNvPr>
+          <p:cNvSpPr/>
+          <p:nvPr/>
+        </p:nvSpPr>
+        <p:spPr>
+          <a:xfrm>
+            <a:off x="4014916" y="2042990"/>
+            <a:ext cx="3168479" cy="319379"/>
+          </a:xfrm>
+          <a:prstGeom prst="rect">
+            <a:avLst/>
+          </a:prstGeom>
+        </p:spPr>
+        <p:style>
+          <a:lnRef idx="2">
+            <a:schemeClr val="accent1">
+              <a:shade val="15000"/>
+            </a:schemeClr>
+          </a:lnRef>
+          <a:fillRef idx="1">
+            <a:schemeClr val="accent1"/>
+          </a:fillRef>
+          <a:effectRef idx="0">
+            <a:schemeClr val="accent1"/>
+          </a:effectRef>
+          <a:fontRef idx="minor">
+            <a:schemeClr val="lt1"/>
+          </a:fontRef>
+        </p:style>
+        <p:txBody>
+          <a:bodyPr rtlCol="0" anchor="ctr"/>
+          <a:lstStyle/>
+          <a:p>
+            <a:pPr algn="ctr"/>
+            <a:r>
+              <a:rPr kumimoji="1" lang="en-US" altLang="ja-JP" dirty="0"/>
+              <a:t>C</a:t>
+            </a:r>
+            <a:r>
+              <a:rPr kumimoji="1" lang="ja-JP" altLang="en-US" dirty="0"/>
+              <a:t>言語</a:t>
+            </a:r>
+            <a:r>
+              <a:rPr kumimoji="1" lang="en-US" altLang="ja-JP" dirty="0"/>
+              <a:t>2</a:t>
+            </a:r>
+            <a:endParaRPr kumimoji="1" lang="ja-JP" altLang="en-US" dirty="0"/>
+          </a:p>
+        </p:txBody>
+      </p:sp>
+      <p:sp>
+        <p:nvSpPr>
+          <p:cNvPr id="10" name="正方形/長方形 9">
+            <a:extLst>
+              <a:ext uri="{FF2B5EF4-FFF2-40B4-BE49-F238E27FC236}">
+                <a16:creationId xmlns:a16="http://schemas.microsoft.com/office/drawing/2014/main" id="{AC084C4F-9F74-192E-763D-430F5D720D6A}"/>
+              </a:ext>
+            </a:extLst>
+          </p:cNvPr>
+          <p:cNvSpPr/>
+          <p:nvPr/>
+        </p:nvSpPr>
+        <p:spPr>
+          <a:xfrm>
+            <a:off x="7573661" y="2042990"/>
+            <a:ext cx="3168479" cy="319379"/>
+          </a:xfrm>
+          <a:prstGeom prst="rect">
+            <a:avLst/>
+          </a:prstGeom>
+        </p:spPr>
+        <p:style>
+          <a:lnRef idx="2">
+            <a:schemeClr val="accent1">
+              <a:shade val="15000"/>
+            </a:schemeClr>
+          </a:lnRef>
+          <a:fillRef idx="1">
+            <a:schemeClr val="accent1"/>
+          </a:fillRef>
+          <a:effectRef idx="0">
+            <a:schemeClr val="accent1"/>
+          </a:effectRef>
+          <a:fontRef idx="minor">
+            <a:schemeClr val="lt1"/>
+          </a:fontRef>
+        </p:style>
+        <p:txBody>
+          <a:bodyPr rtlCol="0" anchor="ctr"/>
+          <a:lstStyle/>
+          <a:p>
+            <a:pPr algn="ctr"/>
+            <a:r>
+              <a:rPr kumimoji="1" lang="ja-JP" altLang="en-US" dirty="0"/>
+              <a:t>アセンブリ言語</a:t>
+            </a:r>
+          </a:p>
+        </p:txBody>
+      </p:sp>
+    </p:spTree>
+    <p:extLst>
+      <p:ext uri="{BB962C8B-B14F-4D97-AF65-F5344CB8AC3E}">
+        <p14:creationId xmlns:p14="http://schemas.microsoft.com/office/powerpoint/2010/main" val="2830661682"/>
+      </p:ext>
+    </p:extLst>
+  </p:cSld>
+  <p:clrMapOvr>
+    <a:masterClrMapping/>
+  </p:clrMapOvr>
+</p:sld>
+</file>
+
+<file path=ppt/slides/slide9.xml><?xml version="1.0" encoding="utf-8"?>
+<p:sld xmlns:a="http://schemas.openxmlformats.org/drawingml/2006/main" xmlns:r="http://schemas.openxmlformats.org/officeDocument/2006/relationships" xmlns:p="http://schemas.openxmlformats.org/presentationml/2006/main">
+  <p:cSld>
+    <p:spTree>
+      <p:nvGrpSpPr>
+        <p:cNvPr id="1" name="">
+          <a:extLst>
+            <a:ext uri="{FF2B5EF4-FFF2-40B4-BE49-F238E27FC236}">
+              <a16:creationId xmlns:a16="http://schemas.microsoft.com/office/drawing/2014/main" id="{52BE4CBD-498B-3A95-DC0E-DC11C8B26323}"/>
+            </a:ext>
+          </a:extLst>
+        </p:cNvPr>
+        <p:cNvGrpSpPr/>
+        <p:nvPr/>
+      </p:nvGrpSpPr>
+      <p:grpSpPr>
+        <a:xfrm>
+          <a:off x="0" y="0"/>
+          <a:ext cx="0" cy="0"/>
+          <a:chOff x="0" y="0"/>
+          <a:chExt cx="0" cy="0"/>
+        </a:xfrm>
+      </p:grpSpPr>
+      <p:sp>
+        <p:nvSpPr>
+          <p:cNvPr id="2" name="タイトル 1">
+            <a:extLst>
+              <a:ext uri="{FF2B5EF4-FFF2-40B4-BE49-F238E27FC236}">
+                <a16:creationId xmlns:a16="http://schemas.microsoft.com/office/drawing/2014/main" id="{F4694691-1A71-EDA0-DC73-E7A64830982A}"/>
+              </a:ext>
+            </a:extLst>
+          </p:cNvPr>
+          <p:cNvSpPr>
+            <a:spLocks noGrp="1"/>
+          </p:cNvSpPr>
+          <p:nvPr>
+            <p:ph type="title"/>
+          </p:nvPr>
+        </p:nvSpPr>
+        <p:spPr/>
+        <p:txBody>
+          <a:bodyPr/>
+          <a:lstStyle/>
+          <a:p>
+            <a:r>
+              <a:rPr kumimoji="1" lang="en-US" altLang="ja-JP" dirty="0"/>
+              <a:t>for</a:t>
+            </a:r>
+            <a:r>
+              <a:rPr kumimoji="1" lang="ja-JP" altLang="en-US" dirty="0"/>
+              <a:t>文と条件分岐</a:t>
+            </a:r>
+          </a:p>
+        </p:txBody>
+      </p:sp>
+      <p:sp>
+        <p:nvSpPr>
+          <p:cNvPr id="5" name="テキスト ボックス 4">
+            <a:extLst>
+              <a:ext uri="{FF2B5EF4-FFF2-40B4-BE49-F238E27FC236}">
+                <a16:creationId xmlns:a16="http://schemas.microsoft.com/office/drawing/2014/main" id="{F719D962-5CC6-6829-7669-9C100A6592DD}"/>
+              </a:ext>
+            </a:extLst>
+          </p:cNvPr>
+          <p:cNvSpPr txBox="1"/>
+          <p:nvPr/>
+        </p:nvSpPr>
+        <p:spPr>
+          <a:xfrm>
+            <a:off x="838199" y="2675403"/>
+            <a:ext cx="3476368" cy="1631216"/>
+          </a:xfrm>
+          <a:prstGeom prst="rect">
+            <a:avLst/>
+          </a:prstGeom>
+          <a:noFill/>
+        </p:spPr>
+        <p:txBody>
+          <a:bodyPr wrap="square">
+            <a:spAutoFit/>
+          </a:bodyPr>
+          <a:lstStyle/>
+          <a:p>
+            <a:r>
+              <a:rPr lang="en-US" altLang="ja-JP" sz="2000" dirty="0">
+                <a:solidFill>
+                  <a:srgbClr val="0070C0"/>
+                </a:solidFill>
+                <a:latin typeface="ＭＳ ゴシック" panose="020B0609070205080204" pitchFamily="49" charset="-128"/>
+                <a:ea typeface="ＭＳ ゴシック" panose="020B0609070205080204" pitchFamily="49" charset="-128"/>
+              </a:rPr>
+              <a:t>for</a:t>
+            </a:r>
+            <a:r>
+              <a:rPr lang="ja-JP" altLang="en-US" sz="2000" dirty="0">
+                <a:latin typeface="ＭＳ ゴシック" panose="020B0609070205080204" pitchFamily="49" charset="-128"/>
+                <a:ea typeface="ＭＳ ゴシック" panose="020B0609070205080204" pitchFamily="49" charset="-128"/>
+              </a:rPr>
+              <a:t> (</a:t>
+            </a:r>
+            <a:r>
+              <a:rPr lang="en-US" altLang="ja-JP" sz="2000" dirty="0">
+                <a:latin typeface="ＭＳ ゴシック" panose="020B0609070205080204" pitchFamily="49" charset="-128"/>
+                <a:ea typeface="ＭＳ ゴシック" panose="020B0609070205080204" pitchFamily="49" charset="-128"/>
+              </a:rPr>
+              <a:t>i = 0;i != 10; ++i</a:t>
+            </a:r>
+            <a:r>
+              <a:rPr lang="ja-JP" altLang="en-US" sz="2000" dirty="0">
+                <a:latin typeface="ＭＳ ゴシック" panose="020B0609070205080204" pitchFamily="49" charset="-128"/>
+                <a:ea typeface="ＭＳ ゴシック" panose="020B0609070205080204" pitchFamily="49" charset="-128"/>
+              </a:rPr>
+              <a:t>) {</a:t>
+            </a:r>
+          </a:p>
+          <a:p>
+            <a:r>
+              <a:rPr lang="ja-JP" altLang="en-US" sz="2000" dirty="0">
+                <a:latin typeface="ＭＳ ゴシック" panose="020B0609070205080204" pitchFamily="49" charset="-128"/>
+                <a:ea typeface="ＭＳ ゴシック" panose="020B0609070205080204" pitchFamily="49" charset="-128"/>
+              </a:rPr>
+              <a:t>	</a:t>
+            </a:r>
+            <a:r>
+              <a:rPr lang="en-US" altLang="ja-JP" sz="2000" dirty="0">
+                <a:latin typeface="ＭＳ ゴシック" panose="020B0609070205080204" pitchFamily="49" charset="-128"/>
+                <a:ea typeface="ＭＳ ゴシック" panose="020B0609070205080204" pitchFamily="49" charset="-128"/>
+              </a:rPr>
+              <a:t>…</a:t>
+            </a:r>
+            <a:r>
+              <a:rPr lang="ja-JP" altLang="en-US" sz="2000" dirty="0">
+                <a:latin typeface="ＭＳ ゴシック" panose="020B0609070205080204" pitchFamily="49" charset="-128"/>
+                <a:ea typeface="ＭＳ ゴシック" panose="020B0609070205080204" pitchFamily="49" charset="-128"/>
+              </a:rPr>
+              <a:t>処理１</a:t>
+            </a:r>
+            <a:r>
+              <a:rPr lang="en-US" altLang="ja-JP" sz="2000" dirty="0">
+                <a:latin typeface="ＭＳ ゴシック" panose="020B0609070205080204" pitchFamily="49" charset="-128"/>
+                <a:ea typeface="ＭＳ ゴシック" panose="020B0609070205080204" pitchFamily="49" charset="-128"/>
+              </a:rPr>
+              <a:t>…</a:t>
+            </a:r>
+            <a:endParaRPr lang="ja-JP" altLang="en-US" sz="2000" dirty="0">
+              <a:latin typeface="ＭＳ ゴシック" panose="020B0609070205080204" pitchFamily="49" charset="-128"/>
+              <a:ea typeface="ＭＳ ゴシック" panose="020B0609070205080204" pitchFamily="49" charset="-128"/>
+            </a:endParaRPr>
+          </a:p>
+          <a:p>
+            <a:r>
+              <a:rPr lang="ja-JP" altLang="en-US" sz="2000" dirty="0">
+                <a:latin typeface="ＭＳ ゴシック" panose="020B0609070205080204" pitchFamily="49" charset="-128"/>
+                <a:ea typeface="ＭＳ ゴシック" panose="020B0609070205080204" pitchFamily="49" charset="-128"/>
+              </a:rPr>
+              <a:t>}</a:t>
+            </a:r>
+          </a:p>
+          <a:p>
+            <a:r>
+              <a:rPr lang="en-US" altLang="ja-JP" sz="2000" dirty="0">
+                <a:latin typeface="ＭＳ ゴシック" panose="020B0609070205080204" pitchFamily="49" charset="-128"/>
+                <a:ea typeface="ＭＳ ゴシック" panose="020B0609070205080204" pitchFamily="49" charset="-128"/>
+              </a:rPr>
+              <a:t>…</a:t>
+            </a:r>
+            <a:r>
+              <a:rPr lang="ja-JP" altLang="en-US" sz="2000" dirty="0">
+                <a:latin typeface="ＭＳ ゴシック" panose="020B0609070205080204" pitchFamily="49" charset="-128"/>
+                <a:ea typeface="ＭＳ ゴシック" panose="020B0609070205080204" pitchFamily="49" charset="-128"/>
+              </a:rPr>
+              <a:t>処理２</a:t>
+            </a:r>
+            <a:r>
+              <a:rPr lang="en-US" altLang="ja-JP" sz="2000" dirty="0">
+                <a:latin typeface="ＭＳ ゴシック" panose="020B0609070205080204" pitchFamily="49" charset="-128"/>
+                <a:ea typeface="ＭＳ ゴシック" panose="020B0609070205080204" pitchFamily="49" charset="-128"/>
+              </a:rPr>
+              <a:t>…</a:t>
+            </a:r>
+            <a:endParaRPr lang="ja-JP" altLang="en-US" sz="2000" dirty="0">
+              <a:latin typeface="ＭＳ ゴシック" panose="020B0609070205080204" pitchFamily="49" charset="-128"/>
+              <a:ea typeface="ＭＳ ゴシック" panose="020B0609070205080204" pitchFamily="49" charset="-128"/>
+            </a:endParaRPr>
+          </a:p>
+        </p:txBody>
+      </p:sp>
+      <p:sp>
+        <p:nvSpPr>
+          <p:cNvPr id="6" name="テキスト ボックス 5">
+            <a:extLst>
+              <a:ext uri="{FF2B5EF4-FFF2-40B4-BE49-F238E27FC236}">
+                <a16:creationId xmlns:a16="http://schemas.microsoft.com/office/drawing/2014/main" id="{D9A57AB2-E9C4-49DA-22A3-64AC8ABEC189}"/>
+              </a:ext>
+            </a:extLst>
+          </p:cNvPr>
+          <p:cNvSpPr txBox="1"/>
+          <p:nvPr/>
+        </p:nvSpPr>
+        <p:spPr>
+          <a:xfrm>
+            <a:off x="4630694" y="2675403"/>
+            <a:ext cx="3050061" cy="2862322"/>
+          </a:xfrm>
+          <a:prstGeom prst="rect">
+            <a:avLst/>
+          </a:prstGeom>
+          <a:noFill/>
+        </p:spPr>
+        <p:txBody>
+          <a:bodyPr wrap="square">
+            <a:spAutoFit/>
+          </a:bodyPr>
+          <a:lstStyle/>
+          <a:p>
+            <a:r>
+              <a:rPr lang="en-US" altLang="ja-JP" sz="2000" dirty="0">
+                <a:solidFill>
+                  <a:srgbClr val="0070C0"/>
+                </a:solidFill>
+                <a:latin typeface="ＭＳ ゴシック" panose="020B0609070205080204" pitchFamily="49" charset="-128"/>
+                <a:ea typeface="ＭＳ ゴシック" panose="020B0609070205080204" pitchFamily="49" charset="-128"/>
+              </a:rPr>
+              <a:t>	</a:t>
+            </a:r>
+            <a:r>
+              <a:rPr lang="en-US" altLang="ja-JP" sz="2000" dirty="0">
+                <a:latin typeface="ＭＳ ゴシック" panose="020B0609070205080204" pitchFamily="49" charset="-128"/>
+                <a:ea typeface="ＭＳ ゴシック" panose="020B0609070205080204" pitchFamily="49" charset="-128"/>
+              </a:rPr>
+              <a:t>i = 0;</a:t>
+            </a:r>
+            <a:br>
+              <a:rPr lang="en-US" altLang="ja-JP" sz="2000" dirty="0">
+                <a:latin typeface="ＭＳ ゴシック" panose="020B0609070205080204" pitchFamily="49" charset="-128"/>
+                <a:ea typeface="ＭＳ ゴシック" panose="020B0609070205080204" pitchFamily="49" charset="-128"/>
+              </a:rPr>
+            </a:br>
+            <a:r>
+              <a:rPr lang="ja-JP" altLang="en-US" sz="2000" dirty="0">
+                <a:latin typeface="ＭＳ ゴシック" panose="020B0609070205080204" pitchFamily="49" charset="-128"/>
+                <a:ea typeface="ＭＳ ゴシック" panose="020B0609070205080204" pitchFamily="49" charset="-128"/>
+              </a:rPr>
+              <a:t>①</a:t>
+            </a:r>
+            <a:r>
+              <a:rPr lang="en-US" altLang="ja-JP" sz="2000" dirty="0">
+                <a:latin typeface="ＭＳ ゴシック" panose="020B0609070205080204" pitchFamily="49" charset="-128"/>
+                <a:ea typeface="ＭＳ ゴシック" panose="020B0609070205080204" pitchFamily="49" charset="-128"/>
+              </a:rPr>
+              <a:t>:</a:t>
+            </a:r>
+            <a:br>
+              <a:rPr lang="en-US" altLang="ja-JP" sz="2000" dirty="0">
+                <a:solidFill>
+                  <a:srgbClr val="0070C0"/>
+                </a:solidFill>
+                <a:latin typeface="ＭＳ ゴシック" panose="020B0609070205080204" pitchFamily="49" charset="-128"/>
+                <a:ea typeface="ＭＳ ゴシック" panose="020B0609070205080204" pitchFamily="49" charset="-128"/>
+              </a:rPr>
+            </a:br>
+            <a:r>
+              <a:rPr lang="en-US" altLang="ja-JP" sz="2000" dirty="0">
+                <a:solidFill>
+                  <a:srgbClr val="0070C0"/>
+                </a:solidFill>
+                <a:latin typeface="ＭＳ ゴシック" panose="020B0609070205080204" pitchFamily="49" charset="-128"/>
+                <a:ea typeface="ＭＳ ゴシック" panose="020B0609070205080204" pitchFamily="49" charset="-128"/>
+              </a:rPr>
+              <a:t>	</a:t>
+            </a:r>
+            <a:r>
+              <a:rPr lang="ja-JP" altLang="en-US" sz="2000" dirty="0">
+                <a:solidFill>
+                  <a:srgbClr val="0070C0"/>
+                </a:solidFill>
+                <a:latin typeface="ＭＳ ゴシック" panose="020B0609070205080204" pitchFamily="49" charset="-128"/>
+                <a:ea typeface="ＭＳ ゴシック" panose="020B0609070205080204" pitchFamily="49" charset="-128"/>
+              </a:rPr>
+              <a:t>if</a:t>
+            </a:r>
+            <a:r>
+              <a:rPr lang="ja-JP" altLang="en-US" sz="2000" dirty="0">
+                <a:latin typeface="ＭＳ ゴシック" panose="020B0609070205080204" pitchFamily="49" charset="-128"/>
+                <a:ea typeface="ＭＳ ゴシック" panose="020B0609070205080204" pitchFamily="49" charset="-128"/>
+              </a:rPr>
+              <a:t> (</a:t>
+            </a:r>
+            <a:r>
+              <a:rPr lang="en-US" altLang="ja-JP" sz="2000" dirty="0">
+                <a:latin typeface="ＭＳ ゴシック" panose="020B0609070205080204" pitchFamily="49" charset="-128"/>
+                <a:ea typeface="ＭＳ ゴシック" panose="020B0609070205080204" pitchFamily="49" charset="-128"/>
+              </a:rPr>
+              <a:t>i == 10</a:t>
+            </a:r>
+            <a:r>
+              <a:rPr lang="ja-JP" altLang="en-US" sz="2000" dirty="0">
+                <a:latin typeface="ＭＳ ゴシック" panose="020B0609070205080204" pitchFamily="49" charset="-128"/>
+                <a:ea typeface="ＭＳ ゴシック" panose="020B0609070205080204" pitchFamily="49" charset="-128"/>
+              </a:rPr>
+              <a:t>) </a:t>
+            </a:r>
+            <a:br>
+              <a:rPr lang="en-US" altLang="ja-JP" sz="2000" dirty="0">
+                <a:latin typeface="ＭＳ ゴシック" panose="020B0609070205080204" pitchFamily="49" charset="-128"/>
+                <a:ea typeface="ＭＳ ゴシック" panose="020B0609070205080204" pitchFamily="49" charset="-128"/>
+              </a:rPr>
+            </a:br>
+            <a:r>
+              <a:rPr lang="en-US" altLang="ja-JP" sz="2000" dirty="0">
+                <a:latin typeface="ＭＳ ゴシック" panose="020B0609070205080204" pitchFamily="49" charset="-128"/>
+                <a:ea typeface="ＭＳ ゴシック" panose="020B0609070205080204" pitchFamily="49" charset="-128"/>
+              </a:rPr>
+              <a:t>		</a:t>
+            </a:r>
+            <a:r>
+              <a:rPr lang="en-US" altLang="ja-JP" sz="2000" dirty="0">
+                <a:solidFill>
+                  <a:srgbClr val="0070C0"/>
+                </a:solidFill>
+                <a:latin typeface="ＭＳ ゴシック" panose="020B0609070205080204" pitchFamily="49" charset="-128"/>
+                <a:ea typeface="ＭＳ ゴシック" panose="020B0609070205080204" pitchFamily="49" charset="-128"/>
+              </a:rPr>
+              <a:t>goto</a:t>
+            </a:r>
+            <a:r>
+              <a:rPr lang="en-US" altLang="ja-JP" sz="2000" dirty="0">
+                <a:latin typeface="ＭＳ ゴシック" panose="020B0609070205080204" pitchFamily="49" charset="-128"/>
+                <a:ea typeface="ＭＳ ゴシック" panose="020B0609070205080204" pitchFamily="49" charset="-128"/>
+              </a:rPr>
+              <a:t> </a:t>
+            </a:r>
+            <a:r>
+              <a:rPr lang="ja-JP" altLang="en-US" sz="2000" dirty="0">
+                <a:latin typeface="ＭＳ ゴシック" panose="020B0609070205080204" pitchFamily="49" charset="-128"/>
+                <a:ea typeface="ＭＳ ゴシック" panose="020B0609070205080204" pitchFamily="49" charset="-128"/>
+              </a:rPr>
+              <a:t>②</a:t>
+            </a:r>
+            <a:r>
+              <a:rPr lang="en-US" altLang="ja-JP" sz="2000" dirty="0">
+                <a:latin typeface="ＭＳ ゴシック" panose="020B0609070205080204" pitchFamily="49" charset="-128"/>
+                <a:ea typeface="ＭＳ ゴシック" panose="020B0609070205080204" pitchFamily="49" charset="-128"/>
+              </a:rPr>
+              <a:t>;</a:t>
+            </a:r>
+            <a:endParaRPr lang="ja-JP" altLang="en-US" sz="2000" dirty="0">
+              <a:latin typeface="ＭＳ ゴシック" panose="020B0609070205080204" pitchFamily="49" charset="-128"/>
+              <a:ea typeface="ＭＳ ゴシック" panose="020B0609070205080204" pitchFamily="49" charset="-128"/>
+            </a:endParaRPr>
+          </a:p>
+          <a:p>
+            <a:r>
+              <a:rPr lang="en-US" altLang="ja-JP" sz="2000" dirty="0">
+                <a:latin typeface="ＭＳ ゴシック" panose="020B0609070205080204" pitchFamily="49" charset="-128"/>
+                <a:ea typeface="ＭＳ ゴシック" panose="020B0609070205080204" pitchFamily="49" charset="-128"/>
+              </a:rPr>
+              <a:t>	…</a:t>
+            </a:r>
+            <a:r>
+              <a:rPr lang="ja-JP" altLang="en-US" sz="2000" dirty="0">
+                <a:latin typeface="ＭＳ ゴシック" panose="020B0609070205080204" pitchFamily="49" charset="-128"/>
+                <a:ea typeface="ＭＳ ゴシック" panose="020B0609070205080204" pitchFamily="49" charset="-128"/>
+              </a:rPr>
+              <a:t>処理１</a:t>
+            </a:r>
+            <a:r>
+              <a:rPr lang="en-US" altLang="ja-JP" sz="2000" dirty="0">
+                <a:latin typeface="ＭＳ ゴシック" panose="020B0609070205080204" pitchFamily="49" charset="-128"/>
+                <a:ea typeface="ＭＳ ゴシック" panose="020B0609070205080204" pitchFamily="49" charset="-128"/>
+              </a:rPr>
+              <a:t>…</a:t>
+            </a:r>
+            <a:br>
+              <a:rPr lang="en-US" altLang="ja-JP" sz="2000" dirty="0">
+                <a:latin typeface="ＭＳ ゴシック" panose="020B0609070205080204" pitchFamily="49" charset="-128"/>
+                <a:ea typeface="ＭＳ ゴシック" panose="020B0609070205080204" pitchFamily="49" charset="-128"/>
+              </a:rPr>
+            </a:br>
+            <a:r>
+              <a:rPr lang="en-US" altLang="ja-JP" sz="2000" dirty="0">
+                <a:latin typeface="ＭＳ ゴシック" panose="020B0609070205080204" pitchFamily="49" charset="-128"/>
+                <a:ea typeface="ＭＳ ゴシック" panose="020B0609070205080204" pitchFamily="49" charset="-128"/>
+              </a:rPr>
+              <a:t>	++i;</a:t>
+            </a:r>
+            <a:endParaRPr lang="ja-JP" altLang="en-US" sz="2000" dirty="0">
+              <a:latin typeface="ＭＳ ゴシック" panose="020B0609070205080204" pitchFamily="49" charset="-128"/>
+              <a:ea typeface="ＭＳ ゴシック" panose="020B0609070205080204" pitchFamily="49" charset="-128"/>
+            </a:endParaRPr>
+          </a:p>
+          <a:p>
+            <a:r>
+              <a:rPr lang="en-US" altLang="ja-JP" sz="2000" dirty="0">
+                <a:solidFill>
+                  <a:srgbClr val="0070C0"/>
+                </a:solidFill>
+                <a:latin typeface="ＭＳ ゴシック" panose="020B0609070205080204" pitchFamily="49" charset="-128"/>
+                <a:ea typeface="ＭＳ ゴシック" panose="020B0609070205080204" pitchFamily="49" charset="-128"/>
+              </a:rPr>
+              <a:t>	goto</a:t>
+            </a:r>
+            <a:r>
+              <a:rPr lang="en-US" altLang="ja-JP" sz="2000" dirty="0">
+                <a:latin typeface="ＭＳ ゴシック" panose="020B0609070205080204" pitchFamily="49" charset="-128"/>
+                <a:ea typeface="ＭＳ ゴシック" panose="020B0609070205080204" pitchFamily="49" charset="-128"/>
+              </a:rPr>
+              <a:t> </a:t>
+            </a:r>
+            <a:r>
+              <a:rPr lang="ja-JP" altLang="en-US" sz="2000" dirty="0">
+                <a:latin typeface="ＭＳ ゴシック" panose="020B0609070205080204" pitchFamily="49" charset="-128"/>
+                <a:ea typeface="ＭＳ ゴシック" panose="020B0609070205080204" pitchFamily="49" charset="-128"/>
+              </a:rPr>
+              <a:t>①</a:t>
+            </a:r>
+            <a:r>
+              <a:rPr lang="en-US" altLang="ja-JP" sz="2000" dirty="0">
+                <a:latin typeface="ＭＳ ゴシック" panose="020B0609070205080204" pitchFamily="49" charset="-128"/>
+                <a:ea typeface="ＭＳ ゴシック" panose="020B0609070205080204" pitchFamily="49" charset="-128"/>
+              </a:rPr>
+              <a:t>;</a:t>
+            </a:r>
+            <a:endParaRPr lang="ja-JP" altLang="en-US" sz="2000" dirty="0">
+              <a:latin typeface="ＭＳ ゴシック" panose="020B0609070205080204" pitchFamily="49" charset="-128"/>
+              <a:ea typeface="ＭＳ ゴシック" panose="020B0609070205080204" pitchFamily="49" charset="-128"/>
+            </a:endParaRPr>
+          </a:p>
+          <a:p>
+            <a:r>
+              <a:rPr lang="ja-JP" altLang="en-US" sz="2000" dirty="0">
+                <a:latin typeface="ＭＳ ゴシック" panose="020B0609070205080204" pitchFamily="49" charset="-128"/>
+                <a:ea typeface="ＭＳ ゴシック" panose="020B0609070205080204" pitchFamily="49" charset="-128"/>
+              </a:rPr>
+              <a:t>②</a:t>
+            </a:r>
+            <a:r>
+              <a:rPr lang="en-US" altLang="ja-JP" sz="2000" dirty="0">
+                <a:latin typeface="ＭＳ ゴシック" panose="020B0609070205080204" pitchFamily="49" charset="-128"/>
+                <a:ea typeface="ＭＳ ゴシック" panose="020B0609070205080204" pitchFamily="49" charset="-128"/>
+              </a:rPr>
+              <a:t>:</a:t>
+            </a:r>
+            <a:endParaRPr lang="ja-JP" altLang="en-US" sz="2000" dirty="0">
+              <a:latin typeface="ＭＳ ゴシック" panose="020B0609070205080204" pitchFamily="49" charset="-128"/>
+              <a:ea typeface="ＭＳ ゴシック" panose="020B0609070205080204" pitchFamily="49" charset="-128"/>
+            </a:endParaRPr>
+          </a:p>
+          <a:p>
+            <a:r>
+              <a:rPr lang="en-US" altLang="ja-JP" sz="2000" dirty="0">
+                <a:latin typeface="ＭＳ ゴシック" panose="020B0609070205080204" pitchFamily="49" charset="-128"/>
+                <a:ea typeface="ＭＳ ゴシック" panose="020B0609070205080204" pitchFamily="49" charset="-128"/>
+              </a:rPr>
+              <a:t>	…</a:t>
+            </a:r>
+            <a:r>
+              <a:rPr lang="ja-JP" altLang="en-US" sz="2000" dirty="0">
+                <a:latin typeface="ＭＳ ゴシック" panose="020B0609070205080204" pitchFamily="49" charset="-128"/>
+                <a:ea typeface="ＭＳ ゴシック" panose="020B0609070205080204" pitchFamily="49" charset="-128"/>
+              </a:rPr>
+              <a:t>処理２</a:t>
+            </a:r>
+            <a:r>
+              <a:rPr lang="en-US" altLang="ja-JP" sz="2000" dirty="0">
+                <a:latin typeface="ＭＳ ゴシック" panose="020B0609070205080204" pitchFamily="49" charset="-128"/>
+                <a:ea typeface="ＭＳ ゴシック" panose="020B0609070205080204" pitchFamily="49" charset="-128"/>
+              </a:rPr>
+              <a:t>…</a:t>
+            </a:r>
+            <a:endParaRPr lang="ja-JP" altLang="en-US" sz="2000" dirty="0">
+              <a:latin typeface="ＭＳ ゴシック" panose="020B0609070205080204" pitchFamily="49" charset="-128"/>
+              <a:ea typeface="ＭＳ ゴシック" panose="020B0609070205080204" pitchFamily="49" charset="-128"/>
+            </a:endParaRPr>
+          </a:p>
+        </p:txBody>
+      </p:sp>
+      <p:sp>
+        <p:nvSpPr>
+          <p:cNvPr id="7" name="テキスト ボックス 6">
+            <a:extLst>
+              <a:ext uri="{FF2B5EF4-FFF2-40B4-BE49-F238E27FC236}">
+                <a16:creationId xmlns:a16="http://schemas.microsoft.com/office/drawing/2014/main" id="{CA3C0F94-FF0E-0759-02CA-865656D4C26E}"/>
+              </a:ext>
+            </a:extLst>
+          </p:cNvPr>
+          <p:cNvSpPr txBox="1"/>
+          <p:nvPr/>
+        </p:nvSpPr>
+        <p:spPr>
+          <a:xfrm>
+            <a:off x="7996882" y="2675403"/>
+            <a:ext cx="2975920" cy="2862322"/>
+          </a:xfrm>
+          <a:prstGeom prst="rect">
+            <a:avLst/>
+          </a:prstGeom>
+          <a:noFill/>
+        </p:spPr>
+        <p:txBody>
+          <a:bodyPr wrap="square">
+            <a:spAutoFit/>
+          </a:bodyPr>
+          <a:lstStyle/>
+          <a:p>
+            <a:r>
+              <a:rPr lang="en-US" altLang="ja-JP" sz="2000" dirty="0">
+                <a:latin typeface="ＭＳ ゴシック" panose="020B0609070205080204" pitchFamily="49" charset="-128"/>
+                <a:ea typeface="ＭＳ ゴシック" panose="020B0609070205080204" pitchFamily="49" charset="-128"/>
+              </a:rPr>
+              <a:t>	</a:t>
+            </a:r>
+            <a:r>
+              <a:rPr lang="en-US" altLang="ja-JP" sz="2000" dirty="0">
+                <a:solidFill>
+                  <a:schemeClr val="accent4">
+                    <a:lumMod val="75000"/>
+                  </a:schemeClr>
+                </a:solidFill>
+                <a:latin typeface="ＭＳ ゴシック" panose="020B0609070205080204" pitchFamily="49" charset="-128"/>
+                <a:ea typeface="ＭＳ ゴシック" panose="020B0609070205080204" pitchFamily="49" charset="-128"/>
+              </a:rPr>
+              <a:t>MOV</a:t>
+            </a:r>
+            <a:r>
+              <a:rPr lang="en-US" altLang="ja-JP" sz="2000" dirty="0">
+                <a:latin typeface="ＭＳ ゴシック" panose="020B0609070205080204" pitchFamily="49" charset="-128"/>
+                <a:ea typeface="ＭＳ ゴシック" panose="020B0609070205080204" pitchFamily="49" charset="-128"/>
+              </a:rPr>
+              <a:t> i, 0</a:t>
+            </a:r>
+            <a:br>
+              <a:rPr lang="en-US" altLang="ja-JP" sz="2000" dirty="0">
+                <a:latin typeface="ＭＳ ゴシック" panose="020B0609070205080204" pitchFamily="49" charset="-128"/>
+                <a:ea typeface="ＭＳ ゴシック" panose="020B0609070205080204" pitchFamily="49" charset="-128"/>
+              </a:rPr>
+            </a:br>
+            <a:r>
+              <a:rPr lang="ja-JP" altLang="en-US" sz="2000" dirty="0">
+                <a:latin typeface="ＭＳ ゴシック" panose="020B0609070205080204" pitchFamily="49" charset="-128"/>
+                <a:ea typeface="ＭＳ ゴシック" panose="020B0609070205080204" pitchFamily="49" charset="-128"/>
+              </a:rPr>
+              <a:t>①</a:t>
+            </a:r>
+            <a:r>
+              <a:rPr lang="en-US" altLang="ja-JP" sz="2000" dirty="0">
+                <a:latin typeface="ＭＳ ゴシック" panose="020B0609070205080204" pitchFamily="49" charset="-128"/>
+                <a:ea typeface="ＭＳ ゴシック" panose="020B0609070205080204" pitchFamily="49" charset="-128"/>
+              </a:rPr>
+              <a:t>:</a:t>
+            </a:r>
+            <a:endParaRPr lang="ja-JP" altLang="en-US" sz="2000" dirty="0">
+              <a:solidFill>
+                <a:schemeClr val="accent5"/>
+              </a:solidFill>
+              <a:latin typeface="ＭＳ ゴシック" panose="020B0609070205080204" pitchFamily="49" charset="-128"/>
+              <a:ea typeface="ＭＳ ゴシック" panose="020B0609070205080204" pitchFamily="49" charset="-128"/>
+            </a:endParaRPr>
+          </a:p>
+          <a:p>
+            <a:r>
+              <a:rPr lang="en-US" altLang="ja-JP" sz="2000" dirty="0">
+                <a:latin typeface="ＭＳ ゴシック" panose="020B0609070205080204" pitchFamily="49" charset="-128"/>
+                <a:ea typeface="ＭＳ ゴシック" panose="020B0609070205080204" pitchFamily="49" charset="-128"/>
+              </a:rPr>
+              <a:t>	</a:t>
+            </a:r>
+            <a:r>
+              <a:rPr lang="en-US" altLang="ja-JP" sz="2000" dirty="0">
+                <a:solidFill>
+                  <a:srgbClr val="0070C0"/>
+                </a:solidFill>
+                <a:latin typeface="ＭＳ ゴシック" panose="020B0609070205080204" pitchFamily="49" charset="-128"/>
+                <a:ea typeface="ＭＳ ゴシック" panose="020B0609070205080204" pitchFamily="49" charset="-128"/>
+              </a:rPr>
+              <a:t>CMP</a:t>
+            </a:r>
+            <a:r>
+              <a:rPr lang="ja-JP" altLang="en-US" sz="2000" dirty="0">
+                <a:latin typeface="ＭＳ ゴシック" panose="020B0609070205080204" pitchFamily="49" charset="-128"/>
+                <a:ea typeface="ＭＳ ゴシック" panose="020B0609070205080204" pitchFamily="49" charset="-128"/>
+              </a:rPr>
+              <a:t> </a:t>
+            </a:r>
+            <a:r>
+              <a:rPr lang="en-US" altLang="ja-JP" sz="2000" dirty="0">
+                <a:latin typeface="ＭＳ ゴシック" panose="020B0609070205080204" pitchFamily="49" charset="-128"/>
+                <a:ea typeface="ＭＳ ゴシック" panose="020B0609070205080204" pitchFamily="49" charset="-128"/>
+              </a:rPr>
+              <a:t>i, 10</a:t>
+            </a:r>
+            <a:br>
+              <a:rPr lang="en-US" altLang="ja-JP" sz="2000" dirty="0">
+                <a:latin typeface="ＭＳ ゴシック" panose="020B0609070205080204" pitchFamily="49" charset="-128"/>
+                <a:ea typeface="ＭＳ ゴシック" panose="020B0609070205080204" pitchFamily="49" charset="-128"/>
+              </a:rPr>
+            </a:br>
+            <a:r>
+              <a:rPr lang="en-US" altLang="ja-JP" sz="2000" dirty="0">
+                <a:latin typeface="ＭＳ ゴシック" panose="020B0609070205080204" pitchFamily="49" charset="-128"/>
+                <a:ea typeface="ＭＳ ゴシック" panose="020B0609070205080204" pitchFamily="49" charset="-128"/>
+              </a:rPr>
+              <a:t>	</a:t>
+            </a:r>
+            <a:r>
+              <a:rPr lang="en-US" altLang="ja-JP" sz="2000" dirty="0">
+                <a:solidFill>
+                  <a:srgbClr val="0070C0"/>
+                </a:solidFill>
+                <a:latin typeface="ＭＳ ゴシック" panose="020B0609070205080204" pitchFamily="49" charset="-128"/>
+                <a:ea typeface="ＭＳ ゴシック" panose="020B0609070205080204" pitchFamily="49" charset="-128"/>
+              </a:rPr>
+              <a:t>JE</a:t>
+            </a:r>
+            <a:r>
+              <a:rPr lang="en-US" altLang="ja-JP" sz="2000" dirty="0">
+                <a:latin typeface="ＭＳ ゴシック" panose="020B0609070205080204" pitchFamily="49" charset="-128"/>
+                <a:ea typeface="ＭＳ ゴシック" panose="020B0609070205080204" pitchFamily="49" charset="-128"/>
+              </a:rPr>
+              <a:t> </a:t>
+            </a:r>
+            <a:r>
+              <a:rPr lang="ja-JP" altLang="en-US" sz="2000" dirty="0">
+                <a:latin typeface="ＭＳ ゴシック" panose="020B0609070205080204" pitchFamily="49" charset="-128"/>
+                <a:ea typeface="ＭＳ ゴシック" panose="020B0609070205080204" pitchFamily="49" charset="-128"/>
+              </a:rPr>
+              <a:t>②</a:t>
+            </a:r>
+          </a:p>
+          <a:p>
+            <a:r>
+              <a:rPr lang="en-US" altLang="ja-JP" sz="2000" dirty="0">
+                <a:latin typeface="ＭＳ ゴシック" panose="020B0609070205080204" pitchFamily="49" charset="-128"/>
+                <a:ea typeface="ＭＳ ゴシック" panose="020B0609070205080204" pitchFamily="49" charset="-128"/>
+              </a:rPr>
+              <a:t>	…</a:t>
+            </a:r>
+            <a:r>
+              <a:rPr lang="ja-JP" altLang="en-US" sz="2000" dirty="0">
+                <a:latin typeface="ＭＳ ゴシック" panose="020B0609070205080204" pitchFamily="49" charset="-128"/>
+                <a:ea typeface="ＭＳ ゴシック" panose="020B0609070205080204" pitchFamily="49" charset="-128"/>
+              </a:rPr>
+              <a:t>処理１</a:t>
+            </a:r>
+            <a:r>
+              <a:rPr lang="en-US" altLang="ja-JP" sz="2000" dirty="0">
+                <a:latin typeface="ＭＳ ゴシック" panose="020B0609070205080204" pitchFamily="49" charset="-128"/>
+                <a:ea typeface="ＭＳ ゴシック" panose="020B0609070205080204" pitchFamily="49" charset="-128"/>
+              </a:rPr>
+              <a:t>… </a:t>
+            </a:r>
+            <a:br>
+              <a:rPr lang="en-US" altLang="ja-JP" sz="2000" dirty="0">
+                <a:latin typeface="ＭＳ ゴシック" panose="020B0609070205080204" pitchFamily="49" charset="-128"/>
+                <a:ea typeface="ＭＳ ゴシック" panose="020B0609070205080204" pitchFamily="49" charset="-128"/>
+              </a:rPr>
+            </a:br>
+            <a:r>
+              <a:rPr lang="en-US" altLang="ja-JP" sz="2000" dirty="0">
+                <a:latin typeface="ＭＳ ゴシック" panose="020B0609070205080204" pitchFamily="49" charset="-128"/>
+                <a:ea typeface="ＭＳ ゴシック" panose="020B0609070205080204" pitchFamily="49" charset="-128"/>
+              </a:rPr>
+              <a:t>	</a:t>
+            </a:r>
+            <a:r>
+              <a:rPr lang="en-US" altLang="ja-JP" sz="2000" dirty="0">
+                <a:solidFill>
+                  <a:schemeClr val="accent4">
+                    <a:lumMod val="75000"/>
+                  </a:schemeClr>
+                </a:solidFill>
+                <a:latin typeface="ＭＳ ゴシック" panose="020B0609070205080204" pitchFamily="49" charset="-128"/>
+                <a:ea typeface="ＭＳ ゴシック" panose="020B0609070205080204" pitchFamily="49" charset="-128"/>
+              </a:rPr>
+              <a:t>INC</a:t>
+            </a:r>
+            <a:r>
+              <a:rPr lang="en-US" altLang="ja-JP" sz="2000" dirty="0">
+                <a:latin typeface="ＭＳ ゴシック" panose="020B0609070205080204" pitchFamily="49" charset="-128"/>
+                <a:ea typeface="ＭＳ ゴシック" panose="020B0609070205080204" pitchFamily="49" charset="-128"/>
+              </a:rPr>
+              <a:t> i</a:t>
+            </a:r>
+          </a:p>
+          <a:p>
+            <a:r>
+              <a:rPr lang="en-US" altLang="ja-JP" sz="2000" dirty="0">
+                <a:solidFill>
+                  <a:srgbClr val="0070C0"/>
+                </a:solidFill>
+                <a:latin typeface="ＭＳ ゴシック" panose="020B0609070205080204" pitchFamily="49" charset="-128"/>
+                <a:ea typeface="ＭＳ ゴシック" panose="020B0609070205080204" pitchFamily="49" charset="-128"/>
+              </a:rPr>
+              <a:t>	JMP</a:t>
+            </a:r>
+            <a:r>
+              <a:rPr lang="en-US" altLang="ja-JP" sz="2000" dirty="0">
+                <a:latin typeface="ＭＳ ゴシック" panose="020B0609070205080204" pitchFamily="49" charset="-128"/>
+                <a:ea typeface="ＭＳ ゴシック" panose="020B0609070205080204" pitchFamily="49" charset="-128"/>
+              </a:rPr>
+              <a:t> </a:t>
+            </a:r>
+            <a:r>
+              <a:rPr lang="ja-JP" altLang="en-US" sz="2000" dirty="0">
+                <a:latin typeface="ＭＳ ゴシック" panose="020B0609070205080204" pitchFamily="49" charset="-128"/>
+                <a:ea typeface="ＭＳ ゴシック" panose="020B0609070205080204" pitchFamily="49" charset="-128"/>
+              </a:rPr>
+              <a:t>①</a:t>
+            </a:r>
+          </a:p>
+          <a:p>
+            <a:r>
+              <a:rPr lang="ja-JP" altLang="en-US" sz="2000" dirty="0">
+                <a:latin typeface="ＭＳ ゴシック" panose="020B0609070205080204" pitchFamily="49" charset="-128"/>
+                <a:ea typeface="ＭＳ ゴシック" panose="020B0609070205080204" pitchFamily="49" charset="-128"/>
+              </a:rPr>
+              <a:t>②</a:t>
+            </a:r>
+            <a:r>
+              <a:rPr lang="en-US" altLang="ja-JP" sz="2000" dirty="0">
+                <a:latin typeface="ＭＳ ゴシック" panose="020B0609070205080204" pitchFamily="49" charset="-128"/>
+                <a:ea typeface="ＭＳ ゴシック" panose="020B0609070205080204" pitchFamily="49" charset="-128"/>
+              </a:rPr>
+              <a:t>:</a:t>
+            </a:r>
+            <a:endParaRPr lang="ja-JP" altLang="en-US" sz="2000" dirty="0">
+              <a:latin typeface="ＭＳ ゴシック" panose="020B0609070205080204" pitchFamily="49" charset="-128"/>
+              <a:ea typeface="ＭＳ ゴシック" panose="020B0609070205080204" pitchFamily="49" charset="-128"/>
+            </a:endParaRPr>
+          </a:p>
+          <a:p>
+            <a:r>
+              <a:rPr lang="en-US" altLang="ja-JP" sz="2000" dirty="0">
+                <a:latin typeface="ＭＳ ゴシック" panose="020B0609070205080204" pitchFamily="49" charset="-128"/>
+                <a:ea typeface="ＭＳ ゴシック" panose="020B0609070205080204" pitchFamily="49" charset="-128"/>
+              </a:rPr>
+              <a:t>	…</a:t>
+            </a:r>
+            <a:r>
+              <a:rPr lang="ja-JP" altLang="en-US" sz="2000" dirty="0">
+                <a:latin typeface="ＭＳ ゴシック" panose="020B0609070205080204" pitchFamily="49" charset="-128"/>
+                <a:ea typeface="ＭＳ ゴシック" panose="020B0609070205080204" pitchFamily="49" charset="-128"/>
+              </a:rPr>
+              <a:t>処理２</a:t>
+            </a:r>
+            <a:r>
+              <a:rPr lang="en-US" altLang="ja-JP" sz="2000" dirty="0">
+                <a:latin typeface="ＭＳ ゴシック" panose="020B0609070205080204" pitchFamily="49" charset="-128"/>
+                <a:ea typeface="ＭＳ ゴシック" panose="020B0609070205080204" pitchFamily="49" charset="-128"/>
+              </a:rPr>
+              <a:t>…</a:t>
+            </a:r>
+            <a:endParaRPr lang="ja-JP" altLang="en-US" sz="2000" dirty="0">
+              <a:latin typeface="ＭＳ ゴシック" panose="020B0609070205080204" pitchFamily="49" charset="-128"/>
+              <a:ea typeface="ＭＳ ゴシック" panose="020B0609070205080204" pitchFamily="49" charset="-128"/>
+            </a:endParaRPr>
+          </a:p>
+        </p:txBody>
+      </p:sp>
+      <p:sp>
+        <p:nvSpPr>
+          <p:cNvPr id="3" name="正方形/長方形 2">
+            <a:extLst>
+              <a:ext uri="{FF2B5EF4-FFF2-40B4-BE49-F238E27FC236}">
+                <a16:creationId xmlns:a16="http://schemas.microsoft.com/office/drawing/2014/main" id="{ACE78460-4B21-77B3-7E4E-943D1DD32734}"/>
+              </a:ext>
+            </a:extLst>
+          </p:cNvPr>
+          <p:cNvSpPr/>
+          <p:nvPr/>
+        </p:nvSpPr>
+        <p:spPr>
+          <a:xfrm>
+            <a:off x="838198" y="2125367"/>
+            <a:ext cx="3476367" cy="319379"/>
+          </a:xfrm>
+          <a:prstGeom prst="rect">
+            <a:avLst/>
+          </a:prstGeom>
+        </p:spPr>
+        <p:style>
+          <a:lnRef idx="2">
+            <a:schemeClr val="accent1">
+              <a:shade val="15000"/>
+            </a:schemeClr>
+          </a:lnRef>
+          <a:fillRef idx="1">
+            <a:schemeClr val="accent1"/>
+          </a:fillRef>
+          <a:effectRef idx="0">
+            <a:schemeClr val="accent1"/>
+          </a:effectRef>
+          <a:fontRef idx="minor">
+            <a:schemeClr val="lt1"/>
+          </a:fontRef>
+        </p:style>
+        <p:txBody>
+          <a:bodyPr rtlCol="0" anchor="ctr"/>
+          <a:lstStyle/>
+          <a:p>
+            <a:pPr algn="ctr"/>
+            <a:r>
+              <a:rPr kumimoji="1" lang="en-US" altLang="ja-JP" dirty="0"/>
+              <a:t>C</a:t>
+            </a:r>
+            <a:r>
+              <a:rPr kumimoji="1" lang="ja-JP" altLang="en-US" dirty="0"/>
+              <a:t>言語</a:t>
+            </a:r>
+            <a:r>
+              <a:rPr kumimoji="1" lang="en-US" altLang="ja-JP" dirty="0"/>
+              <a:t>1</a:t>
+            </a:r>
+            <a:endParaRPr kumimoji="1" lang="ja-JP" altLang="en-US" dirty="0"/>
+          </a:p>
+        </p:txBody>
+      </p:sp>
+      <p:sp>
+        <p:nvSpPr>
+          <p:cNvPr id="4" name="正方形/長方形 3">
+            <a:extLst>
+              <a:ext uri="{FF2B5EF4-FFF2-40B4-BE49-F238E27FC236}">
+                <a16:creationId xmlns:a16="http://schemas.microsoft.com/office/drawing/2014/main" id="{5BF016BD-A323-9B84-2B7A-2A523B6EA74C}"/>
+              </a:ext>
+            </a:extLst>
+          </p:cNvPr>
+          <p:cNvSpPr/>
+          <p:nvPr/>
+        </p:nvSpPr>
+        <p:spPr>
+          <a:xfrm>
+            <a:off x="4511760" y="2119060"/>
+            <a:ext cx="3168479" cy="319379"/>
+          </a:xfrm>
+          <a:prstGeom prst="rect">
+            <a:avLst/>
+          </a:prstGeom>
+        </p:spPr>
+        <p:style>
+          <a:lnRef idx="2">
+            <a:schemeClr val="accent1">
+              <a:shade val="15000"/>
+            </a:schemeClr>
+          </a:lnRef>
+          <a:fillRef idx="1">
+            <a:schemeClr val="accent1"/>
+          </a:fillRef>
+          <a:effectRef idx="0">
+            <a:schemeClr val="accent1"/>
+          </a:effectRef>
+          <a:fontRef idx="minor">
+            <a:schemeClr val="lt1"/>
+          </a:fontRef>
+        </p:style>
+        <p:txBody>
+          <a:bodyPr rtlCol="0" anchor="ctr"/>
+          <a:lstStyle/>
+          <a:p>
+            <a:pPr algn="ctr"/>
+            <a:r>
+              <a:rPr kumimoji="1" lang="en-US" altLang="ja-JP" dirty="0"/>
+              <a:t>C</a:t>
+            </a:r>
+            <a:r>
+              <a:rPr kumimoji="1" lang="ja-JP" altLang="en-US" dirty="0"/>
+              <a:t>言語</a:t>
+            </a:r>
+            <a:r>
+              <a:rPr kumimoji="1" lang="en-US" altLang="ja-JP" dirty="0"/>
+              <a:t>2</a:t>
+            </a:r>
+            <a:endParaRPr kumimoji="1" lang="ja-JP" altLang="en-US" dirty="0"/>
+          </a:p>
+        </p:txBody>
+      </p:sp>
+      <p:sp>
+        <p:nvSpPr>
+          <p:cNvPr id="8" name="正方形/長方形 7">
+            <a:extLst>
+              <a:ext uri="{FF2B5EF4-FFF2-40B4-BE49-F238E27FC236}">
+                <a16:creationId xmlns:a16="http://schemas.microsoft.com/office/drawing/2014/main" id="{65E0FC3C-C7B0-6661-E2E6-37F207D8E89D}"/>
+              </a:ext>
+            </a:extLst>
+          </p:cNvPr>
+          <p:cNvSpPr/>
+          <p:nvPr/>
+        </p:nvSpPr>
+        <p:spPr>
+          <a:xfrm>
+            <a:off x="7996882" y="2119060"/>
+            <a:ext cx="2728783" cy="319379"/>
+          </a:xfrm>
+          <a:prstGeom prst="rect">
+            <a:avLst/>
+          </a:prstGeom>
+        </p:spPr>
+        <p:style>
+          <a:lnRef idx="2">
+            <a:schemeClr val="accent1">
+              <a:shade val="15000"/>
+            </a:schemeClr>
+          </a:lnRef>
+          <a:fillRef idx="1">
+            <a:schemeClr val="accent1"/>
+          </a:fillRef>
+          <a:effectRef idx="0">
+            <a:schemeClr val="accent1"/>
+          </a:effectRef>
+          <a:fontRef idx="minor">
+            <a:schemeClr val="lt1"/>
+          </a:fontRef>
+        </p:style>
+        <p:txBody>
+          <a:bodyPr rtlCol="0" anchor="ctr"/>
+          <a:lstStyle/>
+          <a:p>
+            <a:pPr algn="ctr"/>
+            <a:r>
+              <a:rPr kumimoji="1" lang="ja-JP" altLang="en-US" dirty="0"/>
+              <a:t>アセンブリ言語</a:t>
+            </a:r>
+          </a:p>
+        </p:txBody>
+      </p:sp>
+    </p:spTree>
+    <p:extLst>
+      <p:ext uri="{BB962C8B-B14F-4D97-AF65-F5344CB8AC3E}">
+        <p14:creationId xmlns:p14="http://schemas.microsoft.com/office/powerpoint/2010/main" val="1365944354"/>
       </p:ext>
     </p:extLst>
   </p:cSld>
